--- a/PalMod2022/docs/ppt/6.1_variable_calling.pptx
+++ b/PalMod2022/docs/ppt/6.1_variable_calling.pptx
@@ -4,13 +4,18 @@
   <p:sldMasterIdLst>
     <p:sldMasterId id="2147483648" r:id="rId1"/>
   </p:sldMasterIdLst>
+  <p:notesMasterIdLst>
+    <p:notesMasterId r:id="rId10"/>
+  </p:notesMasterIdLst>
   <p:sldIdLst>
-    <p:sldId id="262" r:id="rId2"/>
-    <p:sldId id="267" r:id="rId3"/>
-    <p:sldId id="268" r:id="rId4"/>
-    <p:sldId id="269" r:id="rId5"/>
-    <p:sldId id="270" r:id="rId6"/>
-    <p:sldId id="271" r:id="rId7"/>
+    <p:sldId id="306" r:id="rId2"/>
+    <p:sldId id="318" r:id="rId3"/>
+    <p:sldId id="262" r:id="rId4"/>
+    <p:sldId id="267" r:id="rId5"/>
+    <p:sldId id="268" r:id="rId6"/>
+    <p:sldId id="269" r:id="rId7"/>
+    <p:sldId id="270" r:id="rId8"/>
+    <p:sldId id="271" r:id="rId9"/>
   </p:sldIdLst>
   <p:sldSz cx="12192000" cy="6858000"/>
   <p:notesSz cx="6858000" cy="9144000"/>
@@ -117,6 +122,443 @@
 </p:presentation>
 </file>
 
+<file path=ppt/notesMasters/notesMaster1.xml><?xml version="1.0" encoding="utf-8"?>
+<p:notesMaster xmlns:a="http://schemas.openxmlformats.org/drawingml/2006/main" xmlns:r="http://schemas.openxmlformats.org/officeDocument/2006/relationships" xmlns:p="http://schemas.openxmlformats.org/presentationml/2006/main">
+  <p:cSld>
+    <p:bg>
+      <p:bgRef idx="1001">
+        <a:schemeClr val="bg1"/>
+      </p:bgRef>
+    </p:bg>
+    <p:spTree>
+      <p:nvGrpSpPr>
+        <p:cNvPr id="1" name=""/>
+        <p:cNvGrpSpPr/>
+        <p:nvPr/>
+      </p:nvGrpSpPr>
+      <p:grpSpPr>
+        <a:xfrm>
+          <a:off x="0" y="0"/>
+          <a:ext cx="0" cy="0"/>
+          <a:chOff x="0" y="0"/>
+          <a:chExt cx="0" cy="0"/>
+        </a:xfrm>
+      </p:grpSpPr>
+      <p:sp>
+        <p:nvSpPr>
+          <p:cNvPr id="2" name="Header Placeholder 1"/>
+          <p:cNvSpPr>
+            <a:spLocks noGrp="1"/>
+          </p:cNvSpPr>
+          <p:nvPr>
+            <p:ph type="hdr" sz="quarter"/>
+          </p:nvPr>
+        </p:nvSpPr>
+        <p:spPr>
+          <a:xfrm>
+            <a:off x="0" y="0"/>
+            <a:ext cx="2971800" cy="458788"/>
+          </a:xfrm>
+          <a:prstGeom prst="rect">
+            <a:avLst/>
+          </a:prstGeom>
+        </p:spPr>
+        <p:txBody>
+          <a:bodyPr vert="horz" lIns="91440" tIns="45720" rIns="91440" bIns="45720" rtlCol="0"/>
+          <a:lstStyle>
+            <a:lvl1pPr algn="l">
+              <a:defRPr sz="1200"/>
+            </a:lvl1pPr>
+          </a:lstStyle>
+          <a:p>
+            <a:endParaRPr lang="en-GB"/>
+          </a:p>
+        </p:txBody>
+      </p:sp>
+      <p:sp>
+        <p:nvSpPr>
+          <p:cNvPr id="3" name="Date Placeholder 2"/>
+          <p:cNvSpPr>
+            <a:spLocks noGrp="1"/>
+          </p:cNvSpPr>
+          <p:nvPr>
+            <p:ph type="dt" idx="1"/>
+          </p:nvPr>
+        </p:nvSpPr>
+        <p:spPr>
+          <a:xfrm>
+            <a:off x="3884613" y="0"/>
+            <a:ext cx="2971800" cy="458788"/>
+          </a:xfrm>
+          <a:prstGeom prst="rect">
+            <a:avLst/>
+          </a:prstGeom>
+        </p:spPr>
+        <p:txBody>
+          <a:bodyPr vert="horz" lIns="91440" tIns="45720" rIns="91440" bIns="45720" rtlCol="0"/>
+          <a:lstStyle>
+            <a:lvl1pPr algn="r">
+              <a:defRPr sz="1200"/>
+            </a:lvl1pPr>
+          </a:lstStyle>
+          <a:p>
+            <a:fld id="{E9171268-5A1B-9A47-80EE-9349D6C77AE0}" type="datetimeFigureOut">
+              <a:rPr lang="en-GB" smtClean="0"/>
+              <a:t>19/04/2022</a:t>
+            </a:fld>
+            <a:endParaRPr lang="en-GB"/>
+          </a:p>
+        </p:txBody>
+      </p:sp>
+      <p:sp>
+        <p:nvSpPr>
+          <p:cNvPr id="4" name="Slide Image Placeholder 3"/>
+          <p:cNvSpPr>
+            <a:spLocks noGrp="1" noRot="1" noChangeAspect="1"/>
+          </p:cNvSpPr>
+          <p:nvPr>
+            <p:ph type="sldImg" idx="2"/>
+          </p:nvPr>
+        </p:nvSpPr>
+        <p:spPr>
+          <a:xfrm>
+            <a:off x="685800" y="1143000"/>
+            <a:ext cx="5486400" cy="3086100"/>
+          </a:xfrm>
+          <a:prstGeom prst="rect">
+            <a:avLst/>
+          </a:prstGeom>
+          <a:noFill/>
+          <a:ln w="12700">
+            <a:solidFill>
+              <a:prstClr val="black"/>
+            </a:solidFill>
+          </a:ln>
+        </p:spPr>
+        <p:txBody>
+          <a:bodyPr vert="horz" lIns="91440" tIns="45720" rIns="91440" bIns="45720" rtlCol="0" anchor="ctr"/>
+          <a:lstStyle/>
+          <a:p>
+            <a:endParaRPr lang="en-GB"/>
+          </a:p>
+        </p:txBody>
+      </p:sp>
+      <p:sp>
+        <p:nvSpPr>
+          <p:cNvPr id="5" name="Notes Placeholder 4"/>
+          <p:cNvSpPr>
+            <a:spLocks noGrp="1"/>
+          </p:cNvSpPr>
+          <p:nvPr>
+            <p:ph type="body" sz="quarter" idx="3"/>
+          </p:nvPr>
+        </p:nvSpPr>
+        <p:spPr>
+          <a:xfrm>
+            <a:off x="685800" y="4400550"/>
+            <a:ext cx="5486400" cy="3600450"/>
+          </a:xfrm>
+          <a:prstGeom prst="rect">
+            <a:avLst/>
+          </a:prstGeom>
+        </p:spPr>
+        <p:txBody>
+          <a:bodyPr vert="horz" lIns="91440" tIns="45720" rIns="91440" bIns="45720" rtlCol="0"/>
+          <a:lstStyle/>
+          <a:p>
+            <a:pPr lvl="0"/>
+            <a:r>
+              <a:rPr lang="en-US"/>
+              <a:t>Click to edit Master text styles</a:t>
+            </a:r>
+          </a:p>
+          <a:p>
+            <a:pPr lvl="1"/>
+            <a:r>
+              <a:rPr lang="en-US"/>
+              <a:t>Second level</a:t>
+            </a:r>
+          </a:p>
+          <a:p>
+            <a:pPr lvl="2"/>
+            <a:r>
+              <a:rPr lang="en-US"/>
+              <a:t>Third level</a:t>
+            </a:r>
+          </a:p>
+          <a:p>
+            <a:pPr lvl="3"/>
+            <a:r>
+              <a:rPr lang="en-US"/>
+              <a:t>Fourth level</a:t>
+            </a:r>
+          </a:p>
+          <a:p>
+            <a:pPr lvl="4"/>
+            <a:r>
+              <a:rPr lang="en-US"/>
+              <a:t>Fifth level</a:t>
+            </a:r>
+            <a:endParaRPr lang="en-GB"/>
+          </a:p>
+        </p:txBody>
+      </p:sp>
+      <p:sp>
+        <p:nvSpPr>
+          <p:cNvPr id="6" name="Footer Placeholder 5"/>
+          <p:cNvSpPr>
+            <a:spLocks noGrp="1"/>
+          </p:cNvSpPr>
+          <p:nvPr>
+            <p:ph type="ftr" sz="quarter" idx="4"/>
+          </p:nvPr>
+        </p:nvSpPr>
+        <p:spPr>
+          <a:xfrm>
+            <a:off x="0" y="8685213"/>
+            <a:ext cx="2971800" cy="458787"/>
+          </a:xfrm>
+          <a:prstGeom prst="rect">
+            <a:avLst/>
+          </a:prstGeom>
+        </p:spPr>
+        <p:txBody>
+          <a:bodyPr vert="horz" lIns="91440" tIns="45720" rIns="91440" bIns="45720" rtlCol="0" anchor="b"/>
+          <a:lstStyle>
+            <a:lvl1pPr algn="l">
+              <a:defRPr sz="1200"/>
+            </a:lvl1pPr>
+          </a:lstStyle>
+          <a:p>
+            <a:endParaRPr lang="en-GB"/>
+          </a:p>
+        </p:txBody>
+      </p:sp>
+      <p:sp>
+        <p:nvSpPr>
+          <p:cNvPr id="7" name="Slide Number Placeholder 6"/>
+          <p:cNvSpPr>
+            <a:spLocks noGrp="1"/>
+          </p:cNvSpPr>
+          <p:nvPr>
+            <p:ph type="sldNum" sz="quarter" idx="5"/>
+          </p:nvPr>
+        </p:nvSpPr>
+        <p:spPr>
+          <a:xfrm>
+            <a:off x="3884613" y="8685213"/>
+            <a:ext cx="2971800" cy="458787"/>
+          </a:xfrm>
+          <a:prstGeom prst="rect">
+            <a:avLst/>
+          </a:prstGeom>
+        </p:spPr>
+        <p:txBody>
+          <a:bodyPr vert="horz" lIns="91440" tIns="45720" rIns="91440" bIns="45720" rtlCol="0" anchor="b"/>
+          <a:lstStyle>
+            <a:lvl1pPr algn="r">
+              <a:defRPr sz="1200"/>
+            </a:lvl1pPr>
+          </a:lstStyle>
+          <a:p>
+            <a:fld id="{ED6DD9FF-D44D-CF47-A628-B3D358BB161B}" type="slidenum">
+              <a:rPr lang="en-GB" smtClean="0"/>
+              <a:t>‹#›</a:t>
+            </a:fld>
+            <a:endParaRPr lang="en-GB"/>
+          </a:p>
+        </p:txBody>
+      </p:sp>
+    </p:spTree>
+    <p:extLst>
+      <p:ext uri="{BB962C8B-B14F-4D97-AF65-F5344CB8AC3E}">
+        <p14:creationId xmlns:p14="http://schemas.microsoft.com/office/powerpoint/2010/main" val="2855614339"/>
+      </p:ext>
+    </p:extLst>
+  </p:cSld>
+  <p:clrMap bg1="lt1" tx1="dk1" bg2="lt2" tx2="dk2" accent1="accent1" accent2="accent2" accent3="accent3" accent4="accent4" accent5="accent5" accent6="accent6" hlink="hlink" folHlink="folHlink"/>
+  <p:notesStyle>
+    <a:lvl1pPr marL="0" algn="l" defTabSz="914400" rtl="0" eaLnBrk="1" latinLnBrk="0" hangingPunct="1">
+      <a:defRPr sz="1200" kern="1200">
+        <a:solidFill>
+          <a:schemeClr val="tx1"/>
+        </a:solidFill>
+        <a:latin typeface="+mn-lt"/>
+        <a:ea typeface="+mn-ea"/>
+        <a:cs typeface="+mn-cs"/>
+      </a:defRPr>
+    </a:lvl1pPr>
+    <a:lvl2pPr marL="457200" algn="l" defTabSz="914400" rtl="0" eaLnBrk="1" latinLnBrk="0" hangingPunct="1">
+      <a:defRPr sz="1200" kern="1200">
+        <a:solidFill>
+          <a:schemeClr val="tx1"/>
+        </a:solidFill>
+        <a:latin typeface="+mn-lt"/>
+        <a:ea typeface="+mn-ea"/>
+        <a:cs typeface="+mn-cs"/>
+      </a:defRPr>
+    </a:lvl2pPr>
+    <a:lvl3pPr marL="914400" algn="l" defTabSz="914400" rtl="0" eaLnBrk="1" latinLnBrk="0" hangingPunct="1">
+      <a:defRPr sz="1200" kern="1200">
+        <a:solidFill>
+          <a:schemeClr val="tx1"/>
+        </a:solidFill>
+        <a:latin typeface="+mn-lt"/>
+        <a:ea typeface="+mn-ea"/>
+        <a:cs typeface="+mn-cs"/>
+      </a:defRPr>
+    </a:lvl3pPr>
+    <a:lvl4pPr marL="1371600" algn="l" defTabSz="914400" rtl="0" eaLnBrk="1" latinLnBrk="0" hangingPunct="1">
+      <a:defRPr sz="1200" kern="1200">
+        <a:solidFill>
+          <a:schemeClr val="tx1"/>
+        </a:solidFill>
+        <a:latin typeface="+mn-lt"/>
+        <a:ea typeface="+mn-ea"/>
+        <a:cs typeface="+mn-cs"/>
+      </a:defRPr>
+    </a:lvl4pPr>
+    <a:lvl5pPr marL="1828800" algn="l" defTabSz="914400" rtl="0" eaLnBrk="1" latinLnBrk="0" hangingPunct="1">
+      <a:defRPr sz="1200" kern="1200">
+        <a:solidFill>
+          <a:schemeClr val="tx1"/>
+        </a:solidFill>
+        <a:latin typeface="+mn-lt"/>
+        <a:ea typeface="+mn-ea"/>
+        <a:cs typeface="+mn-cs"/>
+      </a:defRPr>
+    </a:lvl5pPr>
+    <a:lvl6pPr marL="2286000" algn="l" defTabSz="914400" rtl="0" eaLnBrk="1" latinLnBrk="0" hangingPunct="1">
+      <a:defRPr sz="1200" kern="1200">
+        <a:solidFill>
+          <a:schemeClr val="tx1"/>
+        </a:solidFill>
+        <a:latin typeface="+mn-lt"/>
+        <a:ea typeface="+mn-ea"/>
+        <a:cs typeface="+mn-cs"/>
+      </a:defRPr>
+    </a:lvl6pPr>
+    <a:lvl7pPr marL="2743200" algn="l" defTabSz="914400" rtl="0" eaLnBrk="1" latinLnBrk="0" hangingPunct="1">
+      <a:defRPr sz="1200" kern="1200">
+        <a:solidFill>
+          <a:schemeClr val="tx1"/>
+        </a:solidFill>
+        <a:latin typeface="+mn-lt"/>
+        <a:ea typeface="+mn-ea"/>
+        <a:cs typeface="+mn-cs"/>
+      </a:defRPr>
+    </a:lvl7pPr>
+    <a:lvl8pPr marL="3200400" algn="l" defTabSz="914400" rtl="0" eaLnBrk="1" latinLnBrk="0" hangingPunct="1">
+      <a:defRPr sz="1200" kern="1200">
+        <a:solidFill>
+          <a:schemeClr val="tx1"/>
+        </a:solidFill>
+        <a:latin typeface="+mn-lt"/>
+        <a:ea typeface="+mn-ea"/>
+        <a:cs typeface="+mn-cs"/>
+      </a:defRPr>
+    </a:lvl8pPr>
+    <a:lvl9pPr marL="3657600" algn="l" defTabSz="914400" rtl="0" eaLnBrk="1" latinLnBrk="0" hangingPunct="1">
+      <a:defRPr sz="1200" kern="1200">
+        <a:solidFill>
+          <a:schemeClr val="tx1"/>
+        </a:solidFill>
+        <a:latin typeface="+mn-lt"/>
+        <a:ea typeface="+mn-ea"/>
+        <a:cs typeface="+mn-cs"/>
+      </a:defRPr>
+    </a:lvl9pPr>
+  </p:notesStyle>
+</p:notesMaster>
+</file>
+
+<file path=ppt/notesSlides/notesSlide1.xml><?xml version="1.0" encoding="utf-8"?>
+<p:notes xmlns:a="http://schemas.openxmlformats.org/drawingml/2006/main" xmlns:r="http://schemas.openxmlformats.org/officeDocument/2006/relationships" xmlns:p="http://schemas.openxmlformats.org/presentationml/2006/main">
+  <p:cSld>
+    <p:spTree>
+      <p:nvGrpSpPr>
+        <p:cNvPr id="1" name=""/>
+        <p:cNvGrpSpPr/>
+        <p:nvPr/>
+      </p:nvGrpSpPr>
+      <p:grpSpPr>
+        <a:xfrm>
+          <a:off x="0" y="0"/>
+          <a:ext cx="0" cy="0"/>
+          <a:chOff x="0" y="0"/>
+          <a:chExt cx="0" cy="0"/>
+        </a:xfrm>
+      </p:grpSpPr>
+      <p:sp>
+        <p:nvSpPr>
+          <p:cNvPr id="2" name="Slide Image Placeholder 1"/>
+          <p:cNvSpPr>
+            <a:spLocks noGrp="1" noRot="1" noChangeAspect="1"/>
+          </p:cNvSpPr>
+          <p:nvPr>
+            <p:ph type="sldImg"/>
+          </p:nvPr>
+        </p:nvSpPr>
+        <p:spPr/>
+      </p:sp>
+      <p:sp>
+        <p:nvSpPr>
+          <p:cNvPr id="3" name="Notes Placeholder 2"/>
+          <p:cNvSpPr>
+            <a:spLocks noGrp="1"/>
+          </p:cNvSpPr>
+          <p:nvPr>
+            <p:ph type="body" idx="1"/>
+          </p:nvPr>
+        </p:nvSpPr>
+        <p:spPr/>
+        <p:txBody>
+          <a:bodyPr/>
+          <a:lstStyle/>
+          <a:p>
+            <a:r>
+              <a:rPr lang="tr-TR"/>
+              <a:t>Miguel</a:t>
+            </a:r>
+          </a:p>
+        </p:txBody>
+      </p:sp>
+      <p:sp>
+        <p:nvSpPr>
+          <p:cNvPr id="4" name="Slide Number Placeholder 3"/>
+          <p:cNvSpPr>
+            <a:spLocks noGrp="1"/>
+          </p:cNvSpPr>
+          <p:nvPr>
+            <p:ph type="sldNum" sz="quarter" idx="10"/>
+          </p:nvPr>
+        </p:nvSpPr>
+        <p:spPr/>
+        <p:txBody>
+          <a:bodyPr/>
+          <a:lstStyle/>
+          <a:p>
+            <a:fld id="{2C44A82D-0EB8-4BFC-931E-F0AB6B26A44C}" type="slidenum">
+              <a:rPr lang="tr-TR" smtClean="0"/>
+              <a:t>2</a:t>
+            </a:fld>
+            <a:endParaRPr lang="tr-TR"/>
+          </a:p>
+        </p:txBody>
+      </p:sp>
+    </p:spTree>
+    <p:extLst>
+      <p:ext uri="{BB962C8B-B14F-4D97-AF65-F5344CB8AC3E}">
+        <p14:creationId xmlns:p14="http://schemas.microsoft.com/office/powerpoint/2010/main" val="288016220"/>
+      </p:ext>
+    </p:extLst>
+  </p:cSld>
+  <p:clrMapOvr>
+    <a:masterClrMapping/>
+  </p:clrMapOvr>
+</p:notes>
+</file>
+
 <file path=ppt/slideLayouts/slideLayout1.xml><?xml version="1.0" encoding="utf-8"?>
 <p:sldLayout xmlns:a="http://schemas.openxmlformats.org/drawingml/2006/main" xmlns:r="http://schemas.openxmlformats.org/officeDocument/2006/relationships" xmlns:p="http://schemas.openxmlformats.org/presentationml/2006/main" type="title" preserve="1">
   <p:cSld name="Title Slide">
@@ -248,7 +690,7 @@
           <a:p>
             <a:fld id="{6A96EA6E-A9F3-40C8-A047-16E35C64F658}" type="datetimeFigureOut">
               <a:rPr lang="tr-TR" smtClean="0"/>
-              <a:t>15.04.2022</a:t>
+              <a:t>19.04.2022</a:t>
             </a:fld>
             <a:endParaRPr lang="tr-TR"/>
           </a:p>
@@ -418,7 +860,7 @@
           <a:p>
             <a:fld id="{6A96EA6E-A9F3-40C8-A047-16E35C64F658}" type="datetimeFigureOut">
               <a:rPr lang="tr-TR" smtClean="0"/>
-              <a:t>15.04.2022</a:t>
+              <a:t>19.04.2022</a:t>
             </a:fld>
             <a:endParaRPr lang="tr-TR"/>
           </a:p>
@@ -598,7 +1040,7 @@
           <a:p>
             <a:fld id="{6A96EA6E-A9F3-40C8-A047-16E35C64F658}" type="datetimeFigureOut">
               <a:rPr lang="tr-TR" smtClean="0"/>
-              <a:t>15.04.2022</a:t>
+              <a:t>19.04.2022</a:t>
             </a:fld>
             <a:endParaRPr lang="tr-TR"/>
           </a:p>
@@ -768,7 +1210,7 @@
           <a:p>
             <a:fld id="{6A96EA6E-A9F3-40C8-A047-16E35C64F658}" type="datetimeFigureOut">
               <a:rPr lang="tr-TR" smtClean="0"/>
-              <a:t>15.04.2022</a:t>
+              <a:t>19.04.2022</a:t>
             </a:fld>
             <a:endParaRPr lang="tr-TR"/>
           </a:p>
@@ -1014,7 +1456,7 @@
           <a:p>
             <a:fld id="{6A96EA6E-A9F3-40C8-A047-16E35C64F658}" type="datetimeFigureOut">
               <a:rPr lang="tr-TR" smtClean="0"/>
-              <a:t>15.04.2022</a:t>
+              <a:t>19.04.2022</a:t>
             </a:fld>
             <a:endParaRPr lang="tr-TR"/>
           </a:p>
@@ -1246,7 +1688,7 @@
           <a:p>
             <a:fld id="{6A96EA6E-A9F3-40C8-A047-16E35C64F658}" type="datetimeFigureOut">
               <a:rPr lang="tr-TR" smtClean="0"/>
-              <a:t>15.04.2022</a:t>
+              <a:t>19.04.2022</a:t>
             </a:fld>
             <a:endParaRPr lang="tr-TR"/>
           </a:p>
@@ -1613,7 +2055,7 @@
           <a:p>
             <a:fld id="{6A96EA6E-A9F3-40C8-A047-16E35C64F658}" type="datetimeFigureOut">
               <a:rPr lang="tr-TR" smtClean="0"/>
-              <a:t>15.04.2022</a:t>
+              <a:t>19.04.2022</a:t>
             </a:fld>
             <a:endParaRPr lang="tr-TR"/>
           </a:p>
@@ -1731,7 +2173,7 @@
           <a:p>
             <a:fld id="{6A96EA6E-A9F3-40C8-A047-16E35C64F658}" type="datetimeFigureOut">
               <a:rPr lang="tr-TR" smtClean="0"/>
-              <a:t>15.04.2022</a:t>
+              <a:t>19.04.2022</a:t>
             </a:fld>
             <a:endParaRPr lang="tr-TR"/>
           </a:p>
@@ -1826,7 +2268,7 @@
           <a:p>
             <a:fld id="{6A96EA6E-A9F3-40C8-A047-16E35C64F658}" type="datetimeFigureOut">
               <a:rPr lang="tr-TR" smtClean="0"/>
-              <a:t>15.04.2022</a:t>
+              <a:t>19.04.2022</a:t>
             </a:fld>
             <a:endParaRPr lang="tr-TR"/>
           </a:p>
@@ -2103,7 +2545,7 @@
           <a:p>
             <a:fld id="{6A96EA6E-A9F3-40C8-A047-16E35C64F658}" type="datetimeFigureOut">
               <a:rPr lang="tr-TR" smtClean="0"/>
-              <a:t>15.04.2022</a:t>
+              <a:t>19.04.2022</a:t>
             </a:fld>
             <a:endParaRPr lang="tr-TR"/>
           </a:p>
@@ -2356,7 +2798,7 @@
           <a:p>
             <a:fld id="{6A96EA6E-A9F3-40C8-A047-16E35C64F658}" type="datetimeFigureOut">
               <a:rPr lang="tr-TR" smtClean="0"/>
-              <a:t>15.04.2022</a:t>
+              <a:t>19.04.2022</a:t>
             </a:fld>
             <a:endParaRPr lang="tr-TR"/>
           </a:p>
@@ -2569,7 +3011,7 @@
           <a:p>
             <a:fld id="{6A96EA6E-A9F3-40C8-A047-16E35C64F658}" type="datetimeFigureOut">
               <a:rPr lang="tr-TR" smtClean="0"/>
-              <a:t>15.04.2022</a:t>
+              <a:t>19.04.2022</a:t>
             </a:fld>
             <a:endParaRPr lang="tr-TR"/>
           </a:p>
@@ -2976,14 +3418,14 @@
       </p:grpSpPr>
       <p:sp>
         <p:nvSpPr>
-          <p:cNvPr id="2" name="Rectangle 1"/>
+          <p:cNvPr id="4" name="Rectangle 3"/>
           <p:cNvSpPr/>
           <p:nvPr/>
         </p:nvSpPr>
         <p:spPr>
           <a:xfrm>
-            <a:off x="0" y="2"/>
-            <a:ext cx="12192000" cy="1296364"/>
+            <a:off x="0" y="2265899"/>
+            <a:ext cx="12192000" cy="2326203"/>
           </a:xfrm>
           <a:prstGeom prst="rect">
             <a:avLst/>
@@ -3015,29 +3457,90 @@
           <a:bodyPr rtlCol="0" anchor="ctr"/>
           <a:lstStyle/>
           <a:p>
-            <a:r>
-              <a:rPr lang="en-GB" sz="4800" b="1" dirty="0"/>
-              <a:t>${} – variable calling</a:t>
-            </a:r>
+            <a:pPr algn="ctr"/>
+            <a:r>
+              <a:rPr lang="tr-TR" sz="4800" b="1" dirty="0">
+                <a:solidFill>
+                  <a:prstClr val="white"/>
+                </a:solidFill>
+              </a:rPr>
+              <a:t> </a:t>
+            </a:r>
+          </a:p>
+          <a:p>
+            <a:pPr algn="ctr"/>
+            <a:r>
+              <a:rPr lang="tr-TR" sz="4800" b="1" dirty="0">
+                <a:solidFill>
+                  <a:schemeClr val="bg1"/>
+                </a:solidFill>
+              </a:rPr>
+              <a:t>ESM-Tools </a:t>
+            </a:r>
+            <a:r>
+              <a:rPr lang="tr-TR" sz="4800" b="1" dirty="0" err="1">
+                <a:solidFill>
+                  <a:schemeClr val="bg1"/>
+                </a:solidFill>
+              </a:rPr>
+              <a:t>extended</a:t>
+            </a:r>
+            <a:r>
+              <a:rPr lang="tr-TR" sz="4800" b="1" dirty="0">
+                <a:solidFill>
+                  <a:schemeClr val="bg1"/>
+                </a:solidFill>
+              </a:rPr>
+              <a:t> YAML </a:t>
+            </a:r>
+            <a:r>
+              <a:rPr lang="tr-TR" sz="4800" b="1" dirty="0" err="1">
+                <a:solidFill>
+                  <a:schemeClr val="bg1"/>
+                </a:solidFill>
+              </a:rPr>
+              <a:t>syntax</a:t>
+            </a:r>
+            <a:r>
+              <a:rPr lang="tr-TR" sz="4800" b="1" dirty="0">
+                <a:solidFill>
+                  <a:schemeClr val="bg1"/>
+                </a:solidFill>
+              </a:rPr>
+              <a:t> &amp; </a:t>
+            </a:r>
+            <a:r>
+              <a:rPr lang="tr-TR" sz="4800" b="1" dirty="0" err="1">
+                <a:solidFill>
+                  <a:schemeClr val="bg1"/>
+                </a:solidFill>
+              </a:rPr>
+              <a:t>operations</a:t>
+            </a:r>
+            <a:endParaRPr lang="tr-TR" sz="4800" b="1" dirty="0">
+              <a:solidFill>
+                <a:schemeClr val="bg1"/>
+              </a:solidFill>
+            </a:endParaRPr>
           </a:p>
         </p:txBody>
       </p:sp>
       <p:sp>
         <p:nvSpPr>
-          <p:cNvPr id="7" name="Isosceles Triangle 6"/>
+          <p:cNvPr id="6" name="Oval 5"/>
           <p:cNvSpPr/>
           <p:nvPr/>
         </p:nvSpPr>
         <p:spPr>
-          <a:xfrm rot="5400000">
-            <a:off x="348693" y="1497498"/>
-            <a:ext cx="457812" cy="394666"/>
+          <a:xfrm>
+            <a:off x="5747497" y="2590943"/>
+            <a:ext cx="697006" cy="697006"/>
           </a:xfrm>
-          <a:prstGeom prst="triangle">
+          <a:prstGeom prst="ellipse">
             <a:avLst/>
           </a:prstGeom>
           <a:solidFill>
-            <a:srgbClr val="00ACE6"/>
+            <a:schemeClr val="bg1"/>
           </a:solidFill>
           <a:ln>
             <a:noFill/>
@@ -3064,539 +3567,44 @@
           <a:lstStyle/>
           <a:p>
             <a:pPr algn="ctr"/>
-            <a:endParaRPr lang="tr-TR"/>
+            <a:r>
+              <a:rPr lang="tr-TR" sz="4800" b="1" dirty="0">
+                <a:solidFill>
+                  <a:srgbClr val="00ACE6"/>
+                </a:solidFill>
+              </a:rPr>
+              <a:t>6</a:t>
+            </a:r>
           </a:p>
         </p:txBody>
       </p:sp>
       <p:sp>
         <p:nvSpPr>
-          <p:cNvPr id="14" name="TextBox 13"/>
-          <p:cNvSpPr txBox="1"/>
-          <p:nvPr/>
+          <p:cNvPr id="8" name="Slide Number Placeholder 4"/>
+          <p:cNvSpPr>
+            <a:spLocks noGrp="1"/>
+          </p:cNvSpPr>
+          <p:nvPr>
+            <p:ph type="sldNum" sz="quarter" idx="12"/>
+          </p:nvPr>
         </p:nvSpPr>
         <p:spPr>
           <a:xfrm>
-            <a:off x="1061012" y="1462072"/>
-            <a:ext cx="10069975" cy="6001643"/>
+            <a:off x="11623040" y="6485550"/>
+            <a:ext cx="568960" cy="372450"/>
           </a:xfrm>
-          <a:prstGeom prst="rect">
-            <a:avLst/>
-          </a:prstGeom>
-          <a:noFill/>
+          <a:solidFill>
+            <a:schemeClr val="bg2"/>
+          </a:solidFill>
         </p:spPr>
         <p:txBody>
-          <a:bodyPr wrap="square" rtlCol="0">
-            <a:spAutoFit/>
-          </a:bodyPr>
+          <a:bodyPr/>
           <a:lstStyle/>
           <a:p>
-            <a:r>
-              <a:rPr lang="en-GB" sz="2400" b="1" dirty="0"/>
-              <a:t>Syntax</a:t>
-            </a:r>
-            <a:endParaRPr lang="en-GB" sz="2400" dirty="0"/>
-          </a:p>
-          <a:p>
-            <a:r>
-              <a:rPr lang="en-GB" sz="2400" dirty="0"/>
-              <a:t>The value of any </a:t>
-            </a:r>
-            <a:r>
-              <a:rPr lang="en-GB" sz="2400" dirty="0" err="1">
-                <a:solidFill>
-                  <a:schemeClr val="accent2"/>
-                </a:solidFill>
-              </a:rPr>
-              <a:t>yaml</a:t>
-            </a:r>
-            <a:r>
-              <a:rPr lang="en-GB" sz="2400" dirty="0">
-                <a:solidFill>
-                  <a:schemeClr val="accent2"/>
-                </a:solidFill>
-              </a:rPr>
-              <a:t> variable </a:t>
-            </a:r>
-            <a:r>
-              <a:rPr lang="en-GB" sz="2400" dirty="0"/>
-              <a:t>can be retrieve in any file involve in the given operation (for AWI-ESM-2.1, those files are &lt;</a:t>
-            </a:r>
-            <a:r>
-              <a:rPr lang="en-GB" sz="2400" dirty="0" err="1">
-                <a:solidFill>
-                  <a:srgbClr val="ED7D31"/>
-                </a:solidFill>
-              </a:rPr>
-              <a:t>your_runscript</a:t>
-            </a:r>
-            <a:r>
-              <a:rPr lang="en-GB" sz="2400" dirty="0"/>
-              <a:t>&gt;</a:t>
-            </a:r>
-            <a:r>
-              <a:rPr lang="en-GB" sz="2400" dirty="0">
-                <a:solidFill>
-                  <a:srgbClr val="ED7D31"/>
-                </a:solidFill>
-              </a:rPr>
-              <a:t>.</a:t>
-            </a:r>
-            <a:r>
-              <a:rPr lang="en-GB" sz="2400" dirty="0" err="1">
-                <a:solidFill>
-                  <a:srgbClr val="ED7D31"/>
-                </a:solidFill>
-              </a:rPr>
-              <a:t>yaml</a:t>
-            </a:r>
-            <a:r>
-              <a:rPr lang="en-GB" sz="2400" dirty="0"/>
-              <a:t>, </a:t>
-            </a:r>
-            <a:r>
-              <a:rPr lang="en-GB" sz="2400" dirty="0">
-                <a:solidFill>
-                  <a:srgbClr val="ED7D31"/>
-                </a:solidFill>
-              </a:rPr>
-              <a:t>fesom-2.1.yaml</a:t>
-            </a:r>
-            <a:r>
-              <a:rPr lang="en-GB" sz="2400" dirty="0"/>
-              <a:t>, </a:t>
-            </a:r>
-            <a:r>
-              <a:rPr lang="en-GB" sz="2400" dirty="0">
-                <a:solidFill>
-                  <a:srgbClr val="ED7D31"/>
-                </a:solidFill>
-              </a:rPr>
-              <a:t>oasis3mct.yaml</a:t>
-            </a:r>
-            <a:r>
-              <a:rPr lang="en-GB" sz="2400" dirty="0"/>
-              <a:t>, </a:t>
-            </a:r>
-            <a:r>
-              <a:rPr lang="en-GB" sz="2400" dirty="0" err="1">
-                <a:solidFill>
-                  <a:srgbClr val="ED7D31"/>
-                </a:solidFill>
-              </a:rPr>
-              <a:t>echam.yaml</a:t>
-            </a:r>
-            <a:r>
-              <a:rPr lang="en-GB" sz="2400" dirty="0"/>
-              <a:t>, &lt;</a:t>
-            </a:r>
-            <a:r>
-              <a:rPr lang="en-GB" sz="2400" dirty="0">
-                <a:solidFill>
-                  <a:srgbClr val="ED7D31"/>
-                </a:solidFill>
-              </a:rPr>
-              <a:t>machine</a:t>
-            </a:r>
-            <a:r>
-              <a:rPr lang="en-GB" sz="2400" dirty="0"/>
-              <a:t>&gt;.</a:t>
-            </a:r>
-            <a:r>
-              <a:rPr lang="en-GB" sz="2400" dirty="0" err="1">
-                <a:solidFill>
-                  <a:srgbClr val="ED7D31"/>
-                </a:solidFill>
-              </a:rPr>
-              <a:t>yaml</a:t>
-            </a:r>
-            <a:r>
-              <a:rPr lang="en-GB" sz="2400" dirty="0"/>
-              <a:t>, &lt;</a:t>
-            </a:r>
-            <a:r>
-              <a:rPr lang="en-GB" sz="2400" dirty="0" err="1">
-                <a:solidFill>
-                  <a:srgbClr val="ED7D31"/>
-                </a:solidFill>
-              </a:rPr>
-              <a:t>slurm</a:t>
-            </a:r>
-            <a:r>
-              <a:rPr lang="en-GB" sz="2400" dirty="0"/>
-              <a:t>/</a:t>
-            </a:r>
-            <a:r>
-              <a:rPr lang="en-GB" sz="2400" dirty="0">
-                <a:solidFill>
-                  <a:srgbClr val="ED7D31"/>
-                </a:solidFill>
-              </a:rPr>
-              <a:t>pbs</a:t>
-            </a:r>
-            <a:r>
-              <a:rPr lang="en-GB" sz="2400" dirty="0"/>
-              <a:t>&gt;</a:t>
-            </a:r>
-            <a:r>
-              <a:rPr lang="en-GB" sz="2400" dirty="0">
-                <a:solidFill>
-                  <a:srgbClr val="ED7D31"/>
-                </a:solidFill>
-              </a:rPr>
-              <a:t>.</a:t>
-            </a:r>
-            <a:r>
-              <a:rPr lang="en-GB" sz="2400" dirty="0" err="1">
-                <a:solidFill>
-                  <a:srgbClr val="ED7D31"/>
-                </a:solidFill>
-              </a:rPr>
-              <a:t>yaml</a:t>
-            </a:r>
-            <a:r>
-              <a:rPr lang="en-GB" sz="2400" dirty="0"/>
-              <a:t>):</a:t>
-            </a:r>
-          </a:p>
-          <a:p>
-            <a:pPr marL="342900" indent="-342900">
-              <a:buFont typeface="Arial" panose="020B0604020202020204" pitchFamily="34" charset="0"/>
-              <a:buChar char="•"/>
-            </a:pPr>
-            <a:r>
-              <a:rPr lang="en-GB" sz="2400" dirty="0"/>
-              <a:t>In the same </a:t>
-            </a:r>
-            <a:r>
-              <a:rPr lang="en-GB" sz="2400" dirty="0">
-                <a:solidFill>
-                  <a:srgbClr val="ED7D31"/>
-                </a:solidFill>
-              </a:rPr>
-              <a:t>section</a:t>
-            </a:r>
-          </a:p>
-          <a:p>
-            <a:pPr marL="342900" indent="-342900">
-              <a:buFont typeface="Arial" panose="020B0604020202020204" pitchFamily="34" charset="0"/>
-              <a:buChar char="•"/>
-            </a:pPr>
-            <a:endParaRPr lang="en-GB" sz="2400" b="1" dirty="0">
-              <a:solidFill>
-                <a:srgbClr val="ED7D31"/>
-              </a:solidFill>
-            </a:endParaRPr>
-          </a:p>
-          <a:p>
-            <a:pPr marL="342900" indent="-342900" algn="r">
-              <a:buFont typeface="Arial" panose="020B0604020202020204" pitchFamily="34" charset="0"/>
-              <a:buChar char="•"/>
-            </a:pPr>
-            <a:endParaRPr lang="en-GB" sz="2400" b="1" dirty="0">
-              <a:solidFill>
-                <a:srgbClr val="ED7D31"/>
-              </a:solidFill>
-            </a:endParaRPr>
-          </a:p>
-          <a:p>
-            <a:pPr marL="342900" indent="-342900">
-              <a:buFont typeface="Arial" panose="020B0604020202020204" pitchFamily="34" charset="0"/>
-              <a:buChar char="•"/>
-            </a:pPr>
-            <a:endParaRPr lang="en-GB" sz="2400" b="1" dirty="0">
-              <a:solidFill>
-                <a:srgbClr val="ED7D31"/>
-              </a:solidFill>
-            </a:endParaRPr>
-          </a:p>
-          <a:p>
-            <a:pPr marL="342900" indent="-342900">
-              <a:buFont typeface="Arial" panose="020B0604020202020204" pitchFamily="34" charset="0"/>
-              <a:buChar char="•"/>
-            </a:pPr>
-            <a:endParaRPr lang="en-GB" sz="2400" b="1" dirty="0">
-              <a:solidFill>
-                <a:srgbClr val="ED7D31"/>
-              </a:solidFill>
-            </a:endParaRPr>
-          </a:p>
-          <a:p>
-            <a:pPr marL="342900" indent="-342900">
-              <a:buFont typeface="Arial" panose="020B0604020202020204" pitchFamily="34" charset="0"/>
-              <a:buChar char="•"/>
-            </a:pPr>
-            <a:r>
-              <a:rPr lang="en-GB" sz="2400" dirty="0"/>
-              <a:t>Independent of the order</a:t>
-            </a:r>
-          </a:p>
-          <a:p>
-            <a:pPr marL="342900" indent="-342900">
-              <a:buFont typeface="Arial" panose="020B0604020202020204" pitchFamily="34" charset="0"/>
-              <a:buChar char="•"/>
-            </a:pPr>
-            <a:endParaRPr lang="en-GB" sz="2400" dirty="0"/>
-          </a:p>
-          <a:p>
-            <a:endParaRPr lang="en-GB" sz="2400" b="1" dirty="0"/>
-          </a:p>
-          <a:p>
-            <a:endParaRPr lang="en-GB" sz="2400" b="1" dirty="0"/>
-          </a:p>
-          <a:p>
-            <a:endParaRPr lang="en-GB" sz="2400" b="1" dirty="0"/>
-          </a:p>
-          <a:p>
-            <a:endParaRPr lang="en-GB" sz="2400" b="1" dirty="0"/>
-          </a:p>
-          <a:p>
-            <a:endParaRPr lang="en-GB" sz="2400" b="1" dirty="0"/>
-          </a:p>
-        </p:txBody>
-      </p:sp>
-      <p:sp>
-        <p:nvSpPr>
-          <p:cNvPr id="4" name="Rectangle 3">
-            <a:extLst>
-              <a:ext uri="{FF2B5EF4-FFF2-40B4-BE49-F238E27FC236}">
-                <a16:creationId xmlns:a16="http://schemas.microsoft.com/office/drawing/2014/main" id="{0FB39BB0-E7E4-A96B-0D74-BCBC6804D636}"/>
-              </a:ext>
-            </a:extLst>
-          </p:cNvPr>
-          <p:cNvSpPr/>
-          <p:nvPr/>
-        </p:nvSpPr>
-        <p:spPr>
-          <a:xfrm>
-            <a:off x="1980709" y="3513128"/>
-            <a:ext cx="2428672" cy="1077218"/>
-          </a:xfrm>
-          <a:prstGeom prst="rect">
-            <a:avLst/>
-          </a:prstGeom>
-          <a:ln>
-            <a:solidFill>
-              <a:schemeClr val="tx1"/>
-            </a:solidFill>
-          </a:ln>
-        </p:spPr>
-        <p:txBody>
-          <a:bodyPr wrap="square">
-            <a:spAutoFit/>
-          </a:bodyPr>
-          <a:lstStyle/>
-          <a:p>
-            <a:r>
-              <a:rPr lang="en-GB" sz="1600" b="1" dirty="0"/>
-              <a:t>&lt;</a:t>
-            </a:r>
-            <a:r>
-              <a:rPr lang="en-GB" sz="1600" b="1" dirty="0" err="1"/>
-              <a:t>your_runscript</a:t>
-            </a:r>
-            <a:r>
-              <a:rPr lang="en-GB" sz="1600" b="1" dirty="0"/>
-              <a:t>&gt;.yaml</a:t>
-            </a:r>
-            <a:endParaRPr lang="en-US" sz="1600" dirty="0">
-              <a:solidFill>
-                <a:srgbClr val="0E6E35"/>
-              </a:solidFill>
-              <a:latin typeface="Courier" pitchFamily="2" charset="0"/>
-            </a:endParaRPr>
-          </a:p>
-          <a:p>
-            <a:r>
-              <a:rPr lang="en-US" sz="1600" dirty="0" err="1">
-                <a:solidFill>
-                  <a:srgbClr val="0E6E35"/>
-                </a:solidFill>
-                <a:latin typeface="Courier" pitchFamily="2" charset="0"/>
-              </a:rPr>
-              <a:t>fesom</a:t>
-            </a:r>
-            <a:r>
-              <a:rPr lang="en-US" sz="1600" dirty="0">
-                <a:solidFill>
-                  <a:srgbClr val="000000"/>
-                </a:solidFill>
-                <a:latin typeface="Courier" pitchFamily="2" charset="0"/>
-              </a:rPr>
-              <a:t>:</a:t>
-            </a:r>
-          </a:p>
-          <a:p>
-            <a:r>
-              <a:rPr lang="en-US" sz="1600" dirty="0">
-                <a:solidFill>
-                  <a:srgbClr val="0E6E35"/>
-                </a:solidFill>
-                <a:latin typeface="Courier" pitchFamily="2" charset="0"/>
-              </a:rPr>
-              <a:t>    foo1</a:t>
-            </a:r>
-            <a:r>
-              <a:rPr lang="en-US" sz="1600" dirty="0">
-                <a:solidFill>
-                  <a:srgbClr val="000000"/>
-                </a:solidFill>
-                <a:latin typeface="Courier" pitchFamily="2" charset="0"/>
-              </a:rPr>
-              <a:t>: bar</a:t>
-            </a:r>
-          </a:p>
-          <a:p>
-            <a:r>
-              <a:rPr lang="en-US" sz="1600" b="1" dirty="0">
-                <a:solidFill>
-                  <a:srgbClr val="0E6E35"/>
-                </a:solidFill>
-                <a:latin typeface="Courier" pitchFamily="2" charset="0"/>
-              </a:rPr>
-              <a:t>    foo2</a:t>
-            </a:r>
-            <a:r>
-              <a:rPr lang="en-US" sz="1600" b="1" dirty="0">
-                <a:solidFill>
-                  <a:srgbClr val="000000"/>
-                </a:solidFill>
-                <a:latin typeface="Courier" pitchFamily="2" charset="0"/>
-              </a:rPr>
-              <a:t>: ${foo1}</a:t>
-            </a:r>
-            <a:endParaRPr lang="en-US" sz="1600" b="1" dirty="0"/>
-          </a:p>
-        </p:txBody>
-      </p:sp>
-      <p:sp>
-        <p:nvSpPr>
-          <p:cNvPr id="10" name="Rectangle 9">
-            <a:extLst>
-              <a:ext uri="{FF2B5EF4-FFF2-40B4-BE49-F238E27FC236}">
-                <a16:creationId xmlns:a16="http://schemas.microsoft.com/office/drawing/2014/main" id="{1808FD5B-BF07-63F3-C973-D1C1CABE60BB}"/>
-              </a:ext>
-            </a:extLst>
-          </p:cNvPr>
-          <p:cNvSpPr/>
-          <p:nvPr/>
-        </p:nvSpPr>
-        <p:spPr>
-          <a:xfrm>
-            <a:off x="1980709" y="5260448"/>
-            <a:ext cx="2428672" cy="1323439"/>
-          </a:xfrm>
-          <a:prstGeom prst="rect">
-            <a:avLst/>
-          </a:prstGeom>
-          <a:ln>
-            <a:solidFill>
-              <a:schemeClr val="tx1"/>
-            </a:solidFill>
-          </a:ln>
-        </p:spPr>
-        <p:txBody>
-          <a:bodyPr wrap="square">
-            <a:spAutoFit/>
-          </a:bodyPr>
-          <a:lstStyle/>
-          <a:p>
-            <a:r>
-              <a:rPr lang="en-GB" sz="1600" b="1" dirty="0"/>
-              <a:t>&lt;</a:t>
-            </a:r>
-            <a:r>
-              <a:rPr lang="en-GB" sz="1600" b="1" dirty="0" err="1"/>
-              <a:t>your_runscript</a:t>
-            </a:r>
-            <a:r>
-              <a:rPr lang="en-GB" sz="1600" b="1" dirty="0"/>
-              <a:t>&gt;.yaml</a:t>
-            </a:r>
-            <a:endParaRPr lang="en-US" sz="1600" dirty="0">
-              <a:solidFill>
-                <a:srgbClr val="0E6E35"/>
-              </a:solidFill>
-              <a:latin typeface="Courier" pitchFamily="2" charset="0"/>
-            </a:endParaRPr>
-          </a:p>
-          <a:p>
-            <a:r>
-              <a:rPr lang="en-US" sz="1600" dirty="0" err="1">
-                <a:solidFill>
-                  <a:srgbClr val="0E6E35"/>
-                </a:solidFill>
-                <a:latin typeface="Courier" pitchFamily="2" charset="0"/>
-              </a:rPr>
-              <a:t>fesom</a:t>
-            </a:r>
-            <a:r>
-              <a:rPr lang="en-US" sz="1600" dirty="0">
-                <a:solidFill>
-                  <a:srgbClr val="000000"/>
-                </a:solidFill>
-                <a:latin typeface="Courier" pitchFamily="2" charset="0"/>
-              </a:rPr>
-              <a:t>:</a:t>
-            </a:r>
-          </a:p>
-          <a:p>
-            <a:r>
-              <a:rPr lang="en-US" sz="1600" b="1" dirty="0">
-                <a:solidFill>
-                  <a:srgbClr val="0E6E35"/>
-                </a:solidFill>
-                <a:latin typeface="Courier" pitchFamily="2" charset="0"/>
-              </a:rPr>
-              <a:t>    foo2</a:t>
-            </a:r>
-            <a:r>
-              <a:rPr lang="en-US" sz="1600" b="1" dirty="0">
-                <a:solidFill>
-                  <a:srgbClr val="000000"/>
-                </a:solidFill>
-                <a:latin typeface="Courier" pitchFamily="2" charset="0"/>
-              </a:rPr>
-              <a:t>: ${foo1}</a:t>
-            </a:r>
-          </a:p>
-          <a:p>
-            <a:r>
-              <a:rPr lang="en-US" sz="1600" dirty="0">
-                <a:solidFill>
-                  <a:srgbClr val="000000"/>
-                </a:solidFill>
-                <a:latin typeface="Courier" pitchFamily="2" charset="0"/>
-              </a:rPr>
-              <a:t>    …</a:t>
-            </a:r>
-          </a:p>
-          <a:p>
-            <a:r>
-              <a:rPr lang="en-US" sz="1600" dirty="0">
-                <a:solidFill>
-                  <a:srgbClr val="000000"/>
-                </a:solidFill>
-                <a:latin typeface="Courier" pitchFamily="2" charset="0"/>
-              </a:rPr>
-              <a:t>    </a:t>
-            </a:r>
-            <a:r>
-              <a:rPr lang="en-US" sz="1600" dirty="0">
-                <a:solidFill>
-                  <a:srgbClr val="0E6E35"/>
-                </a:solidFill>
-                <a:latin typeface="Courier" pitchFamily="2" charset="0"/>
-              </a:rPr>
-              <a:t>foo1</a:t>
-            </a:r>
-            <a:r>
-              <a:rPr lang="en-US" sz="1600" dirty="0">
-                <a:solidFill>
-                  <a:srgbClr val="000000"/>
-                </a:solidFill>
-                <a:latin typeface="Courier" pitchFamily="2" charset="0"/>
-              </a:rPr>
-              <a:t>: bar</a:t>
+            <a:pPr algn="ctr"/>
+            <a:r>
+              <a:rPr lang="tr-TR" sz="1000"/>
+              <a:t>9 / 22</a:t>
             </a:r>
           </a:p>
         </p:txBody>
@@ -3604,7 +3612,7 @@
     </p:spTree>
     <p:extLst>
       <p:ext uri="{BB962C8B-B14F-4D97-AF65-F5344CB8AC3E}">
-        <p14:creationId xmlns:p14="http://schemas.microsoft.com/office/powerpoint/2010/main" val="278643354"/>
+        <p14:creationId xmlns:p14="http://schemas.microsoft.com/office/powerpoint/2010/main" val="2094205036"/>
       </p:ext>
     </p:extLst>
   </p:cSld>
@@ -3673,6 +3681,3430 @@
           <a:lstStyle/>
           <a:p>
             <a:r>
+              <a:rPr lang="tr-TR" sz="4800" b="1">
+                <a:solidFill>
+                  <a:prstClr val="white"/>
+                </a:solidFill>
+              </a:rPr>
+              <a:t> AGENDA</a:t>
+            </a:r>
+            <a:endParaRPr lang="tr-TR" sz="4800" b="1" dirty="0">
+              <a:solidFill>
+                <a:prstClr val="white"/>
+              </a:solidFill>
+            </a:endParaRPr>
+          </a:p>
+        </p:txBody>
+      </p:sp>
+      <p:sp>
+        <p:nvSpPr>
+          <p:cNvPr id="8" name="TextBox 7"/>
+          <p:cNvSpPr txBox="1"/>
+          <p:nvPr/>
+        </p:nvSpPr>
+        <p:spPr>
+          <a:xfrm>
+            <a:off x="250900" y="1828294"/>
+            <a:ext cx="1786872" cy="615553"/>
+          </a:xfrm>
+          <a:prstGeom prst="rect">
+            <a:avLst/>
+          </a:prstGeom>
+          <a:noFill/>
+        </p:spPr>
+        <p:txBody>
+          <a:bodyPr wrap="square" rtlCol="0">
+            <a:spAutoFit/>
+          </a:bodyPr>
+          <a:lstStyle/>
+          <a:p>
+            <a:r>
+              <a:rPr lang="tr-TR" b="1" dirty="0" err="1">
+                <a:solidFill>
+                  <a:prstClr val="black"/>
+                </a:solidFill>
+              </a:rPr>
+              <a:t>Day</a:t>
+            </a:r>
+            <a:r>
+              <a:rPr lang="tr-TR" b="1" dirty="0">
+                <a:solidFill>
+                  <a:prstClr val="black"/>
+                </a:solidFill>
+              </a:rPr>
+              <a:t> 1</a:t>
+            </a:r>
+          </a:p>
+          <a:p>
+            <a:pPr lvl="1"/>
+            <a:endParaRPr lang="tr-TR" sz="1600" dirty="0">
+              <a:solidFill>
+                <a:prstClr val="black"/>
+              </a:solidFill>
+            </a:endParaRPr>
+          </a:p>
+        </p:txBody>
+      </p:sp>
+      <p:graphicFrame>
+        <p:nvGraphicFramePr>
+          <p:cNvPr id="3" name="Table 2">
+            <a:extLst>
+              <a:ext uri="{FF2B5EF4-FFF2-40B4-BE49-F238E27FC236}">
+                <a16:creationId xmlns:a16="http://schemas.microsoft.com/office/drawing/2014/main" id="{E57C5358-2F1C-B4A2-80BA-4EB8F6F093FD}"/>
+              </a:ext>
+            </a:extLst>
+          </p:cNvPr>
+          <p:cNvGraphicFramePr>
+            <a:graphicFrameLocks noGrp="1"/>
+          </p:cNvGraphicFramePr>
+          <p:nvPr/>
+        </p:nvGraphicFramePr>
+        <p:xfrm>
+          <a:off x="324052" y="2250529"/>
+          <a:ext cx="7530644" cy="614680"/>
+        </p:xfrm>
+        <a:graphic>
+          <a:graphicData uri="http://schemas.openxmlformats.org/drawingml/2006/table">
+            <a:tbl>
+              <a:tblPr/>
+              <a:tblGrid>
+                <a:gridCol w="1170630">
+                  <a:extLst>
+                    <a:ext uri="{9D8B030D-6E8A-4147-A177-3AD203B41FA5}">
+                      <a16:colId xmlns:a16="http://schemas.microsoft.com/office/drawing/2014/main" val="2085809158"/>
+                    </a:ext>
+                  </a:extLst>
+                </a:gridCol>
+                <a:gridCol w="277570">
+                  <a:extLst>
+                    <a:ext uri="{9D8B030D-6E8A-4147-A177-3AD203B41FA5}">
+                      <a16:colId xmlns:a16="http://schemas.microsoft.com/office/drawing/2014/main" val="1162518780"/>
+                    </a:ext>
+                  </a:extLst>
+                </a:gridCol>
+                <a:gridCol w="6082444">
+                  <a:extLst>
+                    <a:ext uri="{9D8B030D-6E8A-4147-A177-3AD203B41FA5}">
+                      <a16:colId xmlns:a16="http://schemas.microsoft.com/office/drawing/2014/main" val="1360676965"/>
+                    </a:ext>
+                  </a:extLst>
+                </a:gridCol>
+              </a:tblGrid>
+              <a:tr h="561432">
+                <a:tc>
+                  <a:txBody>
+                    <a:bodyPr/>
+                    <a:lstStyle/>
+                    <a:p>
+                      <a:pPr rtl="0" fontAlgn="t">
+                        <a:spcBef>
+                          <a:spcPts val="0"/>
+                        </a:spcBef>
+                        <a:spcAft>
+                          <a:spcPts val="0"/>
+                        </a:spcAft>
+                      </a:pPr>
+                      <a:endParaRPr lang="aa-ET" sz="3200" dirty="0">
+                        <a:effectLst/>
+                      </a:endParaRPr>
+                    </a:p>
+                  </a:txBody>
+                  <a:tcPr marL="63500" marR="63500" marT="63500" marB="63500">
+                    <a:lnL w="12700" cap="flat" cmpd="sng" algn="ctr">
+                      <a:solidFill>
+                        <a:srgbClr val="FFFFFF"/>
+                      </a:solidFill>
+                      <a:prstDash val="solid"/>
+                      <a:round/>
+                      <a:headEnd type="none" w="med" len="med"/>
+                      <a:tailEnd type="none" w="med" len="med"/>
+                    </a:lnL>
+                    <a:lnR w="12700" cap="flat" cmpd="sng" algn="ctr">
+                      <a:solidFill>
+                        <a:srgbClr val="FFFFFF"/>
+                      </a:solidFill>
+                      <a:prstDash val="solid"/>
+                      <a:round/>
+                      <a:headEnd type="none" w="med" len="med"/>
+                      <a:tailEnd type="none" w="med" len="med"/>
+                    </a:lnR>
+                    <a:lnT w="12700" cap="flat" cmpd="sng" algn="ctr">
+                      <a:solidFill>
+                        <a:srgbClr val="FFFFFF"/>
+                      </a:solidFill>
+                      <a:prstDash val="solid"/>
+                      <a:round/>
+                      <a:headEnd type="none" w="med" len="med"/>
+                      <a:tailEnd type="none" w="med" len="med"/>
+                    </a:lnT>
+                    <a:lnB w="12700" cap="flat" cmpd="sng" algn="ctr">
+                      <a:solidFill>
+                        <a:srgbClr val="FFFFFF"/>
+                      </a:solidFill>
+                      <a:prstDash val="solid"/>
+                      <a:round/>
+                      <a:headEnd type="none" w="med" len="med"/>
+                      <a:tailEnd type="none" w="med" len="med"/>
+                    </a:lnB>
+                  </a:tcPr>
+                </a:tc>
+                <a:tc>
+                  <a:txBody>
+                    <a:bodyPr/>
+                    <a:lstStyle/>
+                    <a:p>
+                      <a:pPr algn="just" rtl="0" fontAlgn="t">
+                        <a:spcBef>
+                          <a:spcPts val="0"/>
+                        </a:spcBef>
+                        <a:spcAft>
+                          <a:spcPts val="0"/>
+                        </a:spcAft>
+                      </a:pPr>
+                      <a:endParaRPr lang="aa-ET" sz="3200">
+                        <a:effectLst/>
+                      </a:endParaRPr>
+                    </a:p>
+                  </a:txBody>
+                  <a:tcPr marL="63500" marR="63500" marT="63500" marB="63500">
+                    <a:lnL w="12700" cap="flat" cmpd="sng" algn="ctr">
+                      <a:solidFill>
+                        <a:srgbClr val="FFFFFF"/>
+                      </a:solidFill>
+                      <a:prstDash val="solid"/>
+                      <a:round/>
+                      <a:headEnd type="none" w="med" len="med"/>
+                      <a:tailEnd type="none" w="med" len="med"/>
+                    </a:lnL>
+                    <a:lnR w="12700" cap="flat" cmpd="sng" algn="ctr">
+                      <a:solidFill>
+                        <a:srgbClr val="FFFFFF"/>
+                      </a:solidFill>
+                      <a:prstDash val="solid"/>
+                      <a:round/>
+                      <a:headEnd type="none" w="med" len="med"/>
+                      <a:tailEnd type="none" w="med" len="med"/>
+                    </a:lnR>
+                    <a:lnT w="12700" cap="flat" cmpd="sng" algn="ctr">
+                      <a:solidFill>
+                        <a:srgbClr val="FFFFFF"/>
+                      </a:solidFill>
+                      <a:prstDash val="solid"/>
+                      <a:round/>
+                      <a:headEnd type="none" w="med" len="med"/>
+                      <a:tailEnd type="none" w="med" len="med"/>
+                    </a:lnT>
+                    <a:lnB w="12700" cap="flat" cmpd="sng" algn="ctr">
+                      <a:solidFill>
+                        <a:srgbClr val="FFFFFF"/>
+                      </a:solidFill>
+                      <a:prstDash val="solid"/>
+                      <a:round/>
+                      <a:headEnd type="none" w="med" len="med"/>
+                      <a:tailEnd type="none" w="med" len="med"/>
+                    </a:lnB>
+                  </a:tcPr>
+                </a:tc>
+                <a:tc>
+                  <a:txBody>
+                    <a:bodyPr/>
+                    <a:lstStyle/>
+                    <a:p>
+                      <a:pPr algn="just" rtl="0" fontAlgn="t">
+                        <a:spcBef>
+                          <a:spcPts val="0"/>
+                        </a:spcBef>
+                        <a:spcAft>
+                          <a:spcPts val="0"/>
+                        </a:spcAft>
+                      </a:pPr>
+                      <a:endParaRPr lang="en-US" sz="1800" b="0" i="0" u="none" strike="noStrike" dirty="0">
+                        <a:solidFill>
+                          <a:srgbClr val="000000"/>
+                        </a:solidFill>
+                        <a:effectLst/>
+                        <a:latin typeface="Arial" panose="020B0604020202020204" pitchFamily="34" charset="0"/>
+                      </a:endParaRPr>
+                    </a:p>
+                  </a:txBody>
+                  <a:tcPr marL="63500" marR="63500" marT="63500" marB="63500">
+                    <a:lnL w="12700" cap="flat" cmpd="sng" algn="ctr">
+                      <a:solidFill>
+                        <a:srgbClr val="FFFFFF"/>
+                      </a:solidFill>
+                      <a:prstDash val="solid"/>
+                      <a:round/>
+                      <a:headEnd type="none" w="med" len="med"/>
+                      <a:tailEnd type="none" w="med" len="med"/>
+                    </a:lnL>
+                    <a:lnR w="12700" cap="flat" cmpd="sng" algn="ctr">
+                      <a:solidFill>
+                        <a:srgbClr val="FFFFFF"/>
+                      </a:solidFill>
+                      <a:prstDash val="solid"/>
+                      <a:round/>
+                      <a:headEnd type="none" w="med" len="med"/>
+                      <a:tailEnd type="none" w="med" len="med"/>
+                    </a:lnR>
+                    <a:lnT w="12700" cap="flat" cmpd="sng" algn="ctr">
+                      <a:solidFill>
+                        <a:srgbClr val="FFFFFF"/>
+                      </a:solidFill>
+                      <a:prstDash val="solid"/>
+                      <a:round/>
+                      <a:headEnd type="none" w="med" len="med"/>
+                      <a:tailEnd type="none" w="med" len="med"/>
+                    </a:lnT>
+                    <a:lnB w="12700" cap="flat" cmpd="sng" algn="ctr">
+                      <a:solidFill>
+                        <a:srgbClr val="FFFFFF"/>
+                      </a:solidFill>
+                      <a:prstDash val="solid"/>
+                      <a:round/>
+                      <a:headEnd type="none" w="med" len="med"/>
+                      <a:tailEnd type="none" w="med" len="med"/>
+                    </a:lnB>
+                  </a:tcPr>
+                </a:tc>
+                <a:extLst>
+                  <a:ext uri="{0D108BD9-81ED-4DB2-BD59-A6C34878D82A}">
+                    <a16:rowId xmlns:a16="http://schemas.microsoft.com/office/drawing/2014/main" val="3878478292"/>
+                  </a:ext>
+                </a:extLst>
+              </a:tr>
+            </a:tbl>
+          </a:graphicData>
+        </a:graphic>
+      </p:graphicFrame>
+      <p:graphicFrame>
+        <p:nvGraphicFramePr>
+          <p:cNvPr id="4" name="Table 3"/>
+          <p:cNvGraphicFramePr>
+            <a:graphicFrameLocks noGrp="1"/>
+          </p:cNvGraphicFramePr>
+          <p:nvPr/>
+        </p:nvGraphicFramePr>
+        <p:xfrm>
+          <a:off x="324052" y="2250529"/>
+          <a:ext cx="7530644" cy="3879045"/>
+        </p:xfrm>
+        <a:graphic>
+          <a:graphicData uri="http://schemas.openxmlformats.org/drawingml/2006/table">
+            <a:tbl>
+              <a:tblPr/>
+              <a:tblGrid>
+                <a:gridCol w="1170630">
+                  <a:extLst>
+                    <a:ext uri="{9D8B030D-6E8A-4147-A177-3AD203B41FA5}">
+                      <a16:colId xmlns:a16="http://schemas.microsoft.com/office/drawing/2014/main" val="20000"/>
+                    </a:ext>
+                  </a:extLst>
+                </a:gridCol>
+                <a:gridCol w="277570">
+                  <a:extLst>
+                    <a:ext uri="{9D8B030D-6E8A-4147-A177-3AD203B41FA5}">
+                      <a16:colId xmlns:a16="http://schemas.microsoft.com/office/drawing/2014/main" val="20001"/>
+                    </a:ext>
+                  </a:extLst>
+                </a:gridCol>
+                <a:gridCol w="6082444">
+                  <a:extLst>
+                    <a:ext uri="{9D8B030D-6E8A-4147-A177-3AD203B41FA5}">
+                      <a16:colId xmlns:a16="http://schemas.microsoft.com/office/drawing/2014/main" val="20002"/>
+                    </a:ext>
+                  </a:extLst>
+                </a:gridCol>
+              </a:tblGrid>
+              <a:tr h="505752">
+                <a:tc>
+                  <a:txBody>
+                    <a:bodyPr/>
+                    <a:lstStyle/>
+                    <a:p>
+                      <a:pPr rtl="0" fontAlgn="t">
+                        <a:spcBef>
+                          <a:spcPts val="0"/>
+                        </a:spcBef>
+                        <a:spcAft>
+                          <a:spcPts val="0"/>
+                        </a:spcAft>
+                      </a:pPr>
+                      <a:r>
+                        <a:rPr lang="aa-ET" sz="1400" b="1" i="0" u="none" strike="noStrike" dirty="0">
+                          <a:solidFill>
+                            <a:srgbClr val="FF9900"/>
+                          </a:solidFill>
+                          <a:effectLst/>
+                          <a:latin typeface="+mn-lt"/>
+                          <a:cs typeface="Arial" panose="020B0604020202020204" pitchFamily="34" charset="0"/>
+                        </a:rPr>
+                        <a:t>12:00-12:30</a:t>
+                      </a:r>
+                      <a:endParaRPr lang="aa-ET" sz="2400" dirty="0">
+                        <a:effectLst/>
+                        <a:latin typeface="+mn-lt"/>
+                        <a:cs typeface="Arial" panose="020B0604020202020204" pitchFamily="34" charset="0"/>
+                      </a:endParaRPr>
+                    </a:p>
+                  </a:txBody>
+                  <a:tcPr marL="63500" marR="63500" marT="63500" marB="63500">
+                    <a:lnL w="12700" cap="flat" cmpd="sng" algn="ctr">
+                      <a:solidFill>
+                        <a:srgbClr val="FFFFFF"/>
+                      </a:solidFill>
+                      <a:prstDash val="solid"/>
+                      <a:round/>
+                      <a:headEnd type="none" w="med" len="med"/>
+                      <a:tailEnd type="none" w="med" len="med"/>
+                    </a:lnL>
+                    <a:lnR w="12700" cap="flat" cmpd="sng" algn="ctr">
+                      <a:solidFill>
+                        <a:srgbClr val="FFFFFF"/>
+                      </a:solidFill>
+                      <a:prstDash val="solid"/>
+                      <a:round/>
+                      <a:headEnd type="none" w="med" len="med"/>
+                      <a:tailEnd type="none" w="med" len="med"/>
+                    </a:lnR>
+                    <a:lnT w="12700" cap="flat" cmpd="sng" algn="ctr">
+                      <a:solidFill>
+                        <a:srgbClr val="FFFFFF"/>
+                      </a:solidFill>
+                      <a:prstDash val="solid"/>
+                      <a:round/>
+                      <a:headEnd type="none" w="med" len="med"/>
+                      <a:tailEnd type="none" w="med" len="med"/>
+                    </a:lnT>
+                    <a:lnB w="12700" cap="flat" cmpd="sng" algn="ctr">
+                      <a:solidFill>
+                        <a:srgbClr val="FFFFFF"/>
+                      </a:solidFill>
+                      <a:prstDash val="solid"/>
+                      <a:round/>
+                      <a:headEnd type="none" w="med" len="med"/>
+                      <a:tailEnd type="none" w="med" len="med"/>
+                    </a:lnB>
+                  </a:tcPr>
+                </a:tc>
+                <a:tc>
+                  <a:txBody>
+                    <a:bodyPr/>
+                    <a:lstStyle/>
+                    <a:p>
+                      <a:pPr algn="just" rtl="0" fontAlgn="t">
+                        <a:spcBef>
+                          <a:spcPts val="0"/>
+                        </a:spcBef>
+                        <a:spcAft>
+                          <a:spcPts val="0"/>
+                        </a:spcAft>
+                      </a:pPr>
+                      <a:r>
+                        <a:rPr lang="aa-ET" sz="1400" b="0" i="0" u="none" strike="noStrike">
+                          <a:solidFill>
+                            <a:srgbClr val="000000"/>
+                          </a:solidFill>
+                          <a:effectLst/>
+                          <a:latin typeface="+mn-lt"/>
+                          <a:cs typeface="Arial" panose="020B0604020202020204" pitchFamily="34" charset="0"/>
+                        </a:rPr>
+                        <a:t>-</a:t>
+                      </a:r>
+                      <a:endParaRPr lang="aa-ET" sz="2400">
+                        <a:effectLst/>
+                        <a:latin typeface="+mn-lt"/>
+                        <a:cs typeface="Arial" panose="020B0604020202020204" pitchFamily="34" charset="0"/>
+                      </a:endParaRPr>
+                    </a:p>
+                  </a:txBody>
+                  <a:tcPr marL="63500" marR="63500" marT="63500" marB="63500">
+                    <a:lnL w="12700" cap="flat" cmpd="sng" algn="ctr">
+                      <a:solidFill>
+                        <a:srgbClr val="FFFFFF"/>
+                      </a:solidFill>
+                      <a:prstDash val="solid"/>
+                      <a:round/>
+                      <a:headEnd type="none" w="med" len="med"/>
+                      <a:tailEnd type="none" w="med" len="med"/>
+                    </a:lnL>
+                    <a:lnR w="12700" cap="flat" cmpd="sng" algn="ctr">
+                      <a:solidFill>
+                        <a:srgbClr val="FFFFFF"/>
+                      </a:solidFill>
+                      <a:prstDash val="solid"/>
+                      <a:round/>
+                      <a:headEnd type="none" w="med" len="med"/>
+                      <a:tailEnd type="none" w="med" len="med"/>
+                    </a:lnR>
+                    <a:lnT w="12700" cap="flat" cmpd="sng" algn="ctr">
+                      <a:solidFill>
+                        <a:srgbClr val="FFFFFF"/>
+                      </a:solidFill>
+                      <a:prstDash val="solid"/>
+                      <a:round/>
+                      <a:headEnd type="none" w="med" len="med"/>
+                      <a:tailEnd type="none" w="med" len="med"/>
+                    </a:lnT>
+                    <a:lnB w="12700" cap="flat" cmpd="sng" algn="ctr">
+                      <a:solidFill>
+                        <a:srgbClr val="FFFFFF"/>
+                      </a:solidFill>
+                      <a:prstDash val="solid"/>
+                      <a:round/>
+                      <a:headEnd type="none" w="med" len="med"/>
+                      <a:tailEnd type="none" w="med" len="med"/>
+                    </a:lnB>
+                  </a:tcPr>
+                </a:tc>
+                <a:tc>
+                  <a:txBody>
+                    <a:bodyPr/>
+                    <a:lstStyle/>
+                    <a:p>
+                      <a:pPr algn="just" rtl="0" fontAlgn="t">
+                        <a:spcBef>
+                          <a:spcPts val="0"/>
+                        </a:spcBef>
+                        <a:spcAft>
+                          <a:spcPts val="0"/>
+                        </a:spcAft>
+                      </a:pPr>
+                      <a:r>
+                        <a:rPr lang="en-US" sz="1400" b="0" i="0" u="none" strike="noStrike" dirty="0">
+                          <a:solidFill>
+                            <a:srgbClr val="000000"/>
+                          </a:solidFill>
+                          <a:effectLst/>
+                          <a:latin typeface="+mn-lt"/>
+                          <a:cs typeface="Arial" panose="020B0604020202020204" pitchFamily="34" charset="0"/>
+                        </a:rPr>
+                        <a:t>Lunch</a:t>
+                      </a:r>
+                      <a:endParaRPr lang="en-US" sz="2400" dirty="0">
+                        <a:effectLst/>
+                        <a:latin typeface="+mn-lt"/>
+                        <a:cs typeface="Arial" panose="020B0604020202020204" pitchFamily="34" charset="0"/>
+                      </a:endParaRPr>
+                    </a:p>
+                  </a:txBody>
+                  <a:tcPr marL="63500" marR="63500" marT="63500" marB="63500">
+                    <a:lnL w="12700" cap="flat" cmpd="sng" algn="ctr">
+                      <a:solidFill>
+                        <a:srgbClr val="FFFFFF"/>
+                      </a:solidFill>
+                      <a:prstDash val="solid"/>
+                      <a:round/>
+                      <a:headEnd type="none" w="med" len="med"/>
+                      <a:tailEnd type="none" w="med" len="med"/>
+                    </a:lnL>
+                    <a:lnR w="12700" cap="flat" cmpd="sng" algn="ctr">
+                      <a:solidFill>
+                        <a:srgbClr val="FFFFFF"/>
+                      </a:solidFill>
+                      <a:prstDash val="solid"/>
+                      <a:round/>
+                      <a:headEnd type="none" w="med" len="med"/>
+                      <a:tailEnd type="none" w="med" len="med"/>
+                    </a:lnR>
+                    <a:lnT w="12700" cap="flat" cmpd="sng" algn="ctr">
+                      <a:solidFill>
+                        <a:srgbClr val="FFFFFF"/>
+                      </a:solidFill>
+                      <a:prstDash val="solid"/>
+                      <a:round/>
+                      <a:headEnd type="none" w="med" len="med"/>
+                      <a:tailEnd type="none" w="med" len="med"/>
+                    </a:lnT>
+                    <a:lnB w="12700" cap="flat" cmpd="sng" algn="ctr">
+                      <a:solidFill>
+                        <a:srgbClr val="FFFFFF"/>
+                      </a:solidFill>
+                      <a:prstDash val="solid"/>
+                      <a:round/>
+                      <a:headEnd type="none" w="med" len="med"/>
+                      <a:tailEnd type="none" w="med" len="med"/>
+                    </a:lnB>
+                  </a:tcPr>
+                </a:tc>
+                <a:extLst>
+                  <a:ext uri="{0D108BD9-81ED-4DB2-BD59-A6C34878D82A}">
+                    <a16:rowId xmlns:a16="http://schemas.microsoft.com/office/drawing/2014/main" val="10000"/>
+                  </a:ext>
+                </a:extLst>
+              </a:tr>
+              <a:tr h="505752">
+                <a:tc>
+                  <a:txBody>
+                    <a:bodyPr/>
+                    <a:lstStyle/>
+                    <a:p>
+                      <a:pPr rtl="0" fontAlgn="t">
+                        <a:spcBef>
+                          <a:spcPts val="0"/>
+                        </a:spcBef>
+                        <a:spcAft>
+                          <a:spcPts val="0"/>
+                        </a:spcAft>
+                      </a:pPr>
+                      <a:r>
+                        <a:rPr lang="aa-ET" sz="1400" b="1" i="0" u="none" strike="noStrike" dirty="0">
+                          <a:solidFill>
+                            <a:srgbClr val="FF9900"/>
+                          </a:solidFill>
+                          <a:effectLst/>
+                          <a:latin typeface="+mn-lt"/>
+                          <a:cs typeface="Arial" panose="020B0604020202020204" pitchFamily="34" charset="0"/>
+                        </a:rPr>
+                        <a:t>12:30-13:00</a:t>
+                      </a:r>
+                      <a:endParaRPr lang="aa-ET" sz="2400" dirty="0">
+                        <a:effectLst/>
+                        <a:latin typeface="+mn-lt"/>
+                        <a:cs typeface="Arial" panose="020B0604020202020204" pitchFamily="34" charset="0"/>
+                      </a:endParaRPr>
+                    </a:p>
+                  </a:txBody>
+                  <a:tcPr marL="63500" marR="63500" marT="63500" marB="63500">
+                    <a:lnL w="12700" cap="flat" cmpd="sng" algn="ctr">
+                      <a:solidFill>
+                        <a:srgbClr val="FFFFFF"/>
+                      </a:solidFill>
+                      <a:prstDash val="solid"/>
+                      <a:round/>
+                      <a:headEnd type="none" w="med" len="med"/>
+                      <a:tailEnd type="none" w="med" len="med"/>
+                    </a:lnL>
+                    <a:lnR w="12700" cap="flat" cmpd="sng" algn="ctr">
+                      <a:solidFill>
+                        <a:srgbClr val="FFFFFF"/>
+                      </a:solidFill>
+                      <a:prstDash val="solid"/>
+                      <a:round/>
+                      <a:headEnd type="none" w="med" len="med"/>
+                      <a:tailEnd type="none" w="med" len="med"/>
+                    </a:lnR>
+                    <a:lnT w="12700" cap="flat" cmpd="sng" algn="ctr">
+                      <a:solidFill>
+                        <a:srgbClr val="FFFFFF"/>
+                      </a:solidFill>
+                      <a:prstDash val="solid"/>
+                      <a:round/>
+                      <a:headEnd type="none" w="med" len="med"/>
+                      <a:tailEnd type="none" w="med" len="med"/>
+                    </a:lnT>
+                    <a:lnB w="12700" cap="flat" cmpd="sng" algn="ctr">
+                      <a:solidFill>
+                        <a:srgbClr val="FFFFFF"/>
+                      </a:solidFill>
+                      <a:prstDash val="solid"/>
+                      <a:round/>
+                      <a:headEnd type="none" w="med" len="med"/>
+                      <a:tailEnd type="none" w="med" len="med"/>
+                    </a:lnB>
+                  </a:tcPr>
+                </a:tc>
+                <a:tc>
+                  <a:txBody>
+                    <a:bodyPr/>
+                    <a:lstStyle/>
+                    <a:p>
+                      <a:pPr algn="just" rtl="0" fontAlgn="t">
+                        <a:spcBef>
+                          <a:spcPts val="0"/>
+                        </a:spcBef>
+                        <a:spcAft>
+                          <a:spcPts val="0"/>
+                        </a:spcAft>
+                      </a:pPr>
+                      <a:r>
+                        <a:rPr lang="aa-ET" sz="1400" b="0" i="0" u="none" strike="noStrike" dirty="0">
+                          <a:solidFill>
+                            <a:srgbClr val="000000"/>
+                          </a:solidFill>
+                          <a:effectLst/>
+                          <a:latin typeface="+mn-lt"/>
+                          <a:cs typeface="Arial" panose="020B0604020202020204" pitchFamily="34" charset="0"/>
+                        </a:rPr>
+                        <a:t>-</a:t>
+                      </a:r>
+                      <a:endParaRPr lang="aa-ET" sz="2400" dirty="0">
+                        <a:effectLst/>
+                        <a:latin typeface="+mn-lt"/>
+                        <a:cs typeface="Arial" panose="020B0604020202020204" pitchFamily="34" charset="0"/>
+                      </a:endParaRPr>
+                    </a:p>
+                  </a:txBody>
+                  <a:tcPr marL="63500" marR="63500" marT="63500" marB="63500">
+                    <a:lnL w="12700" cap="flat" cmpd="sng" algn="ctr">
+                      <a:solidFill>
+                        <a:srgbClr val="FFFFFF"/>
+                      </a:solidFill>
+                      <a:prstDash val="solid"/>
+                      <a:round/>
+                      <a:headEnd type="none" w="med" len="med"/>
+                      <a:tailEnd type="none" w="med" len="med"/>
+                    </a:lnL>
+                    <a:lnR w="12700" cap="flat" cmpd="sng" algn="ctr">
+                      <a:solidFill>
+                        <a:srgbClr val="FFFFFF"/>
+                      </a:solidFill>
+                      <a:prstDash val="solid"/>
+                      <a:round/>
+                      <a:headEnd type="none" w="med" len="med"/>
+                      <a:tailEnd type="none" w="med" len="med"/>
+                    </a:lnR>
+                    <a:lnT w="12700" cap="flat" cmpd="sng" algn="ctr">
+                      <a:solidFill>
+                        <a:srgbClr val="FFFFFF"/>
+                      </a:solidFill>
+                      <a:prstDash val="solid"/>
+                      <a:round/>
+                      <a:headEnd type="none" w="med" len="med"/>
+                      <a:tailEnd type="none" w="med" len="med"/>
+                    </a:lnT>
+                    <a:lnB w="12700" cap="flat" cmpd="sng" algn="ctr">
+                      <a:solidFill>
+                        <a:srgbClr val="FFFFFF"/>
+                      </a:solidFill>
+                      <a:prstDash val="solid"/>
+                      <a:round/>
+                      <a:headEnd type="none" w="med" len="med"/>
+                      <a:tailEnd type="none" w="med" len="med"/>
+                    </a:lnB>
+                  </a:tcPr>
+                </a:tc>
+                <a:tc>
+                  <a:txBody>
+                    <a:bodyPr/>
+                    <a:lstStyle/>
+                    <a:p>
+                      <a:pPr algn="just" rtl="0" fontAlgn="t">
+                        <a:spcBef>
+                          <a:spcPts val="0"/>
+                        </a:spcBef>
+                        <a:spcAft>
+                          <a:spcPts val="0"/>
+                        </a:spcAft>
+                      </a:pPr>
+                      <a:r>
+                        <a:rPr lang="en-US" sz="1400" b="0" i="0" u="none" strike="noStrike" dirty="0">
+                          <a:solidFill>
+                            <a:srgbClr val="000000"/>
+                          </a:solidFill>
+                          <a:effectLst/>
+                          <a:latin typeface="+mn-lt"/>
+                          <a:cs typeface="Arial" panose="020B0604020202020204" pitchFamily="34" charset="0"/>
+                        </a:rPr>
+                        <a:t>Introduction to the workshop and participants</a:t>
+                      </a:r>
+                    </a:p>
+                    <a:p>
+                      <a:pPr algn="just" rtl="0" fontAlgn="t">
+                        <a:spcBef>
+                          <a:spcPts val="0"/>
+                        </a:spcBef>
+                        <a:spcAft>
+                          <a:spcPts val="0"/>
+                        </a:spcAft>
+                      </a:pPr>
+                      <a:r>
+                        <a:rPr lang="en-US" sz="1400" b="0" i="0" u="none" strike="noStrike" dirty="0">
+                          <a:solidFill>
+                            <a:srgbClr val="000000"/>
+                          </a:solidFill>
+                          <a:effectLst/>
+                          <a:latin typeface="+mn-lt"/>
+                          <a:cs typeface="Arial" panose="020B0604020202020204" pitchFamily="34" charset="0"/>
+                        </a:rPr>
+                        <a:t>ESM-Tool introduction</a:t>
+                      </a:r>
+                      <a:endParaRPr lang="en-US" sz="2400" dirty="0">
+                        <a:effectLst/>
+                        <a:latin typeface="+mn-lt"/>
+                        <a:cs typeface="Arial" panose="020B0604020202020204" pitchFamily="34" charset="0"/>
+                      </a:endParaRPr>
+                    </a:p>
+                  </a:txBody>
+                  <a:tcPr marL="63500" marR="63500" marT="63500" marB="63500">
+                    <a:lnL w="12700" cap="flat" cmpd="sng" algn="ctr">
+                      <a:solidFill>
+                        <a:srgbClr val="FFFFFF"/>
+                      </a:solidFill>
+                      <a:prstDash val="solid"/>
+                      <a:round/>
+                      <a:headEnd type="none" w="med" len="med"/>
+                      <a:tailEnd type="none" w="med" len="med"/>
+                    </a:lnL>
+                    <a:lnR w="12700" cap="flat" cmpd="sng" algn="ctr">
+                      <a:solidFill>
+                        <a:srgbClr val="FFFFFF"/>
+                      </a:solidFill>
+                      <a:prstDash val="solid"/>
+                      <a:round/>
+                      <a:headEnd type="none" w="med" len="med"/>
+                      <a:tailEnd type="none" w="med" len="med"/>
+                    </a:lnR>
+                    <a:lnT w="12700" cap="flat" cmpd="sng" algn="ctr">
+                      <a:solidFill>
+                        <a:srgbClr val="FFFFFF"/>
+                      </a:solidFill>
+                      <a:prstDash val="solid"/>
+                      <a:round/>
+                      <a:headEnd type="none" w="med" len="med"/>
+                      <a:tailEnd type="none" w="med" len="med"/>
+                    </a:lnT>
+                    <a:lnB w="12700" cap="flat" cmpd="sng" algn="ctr">
+                      <a:solidFill>
+                        <a:srgbClr val="FFFFFF"/>
+                      </a:solidFill>
+                      <a:prstDash val="solid"/>
+                      <a:round/>
+                      <a:headEnd type="none" w="med" len="med"/>
+                      <a:tailEnd type="none" w="med" len="med"/>
+                    </a:lnB>
+                  </a:tcPr>
+                </a:tc>
+                <a:extLst>
+                  <a:ext uri="{0D108BD9-81ED-4DB2-BD59-A6C34878D82A}">
+                    <a16:rowId xmlns:a16="http://schemas.microsoft.com/office/drawing/2014/main" val="10001"/>
+                  </a:ext>
+                </a:extLst>
+              </a:tr>
+              <a:tr h="505752">
+                <a:tc>
+                  <a:txBody>
+                    <a:bodyPr/>
+                    <a:lstStyle/>
+                    <a:p>
+                      <a:pPr rtl="0" fontAlgn="t">
+                        <a:spcBef>
+                          <a:spcPts val="0"/>
+                        </a:spcBef>
+                        <a:spcAft>
+                          <a:spcPts val="0"/>
+                        </a:spcAft>
+                      </a:pPr>
+                      <a:r>
+                        <a:rPr lang="aa-ET" sz="1400" b="1" i="0" u="none" strike="noStrike" dirty="0">
+                          <a:solidFill>
+                            <a:srgbClr val="FF9900"/>
+                          </a:solidFill>
+                          <a:effectLst/>
+                          <a:latin typeface="+mn-lt"/>
+                          <a:cs typeface="Arial" panose="020B0604020202020204" pitchFamily="34" charset="0"/>
+                        </a:rPr>
+                        <a:t>13:00-13:15</a:t>
+                      </a:r>
+                      <a:endParaRPr lang="aa-ET" sz="2400" dirty="0">
+                        <a:effectLst/>
+                        <a:latin typeface="+mn-lt"/>
+                        <a:cs typeface="Arial" panose="020B0604020202020204" pitchFamily="34" charset="0"/>
+                      </a:endParaRPr>
+                    </a:p>
+                  </a:txBody>
+                  <a:tcPr marL="63500" marR="63500" marT="63500" marB="63500">
+                    <a:lnL w="12700" cap="flat" cmpd="sng" algn="ctr">
+                      <a:solidFill>
+                        <a:srgbClr val="FFFFFF"/>
+                      </a:solidFill>
+                      <a:prstDash val="solid"/>
+                      <a:round/>
+                      <a:headEnd type="none" w="med" len="med"/>
+                      <a:tailEnd type="none" w="med" len="med"/>
+                    </a:lnL>
+                    <a:lnR w="12700" cap="flat" cmpd="sng" algn="ctr">
+                      <a:solidFill>
+                        <a:srgbClr val="FFFFFF"/>
+                      </a:solidFill>
+                      <a:prstDash val="solid"/>
+                      <a:round/>
+                      <a:headEnd type="none" w="med" len="med"/>
+                      <a:tailEnd type="none" w="med" len="med"/>
+                    </a:lnR>
+                    <a:lnT w="12700" cap="flat" cmpd="sng" algn="ctr">
+                      <a:solidFill>
+                        <a:srgbClr val="FFFFFF"/>
+                      </a:solidFill>
+                      <a:prstDash val="solid"/>
+                      <a:round/>
+                      <a:headEnd type="none" w="med" len="med"/>
+                      <a:tailEnd type="none" w="med" len="med"/>
+                    </a:lnT>
+                    <a:lnB w="12700" cap="flat" cmpd="sng" algn="ctr">
+                      <a:solidFill>
+                        <a:srgbClr val="FFFFFF"/>
+                      </a:solidFill>
+                      <a:prstDash val="solid"/>
+                      <a:round/>
+                      <a:headEnd type="none" w="med" len="med"/>
+                      <a:tailEnd type="none" w="med" len="med"/>
+                    </a:lnB>
+                  </a:tcPr>
+                </a:tc>
+                <a:tc>
+                  <a:txBody>
+                    <a:bodyPr/>
+                    <a:lstStyle/>
+                    <a:p>
+                      <a:pPr algn="just" rtl="0" fontAlgn="t">
+                        <a:spcBef>
+                          <a:spcPts val="0"/>
+                        </a:spcBef>
+                        <a:spcAft>
+                          <a:spcPts val="0"/>
+                        </a:spcAft>
+                      </a:pPr>
+                      <a:r>
+                        <a:rPr lang="aa-ET" sz="1400" b="0" i="0" u="none" strike="noStrike">
+                          <a:solidFill>
+                            <a:srgbClr val="000000"/>
+                          </a:solidFill>
+                          <a:effectLst/>
+                          <a:latin typeface="+mn-lt"/>
+                          <a:cs typeface="Arial" panose="020B0604020202020204" pitchFamily="34" charset="0"/>
+                        </a:rPr>
+                        <a:t>-</a:t>
+                      </a:r>
+                      <a:endParaRPr lang="aa-ET" sz="2400">
+                        <a:effectLst/>
+                        <a:latin typeface="+mn-lt"/>
+                        <a:cs typeface="Arial" panose="020B0604020202020204" pitchFamily="34" charset="0"/>
+                      </a:endParaRPr>
+                    </a:p>
+                  </a:txBody>
+                  <a:tcPr marL="63500" marR="63500" marT="63500" marB="63500">
+                    <a:lnL w="12700" cap="flat" cmpd="sng" algn="ctr">
+                      <a:solidFill>
+                        <a:srgbClr val="FFFFFF"/>
+                      </a:solidFill>
+                      <a:prstDash val="solid"/>
+                      <a:round/>
+                      <a:headEnd type="none" w="med" len="med"/>
+                      <a:tailEnd type="none" w="med" len="med"/>
+                    </a:lnL>
+                    <a:lnR w="12700" cap="flat" cmpd="sng" algn="ctr">
+                      <a:solidFill>
+                        <a:srgbClr val="FFFFFF"/>
+                      </a:solidFill>
+                      <a:prstDash val="solid"/>
+                      <a:round/>
+                      <a:headEnd type="none" w="med" len="med"/>
+                      <a:tailEnd type="none" w="med" len="med"/>
+                    </a:lnR>
+                    <a:lnT w="12700" cap="flat" cmpd="sng" algn="ctr">
+                      <a:solidFill>
+                        <a:srgbClr val="FFFFFF"/>
+                      </a:solidFill>
+                      <a:prstDash val="solid"/>
+                      <a:round/>
+                      <a:headEnd type="none" w="med" len="med"/>
+                      <a:tailEnd type="none" w="med" len="med"/>
+                    </a:lnT>
+                    <a:lnB w="12700" cap="flat" cmpd="sng" algn="ctr">
+                      <a:solidFill>
+                        <a:srgbClr val="FFFFFF"/>
+                      </a:solidFill>
+                      <a:prstDash val="solid"/>
+                      <a:round/>
+                      <a:headEnd type="none" w="med" len="med"/>
+                      <a:tailEnd type="none" w="med" len="med"/>
+                    </a:lnB>
+                  </a:tcPr>
+                </a:tc>
+                <a:tc>
+                  <a:txBody>
+                    <a:bodyPr/>
+                    <a:lstStyle/>
+                    <a:p>
+                      <a:pPr algn="just" rtl="0" fontAlgn="t">
+                        <a:spcBef>
+                          <a:spcPts val="0"/>
+                        </a:spcBef>
+                        <a:spcAft>
+                          <a:spcPts val="0"/>
+                        </a:spcAft>
+                      </a:pPr>
+                      <a:r>
+                        <a:rPr lang="en-US" sz="1400" b="0" i="0" u="none" strike="noStrike" dirty="0">
+                          <a:solidFill>
+                            <a:srgbClr val="000000"/>
+                          </a:solidFill>
+                          <a:effectLst/>
+                          <a:latin typeface="+mn-lt"/>
+                          <a:cs typeface="Arial" panose="020B0604020202020204" pitchFamily="34" charset="0"/>
+                        </a:rPr>
+                        <a:t>Introduction to YAML</a:t>
+                      </a:r>
+                    </a:p>
+                  </a:txBody>
+                  <a:tcPr marL="63500" marR="63500" marT="63500" marB="63500">
+                    <a:lnL w="12700" cap="flat" cmpd="sng" algn="ctr">
+                      <a:solidFill>
+                        <a:srgbClr val="FFFFFF"/>
+                      </a:solidFill>
+                      <a:prstDash val="solid"/>
+                      <a:round/>
+                      <a:headEnd type="none" w="med" len="med"/>
+                      <a:tailEnd type="none" w="med" len="med"/>
+                    </a:lnL>
+                    <a:lnR w="12700" cap="flat" cmpd="sng" algn="ctr">
+                      <a:solidFill>
+                        <a:srgbClr val="FFFFFF"/>
+                      </a:solidFill>
+                      <a:prstDash val="solid"/>
+                      <a:round/>
+                      <a:headEnd type="none" w="med" len="med"/>
+                      <a:tailEnd type="none" w="med" len="med"/>
+                    </a:lnR>
+                    <a:lnT w="12700" cap="flat" cmpd="sng" algn="ctr">
+                      <a:solidFill>
+                        <a:srgbClr val="FFFFFF"/>
+                      </a:solidFill>
+                      <a:prstDash val="solid"/>
+                      <a:round/>
+                      <a:headEnd type="none" w="med" len="med"/>
+                      <a:tailEnd type="none" w="med" len="med"/>
+                    </a:lnT>
+                    <a:lnB w="12700" cap="flat" cmpd="sng" algn="ctr">
+                      <a:solidFill>
+                        <a:srgbClr val="FFFFFF"/>
+                      </a:solidFill>
+                      <a:prstDash val="solid"/>
+                      <a:round/>
+                      <a:headEnd type="none" w="med" len="med"/>
+                      <a:tailEnd type="none" w="med" len="med"/>
+                    </a:lnB>
+                  </a:tcPr>
+                </a:tc>
+                <a:extLst>
+                  <a:ext uri="{0D108BD9-81ED-4DB2-BD59-A6C34878D82A}">
+                    <a16:rowId xmlns:a16="http://schemas.microsoft.com/office/drawing/2014/main" val="10002"/>
+                  </a:ext>
+                </a:extLst>
+              </a:tr>
+              <a:tr h="700629">
+                <a:tc>
+                  <a:txBody>
+                    <a:bodyPr/>
+                    <a:lstStyle/>
+                    <a:p>
+                      <a:pPr rtl="0" fontAlgn="t">
+                        <a:spcBef>
+                          <a:spcPts val="0"/>
+                        </a:spcBef>
+                        <a:spcAft>
+                          <a:spcPts val="0"/>
+                        </a:spcAft>
+                      </a:pPr>
+                      <a:r>
+                        <a:rPr lang="aa-ET" sz="1400" b="1" i="0" u="none" strike="noStrike" dirty="0">
+                          <a:solidFill>
+                            <a:srgbClr val="FF9900"/>
+                          </a:solidFill>
+                          <a:effectLst/>
+                          <a:latin typeface="+mn-lt"/>
+                          <a:cs typeface="Arial" panose="020B0604020202020204" pitchFamily="34" charset="0"/>
+                        </a:rPr>
+                        <a:t>13:15-14:15</a:t>
+                      </a:r>
+                      <a:endParaRPr lang="aa-ET" sz="2400" dirty="0">
+                        <a:effectLst/>
+                        <a:latin typeface="+mn-lt"/>
+                        <a:cs typeface="Arial" panose="020B0604020202020204" pitchFamily="34" charset="0"/>
+                      </a:endParaRPr>
+                    </a:p>
+                  </a:txBody>
+                  <a:tcPr marL="63500" marR="63500" marT="63500" marB="63500">
+                    <a:lnL w="12700" cap="flat" cmpd="sng" algn="ctr">
+                      <a:solidFill>
+                        <a:srgbClr val="FFFFFF"/>
+                      </a:solidFill>
+                      <a:prstDash val="solid"/>
+                      <a:round/>
+                      <a:headEnd type="none" w="med" len="med"/>
+                      <a:tailEnd type="none" w="med" len="med"/>
+                    </a:lnL>
+                    <a:lnR w="12700" cap="flat" cmpd="sng" algn="ctr">
+                      <a:solidFill>
+                        <a:srgbClr val="FFFFFF"/>
+                      </a:solidFill>
+                      <a:prstDash val="solid"/>
+                      <a:round/>
+                      <a:headEnd type="none" w="med" len="med"/>
+                      <a:tailEnd type="none" w="med" len="med"/>
+                    </a:lnR>
+                    <a:lnT w="12700" cap="flat" cmpd="sng" algn="ctr">
+                      <a:solidFill>
+                        <a:srgbClr val="FFFFFF"/>
+                      </a:solidFill>
+                      <a:prstDash val="solid"/>
+                      <a:round/>
+                      <a:headEnd type="none" w="med" len="med"/>
+                      <a:tailEnd type="none" w="med" len="med"/>
+                    </a:lnT>
+                    <a:lnB w="12700" cap="flat" cmpd="sng" algn="ctr">
+                      <a:solidFill>
+                        <a:srgbClr val="FFFFFF"/>
+                      </a:solidFill>
+                      <a:prstDash val="solid"/>
+                      <a:round/>
+                      <a:headEnd type="none" w="med" len="med"/>
+                      <a:tailEnd type="none" w="med" len="med"/>
+                    </a:lnB>
+                  </a:tcPr>
+                </a:tc>
+                <a:tc>
+                  <a:txBody>
+                    <a:bodyPr/>
+                    <a:lstStyle/>
+                    <a:p>
+                      <a:pPr algn="just" rtl="0" fontAlgn="t">
+                        <a:spcBef>
+                          <a:spcPts val="0"/>
+                        </a:spcBef>
+                        <a:spcAft>
+                          <a:spcPts val="0"/>
+                        </a:spcAft>
+                      </a:pPr>
+                      <a:r>
+                        <a:rPr lang="aa-ET" sz="1400" b="0" i="0" u="none" strike="noStrike">
+                          <a:solidFill>
+                            <a:srgbClr val="000000"/>
+                          </a:solidFill>
+                          <a:effectLst/>
+                          <a:latin typeface="+mn-lt"/>
+                          <a:cs typeface="Arial" panose="020B0604020202020204" pitchFamily="34" charset="0"/>
+                        </a:rPr>
+                        <a:t>-</a:t>
+                      </a:r>
+                      <a:endParaRPr lang="aa-ET" sz="2400">
+                        <a:effectLst/>
+                        <a:latin typeface="+mn-lt"/>
+                        <a:cs typeface="Arial" panose="020B0604020202020204" pitchFamily="34" charset="0"/>
+                      </a:endParaRPr>
+                    </a:p>
+                  </a:txBody>
+                  <a:tcPr marL="63500" marR="63500" marT="63500" marB="63500">
+                    <a:lnL w="12700" cap="flat" cmpd="sng" algn="ctr">
+                      <a:solidFill>
+                        <a:srgbClr val="FFFFFF"/>
+                      </a:solidFill>
+                      <a:prstDash val="solid"/>
+                      <a:round/>
+                      <a:headEnd type="none" w="med" len="med"/>
+                      <a:tailEnd type="none" w="med" len="med"/>
+                    </a:lnL>
+                    <a:lnR w="12700" cap="flat" cmpd="sng" algn="ctr">
+                      <a:solidFill>
+                        <a:srgbClr val="FFFFFF"/>
+                      </a:solidFill>
+                      <a:prstDash val="solid"/>
+                      <a:round/>
+                      <a:headEnd type="none" w="med" len="med"/>
+                      <a:tailEnd type="none" w="med" len="med"/>
+                    </a:lnR>
+                    <a:lnT w="12700" cap="flat" cmpd="sng" algn="ctr">
+                      <a:solidFill>
+                        <a:srgbClr val="FFFFFF"/>
+                      </a:solidFill>
+                      <a:prstDash val="solid"/>
+                      <a:round/>
+                      <a:headEnd type="none" w="med" len="med"/>
+                      <a:tailEnd type="none" w="med" len="med"/>
+                    </a:lnT>
+                    <a:lnB w="12700" cap="flat" cmpd="sng" algn="ctr">
+                      <a:solidFill>
+                        <a:srgbClr val="FFFFFF"/>
+                      </a:solidFill>
+                      <a:prstDash val="solid"/>
+                      <a:round/>
+                      <a:headEnd type="none" w="med" len="med"/>
+                      <a:tailEnd type="none" w="med" len="med"/>
+                    </a:lnB>
+                  </a:tcPr>
+                </a:tc>
+                <a:tc>
+                  <a:txBody>
+                    <a:bodyPr/>
+                    <a:lstStyle/>
+                    <a:p>
+                      <a:pPr algn="just" rtl="0" fontAlgn="t">
+                        <a:spcBef>
+                          <a:spcPts val="0"/>
+                        </a:spcBef>
+                        <a:spcAft>
+                          <a:spcPts val="0"/>
+                        </a:spcAft>
+                      </a:pPr>
+                      <a:r>
+                        <a:rPr lang="en-US" sz="1400" b="0" i="0" u="none" strike="noStrike" dirty="0">
+                          <a:solidFill>
+                            <a:srgbClr val="000000"/>
+                          </a:solidFill>
+                          <a:effectLst/>
+                          <a:latin typeface="+mn-lt"/>
+                          <a:cs typeface="Arial" panose="020B0604020202020204" pitchFamily="34" charset="0"/>
+                        </a:rPr>
+                        <a:t>Hands-on introduction</a:t>
+                      </a:r>
+                    </a:p>
+                    <a:p>
+                      <a:pPr marL="285750" indent="-285750" algn="just" rtl="0" fontAlgn="t">
+                        <a:spcBef>
+                          <a:spcPts val="0"/>
+                        </a:spcBef>
+                        <a:spcAft>
+                          <a:spcPts val="0"/>
+                        </a:spcAft>
+                        <a:buFont typeface="Arial" panose="020B0604020202020204" pitchFamily="34" charset="0"/>
+                        <a:buChar char="•"/>
+                      </a:pPr>
+                      <a:r>
+                        <a:rPr lang="en-US" sz="1400" b="0" i="0" u="none" strike="noStrike" dirty="0">
+                          <a:solidFill>
+                            <a:srgbClr val="000000"/>
+                          </a:solidFill>
+                          <a:effectLst/>
+                          <a:latin typeface="+mn-lt"/>
+                          <a:cs typeface="Arial" panose="020B0604020202020204" pitchFamily="34" charset="0"/>
+                        </a:rPr>
+                        <a:t>Build and run FESOM</a:t>
+                      </a:r>
+                    </a:p>
+                  </a:txBody>
+                  <a:tcPr marL="63500" marR="63500" marT="63500" marB="63500">
+                    <a:lnL w="12700" cap="flat" cmpd="sng" algn="ctr">
+                      <a:solidFill>
+                        <a:srgbClr val="FFFFFF"/>
+                      </a:solidFill>
+                      <a:prstDash val="solid"/>
+                      <a:round/>
+                      <a:headEnd type="none" w="med" len="med"/>
+                      <a:tailEnd type="none" w="med" len="med"/>
+                    </a:lnL>
+                    <a:lnR w="12700" cap="flat" cmpd="sng" algn="ctr">
+                      <a:solidFill>
+                        <a:srgbClr val="FFFFFF"/>
+                      </a:solidFill>
+                      <a:prstDash val="solid"/>
+                      <a:round/>
+                      <a:headEnd type="none" w="med" len="med"/>
+                      <a:tailEnd type="none" w="med" len="med"/>
+                    </a:lnR>
+                    <a:lnT w="12700" cap="flat" cmpd="sng" algn="ctr">
+                      <a:solidFill>
+                        <a:srgbClr val="FFFFFF"/>
+                      </a:solidFill>
+                      <a:prstDash val="solid"/>
+                      <a:round/>
+                      <a:headEnd type="none" w="med" len="med"/>
+                      <a:tailEnd type="none" w="med" len="med"/>
+                    </a:lnT>
+                    <a:lnB w="12700" cap="flat" cmpd="sng" algn="ctr">
+                      <a:solidFill>
+                        <a:srgbClr val="FFFFFF"/>
+                      </a:solidFill>
+                      <a:prstDash val="solid"/>
+                      <a:round/>
+                      <a:headEnd type="none" w="med" len="med"/>
+                      <a:tailEnd type="none" w="med" len="med"/>
+                    </a:lnB>
+                  </a:tcPr>
+                </a:tc>
+                <a:extLst>
+                  <a:ext uri="{0D108BD9-81ED-4DB2-BD59-A6C34878D82A}">
+                    <a16:rowId xmlns:a16="http://schemas.microsoft.com/office/drawing/2014/main" val="10003"/>
+                  </a:ext>
+                </a:extLst>
+              </a:tr>
+              <a:tr h="505752">
+                <a:tc>
+                  <a:txBody>
+                    <a:bodyPr/>
+                    <a:lstStyle/>
+                    <a:p>
+                      <a:pPr rtl="0" fontAlgn="t">
+                        <a:spcBef>
+                          <a:spcPts val="0"/>
+                        </a:spcBef>
+                        <a:spcAft>
+                          <a:spcPts val="0"/>
+                        </a:spcAft>
+                      </a:pPr>
+                      <a:r>
+                        <a:rPr lang="aa-ET" sz="1400" b="1" i="0" u="none" strike="noStrike" dirty="0">
+                          <a:solidFill>
+                            <a:srgbClr val="FF9900"/>
+                          </a:solidFill>
+                          <a:effectLst/>
+                          <a:latin typeface="+mn-lt"/>
+                          <a:cs typeface="Arial" panose="020B0604020202020204" pitchFamily="34" charset="0"/>
+                        </a:rPr>
+                        <a:t>14:15-15:30</a:t>
+                      </a:r>
+                      <a:endParaRPr lang="aa-ET" sz="2400" dirty="0">
+                        <a:effectLst/>
+                        <a:latin typeface="+mn-lt"/>
+                        <a:cs typeface="Arial" panose="020B0604020202020204" pitchFamily="34" charset="0"/>
+                      </a:endParaRPr>
+                    </a:p>
+                  </a:txBody>
+                  <a:tcPr marL="63500" marR="63500" marT="63500" marB="63500">
+                    <a:lnL w="12700" cap="flat" cmpd="sng" algn="ctr">
+                      <a:solidFill>
+                        <a:srgbClr val="FFFFFF"/>
+                      </a:solidFill>
+                      <a:prstDash val="solid"/>
+                      <a:round/>
+                      <a:headEnd type="none" w="med" len="med"/>
+                      <a:tailEnd type="none" w="med" len="med"/>
+                    </a:lnL>
+                    <a:lnR w="12700" cap="flat" cmpd="sng" algn="ctr">
+                      <a:solidFill>
+                        <a:srgbClr val="FFFFFF"/>
+                      </a:solidFill>
+                      <a:prstDash val="solid"/>
+                      <a:round/>
+                      <a:headEnd type="none" w="med" len="med"/>
+                      <a:tailEnd type="none" w="med" len="med"/>
+                    </a:lnR>
+                    <a:lnT w="12700" cap="flat" cmpd="sng" algn="ctr">
+                      <a:solidFill>
+                        <a:srgbClr val="FFFFFF"/>
+                      </a:solidFill>
+                      <a:prstDash val="solid"/>
+                      <a:round/>
+                      <a:headEnd type="none" w="med" len="med"/>
+                      <a:tailEnd type="none" w="med" len="med"/>
+                    </a:lnT>
+                    <a:lnB w="12700" cap="flat" cmpd="sng" algn="ctr">
+                      <a:solidFill>
+                        <a:srgbClr val="FFFFFF"/>
+                      </a:solidFill>
+                      <a:prstDash val="solid"/>
+                      <a:round/>
+                      <a:headEnd type="none" w="med" len="med"/>
+                      <a:tailEnd type="none" w="med" len="med"/>
+                    </a:lnB>
+                  </a:tcPr>
+                </a:tc>
+                <a:tc>
+                  <a:txBody>
+                    <a:bodyPr/>
+                    <a:lstStyle/>
+                    <a:p>
+                      <a:pPr algn="just" rtl="0" fontAlgn="t">
+                        <a:spcBef>
+                          <a:spcPts val="0"/>
+                        </a:spcBef>
+                        <a:spcAft>
+                          <a:spcPts val="0"/>
+                        </a:spcAft>
+                      </a:pPr>
+                      <a:r>
+                        <a:rPr lang="aa-ET" sz="1400" b="0" i="0" u="none" strike="noStrike">
+                          <a:solidFill>
+                            <a:srgbClr val="000000"/>
+                          </a:solidFill>
+                          <a:effectLst/>
+                          <a:latin typeface="+mn-lt"/>
+                          <a:cs typeface="Arial" panose="020B0604020202020204" pitchFamily="34" charset="0"/>
+                        </a:rPr>
+                        <a:t>-</a:t>
+                      </a:r>
+                      <a:endParaRPr lang="aa-ET" sz="2400">
+                        <a:effectLst/>
+                        <a:latin typeface="+mn-lt"/>
+                        <a:cs typeface="Arial" panose="020B0604020202020204" pitchFamily="34" charset="0"/>
+                      </a:endParaRPr>
+                    </a:p>
+                  </a:txBody>
+                  <a:tcPr marL="63500" marR="63500" marT="63500" marB="63500">
+                    <a:lnL w="12700" cap="flat" cmpd="sng" algn="ctr">
+                      <a:solidFill>
+                        <a:srgbClr val="FFFFFF"/>
+                      </a:solidFill>
+                      <a:prstDash val="solid"/>
+                      <a:round/>
+                      <a:headEnd type="none" w="med" len="med"/>
+                      <a:tailEnd type="none" w="med" len="med"/>
+                    </a:lnL>
+                    <a:lnR w="12700" cap="flat" cmpd="sng" algn="ctr">
+                      <a:solidFill>
+                        <a:srgbClr val="FFFFFF"/>
+                      </a:solidFill>
+                      <a:prstDash val="solid"/>
+                      <a:round/>
+                      <a:headEnd type="none" w="med" len="med"/>
+                      <a:tailEnd type="none" w="med" len="med"/>
+                    </a:lnR>
+                    <a:lnT w="12700" cap="flat" cmpd="sng" algn="ctr">
+                      <a:solidFill>
+                        <a:srgbClr val="FFFFFF"/>
+                      </a:solidFill>
+                      <a:prstDash val="solid"/>
+                      <a:round/>
+                      <a:headEnd type="none" w="med" len="med"/>
+                      <a:tailEnd type="none" w="med" len="med"/>
+                    </a:lnT>
+                    <a:lnB w="12700" cap="flat" cmpd="sng" algn="ctr">
+                      <a:solidFill>
+                        <a:srgbClr val="FFFFFF"/>
+                      </a:solidFill>
+                      <a:prstDash val="solid"/>
+                      <a:round/>
+                      <a:headEnd type="none" w="med" len="med"/>
+                      <a:tailEnd type="none" w="med" len="med"/>
+                    </a:lnB>
+                  </a:tcPr>
+                </a:tc>
+                <a:tc>
+                  <a:txBody>
+                    <a:bodyPr/>
+                    <a:lstStyle/>
+                    <a:p>
+                      <a:pPr algn="just" rtl="0" fontAlgn="t">
+                        <a:spcBef>
+                          <a:spcPts val="0"/>
+                        </a:spcBef>
+                        <a:spcAft>
+                          <a:spcPts val="0"/>
+                        </a:spcAft>
+                      </a:pPr>
+                      <a:r>
+                        <a:rPr lang="en-US" sz="1400" b="0" i="0" u="none" strike="noStrike" dirty="0">
+                          <a:solidFill>
+                            <a:srgbClr val="000000"/>
+                          </a:solidFill>
+                          <a:effectLst/>
+                          <a:latin typeface="+mn-lt"/>
+                          <a:cs typeface="Arial" panose="020B0604020202020204" pitchFamily="34" charset="0"/>
+                        </a:rPr>
+                        <a:t>ESM-Tools extended YAML </a:t>
+                      </a:r>
+                      <a:r>
+                        <a:rPr lang="en-US" sz="1400" b="0" i="0" u="none" strike="noStrike">
+                          <a:solidFill>
+                            <a:srgbClr val="000000"/>
+                          </a:solidFill>
+                          <a:effectLst/>
+                          <a:latin typeface="+mn-lt"/>
+                          <a:cs typeface="Arial" panose="020B0604020202020204" pitchFamily="34" charset="0"/>
+                        </a:rPr>
+                        <a:t>syntax and</a:t>
+                      </a:r>
+                      <a:r>
+                        <a:rPr lang="tr-TR" sz="1400" b="0" i="0" u="none" strike="noStrike">
+                          <a:solidFill>
+                            <a:srgbClr val="000000"/>
+                          </a:solidFill>
+                          <a:effectLst/>
+                          <a:latin typeface="+mn-lt"/>
+                          <a:cs typeface="Arial" panose="020B0604020202020204" pitchFamily="34" charset="0"/>
+                        </a:rPr>
+                        <a:t> </a:t>
+                      </a:r>
+                      <a:r>
+                        <a:rPr lang="en-US" sz="1400" b="0" i="0" u="none" strike="noStrike">
+                          <a:solidFill>
+                            <a:srgbClr val="000000"/>
+                          </a:solidFill>
+                          <a:effectLst/>
+                          <a:latin typeface="+mn-lt"/>
+                          <a:cs typeface="Arial" panose="020B0604020202020204" pitchFamily="34" charset="0"/>
+                        </a:rPr>
+                        <a:t>hands-on</a:t>
+                      </a:r>
+                      <a:endParaRPr lang="tr-TR" sz="1400" b="0" i="0" u="none" strike="noStrike">
+                        <a:solidFill>
+                          <a:srgbClr val="000000"/>
+                        </a:solidFill>
+                        <a:effectLst/>
+                        <a:latin typeface="+mn-lt"/>
+                        <a:cs typeface="Arial" panose="020B0604020202020204" pitchFamily="34" charset="0"/>
+                      </a:endParaRPr>
+                    </a:p>
+                    <a:p>
+                      <a:pPr algn="just" rtl="0" fontAlgn="t">
+                        <a:spcBef>
+                          <a:spcPts val="0"/>
+                        </a:spcBef>
+                        <a:spcAft>
+                          <a:spcPts val="0"/>
+                        </a:spcAft>
+                      </a:pPr>
+                      <a:r>
+                        <a:rPr lang="en-US" sz="1400" b="0" i="0" u="none" strike="noStrike">
+                          <a:solidFill>
+                            <a:srgbClr val="000000"/>
+                          </a:solidFill>
+                          <a:effectLst/>
+                          <a:latin typeface="+mn-lt"/>
+                          <a:cs typeface="Arial" panose="020B0604020202020204" pitchFamily="34" charset="0"/>
+                        </a:rPr>
+                        <a:t>exercises</a:t>
+                      </a:r>
+                      <a:endParaRPr lang="en-US" sz="1400" b="0" i="0" u="none" strike="noStrike" dirty="0">
+                        <a:solidFill>
+                          <a:srgbClr val="000000"/>
+                        </a:solidFill>
+                        <a:effectLst/>
+                        <a:latin typeface="+mn-lt"/>
+                        <a:cs typeface="Arial" panose="020B0604020202020204" pitchFamily="34" charset="0"/>
+                      </a:endParaRPr>
+                    </a:p>
+                  </a:txBody>
+                  <a:tcPr marL="63500" marR="63500" marT="63500" marB="63500">
+                    <a:lnL w="12700" cap="flat" cmpd="sng" algn="ctr">
+                      <a:solidFill>
+                        <a:srgbClr val="FFFFFF"/>
+                      </a:solidFill>
+                      <a:prstDash val="solid"/>
+                      <a:round/>
+                      <a:headEnd type="none" w="med" len="med"/>
+                      <a:tailEnd type="none" w="med" len="med"/>
+                    </a:lnL>
+                    <a:lnR w="12700" cap="flat" cmpd="sng" algn="ctr">
+                      <a:solidFill>
+                        <a:srgbClr val="FFFFFF"/>
+                      </a:solidFill>
+                      <a:prstDash val="solid"/>
+                      <a:round/>
+                      <a:headEnd type="none" w="med" len="med"/>
+                      <a:tailEnd type="none" w="med" len="med"/>
+                    </a:lnR>
+                    <a:lnT w="12700" cap="flat" cmpd="sng" algn="ctr">
+                      <a:solidFill>
+                        <a:srgbClr val="FFFFFF"/>
+                      </a:solidFill>
+                      <a:prstDash val="solid"/>
+                      <a:round/>
+                      <a:headEnd type="none" w="med" len="med"/>
+                      <a:tailEnd type="none" w="med" len="med"/>
+                    </a:lnT>
+                    <a:lnB w="12700" cap="flat" cmpd="sng" algn="ctr">
+                      <a:solidFill>
+                        <a:srgbClr val="FFFFFF"/>
+                      </a:solidFill>
+                      <a:prstDash val="solid"/>
+                      <a:round/>
+                      <a:headEnd type="none" w="med" len="med"/>
+                      <a:tailEnd type="none" w="med" len="med"/>
+                    </a:lnB>
+                  </a:tcPr>
+                </a:tc>
+                <a:extLst>
+                  <a:ext uri="{0D108BD9-81ED-4DB2-BD59-A6C34878D82A}">
+                    <a16:rowId xmlns:a16="http://schemas.microsoft.com/office/drawing/2014/main" val="10004"/>
+                  </a:ext>
+                </a:extLst>
+              </a:tr>
+              <a:tr h="505752">
+                <a:tc>
+                  <a:txBody>
+                    <a:bodyPr/>
+                    <a:lstStyle/>
+                    <a:p>
+                      <a:pPr rtl="0" fontAlgn="t">
+                        <a:spcBef>
+                          <a:spcPts val="0"/>
+                        </a:spcBef>
+                        <a:spcAft>
+                          <a:spcPts val="0"/>
+                        </a:spcAft>
+                      </a:pPr>
+                      <a:r>
+                        <a:rPr lang="aa-ET" sz="1400" b="1" i="0" u="none" strike="noStrike" dirty="0">
+                          <a:solidFill>
+                            <a:srgbClr val="FF9900"/>
+                          </a:solidFill>
+                          <a:effectLst/>
+                          <a:latin typeface="+mn-lt"/>
+                          <a:cs typeface="Arial" panose="020B0604020202020204" pitchFamily="34" charset="0"/>
+                        </a:rPr>
+                        <a:t>15:30-16:00</a:t>
+                      </a:r>
+                      <a:endParaRPr lang="aa-ET" sz="2400" dirty="0">
+                        <a:effectLst/>
+                        <a:latin typeface="+mn-lt"/>
+                        <a:cs typeface="Arial" panose="020B0604020202020204" pitchFamily="34" charset="0"/>
+                      </a:endParaRPr>
+                    </a:p>
+                  </a:txBody>
+                  <a:tcPr marL="63500" marR="63500" marT="63500" marB="63500">
+                    <a:lnL w="12700" cap="flat" cmpd="sng" algn="ctr">
+                      <a:solidFill>
+                        <a:srgbClr val="FFFFFF"/>
+                      </a:solidFill>
+                      <a:prstDash val="solid"/>
+                      <a:round/>
+                      <a:headEnd type="none" w="med" len="med"/>
+                      <a:tailEnd type="none" w="med" len="med"/>
+                    </a:lnL>
+                    <a:lnR w="12700" cap="flat" cmpd="sng" algn="ctr">
+                      <a:solidFill>
+                        <a:srgbClr val="FFFFFF"/>
+                      </a:solidFill>
+                      <a:prstDash val="solid"/>
+                      <a:round/>
+                      <a:headEnd type="none" w="med" len="med"/>
+                      <a:tailEnd type="none" w="med" len="med"/>
+                    </a:lnR>
+                    <a:lnT w="12700" cap="flat" cmpd="sng" algn="ctr">
+                      <a:solidFill>
+                        <a:srgbClr val="FFFFFF"/>
+                      </a:solidFill>
+                      <a:prstDash val="solid"/>
+                      <a:round/>
+                      <a:headEnd type="none" w="med" len="med"/>
+                      <a:tailEnd type="none" w="med" len="med"/>
+                    </a:lnT>
+                    <a:lnB w="12700" cap="flat" cmpd="sng" algn="ctr">
+                      <a:solidFill>
+                        <a:srgbClr val="FFFFFF"/>
+                      </a:solidFill>
+                      <a:prstDash val="solid"/>
+                      <a:round/>
+                      <a:headEnd type="none" w="med" len="med"/>
+                      <a:tailEnd type="none" w="med" len="med"/>
+                    </a:lnB>
+                  </a:tcPr>
+                </a:tc>
+                <a:tc>
+                  <a:txBody>
+                    <a:bodyPr/>
+                    <a:lstStyle/>
+                    <a:p>
+                      <a:pPr algn="just" rtl="0" fontAlgn="t">
+                        <a:spcBef>
+                          <a:spcPts val="0"/>
+                        </a:spcBef>
+                        <a:spcAft>
+                          <a:spcPts val="0"/>
+                        </a:spcAft>
+                      </a:pPr>
+                      <a:r>
+                        <a:rPr lang="aa-ET" sz="1400" b="0" i="0" u="none" strike="noStrike">
+                          <a:solidFill>
+                            <a:srgbClr val="000000"/>
+                          </a:solidFill>
+                          <a:effectLst/>
+                          <a:latin typeface="+mn-lt"/>
+                          <a:cs typeface="Arial" panose="020B0604020202020204" pitchFamily="34" charset="0"/>
+                        </a:rPr>
+                        <a:t>-</a:t>
+                      </a:r>
+                      <a:endParaRPr lang="aa-ET" sz="2400">
+                        <a:effectLst/>
+                        <a:latin typeface="+mn-lt"/>
+                        <a:cs typeface="Arial" panose="020B0604020202020204" pitchFamily="34" charset="0"/>
+                      </a:endParaRPr>
+                    </a:p>
+                  </a:txBody>
+                  <a:tcPr marL="63500" marR="63500" marT="63500" marB="63500">
+                    <a:lnL w="12700" cap="flat" cmpd="sng" algn="ctr">
+                      <a:solidFill>
+                        <a:srgbClr val="FFFFFF"/>
+                      </a:solidFill>
+                      <a:prstDash val="solid"/>
+                      <a:round/>
+                      <a:headEnd type="none" w="med" len="med"/>
+                      <a:tailEnd type="none" w="med" len="med"/>
+                    </a:lnL>
+                    <a:lnR w="12700" cap="flat" cmpd="sng" algn="ctr">
+                      <a:solidFill>
+                        <a:srgbClr val="FFFFFF"/>
+                      </a:solidFill>
+                      <a:prstDash val="solid"/>
+                      <a:round/>
+                      <a:headEnd type="none" w="med" len="med"/>
+                      <a:tailEnd type="none" w="med" len="med"/>
+                    </a:lnR>
+                    <a:lnT w="12700" cap="flat" cmpd="sng" algn="ctr">
+                      <a:solidFill>
+                        <a:srgbClr val="FFFFFF"/>
+                      </a:solidFill>
+                      <a:prstDash val="solid"/>
+                      <a:round/>
+                      <a:headEnd type="none" w="med" len="med"/>
+                      <a:tailEnd type="none" w="med" len="med"/>
+                    </a:lnT>
+                    <a:lnB w="12700" cap="flat" cmpd="sng" algn="ctr">
+                      <a:solidFill>
+                        <a:srgbClr val="FFFFFF"/>
+                      </a:solidFill>
+                      <a:prstDash val="solid"/>
+                      <a:round/>
+                      <a:headEnd type="none" w="med" len="med"/>
+                      <a:tailEnd type="none" w="med" len="med"/>
+                    </a:lnB>
+                  </a:tcPr>
+                </a:tc>
+                <a:tc>
+                  <a:txBody>
+                    <a:bodyPr/>
+                    <a:lstStyle/>
+                    <a:p>
+                      <a:pPr algn="just" rtl="0" fontAlgn="t">
+                        <a:spcBef>
+                          <a:spcPts val="0"/>
+                        </a:spcBef>
+                        <a:spcAft>
+                          <a:spcPts val="0"/>
+                        </a:spcAft>
+                      </a:pPr>
+                      <a:r>
+                        <a:rPr lang="en-US" sz="1400" b="0" i="0" u="none" strike="noStrike" dirty="0">
+                          <a:solidFill>
+                            <a:srgbClr val="000000"/>
+                          </a:solidFill>
+                          <a:effectLst/>
+                          <a:latin typeface="+mn-lt"/>
+                          <a:cs typeface="Arial" panose="020B0604020202020204" pitchFamily="34" charset="0"/>
+                        </a:rPr>
+                        <a:t>Coffee break</a:t>
+                      </a:r>
+                    </a:p>
+                  </a:txBody>
+                  <a:tcPr marL="63500" marR="63500" marT="63500" marB="63500">
+                    <a:lnL w="12700" cap="flat" cmpd="sng" algn="ctr">
+                      <a:solidFill>
+                        <a:srgbClr val="FFFFFF"/>
+                      </a:solidFill>
+                      <a:prstDash val="solid"/>
+                      <a:round/>
+                      <a:headEnd type="none" w="med" len="med"/>
+                      <a:tailEnd type="none" w="med" len="med"/>
+                    </a:lnL>
+                    <a:lnR w="12700" cap="flat" cmpd="sng" algn="ctr">
+                      <a:solidFill>
+                        <a:srgbClr val="FFFFFF"/>
+                      </a:solidFill>
+                      <a:prstDash val="solid"/>
+                      <a:round/>
+                      <a:headEnd type="none" w="med" len="med"/>
+                      <a:tailEnd type="none" w="med" len="med"/>
+                    </a:lnR>
+                    <a:lnT w="12700" cap="flat" cmpd="sng" algn="ctr">
+                      <a:solidFill>
+                        <a:srgbClr val="FFFFFF"/>
+                      </a:solidFill>
+                      <a:prstDash val="solid"/>
+                      <a:round/>
+                      <a:headEnd type="none" w="med" len="med"/>
+                      <a:tailEnd type="none" w="med" len="med"/>
+                    </a:lnT>
+                    <a:lnB w="12700" cap="flat" cmpd="sng" algn="ctr">
+                      <a:solidFill>
+                        <a:srgbClr val="FFFFFF"/>
+                      </a:solidFill>
+                      <a:prstDash val="solid"/>
+                      <a:round/>
+                      <a:headEnd type="none" w="med" len="med"/>
+                      <a:tailEnd type="none" w="med" len="med"/>
+                    </a:lnB>
+                  </a:tcPr>
+                </a:tc>
+                <a:extLst>
+                  <a:ext uri="{0D108BD9-81ED-4DB2-BD59-A6C34878D82A}">
+                    <a16:rowId xmlns:a16="http://schemas.microsoft.com/office/drawing/2014/main" val="10005"/>
+                  </a:ext>
+                </a:extLst>
+              </a:tr>
+              <a:tr h="505752">
+                <a:tc>
+                  <a:txBody>
+                    <a:bodyPr/>
+                    <a:lstStyle/>
+                    <a:p>
+                      <a:pPr rtl="0" fontAlgn="t">
+                        <a:spcBef>
+                          <a:spcPts val="0"/>
+                        </a:spcBef>
+                        <a:spcAft>
+                          <a:spcPts val="0"/>
+                        </a:spcAft>
+                      </a:pPr>
+                      <a:r>
+                        <a:rPr lang="aa-ET" sz="1400" b="1" i="0" u="none" strike="noStrike" dirty="0">
+                          <a:solidFill>
+                            <a:srgbClr val="FF9900"/>
+                          </a:solidFill>
+                          <a:effectLst/>
+                          <a:latin typeface="+mn-lt"/>
+                          <a:cs typeface="Arial" panose="020B0604020202020204" pitchFamily="34" charset="0"/>
+                        </a:rPr>
+                        <a:t>16:00-17:30</a:t>
+                      </a:r>
+                      <a:endParaRPr lang="aa-ET" sz="2400" dirty="0">
+                        <a:effectLst/>
+                        <a:latin typeface="+mn-lt"/>
+                        <a:cs typeface="Arial" panose="020B0604020202020204" pitchFamily="34" charset="0"/>
+                      </a:endParaRPr>
+                    </a:p>
+                  </a:txBody>
+                  <a:tcPr marL="63500" marR="63500" marT="63500" marB="63500">
+                    <a:lnL w="12700" cap="flat" cmpd="sng" algn="ctr">
+                      <a:solidFill>
+                        <a:srgbClr val="FFFFFF"/>
+                      </a:solidFill>
+                      <a:prstDash val="solid"/>
+                      <a:round/>
+                      <a:headEnd type="none" w="med" len="med"/>
+                      <a:tailEnd type="none" w="med" len="med"/>
+                    </a:lnL>
+                    <a:lnR w="12700" cap="flat" cmpd="sng" algn="ctr">
+                      <a:solidFill>
+                        <a:srgbClr val="FFFFFF"/>
+                      </a:solidFill>
+                      <a:prstDash val="solid"/>
+                      <a:round/>
+                      <a:headEnd type="none" w="med" len="med"/>
+                      <a:tailEnd type="none" w="med" len="med"/>
+                    </a:lnR>
+                    <a:lnT w="12700" cap="flat" cmpd="sng" algn="ctr">
+                      <a:solidFill>
+                        <a:srgbClr val="FFFFFF"/>
+                      </a:solidFill>
+                      <a:prstDash val="solid"/>
+                      <a:round/>
+                      <a:headEnd type="none" w="med" len="med"/>
+                      <a:tailEnd type="none" w="med" len="med"/>
+                    </a:lnT>
+                    <a:lnB w="12700" cap="flat" cmpd="sng" algn="ctr">
+                      <a:solidFill>
+                        <a:srgbClr val="FFFFFF"/>
+                      </a:solidFill>
+                      <a:prstDash val="solid"/>
+                      <a:round/>
+                      <a:headEnd type="none" w="med" len="med"/>
+                      <a:tailEnd type="none" w="med" len="med"/>
+                    </a:lnB>
+                  </a:tcPr>
+                </a:tc>
+                <a:tc>
+                  <a:txBody>
+                    <a:bodyPr/>
+                    <a:lstStyle/>
+                    <a:p>
+                      <a:pPr algn="just" rtl="0" fontAlgn="t">
+                        <a:spcBef>
+                          <a:spcPts val="0"/>
+                        </a:spcBef>
+                        <a:spcAft>
+                          <a:spcPts val="0"/>
+                        </a:spcAft>
+                      </a:pPr>
+                      <a:r>
+                        <a:rPr lang="aa-ET" sz="1400" b="0" i="0" u="none" strike="noStrike">
+                          <a:solidFill>
+                            <a:srgbClr val="000000"/>
+                          </a:solidFill>
+                          <a:effectLst/>
+                          <a:latin typeface="+mn-lt"/>
+                          <a:cs typeface="Arial" panose="020B0604020202020204" pitchFamily="34" charset="0"/>
+                        </a:rPr>
+                        <a:t>-</a:t>
+                      </a:r>
+                      <a:endParaRPr lang="aa-ET" sz="2400">
+                        <a:effectLst/>
+                        <a:latin typeface="+mn-lt"/>
+                        <a:cs typeface="Arial" panose="020B0604020202020204" pitchFamily="34" charset="0"/>
+                      </a:endParaRPr>
+                    </a:p>
+                  </a:txBody>
+                  <a:tcPr marL="63500" marR="63500" marT="63500" marB="63500">
+                    <a:lnL w="12700" cap="flat" cmpd="sng" algn="ctr">
+                      <a:solidFill>
+                        <a:srgbClr val="FFFFFF"/>
+                      </a:solidFill>
+                      <a:prstDash val="solid"/>
+                      <a:round/>
+                      <a:headEnd type="none" w="med" len="med"/>
+                      <a:tailEnd type="none" w="med" len="med"/>
+                    </a:lnL>
+                    <a:lnR w="12700" cap="flat" cmpd="sng" algn="ctr">
+                      <a:solidFill>
+                        <a:srgbClr val="FFFFFF"/>
+                      </a:solidFill>
+                      <a:prstDash val="solid"/>
+                      <a:round/>
+                      <a:headEnd type="none" w="med" len="med"/>
+                      <a:tailEnd type="none" w="med" len="med"/>
+                    </a:lnR>
+                    <a:lnT w="12700" cap="flat" cmpd="sng" algn="ctr">
+                      <a:solidFill>
+                        <a:srgbClr val="FFFFFF"/>
+                      </a:solidFill>
+                      <a:prstDash val="solid"/>
+                      <a:round/>
+                      <a:headEnd type="none" w="med" len="med"/>
+                      <a:tailEnd type="none" w="med" len="med"/>
+                    </a:lnT>
+                    <a:lnB w="12700" cap="flat" cmpd="sng" algn="ctr">
+                      <a:solidFill>
+                        <a:srgbClr val="FFFFFF"/>
+                      </a:solidFill>
+                      <a:prstDash val="solid"/>
+                      <a:round/>
+                      <a:headEnd type="none" w="med" len="med"/>
+                      <a:tailEnd type="none" w="med" len="med"/>
+                    </a:lnB>
+                  </a:tcPr>
+                </a:tc>
+                <a:tc>
+                  <a:txBody>
+                    <a:bodyPr/>
+                    <a:lstStyle/>
+                    <a:p>
+                      <a:pPr algn="just" rtl="0" fontAlgn="t">
+                        <a:spcBef>
+                          <a:spcPts val="0"/>
+                        </a:spcBef>
+                        <a:spcAft>
+                          <a:spcPts val="0"/>
+                        </a:spcAft>
+                      </a:pPr>
+                      <a:r>
+                        <a:rPr lang="en-US" sz="1400" b="0" i="0" u="none" strike="noStrike" dirty="0">
+                          <a:solidFill>
+                            <a:srgbClr val="000000"/>
+                          </a:solidFill>
+                          <a:effectLst/>
+                          <a:latin typeface="+mn-lt"/>
+                          <a:cs typeface="Arial" panose="020B0604020202020204" pitchFamily="34" charset="0"/>
+                        </a:rPr>
+                        <a:t>Introduction to the workflow manager (offline coupling)</a:t>
+                      </a:r>
+                      <a:endParaRPr lang="tr-TR" sz="1400" b="0" i="0" u="none" strike="noStrike" dirty="0">
+                        <a:solidFill>
+                          <a:srgbClr val="000000"/>
+                        </a:solidFill>
+                        <a:effectLst/>
+                        <a:latin typeface="+mn-lt"/>
+                        <a:cs typeface="Arial" panose="020B0604020202020204" pitchFamily="34" charset="0"/>
+                      </a:endParaRPr>
+                    </a:p>
+                    <a:p>
+                      <a:pPr algn="just" rtl="0" fontAlgn="t">
+                        <a:spcBef>
+                          <a:spcPts val="0"/>
+                        </a:spcBef>
+                        <a:spcAft>
+                          <a:spcPts val="0"/>
+                        </a:spcAft>
+                      </a:pPr>
+                      <a:r>
+                        <a:rPr lang="en-US" sz="1400" b="0" i="0" u="none" strike="noStrike" dirty="0">
+                          <a:solidFill>
+                            <a:srgbClr val="000000"/>
+                          </a:solidFill>
+                          <a:effectLst/>
+                          <a:latin typeface="+mn-lt"/>
+                          <a:cs typeface="Arial" panose="020B0604020202020204" pitchFamily="34" charset="0"/>
+                        </a:rPr>
+                        <a:t>and machine environments</a:t>
+                      </a:r>
+                      <a:endParaRPr lang="en-US" sz="2400" dirty="0">
+                        <a:effectLst/>
+                        <a:latin typeface="+mn-lt"/>
+                        <a:cs typeface="Arial" panose="020B0604020202020204" pitchFamily="34" charset="0"/>
+                      </a:endParaRPr>
+                    </a:p>
+                  </a:txBody>
+                  <a:tcPr marL="63500" marR="63500" marT="63500" marB="63500">
+                    <a:lnL w="12700" cap="flat" cmpd="sng" algn="ctr">
+                      <a:solidFill>
+                        <a:srgbClr val="FFFFFF"/>
+                      </a:solidFill>
+                      <a:prstDash val="solid"/>
+                      <a:round/>
+                      <a:headEnd type="none" w="med" len="med"/>
+                      <a:tailEnd type="none" w="med" len="med"/>
+                    </a:lnL>
+                    <a:lnR w="12700" cap="flat" cmpd="sng" algn="ctr">
+                      <a:solidFill>
+                        <a:srgbClr val="FFFFFF"/>
+                      </a:solidFill>
+                      <a:prstDash val="solid"/>
+                      <a:round/>
+                      <a:headEnd type="none" w="med" len="med"/>
+                      <a:tailEnd type="none" w="med" len="med"/>
+                    </a:lnR>
+                    <a:lnT w="12700" cap="flat" cmpd="sng" algn="ctr">
+                      <a:solidFill>
+                        <a:srgbClr val="FFFFFF"/>
+                      </a:solidFill>
+                      <a:prstDash val="solid"/>
+                      <a:round/>
+                      <a:headEnd type="none" w="med" len="med"/>
+                      <a:tailEnd type="none" w="med" len="med"/>
+                    </a:lnT>
+                    <a:lnB w="12700" cap="flat" cmpd="sng" algn="ctr">
+                      <a:solidFill>
+                        <a:srgbClr val="FFFFFF"/>
+                      </a:solidFill>
+                      <a:prstDash val="solid"/>
+                      <a:round/>
+                      <a:headEnd type="none" w="med" len="med"/>
+                      <a:tailEnd type="none" w="med" len="med"/>
+                    </a:lnB>
+                  </a:tcPr>
+                </a:tc>
+                <a:extLst>
+                  <a:ext uri="{0D108BD9-81ED-4DB2-BD59-A6C34878D82A}">
+                    <a16:rowId xmlns:a16="http://schemas.microsoft.com/office/drawing/2014/main" val="10006"/>
+                  </a:ext>
+                </a:extLst>
+              </a:tr>
+            </a:tbl>
+          </a:graphicData>
+        </a:graphic>
+      </p:graphicFrame>
+      <p:graphicFrame>
+        <p:nvGraphicFramePr>
+          <p:cNvPr id="6" name="Table 5">
+            <a:extLst>
+              <a:ext uri="{FF2B5EF4-FFF2-40B4-BE49-F238E27FC236}">
+                <a16:creationId xmlns:a16="http://schemas.microsoft.com/office/drawing/2014/main" id="{E57C5358-2F1C-B4A2-80BA-4EB8F6F093FD}"/>
+              </a:ext>
+            </a:extLst>
+          </p:cNvPr>
+          <p:cNvGraphicFramePr>
+            <a:graphicFrameLocks noGrp="1"/>
+          </p:cNvGraphicFramePr>
+          <p:nvPr/>
+        </p:nvGraphicFramePr>
+        <p:xfrm>
+          <a:off x="6987906" y="2250529"/>
+          <a:ext cx="4652405" cy="3961112"/>
+        </p:xfrm>
+        <a:graphic>
+          <a:graphicData uri="http://schemas.openxmlformats.org/drawingml/2006/table">
+            <a:tbl>
+              <a:tblPr/>
+              <a:tblGrid>
+                <a:gridCol w="1046485">
+                  <a:extLst>
+                    <a:ext uri="{9D8B030D-6E8A-4147-A177-3AD203B41FA5}">
+                      <a16:colId xmlns:a16="http://schemas.microsoft.com/office/drawing/2014/main" val="2085809158"/>
+                    </a:ext>
+                  </a:extLst>
+                </a:gridCol>
+                <a:gridCol w="236306">
+                  <a:extLst>
+                    <a:ext uri="{9D8B030D-6E8A-4147-A177-3AD203B41FA5}">
+                      <a16:colId xmlns:a16="http://schemas.microsoft.com/office/drawing/2014/main" val="1162518780"/>
+                    </a:ext>
+                  </a:extLst>
+                </a:gridCol>
+                <a:gridCol w="3369614">
+                  <a:extLst>
+                    <a:ext uri="{9D8B030D-6E8A-4147-A177-3AD203B41FA5}">
+                      <a16:colId xmlns:a16="http://schemas.microsoft.com/office/drawing/2014/main" val="1360676965"/>
+                    </a:ext>
+                  </a:extLst>
+                </a:gridCol>
+              </a:tblGrid>
+              <a:tr h="1072222">
+                <a:tc>
+                  <a:txBody>
+                    <a:bodyPr/>
+                    <a:lstStyle/>
+                    <a:p>
+                      <a:pPr rtl="0" fontAlgn="t">
+                        <a:spcBef>
+                          <a:spcPts val="0"/>
+                        </a:spcBef>
+                        <a:spcAft>
+                          <a:spcPts val="0"/>
+                        </a:spcAft>
+                      </a:pPr>
+                      <a:r>
+                        <a:rPr lang="aa-ET" sz="1400" b="1" i="0" u="none" strike="noStrike" dirty="0">
+                          <a:solidFill>
+                            <a:srgbClr val="FF9900"/>
+                          </a:solidFill>
+                          <a:effectLst/>
+                          <a:latin typeface="+mn-lt"/>
+                        </a:rPr>
+                        <a:t>09:00-10:45</a:t>
+                      </a:r>
+                      <a:endParaRPr lang="aa-ET" sz="1400" dirty="0">
+                        <a:effectLst/>
+                        <a:latin typeface="+mn-lt"/>
+                      </a:endParaRPr>
+                    </a:p>
+                  </a:txBody>
+                  <a:tcPr marL="63500" marR="63500" marT="63500" marB="63500">
+                    <a:lnL w="12700" cap="flat" cmpd="sng" algn="ctr">
+                      <a:solidFill>
+                        <a:srgbClr val="FFFFFF"/>
+                      </a:solidFill>
+                      <a:prstDash val="solid"/>
+                      <a:round/>
+                      <a:headEnd type="none" w="med" len="med"/>
+                      <a:tailEnd type="none" w="med" len="med"/>
+                    </a:lnL>
+                    <a:lnR w="12700" cap="flat" cmpd="sng" algn="ctr">
+                      <a:solidFill>
+                        <a:srgbClr val="FFFFFF"/>
+                      </a:solidFill>
+                      <a:prstDash val="solid"/>
+                      <a:round/>
+                      <a:headEnd type="none" w="med" len="med"/>
+                      <a:tailEnd type="none" w="med" len="med"/>
+                    </a:lnR>
+                    <a:lnT w="12700" cap="flat" cmpd="sng" algn="ctr">
+                      <a:solidFill>
+                        <a:srgbClr val="FFFFFF"/>
+                      </a:solidFill>
+                      <a:prstDash val="solid"/>
+                      <a:round/>
+                      <a:headEnd type="none" w="med" len="med"/>
+                      <a:tailEnd type="none" w="med" len="med"/>
+                    </a:lnT>
+                    <a:lnB w="12700" cap="flat" cmpd="sng" algn="ctr">
+                      <a:solidFill>
+                        <a:srgbClr val="FFFFFF"/>
+                      </a:solidFill>
+                      <a:prstDash val="solid"/>
+                      <a:round/>
+                      <a:headEnd type="none" w="med" len="med"/>
+                      <a:tailEnd type="none" w="med" len="med"/>
+                    </a:lnB>
+                  </a:tcPr>
+                </a:tc>
+                <a:tc>
+                  <a:txBody>
+                    <a:bodyPr/>
+                    <a:lstStyle/>
+                    <a:p>
+                      <a:pPr algn="just" rtl="0" fontAlgn="t">
+                        <a:spcBef>
+                          <a:spcPts val="0"/>
+                        </a:spcBef>
+                        <a:spcAft>
+                          <a:spcPts val="0"/>
+                        </a:spcAft>
+                      </a:pPr>
+                      <a:r>
+                        <a:rPr lang="aa-ET" sz="1400" b="0" i="0" u="none" strike="noStrike">
+                          <a:solidFill>
+                            <a:srgbClr val="000000"/>
+                          </a:solidFill>
+                          <a:effectLst/>
+                          <a:latin typeface="+mn-lt"/>
+                        </a:rPr>
+                        <a:t>-</a:t>
+                      </a:r>
+                      <a:endParaRPr lang="aa-ET" sz="1400">
+                        <a:effectLst/>
+                        <a:latin typeface="+mn-lt"/>
+                      </a:endParaRPr>
+                    </a:p>
+                  </a:txBody>
+                  <a:tcPr marL="63500" marR="63500" marT="63500" marB="63500">
+                    <a:lnL w="12700" cap="flat" cmpd="sng" algn="ctr">
+                      <a:solidFill>
+                        <a:srgbClr val="FFFFFF"/>
+                      </a:solidFill>
+                      <a:prstDash val="solid"/>
+                      <a:round/>
+                      <a:headEnd type="none" w="med" len="med"/>
+                      <a:tailEnd type="none" w="med" len="med"/>
+                    </a:lnL>
+                    <a:lnR w="12700" cap="flat" cmpd="sng" algn="ctr">
+                      <a:solidFill>
+                        <a:srgbClr val="FFFFFF"/>
+                      </a:solidFill>
+                      <a:prstDash val="solid"/>
+                      <a:round/>
+                      <a:headEnd type="none" w="med" len="med"/>
+                      <a:tailEnd type="none" w="med" len="med"/>
+                    </a:lnR>
+                    <a:lnT w="12700" cap="flat" cmpd="sng" algn="ctr">
+                      <a:solidFill>
+                        <a:srgbClr val="FFFFFF"/>
+                      </a:solidFill>
+                      <a:prstDash val="solid"/>
+                      <a:round/>
+                      <a:headEnd type="none" w="med" len="med"/>
+                      <a:tailEnd type="none" w="med" len="med"/>
+                    </a:lnT>
+                    <a:lnB w="12700" cap="flat" cmpd="sng" algn="ctr">
+                      <a:solidFill>
+                        <a:srgbClr val="FFFFFF"/>
+                      </a:solidFill>
+                      <a:prstDash val="solid"/>
+                      <a:round/>
+                      <a:headEnd type="none" w="med" len="med"/>
+                      <a:tailEnd type="none" w="med" len="med"/>
+                    </a:lnB>
+                  </a:tcPr>
+                </a:tc>
+                <a:tc>
+                  <a:txBody>
+                    <a:bodyPr/>
+                    <a:lstStyle/>
+                    <a:p>
+                      <a:pPr algn="just" rtl="0" fontAlgn="t">
+                        <a:spcBef>
+                          <a:spcPts val="0"/>
+                        </a:spcBef>
+                        <a:spcAft>
+                          <a:spcPts val="0"/>
+                        </a:spcAft>
+                      </a:pPr>
+                      <a:r>
+                        <a:rPr lang="en-US" sz="1400" b="0" i="0" u="none" strike="noStrike" dirty="0">
+                          <a:solidFill>
+                            <a:srgbClr val="000000"/>
+                          </a:solidFill>
+                          <a:effectLst/>
+                          <a:latin typeface="+mn-lt"/>
+                        </a:rPr>
+                        <a:t>Working groups</a:t>
+                      </a:r>
+                    </a:p>
+                    <a:p>
+                      <a:pPr marL="285750" indent="-285750" algn="just" rtl="0" fontAlgn="t">
+                        <a:spcBef>
+                          <a:spcPts val="0"/>
+                        </a:spcBef>
+                        <a:spcAft>
+                          <a:spcPts val="0"/>
+                        </a:spcAft>
+                        <a:buFont typeface="Arial" panose="020B0604020202020204" pitchFamily="34" charset="0"/>
+                        <a:buChar char="•"/>
+                      </a:pPr>
+                      <a:r>
+                        <a:rPr lang="en-US" sz="1400" dirty="0">
+                          <a:effectLst/>
+                          <a:latin typeface="+mn-lt"/>
+                        </a:rPr>
+                        <a:t>New models into ESM-Tools</a:t>
+                      </a:r>
+                    </a:p>
+                    <a:p>
+                      <a:pPr marL="285750" indent="-285750" algn="just" rtl="0" fontAlgn="t">
+                        <a:spcBef>
+                          <a:spcPts val="0"/>
+                        </a:spcBef>
+                        <a:spcAft>
+                          <a:spcPts val="0"/>
+                        </a:spcAft>
+                        <a:buFont typeface="Arial" panose="020B0604020202020204" pitchFamily="34" charset="0"/>
+                        <a:buChar char="•"/>
+                      </a:pPr>
+                      <a:r>
+                        <a:rPr lang="en-US" sz="1400" dirty="0">
+                          <a:effectLst/>
+                          <a:latin typeface="+mn-lt"/>
+                        </a:rPr>
+                        <a:t>Offline coupling</a:t>
+                      </a:r>
+                    </a:p>
+                    <a:p>
+                      <a:pPr marL="285750" indent="-285750" algn="just" rtl="0" fontAlgn="t">
+                        <a:spcBef>
+                          <a:spcPts val="0"/>
+                        </a:spcBef>
+                        <a:spcAft>
+                          <a:spcPts val="0"/>
+                        </a:spcAft>
+                        <a:buFont typeface="Arial" panose="020B0604020202020204" pitchFamily="34" charset="0"/>
+                        <a:buChar char="•"/>
+                      </a:pPr>
+                      <a:r>
+                        <a:rPr lang="en-US" sz="1400" dirty="0">
+                          <a:effectLst/>
+                          <a:latin typeface="+mn-lt"/>
+                        </a:rPr>
+                        <a:t>Levante</a:t>
+                      </a:r>
+                    </a:p>
+                  </a:txBody>
+                  <a:tcPr marL="63500" marR="63500" marT="63500" marB="63500">
+                    <a:lnL w="12700" cap="flat" cmpd="sng" algn="ctr">
+                      <a:solidFill>
+                        <a:srgbClr val="FFFFFF"/>
+                      </a:solidFill>
+                      <a:prstDash val="solid"/>
+                      <a:round/>
+                      <a:headEnd type="none" w="med" len="med"/>
+                      <a:tailEnd type="none" w="med" len="med"/>
+                    </a:lnL>
+                    <a:lnR w="12700" cap="flat" cmpd="sng" algn="ctr">
+                      <a:solidFill>
+                        <a:srgbClr val="FFFFFF"/>
+                      </a:solidFill>
+                      <a:prstDash val="solid"/>
+                      <a:round/>
+                      <a:headEnd type="none" w="med" len="med"/>
+                      <a:tailEnd type="none" w="med" len="med"/>
+                    </a:lnR>
+                    <a:lnT w="12700" cap="flat" cmpd="sng" algn="ctr">
+                      <a:solidFill>
+                        <a:srgbClr val="FFFFFF"/>
+                      </a:solidFill>
+                      <a:prstDash val="solid"/>
+                      <a:round/>
+                      <a:headEnd type="none" w="med" len="med"/>
+                      <a:tailEnd type="none" w="med" len="med"/>
+                    </a:lnT>
+                    <a:lnB w="12700" cap="flat" cmpd="sng" algn="ctr">
+                      <a:solidFill>
+                        <a:srgbClr val="FFFFFF"/>
+                      </a:solidFill>
+                      <a:prstDash val="solid"/>
+                      <a:round/>
+                      <a:headEnd type="none" w="med" len="med"/>
+                      <a:tailEnd type="none" w="med" len="med"/>
+                    </a:lnB>
+                  </a:tcPr>
+                </a:tc>
+                <a:extLst>
+                  <a:ext uri="{0D108BD9-81ED-4DB2-BD59-A6C34878D82A}">
+                    <a16:rowId xmlns:a16="http://schemas.microsoft.com/office/drawing/2014/main" val="1615172577"/>
+                  </a:ext>
+                </a:extLst>
+              </a:tr>
+              <a:tr h="605556">
+                <a:tc>
+                  <a:txBody>
+                    <a:bodyPr/>
+                    <a:lstStyle/>
+                    <a:p>
+                      <a:pPr rtl="0" fontAlgn="t">
+                        <a:spcBef>
+                          <a:spcPts val="0"/>
+                        </a:spcBef>
+                        <a:spcAft>
+                          <a:spcPts val="0"/>
+                        </a:spcAft>
+                      </a:pPr>
+                      <a:r>
+                        <a:rPr lang="aa-ET" sz="1400" b="1" i="0" u="none" strike="noStrike" dirty="0">
+                          <a:solidFill>
+                            <a:srgbClr val="FF9900"/>
+                          </a:solidFill>
+                          <a:effectLst/>
+                          <a:latin typeface="+mn-lt"/>
+                        </a:rPr>
+                        <a:t>10:45-11:15</a:t>
+                      </a:r>
+                      <a:endParaRPr lang="aa-ET" sz="1400" dirty="0">
+                        <a:effectLst/>
+                        <a:latin typeface="+mn-lt"/>
+                      </a:endParaRPr>
+                    </a:p>
+                  </a:txBody>
+                  <a:tcPr marL="63500" marR="63500" marT="63500" marB="63500">
+                    <a:lnL w="12700" cap="flat" cmpd="sng" algn="ctr">
+                      <a:solidFill>
+                        <a:srgbClr val="FFFFFF"/>
+                      </a:solidFill>
+                      <a:prstDash val="solid"/>
+                      <a:round/>
+                      <a:headEnd type="none" w="med" len="med"/>
+                      <a:tailEnd type="none" w="med" len="med"/>
+                    </a:lnL>
+                    <a:lnR w="12700" cap="flat" cmpd="sng" algn="ctr">
+                      <a:solidFill>
+                        <a:srgbClr val="FFFFFF"/>
+                      </a:solidFill>
+                      <a:prstDash val="solid"/>
+                      <a:round/>
+                      <a:headEnd type="none" w="med" len="med"/>
+                      <a:tailEnd type="none" w="med" len="med"/>
+                    </a:lnR>
+                    <a:lnT w="12700" cap="flat" cmpd="sng" algn="ctr">
+                      <a:solidFill>
+                        <a:srgbClr val="FFFFFF"/>
+                      </a:solidFill>
+                      <a:prstDash val="solid"/>
+                      <a:round/>
+                      <a:headEnd type="none" w="med" len="med"/>
+                      <a:tailEnd type="none" w="med" len="med"/>
+                    </a:lnT>
+                    <a:lnB w="12700" cap="flat" cmpd="sng" algn="ctr">
+                      <a:solidFill>
+                        <a:srgbClr val="FFFFFF"/>
+                      </a:solidFill>
+                      <a:prstDash val="solid"/>
+                      <a:round/>
+                      <a:headEnd type="none" w="med" len="med"/>
+                      <a:tailEnd type="none" w="med" len="med"/>
+                    </a:lnB>
+                  </a:tcPr>
+                </a:tc>
+                <a:tc>
+                  <a:txBody>
+                    <a:bodyPr/>
+                    <a:lstStyle/>
+                    <a:p>
+                      <a:pPr algn="just" rtl="0" fontAlgn="t">
+                        <a:spcBef>
+                          <a:spcPts val="0"/>
+                        </a:spcBef>
+                        <a:spcAft>
+                          <a:spcPts val="0"/>
+                        </a:spcAft>
+                      </a:pPr>
+                      <a:r>
+                        <a:rPr lang="aa-ET" sz="1400" b="0" i="0" u="none" strike="noStrike" dirty="0">
+                          <a:solidFill>
+                            <a:srgbClr val="000000"/>
+                          </a:solidFill>
+                          <a:effectLst/>
+                          <a:latin typeface="+mn-lt"/>
+                        </a:rPr>
+                        <a:t>-</a:t>
+                      </a:r>
+                      <a:endParaRPr lang="aa-ET" sz="1400" dirty="0">
+                        <a:effectLst/>
+                        <a:latin typeface="+mn-lt"/>
+                      </a:endParaRPr>
+                    </a:p>
+                  </a:txBody>
+                  <a:tcPr marL="63500" marR="63500" marT="63500" marB="63500">
+                    <a:lnL w="12700" cap="flat" cmpd="sng" algn="ctr">
+                      <a:solidFill>
+                        <a:srgbClr val="FFFFFF"/>
+                      </a:solidFill>
+                      <a:prstDash val="solid"/>
+                      <a:round/>
+                      <a:headEnd type="none" w="med" len="med"/>
+                      <a:tailEnd type="none" w="med" len="med"/>
+                    </a:lnL>
+                    <a:lnR w="12700" cap="flat" cmpd="sng" algn="ctr">
+                      <a:solidFill>
+                        <a:srgbClr val="FFFFFF"/>
+                      </a:solidFill>
+                      <a:prstDash val="solid"/>
+                      <a:round/>
+                      <a:headEnd type="none" w="med" len="med"/>
+                      <a:tailEnd type="none" w="med" len="med"/>
+                    </a:lnR>
+                    <a:lnT w="12700" cap="flat" cmpd="sng" algn="ctr">
+                      <a:solidFill>
+                        <a:srgbClr val="FFFFFF"/>
+                      </a:solidFill>
+                      <a:prstDash val="solid"/>
+                      <a:round/>
+                      <a:headEnd type="none" w="med" len="med"/>
+                      <a:tailEnd type="none" w="med" len="med"/>
+                    </a:lnT>
+                    <a:lnB w="12700" cap="flat" cmpd="sng" algn="ctr">
+                      <a:solidFill>
+                        <a:srgbClr val="FFFFFF"/>
+                      </a:solidFill>
+                      <a:prstDash val="solid"/>
+                      <a:round/>
+                      <a:headEnd type="none" w="med" len="med"/>
+                      <a:tailEnd type="none" w="med" len="med"/>
+                    </a:lnB>
+                  </a:tcPr>
+                </a:tc>
+                <a:tc>
+                  <a:txBody>
+                    <a:bodyPr/>
+                    <a:lstStyle/>
+                    <a:p>
+                      <a:pPr algn="just" rtl="0" fontAlgn="t">
+                        <a:spcBef>
+                          <a:spcPts val="0"/>
+                        </a:spcBef>
+                        <a:spcAft>
+                          <a:spcPts val="0"/>
+                        </a:spcAft>
+                      </a:pPr>
+                      <a:r>
+                        <a:rPr lang="en-US" sz="1400" b="0" i="0" u="none" strike="noStrike" dirty="0">
+                          <a:solidFill>
+                            <a:srgbClr val="000000"/>
+                          </a:solidFill>
+                          <a:effectLst/>
+                          <a:latin typeface="+mn-lt"/>
+                        </a:rPr>
+                        <a:t>Coffee break</a:t>
+                      </a:r>
+                      <a:endParaRPr lang="en-US" sz="1400" dirty="0">
+                        <a:effectLst/>
+                        <a:latin typeface="+mn-lt"/>
+                      </a:endParaRPr>
+                    </a:p>
+                  </a:txBody>
+                  <a:tcPr marL="63500" marR="63500" marT="63500" marB="63500">
+                    <a:lnL w="12700" cap="flat" cmpd="sng" algn="ctr">
+                      <a:solidFill>
+                        <a:srgbClr val="FFFFFF"/>
+                      </a:solidFill>
+                      <a:prstDash val="solid"/>
+                      <a:round/>
+                      <a:headEnd type="none" w="med" len="med"/>
+                      <a:tailEnd type="none" w="med" len="med"/>
+                    </a:lnL>
+                    <a:lnR w="12700" cap="flat" cmpd="sng" algn="ctr">
+                      <a:solidFill>
+                        <a:srgbClr val="FFFFFF"/>
+                      </a:solidFill>
+                      <a:prstDash val="solid"/>
+                      <a:round/>
+                      <a:headEnd type="none" w="med" len="med"/>
+                      <a:tailEnd type="none" w="med" len="med"/>
+                    </a:lnR>
+                    <a:lnT w="12700" cap="flat" cmpd="sng" algn="ctr">
+                      <a:solidFill>
+                        <a:srgbClr val="FFFFFF"/>
+                      </a:solidFill>
+                      <a:prstDash val="solid"/>
+                      <a:round/>
+                      <a:headEnd type="none" w="med" len="med"/>
+                      <a:tailEnd type="none" w="med" len="med"/>
+                    </a:lnT>
+                    <a:lnB w="12700" cap="flat" cmpd="sng" algn="ctr">
+                      <a:solidFill>
+                        <a:srgbClr val="FFFFFF"/>
+                      </a:solidFill>
+                      <a:prstDash val="solid"/>
+                      <a:round/>
+                      <a:headEnd type="none" w="med" len="med"/>
+                      <a:tailEnd type="none" w="med" len="med"/>
+                    </a:lnB>
+                  </a:tcPr>
+                </a:tc>
+                <a:extLst>
+                  <a:ext uri="{0D108BD9-81ED-4DB2-BD59-A6C34878D82A}">
+                    <a16:rowId xmlns:a16="http://schemas.microsoft.com/office/drawing/2014/main" val="3045844909"/>
+                  </a:ext>
+                </a:extLst>
+              </a:tr>
+              <a:tr h="1072222">
+                <a:tc>
+                  <a:txBody>
+                    <a:bodyPr/>
+                    <a:lstStyle/>
+                    <a:p>
+                      <a:pPr rtl="0" fontAlgn="t">
+                        <a:spcBef>
+                          <a:spcPts val="0"/>
+                        </a:spcBef>
+                        <a:spcAft>
+                          <a:spcPts val="0"/>
+                        </a:spcAft>
+                      </a:pPr>
+                      <a:r>
+                        <a:rPr lang="aa-ET" sz="1400" b="1" i="0" u="none" strike="noStrike" dirty="0">
+                          <a:solidFill>
+                            <a:srgbClr val="FF9900"/>
+                          </a:solidFill>
+                          <a:effectLst/>
+                          <a:latin typeface="+mn-lt"/>
+                        </a:rPr>
+                        <a:t>11:15-12:45</a:t>
+                      </a:r>
+                      <a:endParaRPr lang="aa-ET" sz="1400" dirty="0">
+                        <a:effectLst/>
+                        <a:latin typeface="+mn-lt"/>
+                      </a:endParaRPr>
+                    </a:p>
+                  </a:txBody>
+                  <a:tcPr marL="63500" marR="63500" marT="63500" marB="63500">
+                    <a:lnL w="12700" cap="flat" cmpd="sng" algn="ctr">
+                      <a:solidFill>
+                        <a:srgbClr val="FFFFFF"/>
+                      </a:solidFill>
+                      <a:prstDash val="solid"/>
+                      <a:round/>
+                      <a:headEnd type="none" w="med" len="med"/>
+                      <a:tailEnd type="none" w="med" len="med"/>
+                    </a:lnL>
+                    <a:lnR w="12700" cap="flat" cmpd="sng" algn="ctr">
+                      <a:solidFill>
+                        <a:srgbClr val="FFFFFF"/>
+                      </a:solidFill>
+                      <a:prstDash val="solid"/>
+                      <a:round/>
+                      <a:headEnd type="none" w="med" len="med"/>
+                      <a:tailEnd type="none" w="med" len="med"/>
+                    </a:lnR>
+                    <a:lnT w="12700" cap="flat" cmpd="sng" algn="ctr">
+                      <a:solidFill>
+                        <a:srgbClr val="FFFFFF"/>
+                      </a:solidFill>
+                      <a:prstDash val="solid"/>
+                      <a:round/>
+                      <a:headEnd type="none" w="med" len="med"/>
+                      <a:tailEnd type="none" w="med" len="med"/>
+                    </a:lnT>
+                    <a:lnB w="12700" cap="flat" cmpd="sng" algn="ctr">
+                      <a:solidFill>
+                        <a:srgbClr val="FFFFFF"/>
+                      </a:solidFill>
+                      <a:prstDash val="solid"/>
+                      <a:round/>
+                      <a:headEnd type="none" w="med" len="med"/>
+                      <a:tailEnd type="none" w="med" len="med"/>
+                    </a:lnB>
+                  </a:tcPr>
+                </a:tc>
+                <a:tc>
+                  <a:txBody>
+                    <a:bodyPr/>
+                    <a:lstStyle/>
+                    <a:p>
+                      <a:pPr algn="just" rtl="0" fontAlgn="t">
+                        <a:spcBef>
+                          <a:spcPts val="0"/>
+                        </a:spcBef>
+                        <a:spcAft>
+                          <a:spcPts val="0"/>
+                        </a:spcAft>
+                      </a:pPr>
+                      <a:r>
+                        <a:rPr lang="aa-ET" sz="1400" b="0" i="0" u="none" strike="noStrike">
+                          <a:solidFill>
+                            <a:srgbClr val="000000"/>
+                          </a:solidFill>
+                          <a:effectLst/>
+                          <a:latin typeface="+mn-lt"/>
+                        </a:rPr>
+                        <a:t>-</a:t>
+                      </a:r>
+                      <a:endParaRPr lang="aa-ET" sz="1400">
+                        <a:effectLst/>
+                        <a:latin typeface="+mn-lt"/>
+                      </a:endParaRPr>
+                    </a:p>
+                  </a:txBody>
+                  <a:tcPr marL="63500" marR="63500" marT="63500" marB="63500">
+                    <a:lnL w="12700" cap="flat" cmpd="sng" algn="ctr">
+                      <a:solidFill>
+                        <a:srgbClr val="FFFFFF"/>
+                      </a:solidFill>
+                      <a:prstDash val="solid"/>
+                      <a:round/>
+                      <a:headEnd type="none" w="med" len="med"/>
+                      <a:tailEnd type="none" w="med" len="med"/>
+                    </a:lnL>
+                    <a:lnR w="12700" cap="flat" cmpd="sng" algn="ctr">
+                      <a:solidFill>
+                        <a:srgbClr val="FFFFFF"/>
+                      </a:solidFill>
+                      <a:prstDash val="solid"/>
+                      <a:round/>
+                      <a:headEnd type="none" w="med" len="med"/>
+                      <a:tailEnd type="none" w="med" len="med"/>
+                    </a:lnR>
+                    <a:lnT w="12700" cap="flat" cmpd="sng" algn="ctr">
+                      <a:solidFill>
+                        <a:srgbClr val="FFFFFF"/>
+                      </a:solidFill>
+                      <a:prstDash val="solid"/>
+                      <a:round/>
+                      <a:headEnd type="none" w="med" len="med"/>
+                      <a:tailEnd type="none" w="med" len="med"/>
+                    </a:lnT>
+                    <a:lnB w="12700" cap="flat" cmpd="sng" algn="ctr">
+                      <a:solidFill>
+                        <a:srgbClr val="FFFFFF"/>
+                      </a:solidFill>
+                      <a:prstDash val="solid"/>
+                      <a:round/>
+                      <a:headEnd type="none" w="med" len="med"/>
+                      <a:tailEnd type="none" w="med" len="med"/>
+                    </a:lnB>
+                  </a:tcPr>
+                </a:tc>
+                <a:tc>
+                  <a:txBody>
+                    <a:bodyPr/>
+                    <a:lstStyle/>
+                    <a:p>
+                      <a:pPr algn="just" rtl="0" fontAlgn="t">
+                        <a:spcBef>
+                          <a:spcPts val="0"/>
+                        </a:spcBef>
+                        <a:spcAft>
+                          <a:spcPts val="0"/>
+                        </a:spcAft>
+                      </a:pPr>
+                      <a:r>
+                        <a:rPr lang="en-US" sz="1400" b="0" i="0" u="none" strike="noStrike" dirty="0">
+                          <a:solidFill>
+                            <a:srgbClr val="000000"/>
+                          </a:solidFill>
+                          <a:effectLst/>
+                          <a:latin typeface="+mn-lt"/>
+                        </a:rPr>
+                        <a:t>Working groups</a:t>
+                      </a:r>
+                    </a:p>
+                    <a:p>
+                      <a:pPr marL="285750" indent="-285750" algn="just" rtl="0" fontAlgn="t">
+                        <a:spcBef>
+                          <a:spcPts val="0"/>
+                        </a:spcBef>
+                        <a:spcAft>
+                          <a:spcPts val="0"/>
+                        </a:spcAft>
+                        <a:buFont typeface="Arial" panose="020B0604020202020204" pitchFamily="34" charset="0"/>
+                        <a:buChar char="•"/>
+                      </a:pPr>
+                      <a:r>
+                        <a:rPr lang="en-US" sz="1400" dirty="0">
+                          <a:effectLst/>
+                          <a:latin typeface="+mn-lt"/>
+                        </a:rPr>
+                        <a:t>New models into ESM-Tools</a:t>
+                      </a:r>
+                    </a:p>
+                    <a:p>
+                      <a:pPr marL="285750" indent="-285750" algn="just" rtl="0" fontAlgn="t">
+                        <a:spcBef>
+                          <a:spcPts val="0"/>
+                        </a:spcBef>
+                        <a:spcAft>
+                          <a:spcPts val="0"/>
+                        </a:spcAft>
+                        <a:buFont typeface="Arial" panose="020B0604020202020204" pitchFamily="34" charset="0"/>
+                        <a:buChar char="•"/>
+                      </a:pPr>
+                      <a:r>
+                        <a:rPr lang="en-US" sz="1400" dirty="0">
+                          <a:effectLst/>
+                          <a:latin typeface="+mn-lt"/>
+                        </a:rPr>
+                        <a:t>Offline coupling</a:t>
+                      </a:r>
+                    </a:p>
+                    <a:p>
+                      <a:pPr marL="285750" indent="-285750" algn="just" rtl="0" fontAlgn="t">
+                        <a:spcBef>
+                          <a:spcPts val="0"/>
+                        </a:spcBef>
+                        <a:spcAft>
+                          <a:spcPts val="0"/>
+                        </a:spcAft>
+                        <a:buFont typeface="Arial" panose="020B0604020202020204" pitchFamily="34" charset="0"/>
+                        <a:buChar char="•"/>
+                      </a:pPr>
+                      <a:r>
+                        <a:rPr lang="en-US" sz="1400" dirty="0">
+                          <a:effectLst/>
+                          <a:latin typeface="+mn-lt"/>
+                        </a:rPr>
+                        <a:t>Levante</a:t>
+                      </a:r>
+                    </a:p>
+                  </a:txBody>
+                  <a:tcPr marL="63500" marR="63500" marT="63500" marB="63500">
+                    <a:lnL w="12700" cap="flat" cmpd="sng" algn="ctr">
+                      <a:solidFill>
+                        <a:srgbClr val="FFFFFF"/>
+                      </a:solidFill>
+                      <a:prstDash val="solid"/>
+                      <a:round/>
+                      <a:headEnd type="none" w="med" len="med"/>
+                      <a:tailEnd type="none" w="med" len="med"/>
+                    </a:lnL>
+                    <a:lnR w="12700" cap="flat" cmpd="sng" algn="ctr">
+                      <a:solidFill>
+                        <a:srgbClr val="FFFFFF"/>
+                      </a:solidFill>
+                      <a:prstDash val="solid"/>
+                      <a:round/>
+                      <a:headEnd type="none" w="med" len="med"/>
+                      <a:tailEnd type="none" w="med" len="med"/>
+                    </a:lnR>
+                    <a:lnT w="12700" cap="flat" cmpd="sng" algn="ctr">
+                      <a:solidFill>
+                        <a:srgbClr val="FFFFFF"/>
+                      </a:solidFill>
+                      <a:prstDash val="solid"/>
+                      <a:round/>
+                      <a:headEnd type="none" w="med" len="med"/>
+                      <a:tailEnd type="none" w="med" len="med"/>
+                    </a:lnT>
+                    <a:lnB w="12700" cap="flat" cmpd="sng" algn="ctr">
+                      <a:solidFill>
+                        <a:srgbClr val="FFFFFF"/>
+                      </a:solidFill>
+                      <a:prstDash val="solid"/>
+                      <a:round/>
+                      <a:headEnd type="none" w="med" len="med"/>
+                      <a:tailEnd type="none" w="med" len="med"/>
+                    </a:lnB>
+                  </a:tcPr>
+                </a:tc>
+                <a:extLst>
+                  <a:ext uri="{0D108BD9-81ED-4DB2-BD59-A6C34878D82A}">
+                    <a16:rowId xmlns:a16="http://schemas.microsoft.com/office/drawing/2014/main" val="1200766124"/>
+                  </a:ext>
+                </a:extLst>
+              </a:tr>
+              <a:tr h="605556">
+                <a:tc>
+                  <a:txBody>
+                    <a:bodyPr/>
+                    <a:lstStyle/>
+                    <a:p>
+                      <a:pPr rtl="0" fontAlgn="t">
+                        <a:spcBef>
+                          <a:spcPts val="0"/>
+                        </a:spcBef>
+                        <a:spcAft>
+                          <a:spcPts val="0"/>
+                        </a:spcAft>
+                      </a:pPr>
+                      <a:r>
+                        <a:rPr lang="aa-ET" sz="1400" b="1" i="0" u="none" strike="noStrike" dirty="0">
+                          <a:solidFill>
+                            <a:srgbClr val="FF9900"/>
+                          </a:solidFill>
+                          <a:effectLst/>
+                          <a:latin typeface="+mn-lt"/>
+                        </a:rPr>
+                        <a:t>12:45-13:00</a:t>
+                      </a:r>
+                      <a:endParaRPr lang="aa-ET" sz="1400" dirty="0">
+                        <a:effectLst/>
+                        <a:latin typeface="+mn-lt"/>
+                      </a:endParaRPr>
+                    </a:p>
+                  </a:txBody>
+                  <a:tcPr marL="63500" marR="63500" marT="63500" marB="63500">
+                    <a:lnL w="12700" cap="flat" cmpd="sng" algn="ctr">
+                      <a:solidFill>
+                        <a:srgbClr val="FFFFFF"/>
+                      </a:solidFill>
+                      <a:prstDash val="solid"/>
+                      <a:round/>
+                      <a:headEnd type="none" w="med" len="med"/>
+                      <a:tailEnd type="none" w="med" len="med"/>
+                    </a:lnL>
+                    <a:lnR w="12700" cap="flat" cmpd="sng" algn="ctr">
+                      <a:solidFill>
+                        <a:srgbClr val="FFFFFF"/>
+                      </a:solidFill>
+                      <a:prstDash val="solid"/>
+                      <a:round/>
+                      <a:headEnd type="none" w="med" len="med"/>
+                      <a:tailEnd type="none" w="med" len="med"/>
+                    </a:lnR>
+                    <a:lnT w="12700" cap="flat" cmpd="sng" algn="ctr">
+                      <a:solidFill>
+                        <a:srgbClr val="FFFFFF"/>
+                      </a:solidFill>
+                      <a:prstDash val="solid"/>
+                      <a:round/>
+                      <a:headEnd type="none" w="med" len="med"/>
+                      <a:tailEnd type="none" w="med" len="med"/>
+                    </a:lnT>
+                    <a:lnB w="12700" cap="flat" cmpd="sng" algn="ctr">
+                      <a:solidFill>
+                        <a:srgbClr val="FFFFFF"/>
+                      </a:solidFill>
+                      <a:prstDash val="solid"/>
+                      <a:round/>
+                      <a:headEnd type="none" w="med" len="med"/>
+                      <a:tailEnd type="none" w="med" len="med"/>
+                    </a:lnB>
+                  </a:tcPr>
+                </a:tc>
+                <a:tc>
+                  <a:txBody>
+                    <a:bodyPr/>
+                    <a:lstStyle/>
+                    <a:p>
+                      <a:pPr algn="just" rtl="0" fontAlgn="t">
+                        <a:spcBef>
+                          <a:spcPts val="0"/>
+                        </a:spcBef>
+                        <a:spcAft>
+                          <a:spcPts val="0"/>
+                        </a:spcAft>
+                      </a:pPr>
+                      <a:r>
+                        <a:rPr lang="aa-ET" sz="1400" b="0" i="0" u="none" strike="noStrike">
+                          <a:solidFill>
+                            <a:srgbClr val="000000"/>
+                          </a:solidFill>
+                          <a:effectLst/>
+                          <a:latin typeface="+mn-lt"/>
+                        </a:rPr>
+                        <a:t>-</a:t>
+                      </a:r>
+                      <a:endParaRPr lang="aa-ET" sz="1400">
+                        <a:effectLst/>
+                        <a:latin typeface="+mn-lt"/>
+                      </a:endParaRPr>
+                    </a:p>
+                  </a:txBody>
+                  <a:tcPr marL="63500" marR="63500" marT="63500" marB="63500">
+                    <a:lnL w="12700" cap="flat" cmpd="sng" algn="ctr">
+                      <a:solidFill>
+                        <a:srgbClr val="FFFFFF"/>
+                      </a:solidFill>
+                      <a:prstDash val="solid"/>
+                      <a:round/>
+                      <a:headEnd type="none" w="med" len="med"/>
+                      <a:tailEnd type="none" w="med" len="med"/>
+                    </a:lnL>
+                    <a:lnR w="12700" cap="flat" cmpd="sng" algn="ctr">
+                      <a:solidFill>
+                        <a:srgbClr val="FFFFFF"/>
+                      </a:solidFill>
+                      <a:prstDash val="solid"/>
+                      <a:round/>
+                      <a:headEnd type="none" w="med" len="med"/>
+                      <a:tailEnd type="none" w="med" len="med"/>
+                    </a:lnR>
+                    <a:lnT w="12700" cap="flat" cmpd="sng" algn="ctr">
+                      <a:solidFill>
+                        <a:srgbClr val="FFFFFF"/>
+                      </a:solidFill>
+                      <a:prstDash val="solid"/>
+                      <a:round/>
+                      <a:headEnd type="none" w="med" len="med"/>
+                      <a:tailEnd type="none" w="med" len="med"/>
+                    </a:lnT>
+                    <a:lnB w="12700" cap="flat" cmpd="sng" algn="ctr">
+                      <a:solidFill>
+                        <a:srgbClr val="FFFFFF"/>
+                      </a:solidFill>
+                      <a:prstDash val="solid"/>
+                      <a:round/>
+                      <a:headEnd type="none" w="med" len="med"/>
+                      <a:tailEnd type="none" w="med" len="med"/>
+                    </a:lnB>
+                  </a:tcPr>
+                </a:tc>
+                <a:tc>
+                  <a:txBody>
+                    <a:bodyPr/>
+                    <a:lstStyle/>
+                    <a:p>
+                      <a:pPr algn="just" rtl="0" fontAlgn="t">
+                        <a:spcBef>
+                          <a:spcPts val="0"/>
+                        </a:spcBef>
+                        <a:spcAft>
+                          <a:spcPts val="0"/>
+                        </a:spcAft>
+                      </a:pPr>
+                      <a:r>
+                        <a:rPr lang="en-US" sz="1400" b="0" i="0" u="none" strike="noStrike" dirty="0">
+                          <a:solidFill>
+                            <a:srgbClr val="000000"/>
+                          </a:solidFill>
+                          <a:effectLst/>
+                          <a:latin typeface="+mn-lt"/>
+                        </a:rPr>
+                        <a:t>Resume</a:t>
+                      </a:r>
+                    </a:p>
+                  </a:txBody>
+                  <a:tcPr marL="63500" marR="63500" marT="63500" marB="63500">
+                    <a:lnL w="12700" cap="flat" cmpd="sng" algn="ctr">
+                      <a:solidFill>
+                        <a:srgbClr val="FFFFFF"/>
+                      </a:solidFill>
+                      <a:prstDash val="solid"/>
+                      <a:round/>
+                      <a:headEnd type="none" w="med" len="med"/>
+                      <a:tailEnd type="none" w="med" len="med"/>
+                    </a:lnL>
+                    <a:lnR w="12700" cap="flat" cmpd="sng" algn="ctr">
+                      <a:solidFill>
+                        <a:srgbClr val="FFFFFF"/>
+                      </a:solidFill>
+                      <a:prstDash val="solid"/>
+                      <a:round/>
+                      <a:headEnd type="none" w="med" len="med"/>
+                      <a:tailEnd type="none" w="med" len="med"/>
+                    </a:lnR>
+                    <a:lnT w="12700" cap="flat" cmpd="sng" algn="ctr">
+                      <a:solidFill>
+                        <a:srgbClr val="FFFFFF"/>
+                      </a:solidFill>
+                      <a:prstDash val="solid"/>
+                      <a:round/>
+                      <a:headEnd type="none" w="med" len="med"/>
+                      <a:tailEnd type="none" w="med" len="med"/>
+                    </a:lnT>
+                    <a:lnB w="12700" cap="flat" cmpd="sng" algn="ctr">
+                      <a:solidFill>
+                        <a:srgbClr val="FFFFFF"/>
+                      </a:solidFill>
+                      <a:prstDash val="solid"/>
+                      <a:round/>
+                      <a:headEnd type="none" w="med" len="med"/>
+                      <a:tailEnd type="none" w="med" len="med"/>
+                    </a:lnB>
+                  </a:tcPr>
+                </a:tc>
+                <a:extLst>
+                  <a:ext uri="{0D108BD9-81ED-4DB2-BD59-A6C34878D82A}">
+                    <a16:rowId xmlns:a16="http://schemas.microsoft.com/office/drawing/2014/main" val="2751798815"/>
+                  </a:ext>
+                </a:extLst>
+              </a:tr>
+              <a:tr h="605556">
+                <a:tc>
+                  <a:txBody>
+                    <a:bodyPr/>
+                    <a:lstStyle/>
+                    <a:p>
+                      <a:pPr rtl="0" fontAlgn="t">
+                        <a:spcBef>
+                          <a:spcPts val="0"/>
+                        </a:spcBef>
+                        <a:spcAft>
+                          <a:spcPts val="0"/>
+                        </a:spcAft>
+                      </a:pPr>
+                      <a:r>
+                        <a:rPr lang="aa-ET" sz="1400" b="1" i="0" u="none" strike="noStrike" dirty="0">
+                          <a:solidFill>
+                            <a:srgbClr val="FF9900"/>
+                          </a:solidFill>
+                          <a:effectLst/>
+                          <a:latin typeface="+mn-lt"/>
+                        </a:rPr>
+                        <a:t>13:00-14:00</a:t>
+                      </a:r>
+                      <a:endParaRPr lang="aa-ET" sz="1400" dirty="0">
+                        <a:effectLst/>
+                        <a:latin typeface="+mn-lt"/>
+                      </a:endParaRPr>
+                    </a:p>
+                  </a:txBody>
+                  <a:tcPr marL="63500" marR="63500" marT="63500" marB="63500">
+                    <a:lnL w="12700" cap="flat" cmpd="sng" algn="ctr">
+                      <a:solidFill>
+                        <a:srgbClr val="FFFFFF"/>
+                      </a:solidFill>
+                      <a:prstDash val="solid"/>
+                      <a:round/>
+                      <a:headEnd type="none" w="med" len="med"/>
+                      <a:tailEnd type="none" w="med" len="med"/>
+                    </a:lnL>
+                    <a:lnR w="12700" cap="flat" cmpd="sng" algn="ctr">
+                      <a:solidFill>
+                        <a:srgbClr val="FFFFFF"/>
+                      </a:solidFill>
+                      <a:prstDash val="solid"/>
+                      <a:round/>
+                      <a:headEnd type="none" w="med" len="med"/>
+                      <a:tailEnd type="none" w="med" len="med"/>
+                    </a:lnR>
+                    <a:lnT w="12700" cap="flat" cmpd="sng" algn="ctr">
+                      <a:solidFill>
+                        <a:srgbClr val="FFFFFF"/>
+                      </a:solidFill>
+                      <a:prstDash val="solid"/>
+                      <a:round/>
+                      <a:headEnd type="none" w="med" len="med"/>
+                      <a:tailEnd type="none" w="med" len="med"/>
+                    </a:lnT>
+                    <a:lnB w="12700" cap="flat" cmpd="sng" algn="ctr">
+                      <a:solidFill>
+                        <a:srgbClr val="FFFFFF"/>
+                      </a:solidFill>
+                      <a:prstDash val="solid"/>
+                      <a:round/>
+                      <a:headEnd type="none" w="med" len="med"/>
+                      <a:tailEnd type="none" w="med" len="med"/>
+                    </a:lnB>
+                  </a:tcPr>
+                </a:tc>
+                <a:tc>
+                  <a:txBody>
+                    <a:bodyPr/>
+                    <a:lstStyle/>
+                    <a:p>
+                      <a:pPr algn="just" rtl="0" fontAlgn="t">
+                        <a:spcBef>
+                          <a:spcPts val="0"/>
+                        </a:spcBef>
+                        <a:spcAft>
+                          <a:spcPts val="0"/>
+                        </a:spcAft>
+                      </a:pPr>
+                      <a:r>
+                        <a:rPr lang="aa-ET" sz="1400" b="0" i="0" u="none" strike="noStrike">
+                          <a:solidFill>
+                            <a:srgbClr val="000000"/>
+                          </a:solidFill>
+                          <a:effectLst/>
+                          <a:latin typeface="+mn-lt"/>
+                        </a:rPr>
+                        <a:t>-</a:t>
+                      </a:r>
+                      <a:endParaRPr lang="aa-ET" sz="1400">
+                        <a:effectLst/>
+                        <a:latin typeface="+mn-lt"/>
+                      </a:endParaRPr>
+                    </a:p>
+                  </a:txBody>
+                  <a:tcPr marL="63500" marR="63500" marT="63500" marB="63500">
+                    <a:lnL w="12700" cap="flat" cmpd="sng" algn="ctr">
+                      <a:solidFill>
+                        <a:srgbClr val="FFFFFF"/>
+                      </a:solidFill>
+                      <a:prstDash val="solid"/>
+                      <a:round/>
+                      <a:headEnd type="none" w="med" len="med"/>
+                      <a:tailEnd type="none" w="med" len="med"/>
+                    </a:lnL>
+                    <a:lnR w="12700" cap="flat" cmpd="sng" algn="ctr">
+                      <a:solidFill>
+                        <a:srgbClr val="FFFFFF"/>
+                      </a:solidFill>
+                      <a:prstDash val="solid"/>
+                      <a:round/>
+                      <a:headEnd type="none" w="med" len="med"/>
+                      <a:tailEnd type="none" w="med" len="med"/>
+                    </a:lnR>
+                    <a:lnT w="12700" cap="flat" cmpd="sng" algn="ctr">
+                      <a:solidFill>
+                        <a:srgbClr val="FFFFFF"/>
+                      </a:solidFill>
+                      <a:prstDash val="solid"/>
+                      <a:round/>
+                      <a:headEnd type="none" w="med" len="med"/>
+                      <a:tailEnd type="none" w="med" len="med"/>
+                    </a:lnT>
+                    <a:lnB w="12700" cap="flat" cmpd="sng" algn="ctr">
+                      <a:solidFill>
+                        <a:srgbClr val="FFFFFF"/>
+                      </a:solidFill>
+                      <a:prstDash val="solid"/>
+                      <a:round/>
+                      <a:headEnd type="none" w="med" len="med"/>
+                      <a:tailEnd type="none" w="med" len="med"/>
+                    </a:lnB>
+                  </a:tcPr>
+                </a:tc>
+                <a:tc>
+                  <a:txBody>
+                    <a:bodyPr/>
+                    <a:lstStyle/>
+                    <a:p>
+                      <a:pPr algn="just" rtl="0" fontAlgn="t">
+                        <a:spcBef>
+                          <a:spcPts val="0"/>
+                        </a:spcBef>
+                        <a:spcAft>
+                          <a:spcPts val="0"/>
+                        </a:spcAft>
+                      </a:pPr>
+                      <a:r>
+                        <a:rPr lang="en-US" sz="1400" b="0" i="0" u="none" strike="noStrike" dirty="0">
+                          <a:solidFill>
+                            <a:srgbClr val="000000"/>
+                          </a:solidFill>
+                          <a:effectLst/>
+                          <a:latin typeface="+mn-lt"/>
+                        </a:rPr>
+                        <a:t>Lunch and adjourn</a:t>
+                      </a:r>
+                    </a:p>
+                  </a:txBody>
+                  <a:tcPr marL="63500" marR="63500" marT="63500" marB="63500">
+                    <a:lnL w="12700" cap="flat" cmpd="sng" algn="ctr">
+                      <a:solidFill>
+                        <a:srgbClr val="FFFFFF"/>
+                      </a:solidFill>
+                      <a:prstDash val="solid"/>
+                      <a:round/>
+                      <a:headEnd type="none" w="med" len="med"/>
+                      <a:tailEnd type="none" w="med" len="med"/>
+                    </a:lnL>
+                    <a:lnR w="12700" cap="flat" cmpd="sng" algn="ctr">
+                      <a:solidFill>
+                        <a:srgbClr val="FFFFFF"/>
+                      </a:solidFill>
+                      <a:prstDash val="solid"/>
+                      <a:round/>
+                      <a:headEnd type="none" w="med" len="med"/>
+                      <a:tailEnd type="none" w="med" len="med"/>
+                    </a:lnR>
+                    <a:lnT w="12700" cap="flat" cmpd="sng" algn="ctr">
+                      <a:solidFill>
+                        <a:srgbClr val="FFFFFF"/>
+                      </a:solidFill>
+                      <a:prstDash val="solid"/>
+                      <a:round/>
+                      <a:headEnd type="none" w="med" len="med"/>
+                      <a:tailEnd type="none" w="med" len="med"/>
+                    </a:lnT>
+                    <a:lnB w="12700" cap="flat" cmpd="sng" algn="ctr">
+                      <a:solidFill>
+                        <a:srgbClr val="FFFFFF"/>
+                      </a:solidFill>
+                      <a:prstDash val="solid"/>
+                      <a:round/>
+                      <a:headEnd type="none" w="med" len="med"/>
+                      <a:tailEnd type="none" w="med" len="med"/>
+                    </a:lnB>
+                  </a:tcPr>
+                </a:tc>
+                <a:extLst>
+                  <a:ext uri="{0D108BD9-81ED-4DB2-BD59-A6C34878D82A}">
+                    <a16:rowId xmlns:a16="http://schemas.microsoft.com/office/drawing/2014/main" val="1774161713"/>
+                  </a:ext>
+                </a:extLst>
+              </a:tr>
+            </a:tbl>
+          </a:graphicData>
+        </a:graphic>
+      </p:graphicFrame>
+      <p:sp>
+        <p:nvSpPr>
+          <p:cNvPr id="7" name="TextBox 6"/>
+          <p:cNvSpPr txBox="1"/>
+          <p:nvPr/>
+        </p:nvSpPr>
+        <p:spPr>
+          <a:xfrm>
+            <a:off x="6904269" y="1828294"/>
+            <a:ext cx="2294595" cy="677108"/>
+          </a:xfrm>
+          <a:prstGeom prst="rect">
+            <a:avLst/>
+          </a:prstGeom>
+          <a:noFill/>
+        </p:spPr>
+        <p:txBody>
+          <a:bodyPr wrap="square" rtlCol="0">
+            <a:spAutoFit/>
+          </a:bodyPr>
+          <a:lstStyle/>
+          <a:p>
+            <a:r>
+              <a:rPr lang="tr-TR" b="1" err="1">
+                <a:solidFill>
+                  <a:prstClr val="black"/>
+                </a:solidFill>
+              </a:rPr>
+              <a:t>Day</a:t>
+            </a:r>
+            <a:r>
+              <a:rPr lang="tr-TR" b="1">
+                <a:solidFill>
+                  <a:prstClr val="black"/>
+                </a:solidFill>
+              </a:rPr>
+              <a:t> 2 (Hands-on)</a:t>
+            </a:r>
+            <a:endParaRPr lang="tr-TR" b="1" dirty="0">
+              <a:solidFill>
+                <a:prstClr val="black"/>
+              </a:solidFill>
+            </a:endParaRPr>
+          </a:p>
+          <a:p>
+            <a:pPr lvl="1"/>
+            <a:endParaRPr lang="tr-TR" sz="2000" dirty="0">
+              <a:solidFill>
+                <a:prstClr val="black"/>
+              </a:solidFill>
+            </a:endParaRPr>
+          </a:p>
+        </p:txBody>
+      </p:sp>
+      <p:cxnSp>
+        <p:nvCxnSpPr>
+          <p:cNvPr id="9" name="Straight Connector 8"/>
+          <p:cNvCxnSpPr>
+            <a:stCxn id="2" idx="2"/>
+          </p:cNvCxnSpPr>
+          <p:nvPr/>
+        </p:nvCxnSpPr>
+        <p:spPr>
+          <a:xfrm>
+            <a:off x="6096000" y="1296366"/>
+            <a:ext cx="0" cy="5561634"/>
+          </a:xfrm>
+          <a:prstGeom prst="line">
+            <a:avLst/>
+          </a:prstGeom>
+          <a:ln w="19050"/>
+        </p:spPr>
+        <p:style>
+          <a:lnRef idx="1">
+            <a:schemeClr val="accent1"/>
+          </a:lnRef>
+          <a:fillRef idx="0">
+            <a:schemeClr val="accent1"/>
+          </a:fillRef>
+          <a:effectRef idx="0">
+            <a:schemeClr val="accent1"/>
+          </a:effectRef>
+          <a:fontRef idx="minor">
+            <a:schemeClr val="tx1"/>
+          </a:fontRef>
+        </p:style>
+      </p:cxnSp>
+      <p:sp>
+        <p:nvSpPr>
+          <p:cNvPr id="10" name="Slide Number Placeholder 4"/>
+          <p:cNvSpPr>
+            <a:spLocks noGrp="1"/>
+          </p:cNvSpPr>
+          <p:nvPr>
+            <p:ph type="sldNum" sz="quarter" idx="12"/>
+          </p:nvPr>
+        </p:nvSpPr>
+        <p:spPr>
+          <a:xfrm>
+            <a:off x="11623040" y="6485550"/>
+            <a:ext cx="568960" cy="372450"/>
+          </a:xfrm>
+          <a:solidFill>
+            <a:schemeClr val="bg2"/>
+          </a:solidFill>
+        </p:spPr>
+        <p:txBody>
+          <a:bodyPr/>
+          <a:lstStyle/>
+          <a:p>
+            <a:pPr algn="ctr"/>
+            <a:r>
+              <a:rPr lang="tr-TR" sz="1000"/>
+              <a:t>2 / 22</a:t>
+            </a:r>
+          </a:p>
+        </p:txBody>
+      </p:sp>
+      <p:sp>
+        <p:nvSpPr>
+          <p:cNvPr id="5" name="Rectangle 4">
+            <a:extLst>
+              <a:ext uri="{FF2B5EF4-FFF2-40B4-BE49-F238E27FC236}">
+                <a16:creationId xmlns:a16="http://schemas.microsoft.com/office/drawing/2014/main" id="{39A45B80-C6AE-AC2B-252A-E52FDC885C78}"/>
+              </a:ext>
+            </a:extLst>
+          </p:cNvPr>
+          <p:cNvSpPr/>
+          <p:nvPr/>
+        </p:nvSpPr>
+        <p:spPr>
+          <a:xfrm>
+            <a:off x="250900" y="4484451"/>
+            <a:ext cx="5459236" cy="593387"/>
+          </a:xfrm>
+          <a:prstGeom prst="rect">
+            <a:avLst/>
+          </a:prstGeom>
+          <a:noFill/>
+          <a:ln w="28575">
+            <a:solidFill>
+              <a:srgbClr val="ED7D31"/>
+            </a:solidFill>
+          </a:ln>
+        </p:spPr>
+        <p:style>
+          <a:lnRef idx="2">
+            <a:schemeClr val="accent1">
+              <a:shade val="50000"/>
+            </a:schemeClr>
+          </a:lnRef>
+          <a:fillRef idx="1">
+            <a:schemeClr val="accent1"/>
+          </a:fillRef>
+          <a:effectRef idx="0">
+            <a:schemeClr val="accent1"/>
+          </a:effectRef>
+          <a:fontRef idx="minor">
+            <a:schemeClr val="lt1"/>
+          </a:fontRef>
+        </p:style>
+        <p:txBody>
+          <a:bodyPr rtlCol="0" anchor="ctr"/>
+          <a:lstStyle/>
+          <a:p>
+            <a:pPr algn="ctr"/>
+            <a:endParaRPr lang="en-GB"/>
+          </a:p>
+        </p:txBody>
+      </p:sp>
+    </p:spTree>
+    <p:extLst>
+      <p:ext uri="{BB962C8B-B14F-4D97-AF65-F5344CB8AC3E}">
+        <p14:creationId xmlns:p14="http://schemas.microsoft.com/office/powerpoint/2010/main" val="2356342761"/>
+      </p:ext>
+    </p:extLst>
+  </p:cSld>
+  <p:clrMapOvr>
+    <a:masterClrMapping/>
+  </p:clrMapOvr>
+</p:sld>
+</file>
+
+<file path=ppt/slides/slide3.xml><?xml version="1.0" encoding="utf-8"?>
+<p:sld xmlns:a="http://schemas.openxmlformats.org/drawingml/2006/main" xmlns:r="http://schemas.openxmlformats.org/officeDocument/2006/relationships" xmlns:p="http://schemas.openxmlformats.org/presentationml/2006/main">
+  <p:cSld>
+    <p:spTree>
+      <p:nvGrpSpPr>
+        <p:cNvPr id="1" name=""/>
+        <p:cNvGrpSpPr/>
+        <p:nvPr/>
+      </p:nvGrpSpPr>
+      <p:grpSpPr>
+        <a:xfrm>
+          <a:off x="0" y="0"/>
+          <a:ext cx="0" cy="0"/>
+          <a:chOff x="0" y="0"/>
+          <a:chExt cx="0" cy="0"/>
+        </a:xfrm>
+      </p:grpSpPr>
+      <p:sp>
+        <p:nvSpPr>
+          <p:cNvPr id="2" name="Rectangle 1"/>
+          <p:cNvSpPr/>
+          <p:nvPr/>
+        </p:nvSpPr>
+        <p:spPr>
+          <a:xfrm>
+            <a:off x="0" y="2"/>
+            <a:ext cx="12192000" cy="1296364"/>
+          </a:xfrm>
+          <a:prstGeom prst="rect">
+            <a:avLst/>
+          </a:prstGeom>
+          <a:solidFill>
+            <a:srgbClr val="00ACE6"/>
+          </a:solidFill>
+          <a:ln>
+            <a:noFill/>
+          </a:ln>
+        </p:spPr>
+        <p:style>
+          <a:lnRef idx="2">
+            <a:schemeClr val="accent1">
+              <a:shade val="50000"/>
+            </a:schemeClr>
+          </a:lnRef>
+          <a:fillRef idx="1">
+            <a:schemeClr val="accent1"/>
+          </a:fillRef>
+          <a:effectRef idx="0">
+            <a:schemeClr val="accent1"/>
+          </a:effectRef>
+          <a:fontRef idx="minor">
+            <a:schemeClr val="lt1"/>
+          </a:fontRef>
+        </p:style>
+        <p:txBody>
+          <a:bodyPr rtlCol="0" anchor="ctr"/>
+          <a:lstStyle/>
+          <a:p>
+            <a:r>
               <a:rPr lang="en-GB" sz="4800" b="1" dirty="0"/>
               <a:t>${} – variable calling</a:t>
             </a:r>
@@ -3734,6 +7166,663 @@
         <p:spPr>
           <a:xfrm>
             <a:off x="1061012" y="1462072"/>
+            <a:ext cx="10069975" cy="6001643"/>
+          </a:xfrm>
+          <a:prstGeom prst="rect">
+            <a:avLst/>
+          </a:prstGeom>
+          <a:noFill/>
+        </p:spPr>
+        <p:txBody>
+          <a:bodyPr wrap="square" rtlCol="0">
+            <a:spAutoFit/>
+          </a:bodyPr>
+          <a:lstStyle/>
+          <a:p>
+            <a:r>
+              <a:rPr lang="en-GB" sz="2400" b="1" dirty="0"/>
+              <a:t>Syntax</a:t>
+            </a:r>
+            <a:endParaRPr lang="en-GB" sz="2400" dirty="0"/>
+          </a:p>
+          <a:p>
+            <a:r>
+              <a:rPr lang="en-GB" sz="2400" dirty="0"/>
+              <a:t>The value of any </a:t>
+            </a:r>
+            <a:r>
+              <a:rPr lang="en-GB" sz="2400" dirty="0" err="1">
+                <a:solidFill>
+                  <a:schemeClr val="accent2"/>
+                </a:solidFill>
+              </a:rPr>
+              <a:t>yaml</a:t>
+            </a:r>
+            <a:r>
+              <a:rPr lang="en-GB" sz="2400" dirty="0">
+                <a:solidFill>
+                  <a:schemeClr val="accent2"/>
+                </a:solidFill>
+              </a:rPr>
+              <a:t> variable </a:t>
+            </a:r>
+            <a:r>
+              <a:rPr lang="en-GB" sz="2400" dirty="0"/>
+              <a:t>can be retrieve in any file involve in the given operation (for AWI-ESM-2.1, those files are &lt;</a:t>
+            </a:r>
+            <a:r>
+              <a:rPr lang="en-GB" sz="2400" dirty="0" err="1">
+                <a:solidFill>
+                  <a:srgbClr val="ED7D31"/>
+                </a:solidFill>
+              </a:rPr>
+              <a:t>your_runscript</a:t>
+            </a:r>
+            <a:r>
+              <a:rPr lang="en-GB" sz="2400" dirty="0"/>
+              <a:t>&gt;</a:t>
+            </a:r>
+            <a:r>
+              <a:rPr lang="en-GB" sz="2400" dirty="0">
+                <a:solidFill>
+                  <a:srgbClr val="ED7D31"/>
+                </a:solidFill>
+              </a:rPr>
+              <a:t>.</a:t>
+            </a:r>
+            <a:r>
+              <a:rPr lang="en-GB" sz="2400" dirty="0" err="1">
+                <a:solidFill>
+                  <a:srgbClr val="ED7D31"/>
+                </a:solidFill>
+              </a:rPr>
+              <a:t>yaml</a:t>
+            </a:r>
+            <a:r>
+              <a:rPr lang="en-GB" sz="2400" dirty="0"/>
+              <a:t>, </a:t>
+            </a:r>
+            <a:r>
+              <a:rPr lang="en-GB" sz="2400" dirty="0">
+                <a:solidFill>
+                  <a:srgbClr val="ED7D31"/>
+                </a:solidFill>
+              </a:rPr>
+              <a:t>fesom-2.1.yaml</a:t>
+            </a:r>
+            <a:r>
+              <a:rPr lang="en-GB" sz="2400" dirty="0"/>
+              <a:t>, </a:t>
+            </a:r>
+            <a:r>
+              <a:rPr lang="en-GB" sz="2400" dirty="0">
+                <a:solidFill>
+                  <a:srgbClr val="ED7D31"/>
+                </a:solidFill>
+              </a:rPr>
+              <a:t>oasis3mct.yaml</a:t>
+            </a:r>
+            <a:r>
+              <a:rPr lang="en-GB" sz="2400" dirty="0"/>
+              <a:t>, </a:t>
+            </a:r>
+            <a:r>
+              <a:rPr lang="en-GB" sz="2400" dirty="0" err="1">
+                <a:solidFill>
+                  <a:srgbClr val="ED7D31"/>
+                </a:solidFill>
+              </a:rPr>
+              <a:t>echam.yaml</a:t>
+            </a:r>
+            <a:r>
+              <a:rPr lang="en-GB" sz="2400" dirty="0"/>
+              <a:t>, &lt;</a:t>
+            </a:r>
+            <a:r>
+              <a:rPr lang="en-GB" sz="2400" dirty="0">
+                <a:solidFill>
+                  <a:srgbClr val="ED7D31"/>
+                </a:solidFill>
+              </a:rPr>
+              <a:t>machine</a:t>
+            </a:r>
+            <a:r>
+              <a:rPr lang="en-GB" sz="2400" dirty="0"/>
+              <a:t>&gt;.</a:t>
+            </a:r>
+            <a:r>
+              <a:rPr lang="en-GB" sz="2400" dirty="0" err="1">
+                <a:solidFill>
+                  <a:srgbClr val="ED7D31"/>
+                </a:solidFill>
+              </a:rPr>
+              <a:t>yaml</a:t>
+            </a:r>
+            <a:r>
+              <a:rPr lang="en-GB" sz="2400" dirty="0"/>
+              <a:t>, &lt;</a:t>
+            </a:r>
+            <a:r>
+              <a:rPr lang="en-GB" sz="2400" dirty="0" err="1">
+                <a:solidFill>
+                  <a:srgbClr val="ED7D31"/>
+                </a:solidFill>
+              </a:rPr>
+              <a:t>slurm</a:t>
+            </a:r>
+            <a:r>
+              <a:rPr lang="en-GB" sz="2400" dirty="0"/>
+              <a:t>/</a:t>
+            </a:r>
+            <a:r>
+              <a:rPr lang="en-GB" sz="2400" dirty="0">
+                <a:solidFill>
+                  <a:srgbClr val="ED7D31"/>
+                </a:solidFill>
+              </a:rPr>
+              <a:t>pbs</a:t>
+            </a:r>
+            <a:r>
+              <a:rPr lang="en-GB" sz="2400" dirty="0"/>
+              <a:t>&gt;</a:t>
+            </a:r>
+            <a:r>
+              <a:rPr lang="en-GB" sz="2400" dirty="0">
+                <a:solidFill>
+                  <a:srgbClr val="ED7D31"/>
+                </a:solidFill>
+              </a:rPr>
+              <a:t>.</a:t>
+            </a:r>
+            <a:r>
+              <a:rPr lang="en-GB" sz="2400" dirty="0" err="1">
+                <a:solidFill>
+                  <a:srgbClr val="ED7D31"/>
+                </a:solidFill>
+              </a:rPr>
+              <a:t>yaml</a:t>
+            </a:r>
+            <a:r>
+              <a:rPr lang="en-GB" sz="2400" dirty="0"/>
+              <a:t>):</a:t>
+            </a:r>
+          </a:p>
+          <a:p>
+            <a:pPr marL="342900" indent="-342900">
+              <a:buFont typeface="Arial" panose="020B0604020202020204" pitchFamily="34" charset="0"/>
+              <a:buChar char="•"/>
+            </a:pPr>
+            <a:r>
+              <a:rPr lang="en-GB" sz="2400" dirty="0"/>
+              <a:t>In the same </a:t>
+            </a:r>
+            <a:r>
+              <a:rPr lang="en-GB" sz="2400" dirty="0">
+                <a:solidFill>
+                  <a:srgbClr val="ED7D31"/>
+                </a:solidFill>
+              </a:rPr>
+              <a:t>section</a:t>
+            </a:r>
+          </a:p>
+          <a:p>
+            <a:pPr marL="342900" indent="-342900">
+              <a:buFont typeface="Arial" panose="020B0604020202020204" pitchFamily="34" charset="0"/>
+              <a:buChar char="•"/>
+            </a:pPr>
+            <a:endParaRPr lang="en-GB" sz="2400" b="1" dirty="0">
+              <a:solidFill>
+                <a:srgbClr val="ED7D31"/>
+              </a:solidFill>
+            </a:endParaRPr>
+          </a:p>
+          <a:p>
+            <a:pPr marL="342900" indent="-342900" algn="r">
+              <a:buFont typeface="Arial" panose="020B0604020202020204" pitchFamily="34" charset="0"/>
+              <a:buChar char="•"/>
+            </a:pPr>
+            <a:endParaRPr lang="en-GB" sz="2400" b="1" dirty="0">
+              <a:solidFill>
+                <a:srgbClr val="ED7D31"/>
+              </a:solidFill>
+            </a:endParaRPr>
+          </a:p>
+          <a:p>
+            <a:pPr marL="342900" indent="-342900">
+              <a:buFont typeface="Arial" panose="020B0604020202020204" pitchFamily="34" charset="0"/>
+              <a:buChar char="•"/>
+            </a:pPr>
+            <a:endParaRPr lang="en-GB" sz="2400" b="1" dirty="0">
+              <a:solidFill>
+                <a:srgbClr val="ED7D31"/>
+              </a:solidFill>
+            </a:endParaRPr>
+          </a:p>
+          <a:p>
+            <a:pPr marL="342900" indent="-342900">
+              <a:buFont typeface="Arial" panose="020B0604020202020204" pitchFamily="34" charset="0"/>
+              <a:buChar char="•"/>
+            </a:pPr>
+            <a:endParaRPr lang="en-GB" sz="2400" b="1" dirty="0">
+              <a:solidFill>
+                <a:srgbClr val="ED7D31"/>
+              </a:solidFill>
+            </a:endParaRPr>
+          </a:p>
+          <a:p>
+            <a:pPr marL="342900" indent="-342900">
+              <a:buFont typeface="Arial" panose="020B0604020202020204" pitchFamily="34" charset="0"/>
+              <a:buChar char="•"/>
+            </a:pPr>
+            <a:r>
+              <a:rPr lang="en-GB" sz="2400" dirty="0"/>
+              <a:t>Independent of the order</a:t>
+            </a:r>
+          </a:p>
+          <a:p>
+            <a:pPr marL="342900" indent="-342900">
+              <a:buFont typeface="Arial" panose="020B0604020202020204" pitchFamily="34" charset="0"/>
+              <a:buChar char="•"/>
+            </a:pPr>
+            <a:endParaRPr lang="en-GB" sz="2400" dirty="0"/>
+          </a:p>
+          <a:p>
+            <a:endParaRPr lang="en-GB" sz="2400" b="1" dirty="0"/>
+          </a:p>
+          <a:p>
+            <a:endParaRPr lang="en-GB" sz="2400" b="1" dirty="0"/>
+          </a:p>
+          <a:p>
+            <a:endParaRPr lang="en-GB" sz="2400" b="1" dirty="0"/>
+          </a:p>
+          <a:p>
+            <a:endParaRPr lang="en-GB" sz="2400" b="1" dirty="0"/>
+          </a:p>
+          <a:p>
+            <a:endParaRPr lang="en-GB" sz="2400" b="1" dirty="0"/>
+          </a:p>
+        </p:txBody>
+      </p:sp>
+      <p:sp>
+        <p:nvSpPr>
+          <p:cNvPr id="4" name="Rectangle 3">
+            <a:extLst>
+              <a:ext uri="{FF2B5EF4-FFF2-40B4-BE49-F238E27FC236}">
+                <a16:creationId xmlns:a16="http://schemas.microsoft.com/office/drawing/2014/main" id="{0FB39BB0-E7E4-A96B-0D74-BCBC6804D636}"/>
+              </a:ext>
+            </a:extLst>
+          </p:cNvPr>
+          <p:cNvSpPr/>
+          <p:nvPr/>
+        </p:nvSpPr>
+        <p:spPr>
+          <a:xfrm>
+            <a:off x="1980709" y="3513128"/>
+            <a:ext cx="2428672" cy="1077218"/>
+          </a:xfrm>
+          <a:prstGeom prst="rect">
+            <a:avLst/>
+          </a:prstGeom>
+          <a:ln>
+            <a:solidFill>
+              <a:schemeClr val="tx1"/>
+            </a:solidFill>
+          </a:ln>
+        </p:spPr>
+        <p:txBody>
+          <a:bodyPr wrap="square">
+            <a:spAutoFit/>
+          </a:bodyPr>
+          <a:lstStyle/>
+          <a:p>
+            <a:r>
+              <a:rPr lang="en-GB" sz="1600" b="1" dirty="0"/>
+              <a:t>&lt;</a:t>
+            </a:r>
+            <a:r>
+              <a:rPr lang="en-GB" sz="1600" b="1" dirty="0" err="1"/>
+              <a:t>your_runscript</a:t>
+            </a:r>
+            <a:r>
+              <a:rPr lang="en-GB" sz="1600" b="1" dirty="0"/>
+              <a:t>&gt;.yaml</a:t>
+            </a:r>
+            <a:endParaRPr lang="en-US" sz="1600" dirty="0">
+              <a:solidFill>
+                <a:srgbClr val="0E6E35"/>
+              </a:solidFill>
+              <a:latin typeface="Courier" pitchFamily="2" charset="0"/>
+            </a:endParaRPr>
+          </a:p>
+          <a:p>
+            <a:r>
+              <a:rPr lang="en-US" sz="1600" dirty="0" err="1">
+                <a:solidFill>
+                  <a:srgbClr val="0E6E35"/>
+                </a:solidFill>
+                <a:latin typeface="Courier" pitchFamily="2" charset="0"/>
+              </a:rPr>
+              <a:t>fesom</a:t>
+            </a:r>
+            <a:r>
+              <a:rPr lang="en-US" sz="1600" dirty="0">
+                <a:solidFill>
+                  <a:srgbClr val="000000"/>
+                </a:solidFill>
+                <a:latin typeface="Courier" pitchFamily="2" charset="0"/>
+              </a:rPr>
+              <a:t>:</a:t>
+            </a:r>
+          </a:p>
+          <a:p>
+            <a:r>
+              <a:rPr lang="en-US" sz="1600" dirty="0">
+                <a:solidFill>
+                  <a:srgbClr val="0E6E35"/>
+                </a:solidFill>
+                <a:latin typeface="Courier" pitchFamily="2" charset="0"/>
+              </a:rPr>
+              <a:t>    foo1</a:t>
+            </a:r>
+            <a:r>
+              <a:rPr lang="en-US" sz="1600" dirty="0">
+                <a:solidFill>
+                  <a:srgbClr val="000000"/>
+                </a:solidFill>
+                <a:latin typeface="Courier" pitchFamily="2" charset="0"/>
+              </a:rPr>
+              <a:t>: bar</a:t>
+            </a:r>
+          </a:p>
+          <a:p>
+            <a:r>
+              <a:rPr lang="en-US" sz="1600" b="1" dirty="0">
+                <a:solidFill>
+                  <a:srgbClr val="0E6E35"/>
+                </a:solidFill>
+                <a:latin typeface="Courier" pitchFamily="2" charset="0"/>
+              </a:rPr>
+              <a:t>    foo2</a:t>
+            </a:r>
+            <a:r>
+              <a:rPr lang="en-US" sz="1600" b="1" dirty="0">
+                <a:solidFill>
+                  <a:srgbClr val="000000"/>
+                </a:solidFill>
+                <a:latin typeface="Courier" pitchFamily="2" charset="0"/>
+              </a:rPr>
+              <a:t>: ${foo1}</a:t>
+            </a:r>
+            <a:endParaRPr lang="en-US" sz="1600" b="1" dirty="0"/>
+          </a:p>
+        </p:txBody>
+      </p:sp>
+      <p:sp>
+        <p:nvSpPr>
+          <p:cNvPr id="10" name="Rectangle 9">
+            <a:extLst>
+              <a:ext uri="{FF2B5EF4-FFF2-40B4-BE49-F238E27FC236}">
+                <a16:creationId xmlns:a16="http://schemas.microsoft.com/office/drawing/2014/main" id="{1808FD5B-BF07-63F3-C973-D1C1CABE60BB}"/>
+              </a:ext>
+            </a:extLst>
+          </p:cNvPr>
+          <p:cNvSpPr/>
+          <p:nvPr/>
+        </p:nvSpPr>
+        <p:spPr>
+          <a:xfrm>
+            <a:off x="1980709" y="5260448"/>
+            <a:ext cx="2428672" cy="1323439"/>
+          </a:xfrm>
+          <a:prstGeom prst="rect">
+            <a:avLst/>
+          </a:prstGeom>
+          <a:ln>
+            <a:solidFill>
+              <a:schemeClr val="tx1"/>
+            </a:solidFill>
+          </a:ln>
+        </p:spPr>
+        <p:txBody>
+          <a:bodyPr wrap="square">
+            <a:spAutoFit/>
+          </a:bodyPr>
+          <a:lstStyle/>
+          <a:p>
+            <a:r>
+              <a:rPr lang="en-GB" sz="1600" b="1" dirty="0"/>
+              <a:t>&lt;</a:t>
+            </a:r>
+            <a:r>
+              <a:rPr lang="en-GB" sz="1600" b="1" dirty="0" err="1"/>
+              <a:t>your_runscript</a:t>
+            </a:r>
+            <a:r>
+              <a:rPr lang="en-GB" sz="1600" b="1" dirty="0"/>
+              <a:t>&gt;.yaml</a:t>
+            </a:r>
+            <a:endParaRPr lang="en-US" sz="1600" dirty="0">
+              <a:solidFill>
+                <a:srgbClr val="0E6E35"/>
+              </a:solidFill>
+              <a:latin typeface="Courier" pitchFamily="2" charset="0"/>
+            </a:endParaRPr>
+          </a:p>
+          <a:p>
+            <a:r>
+              <a:rPr lang="en-US" sz="1600" dirty="0" err="1">
+                <a:solidFill>
+                  <a:srgbClr val="0E6E35"/>
+                </a:solidFill>
+                <a:latin typeface="Courier" pitchFamily="2" charset="0"/>
+              </a:rPr>
+              <a:t>fesom</a:t>
+            </a:r>
+            <a:r>
+              <a:rPr lang="en-US" sz="1600" dirty="0">
+                <a:solidFill>
+                  <a:srgbClr val="000000"/>
+                </a:solidFill>
+                <a:latin typeface="Courier" pitchFamily="2" charset="0"/>
+              </a:rPr>
+              <a:t>:</a:t>
+            </a:r>
+          </a:p>
+          <a:p>
+            <a:r>
+              <a:rPr lang="en-US" sz="1600" b="1" dirty="0">
+                <a:solidFill>
+                  <a:srgbClr val="0E6E35"/>
+                </a:solidFill>
+                <a:latin typeface="Courier" pitchFamily="2" charset="0"/>
+              </a:rPr>
+              <a:t>    foo2</a:t>
+            </a:r>
+            <a:r>
+              <a:rPr lang="en-US" sz="1600" b="1" dirty="0">
+                <a:solidFill>
+                  <a:srgbClr val="000000"/>
+                </a:solidFill>
+                <a:latin typeface="Courier" pitchFamily="2" charset="0"/>
+              </a:rPr>
+              <a:t>: ${foo1}</a:t>
+            </a:r>
+          </a:p>
+          <a:p>
+            <a:r>
+              <a:rPr lang="en-US" sz="1600" dirty="0">
+                <a:solidFill>
+                  <a:srgbClr val="000000"/>
+                </a:solidFill>
+                <a:latin typeface="Courier" pitchFamily="2" charset="0"/>
+              </a:rPr>
+              <a:t>    …</a:t>
+            </a:r>
+          </a:p>
+          <a:p>
+            <a:r>
+              <a:rPr lang="en-US" sz="1600" dirty="0">
+                <a:solidFill>
+                  <a:srgbClr val="000000"/>
+                </a:solidFill>
+                <a:latin typeface="Courier" pitchFamily="2" charset="0"/>
+              </a:rPr>
+              <a:t>    </a:t>
+            </a:r>
+            <a:r>
+              <a:rPr lang="en-US" sz="1600" dirty="0">
+                <a:solidFill>
+                  <a:srgbClr val="0E6E35"/>
+                </a:solidFill>
+                <a:latin typeface="Courier" pitchFamily="2" charset="0"/>
+              </a:rPr>
+              <a:t>foo1</a:t>
+            </a:r>
+            <a:r>
+              <a:rPr lang="en-US" sz="1600" dirty="0">
+                <a:solidFill>
+                  <a:srgbClr val="000000"/>
+                </a:solidFill>
+                <a:latin typeface="Courier" pitchFamily="2" charset="0"/>
+              </a:rPr>
+              <a:t>: bar</a:t>
+            </a:r>
+          </a:p>
+        </p:txBody>
+      </p:sp>
+    </p:spTree>
+    <p:extLst>
+      <p:ext uri="{BB962C8B-B14F-4D97-AF65-F5344CB8AC3E}">
+        <p14:creationId xmlns:p14="http://schemas.microsoft.com/office/powerpoint/2010/main" val="278643354"/>
+      </p:ext>
+    </p:extLst>
+  </p:cSld>
+  <p:clrMapOvr>
+    <a:masterClrMapping/>
+  </p:clrMapOvr>
+</p:sld>
+</file>
+
+<file path=ppt/slides/slide4.xml><?xml version="1.0" encoding="utf-8"?>
+<p:sld xmlns:a="http://schemas.openxmlformats.org/drawingml/2006/main" xmlns:r="http://schemas.openxmlformats.org/officeDocument/2006/relationships" xmlns:p="http://schemas.openxmlformats.org/presentationml/2006/main">
+  <p:cSld>
+    <p:spTree>
+      <p:nvGrpSpPr>
+        <p:cNvPr id="1" name=""/>
+        <p:cNvGrpSpPr/>
+        <p:nvPr/>
+      </p:nvGrpSpPr>
+      <p:grpSpPr>
+        <a:xfrm>
+          <a:off x="0" y="0"/>
+          <a:ext cx="0" cy="0"/>
+          <a:chOff x="0" y="0"/>
+          <a:chExt cx="0" cy="0"/>
+        </a:xfrm>
+      </p:grpSpPr>
+      <p:sp>
+        <p:nvSpPr>
+          <p:cNvPr id="2" name="Rectangle 1"/>
+          <p:cNvSpPr/>
+          <p:nvPr/>
+        </p:nvSpPr>
+        <p:spPr>
+          <a:xfrm>
+            <a:off x="0" y="2"/>
+            <a:ext cx="12192000" cy="1296364"/>
+          </a:xfrm>
+          <a:prstGeom prst="rect">
+            <a:avLst/>
+          </a:prstGeom>
+          <a:solidFill>
+            <a:srgbClr val="00ACE6"/>
+          </a:solidFill>
+          <a:ln>
+            <a:noFill/>
+          </a:ln>
+        </p:spPr>
+        <p:style>
+          <a:lnRef idx="2">
+            <a:schemeClr val="accent1">
+              <a:shade val="50000"/>
+            </a:schemeClr>
+          </a:lnRef>
+          <a:fillRef idx="1">
+            <a:schemeClr val="accent1"/>
+          </a:fillRef>
+          <a:effectRef idx="0">
+            <a:schemeClr val="accent1"/>
+          </a:effectRef>
+          <a:fontRef idx="minor">
+            <a:schemeClr val="lt1"/>
+          </a:fontRef>
+        </p:style>
+        <p:txBody>
+          <a:bodyPr rtlCol="0" anchor="ctr"/>
+          <a:lstStyle/>
+          <a:p>
+            <a:r>
+              <a:rPr lang="en-GB" sz="4800" b="1" dirty="0"/>
+              <a:t>${} – variable calling</a:t>
+            </a:r>
+          </a:p>
+        </p:txBody>
+      </p:sp>
+      <p:sp>
+        <p:nvSpPr>
+          <p:cNvPr id="7" name="Isosceles Triangle 6"/>
+          <p:cNvSpPr/>
+          <p:nvPr/>
+        </p:nvSpPr>
+        <p:spPr>
+          <a:xfrm rot="5400000">
+            <a:off x="348693" y="1497498"/>
+            <a:ext cx="457812" cy="394666"/>
+          </a:xfrm>
+          <a:prstGeom prst="triangle">
+            <a:avLst/>
+          </a:prstGeom>
+          <a:solidFill>
+            <a:srgbClr val="00ACE6"/>
+          </a:solidFill>
+          <a:ln>
+            <a:noFill/>
+          </a:ln>
+        </p:spPr>
+        <p:style>
+          <a:lnRef idx="2">
+            <a:schemeClr val="accent1">
+              <a:shade val="50000"/>
+            </a:schemeClr>
+          </a:lnRef>
+          <a:fillRef idx="1">
+            <a:schemeClr val="accent1"/>
+          </a:fillRef>
+          <a:effectRef idx="0">
+            <a:schemeClr val="accent1"/>
+          </a:effectRef>
+          <a:fontRef idx="minor">
+            <a:schemeClr val="lt1"/>
+          </a:fontRef>
+        </p:style>
+        <p:txBody>
+          <a:bodyPr rtlCol="0" anchor="ctr"/>
+          <a:lstStyle/>
+          <a:p>
+            <a:pPr algn="ctr"/>
+            <a:endParaRPr lang="tr-TR"/>
+          </a:p>
+        </p:txBody>
+      </p:sp>
+      <p:sp>
+        <p:nvSpPr>
+          <p:cNvPr id="14" name="TextBox 13"/>
+          <p:cNvSpPr txBox="1"/>
+          <p:nvPr/>
+        </p:nvSpPr>
+        <p:spPr>
+          <a:xfrm>
+            <a:off x="1061012" y="1462072"/>
             <a:ext cx="10069975" cy="5632311"/>
           </a:xfrm>
           <a:prstGeom prst="rect">
@@ -4372,7 +8461,7 @@
 </p:sld>
 </file>
 
-<file path=ppt/slides/slide3.xml><?xml version="1.0" encoding="utf-8"?>
+<file path=ppt/slides/slide5.xml><?xml version="1.0" encoding="utf-8"?>
 <p:sld xmlns:a="http://schemas.openxmlformats.org/drawingml/2006/main" xmlns:r="http://schemas.openxmlformats.org/officeDocument/2006/relationships" xmlns:p="http://schemas.openxmlformats.org/presentationml/2006/main">
   <p:cSld>
     <p:spTree>
@@ -5475,7 +9564,7 @@
 </p:sld>
 </file>
 
-<file path=ppt/slides/slide4.xml><?xml version="1.0" encoding="utf-8"?>
+<file path=ppt/slides/slide6.xml><?xml version="1.0" encoding="utf-8"?>
 <p:sld xmlns:a="http://schemas.openxmlformats.org/drawingml/2006/main" xmlns:r="http://schemas.openxmlformats.org/officeDocument/2006/relationships" xmlns:p="http://schemas.openxmlformats.org/presentationml/2006/main">
   <p:cSld>
     <p:spTree>
@@ -6079,7 +10168,7 @@
 </p:sld>
 </file>
 
-<file path=ppt/slides/slide5.xml><?xml version="1.0" encoding="utf-8"?>
+<file path=ppt/slides/slide7.xml><?xml version="1.0" encoding="utf-8"?>
 <p:sld xmlns:a="http://schemas.openxmlformats.org/drawingml/2006/main" xmlns:r="http://schemas.openxmlformats.org/officeDocument/2006/relationships" xmlns:p="http://schemas.openxmlformats.org/presentationml/2006/main">
   <p:cSld>
     <p:spTree>
@@ -6905,7 +10994,7 @@
 </p:sld>
 </file>
 
-<file path=ppt/slides/slide6.xml><?xml version="1.0" encoding="utf-8"?>
+<file path=ppt/slides/slide8.xml><?xml version="1.0" encoding="utf-8"?>
 <p:sld xmlns:a="http://schemas.openxmlformats.org/drawingml/2006/main" xmlns:r="http://schemas.openxmlformats.org/officeDocument/2006/relationships" xmlns:p="http://schemas.openxmlformats.org/presentationml/2006/main">
   <p:cSld>
     <p:spTree>
@@ -7674,4 +11763,299 @@
     </a:ext>
   </a:extLst>
 </a:theme>
+</file>
+
+<file path=ppt/theme/theme2.xml><?xml version="1.0" encoding="utf-8"?>
+<a:theme xmlns:a="http://schemas.openxmlformats.org/drawingml/2006/main" name="Office Theme">
+  <a:themeElements>
+    <a:clrScheme name="Office">
+      <a:dk1>
+        <a:sysClr val="windowText" lastClr="000000"/>
+      </a:dk1>
+      <a:lt1>
+        <a:sysClr val="window" lastClr="FFFFFF"/>
+      </a:lt1>
+      <a:dk2>
+        <a:srgbClr val="44546A"/>
+      </a:dk2>
+      <a:lt2>
+        <a:srgbClr val="E7E6E6"/>
+      </a:lt2>
+      <a:accent1>
+        <a:srgbClr val="4472C4"/>
+      </a:accent1>
+      <a:accent2>
+        <a:srgbClr val="ED7D31"/>
+      </a:accent2>
+      <a:accent3>
+        <a:srgbClr val="A5A5A5"/>
+      </a:accent3>
+      <a:accent4>
+        <a:srgbClr val="FFC000"/>
+      </a:accent4>
+      <a:accent5>
+        <a:srgbClr val="5B9BD5"/>
+      </a:accent5>
+      <a:accent6>
+        <a:srgbClr val="70AD47"/>
+      </a:accent6>
+      <a:hlink>
+        <a:srgbClr val="0563C1"/>
+      </a:hlink>
+      <a:folHlink>
+        <a:srgbClr val="954F72"/>
+      </a:folHlink>
+    </a:clrScheme>
+    <a:fontScheme name="Office">
+      <a:majorFont>
+        <a:latin typeface="Calibri Light" panose="020F0302020204030204"/>
+        <a:ea typeface=""/>
+        <a:cs typeface=""/>
+        <a:font script="Jpan" typeface="游ゴシック Light"/>
+        <a:font script="Hang" typeface="맑은 고딕"/>
+        <a:font script="Hans" typeface="等线 Light"/>
+        <a:font script="Hant" typeface="新細明體"/>
+        <a:font script="Arab" typeface="Times New Roman"/>
+        <a:font script="Hebr" typeface="Times New Roman"/>
+        <a:font script="Thai" typeface="Angsana New"/>
+        <a:font script="Ethi" typeface="Nyala"/>
+        <a:font script="Beng" typeface="Vrinda"/>
+        <a:font script="Gujr" typeface="Shruti"/>
+        <a:font script="Khmr" typeface="MoolBoran"/>
+        <a:font script="Knda" typeface="Tunga"/>
+        <a:font script="Guru" typeface="Raavi"/>
+        <a:font script="Cans" typeface="Euphemia"/>
+        <a:font script="Cher" typeface="Plantagenet Cherokee"/>
+        <a:font script="Yiii" typeface="Microsoft Yi Baiti"/>
+        <a:font script="Tibt" typeface="Microsoft Himalaya"/>
+        <a:font script="Thaa" typeface="MV Boli"/>
+        <a:font script="Deva" typeface="Mangal"/>
+        <a:font script="Telu" typeface="Gautami"/>
+        <a:font script="Taml" typeface="Latha"/>
+        <a:font script="Syrc" typeface="Estrangelo Edessa"/>
+        <a:font script="Orya" typeface="Kalinga"/>
+        <a:font script="Mlym" typeface="Kartika"/>
+        <a:font script="Laoo" typeface="DokChampa"/>
+        <a:font script="Sinh" typeface="Iskoola Pota"/>
+        <a:font script="Mong" typeface="Mongolian Baiti"/>
+        <a:font script="Viet" typeface="Times New Roman"/>
+        <a:font script="Uigh" typeface="Microsoft Uighur"/>
+        <a:font script="Geor" typeface="Sylfaen"/>
+        <a:font script="Armn" typeface="Arial"/>
+        <a:font script="Bugi" typeface="Leelawadee UI"/>
+        <a:font script="Bopo" typeface="Microsoft JhengHei"/>
+        <a:font script="Java" typeface="Javanese Text"/>
+        <a:font script="Lisu" typeface="Segoe UI"/>
+        <a:font script="Mymr" typeface="Myanmar Text"/>
+        <a:font script="Nkoo" typeface="Ebrima"/>
+        <a:font script="Olck" typeface="Nirmala UI"/>
+        <a:font script="Osma" typeface="Ebrima"/>
+        <a:font script="Phag" typeface="Phagspa"/>
+        <a:font script="Syrn" typeface="Estrangelo Edessa"/>
+        <a:font script="Syrj" typeface="Estrangelo Edessa"/>
+        <a:font script="Syre" typeface="Estrangelo Edessa"/>
+        <a:font script="Sora" typeface="Nirmala UI"/>
+        <a:font script="Tale" typeface="Microsoft Tai Le"/>
+        <a:font script="Talu" typeface="Microsoft New Tai Lue"/>
+        <a:font script="Tfng" typeface="Ebrima"/>
+      </a:majorFont>
+      <a:minorFont>
+        <a:latin typeface="Calibri" panose="020F0502020204030204"/>
+        <a:ea typeface=""/>
+        <a:cs typeface=""/>
+        <a:font script="Jpan" typeface="游ゴシック"/>
+        <a:font script="Hang" typeface="맑은 고딕"/>
+        <a:font script="Hans" typeface="等线"/>
+        <a:font script="Hant" typeface="新細明體"/>
+        <a:font script="Arab" typeface="Arial"/>
+        <a:font script="Hebr" typeface="Arial"/>
+        <a:font script="Thai" typeface="Cordia New"/>
+        <a:font script="Ethi" typeface="Nyala"/>
+        <a:font script="Beng" typeface="Vrinda"/>
+        <a:font script="Gujr" typeface="Shruti"/>
+        <a:font script="Khmr" typeface="DaunPenh"/>
+        <a:font script="Knda" typeface="Tunga"/>
+        <a:font script="Guru" typeface="Raavi"/>
+        <a:font script="Cans" typeface="Euphemia"/>
+        <a:font script="Cher" typeface="Plantagenet Cherokee"/>
+        <a:font script="Yiii" typeface="Microsoft Yi Baiti"/>
+        <a:font script="Tibt" typeface="Microsoft Himalaya"/>
+        <a:font script="Thaa" typeface="MV Boli"/>
+        <a:font script="Deva" typeface="Mangal"/>
+        <a:font script="Telu" typeface="Gautami"/>
+        <a:font script="Taml" typeface="Latha"/>
+        <a:font script="Syrc" typeface="Estrangelo Edessa"/>
+        <a:font script="Orya" typeface="Kalinga"/>
+        <a:font script="Mlym" typeface="Kartika"/>
+        <a:font script="Laoo" typeface="DokChampa"/>
+        <a:font script="Sinh" typeface="Iskoola Pota"/>
+        <a:font script="Mong" typeface="Mongolian Baiti"/>
+        <a:font script="Viet" typeface="Arial"/>
+        <a:font script="Uigh" typeface="Microsoft Uighur"/>
+        <a:font script="Geor" typeface="Sylfaen"/>
+        <a:font script="Armn" typeface="Arial"/>
+        <a:font script="Bugi" typeface="Leelawadee UI"/>
+        <a:font script="Bopo" typeface="Microsoft JhengHei"/>
+        <a:font script="Java" typeface="Javanese Text"/>
+        <a:font script="Lisu" typeface="Segoe UI"/>
+        <a:font script="Mymr" typeface="Myanmar Text"/>
+        <a:font script="Nkoo" typeface="Ebrima"/>
+        <a:font script="Olck" typeface="Nirmala UI"/>
+        <a:font script="Osma" typeface="Ebrima"/>
+        <a:font script="Phag" typeface="Phagspa"/>
+        <a:font script="Syrn" typeface="Estrangelo Edessa"/>
+        <a:font script="Syrj" typeface="Estrangelo Edessa"/>
+        <a:font script="Syre" typeface="Estrangelo Edessa"/>
+        <a:font script="Sora" typeface="Nirmala UI"/>
+        <a:font script="Tale" typeface="Microsoft Tai Le"/>
+        <a:font script="Talu" typeface="Microsoft New Tai Lue"/>
+        <a:font script="Tfng" typeface="Ebrima"/>
+      </a:minorFont>
+    </a:fontScheme>
+    <a:fmtScheme name="Office">
+      <a:fillStyleLst>
+        <a:solidFill>
+          <a:schemeClr val="phClr"/>
+        </a:solidFill>
+        <a:gradFill rotWithShape="1">
+          <a:gsLst>
+            <a:gs pos="0">
+              <a:schemeClr val="phClr">
+                <a:lumMod val="110000"/>
+                <a:satMod val="105000"/>
+                <a:tint val="67000"/>
+              </a:schemeClr>
+            </a:gs>
+            <a:gs pos="50000">
+              <a:schemeClr val="phClr">
+                <a:lumMod val="105000"/>
+                <a:satMod val="103000"/>
+                <a:tint val="73000"/>
+              </a:schemeClr>
+            </a:gs>
+            <a:gs pos="100000">
+              <a:schemeClr val="phClr">
+                <a:lumMod val="105000"/>
+                <a:satMod val="109000"/>
+                <a:tint val="81000"/>
+              </a:schemeClr>
+            </a:gs>
+          </a:gsLst>
+          <a:lin ang="5400000" scaled="0"/>
+        </a:gradFill>
+        <a:gradFill rotWithShape="1">
+          <a:gsLst>
+            <a:gs pos="0">
+              <a:schemeClr val="phClr">
+                <a:satMod val="103000"/>
+                <a:lumMod val="102000"/>
+                <a:tint val="94000"/>
+              </a:schemeClr>
+            </a:gs>
+            <a:gs pos="50000">
+              <a:schemeClr val="phClr">
+                <a:satMod val="110000"/>
+                <a:lumMod val="100000"/>
+                <a:shade val="100000"/>
+              </a:schemeClr>
+            </a:gs>
+            <a:gs pos="100000">
+              <a:schemeClr val="phClr">
+                <a:lumMod val="99000"/>
+                <a:satMod val="120000"/>
+                <a:shade val="78000"/>
+              </a:schemeClr>
+            </a:gs>
+          </a:gsLst>
+          <a:lin ang="5400000" scaled="0"/>
+        </a:gradFill>
+      </a:fillStyleLst>
+      <a:lnStyleLst>
+        <a:ln w="6350" cap="flat" cmpd="sng" algn="ctr">
+          <a:solidFill>
+            <a:schemeClr val="phClr"/>
+          </a:solidFill>
+          <a:prstDash val="solid"/>
+          <a:miter lim="800000"/>
+        </a:ln>
+        <a:ln w="12700" cap="flat" cmpd="sng" algn="ctr">
+          <a:solidFill>
+            <a:schemeClr val="phClr"/>
+          </a:solidFill>
+          <a:prstDash val="solid"/>
+          <a:miter lim="800000"/>
+        </a:ln>
+        <a:ln w="19050" cap="flat" cmpd="sng" algn="ctr">
+          <a:solidFill>
+            <a:schemeClr val="phClr"/>
+          </a:solidFill>
+          <a:prstDash val="solid"/>
+          <a:miter lim="800000"/>
+        </a:ln>
+      </a:lnStyleLst>
+      <a:effectStyleLst>
+        <a:effectStyle>
+          <a:effectLst/>
+        </a:effectStyle>
+        <a:effectStyle>
+          <a:effectLst/>
+        </a:effectStyle>
+        <a:effectStyle>
+          <a:effectLst>
+            <a:outerShdw blurRad="57150" dist="19050" dir="5400000" algn="ctr" rotWithShape="0">
+              <a:srgbClr val="000000">
+                <a:alpha val="63000"/>
+              </a:srgbClr>
+            </a:outerShdw>
+          </a:effectLst>
+        </a:effectStyle>
+      </a:effectStyleLst>
+      <a:bgFillStyleLst>
+        <a:solidFill>
+          <a:schemeClr val="phClr"/>
+        </a:solidFill>
+        <a:solidFill>
+          <a:schemeClr val="phClr">
+            <a:tint val="95000"/>
+            <a:satMod val="170000"/>
+          </a:schemeClr>
+        </a:solidFill>
+        <a:gradFill rotWithShape="1">
+          <a:gsLst>
+            <a:gs pos="0">
+              <a:schemeClr val="phClr">
+                <a:tint val="93000"/>
+                <a:satMod val="150000"/>
+                <a:shade val="98000"/>
+                <a:lumMod val="102000"/>
+              </a:schemeClr>
+            </a:gs>
+            <a:gs pos="50000">
+              <a:schemeClr val="phClr">
+                <a:tint val="98000"/>
+                <a:satMod val="130000"/>
+                <a:shade val="90000"/>
+                <a:lumMod val="103000"/>
+              </a:schemeClr>
+            </a:gs>
+            <a:gs pos="100000">
+              <a:schemeClr val="phClr">
+                <a:shade val="63000"/>
+                <a:satMod val="120000"/>
+              </a:schemeClr>
+            </a:gs>
+          </a:gsLst>
+          <a:lin ang="5400000" scaled="0"/>
+        </a:gradFill>
+      </a:bgFillStyleLst>
+    </a:fmtScheme>
+  </a:themeElements>
+  <a:objectDefaults/>
+  <a:extraClrSchemeLst/>
+  <a:extLst>
+    <a:ext uri="{05A4C25C-085E-4340-85A3-A5531E510DB2}">
+      <thm15:themeFamily xmlns:thm15="http://schemas.microsoft.com/office/thememl/2012/main" name="Office Theme" id="{62F939B6-93AF-4DB8-9C6B-D6C7DFDC589F}" vid="{4A3C46E8-61CC-4603-A589-7422A47A8E4A}"/>
+    </a:ext>
+  </a:extLst>
+</a:theme>
 </file>
--- a/PalMod2022/docs/ppt/6.1_variable_calling.pptx
+++ b/PalMod2022/docs/ppt/6.1_variable_calling.pptx
@@ -8,8 +8,8 @@
     <p:notesMasterId r:id="rId10"/>
   </p:notesMasterIdLst>
   <p:sldIdLst>
-    <p:sldId id="306" r:id="rId2"/>
-    <p:sldId id="318" r:id="rId3"/>
+    <p:sldId id="318" r:id="rId2"/>
+    <p:sldId id="306" r:id="rId3"/>
     <p:sldId id="262" r:id="rId4"/>
     <p:sldId id="267" r:id="rId5"/>
     <p:sldId id="268" r:id="rId6"/>
@@ -540,7 +540,7 @@
           <a:p>
             <a:fld id="{2C44A82D-0EB8-4BFC-931E-F0AB6B26A44C}" type="slidenum">
               <a:rPr lang="tr-TR" smtClean="0"/>
-              <a:t>2</a:t>
+              <a:t>1</a:t>
             </a:fld>
             <a:endParaRPr lang="tr-TR"/>
           </a:p>
@@ -3418,229 +3418,6 @@
       </p:grpSpPr>
       <p:sp>
         <p:nvSpPr>
-          <p:cNvPr id="4" name="Rectangle 3"/>
-          <p:cNvSpPr/>
-          <p:nvPr/>
-        </p:nvSpPr>
-        <p:spPr>
-          <a:xfrm>
-            <a:off x="0" y="2265899"/>
-            <a:ext cx="12192000" cy="2326203"/>
-          </a:xfrm>
-          <a:prstGeom prst="rect">
-            <a:avLst/>
-          </a:prstGeom>
-          <a:solidFill>
-            <a:srgbClr val="00ACE6"/>
-          </a:solidFill>
-          <a:ln>
-            <a:noFill/>
-          </a:ln>
-        </p:spPr>
-        <p:style>
-          <a:lnRef idx="2">
-            <a:schemeClr val="accent1">
-              <a:shade val="50000"/>
-            </a:schemeClr>
-          </a:lnRef>
-          <a:fillRef idx="1">
-            <a:schemeClr val="accent1"/>
-          </a:fillRef>
-          <a:effectRef idx="0">
-            <a:schemeClr val="accent1"/>
-          </a:effectRef>
-          <a:fontRef idx="minor">
-            <a:schemeClr val="lt1"/>
-          </a:fontRef>
-        </p:style>
-        <p:txBody>
-          <a:bodyPr rtlCol="0" anchor="ctr"/>
-          <a:lstStyle/>
-          <a:p>
-            <a:pPr algn="ctr"/>
-            <a:r>
-              <a:rPr lang="tr-TR" sz="4800" b="1" dirty="0">
-                <a:solidFill>
-                  <a:prstClr val="white"/>
-                </a:solidFill>
-              </a:rPr>
-              <a:t> </a:t>
-            </a:r>
-          </a:p>
-          <a:p>
-            <a:pPr algn="ctr"/>
-            <a:r>
-              <a:rPr lang="tr-TR" sz="4800" b="1" dirty="0">
-                <a:solidFill>
-                  <a:schemeClr val="bg1"/>
-                </a:solidFill>
-              </a:rPr>
-              <a:t>ESM-Tools </a:t>
-            </a:r>
-            <a:r>
-              <a:rPr lang="tr-TR" sz="4800" b="1" dirty="0" err="1">
-                <a:solidFill>
-                  <a:schemeClr val="bg1"/>
-                </a:solidFill>
-              </a:rPr>
-              <a:t>extended</a:t>
-            </a:r>
-            <a:r>
-              <a:rPr lang="tr-TR" sz="4800" b="1" dirty="0">
-                <a:solidFill>
-                  <a:schemeClr val="bg1"/>
-                </a:solidFill>
-              </a:rPr>
-              <a:t> YAML </a:t>
-            </a:r>
-            <a:r>
-              <a:rPr lang="tr-TR" sz="4800" b="1" dirty="0" err="1">
-                <a:solidFill>
-                  <a:schemeClr val="bg1"/>
-                </a:solidFill>
-              </a:rPr>
-              <a:t>syntax</a:t>
-            </a:r>
-            <a:r>
-              <a:rPr lang="tr-TR" sz="4800" b="1" dirty="0">
-                <a:solidFill>
-                  <a:schemeClr val="bg1"/>
-                </a:solidFill>
-              </a:rPr>
-              <a:t> &amp; </a:t>
-            </a:r>
-            <a:r>
-              <a:rPr lang="tr-TR" sz="4800" b="1" dirty="0" err="1">
-                <a:solidFill>
-                  <a:schemeClr val="bg1"/>
-                </a:solidFill>
-              </a:rPr>
-              <a:t>operations</a:t>
-            </a:r>
-            <a:endParaRPr lang="tr-TR" sz="4800" b="1" dirty="0">
-              <a:solidFill>
-                <a:schemeClr val="bg1"/>
-              </a:solidFill>
-            </a:endParaRPr>
-          </a:p>
-        </p:txBody>
-      </p:sp>
-      <p:sp>
-        <p:nvSpPr>
-          <p:cNvPr id="6" name="Oval 5"/>
-          <p:cNvSpPr/>
-          <p:nvPr/>
-        </p:nvSpPr>
-        <p:spPr>
-          <a:xfrm>
-            <a:off x="5747497" y="2590943"/>
-            <a:ext cx="697006" cy="697006"/>
-          </a:xfrm>
-          <a:prstGeom prst="ellipse">
-            <a:avLst/>
-          </a:prstGeom>
-          <a:solidFill>
-            <a:schemeClr val="bg1"/>
-          </a:solidFill>
-          <a:ln>
-            <a:noFill/>
-          </a:ln>
-        </p:spPr>
-        <p:style>
-          <a:lnRef idx="2">
-            <a:schemeClr val="accent1">
-              <a:shade val="50000"/>
-            </a:schemeClr>
-          </a:lnRef>
-          <a:fillRef idx="1">
-            <a:schemeClr val="accent1"/>
-          </a:fillRef>
-          <a:effectRef idx="0">
-            <a:schemeClr val="accent1"/>
-          </a:effectRef>
-          <a:fontRef idx="minor">
-            <a:schemeClr val="lt1"/>
-          </a:fontRef>
-        </p:style>
-        <p:txBody>
-          <a:bodyPr rtlCol="0" anchor="ctr"/>
-          <a:lstStyle/>
-          <a:p>
-            <a:pPr algn="ctr"/>
-            <a:r>
-              <a:rPr lang="tr-TR" sz="4800" b="1" dirty="0">
-                <a:solidFill>
-                  <a:srgbClr val="00ACE6"/>
-                </a:solidFill>
-              </a:rPr>
-              <a:t>6</a:t>
-            </a:r>
-          </a:p>
-        </p:txBody>
-      </p:sp>
-      <p:sp>
-        <p:nvSpPr>
-          <p:cNvPr id="8" name="Slide Number Placeholder 4"/>
-          <p:cNvSpPr>
-            <a:spLocks noGrp="1"/>
-          </p:cNvSpPr>
-          <p:nvPr>
-            <p:ph type="sldNum" sz="quarter" idx="12"/>
-          </p:nvPr>
-        </p:nvSpPr>
-        <p:spPr>
-          <a:xfrm>
-            <a:off x="11623040" y="6485550"/>
-            <a:ext cx="568960" cy="372450"/>
-          </a:xfrm>
-          <a:solidFill>
-            <a:schemeClr val="bg2"/>
-          </a:solidFill>
-        </p:spPr>
-        <p:txBody>
-          <a:bodyPr/>
-          <a:lstStyle/>
-          <a:p>
-            <a:pPr algn="ctr"/>
-            <a:r>
-              <a:rPr lang="tr-TR" sz="1000"/>
-              <a:t>9 / 22</a:t>
-            </a:r>
-          </a:p>
-        </p:txBody>
-      </p:sp>
-    </p:spTree>
-    <p:extLst>
-      <p:ext uri="{BB962C8B-B14F-4D97-AF65-F5344CB8AC3E}">
-        <p14:creationId xmlns:p14="http://schemas.microsoft.com/office/powerpoint/2010/main" val="2094205036"/>
-      </p:ext>
-    </p:extLst>
-  </p:cSld>
-  <p:clrMapOvr>
-    <a:masterClrMapping/>
-  </p:clrMapOvr>
-</p:sld>
-</file>
-
-<file path=ppt/slides/slide2.xml><?xml version="1.0" encoding="utf-8"?>
-<p:sld xmlns:a="http://schemas.openxmlformats.org/drawingml/2006/main" xmlns:r="http://schemas.openxmlformats.org/officeDocument/2006/relationships" xmlns:p="http://schemas.openxmlformats.org/presentationml/2006/main">
-  <p:cSld>
-    <p:spTree>
-      <p:nvGrpSpPr>
-        <p:cNvPr id="1" name=""/>
-        <p:cNvGrpSpPr/>
-        <p:nvPr/>
-      </p:nvGrpSpPr>
-      <p:grpSpPr>
-        <a:xfrm>
-          <a:off x="0" y="0"/>
-          <a:ext cx="0" cy="0"/>
-          <a:chOff x="0" y="0"/>
-          <a:chExt cx="0" cy="0"/>
-        </a:xfrm>
-      </p:grpSpPr>
-      <p:sp>
-        <p:nvSpPr>
           <p:cNvPr id="2" name="Rectangle 1"/>
           <p:cNvSpPr/>
           <p:nvPr/>
@@ -7037,6 +6814,229 @@
     <p:extLst>
       <p:ext uri="{BB962C8B-B14F-4D97-AF65-F5344CB8AC3E}">
         <p14:creationId xmlns:p14="http://schemas.microsoft.com/office/powerpoint/2010/main" val="2356342761"/>
+      </p:ext>
+    </p:extLst>
+  </p:cSld>
+  <p:clrMapOvr>
+    <a:masterClrMapping/>
+  </p:clrMapOvr>
+</p:sld>
+</file>
+
+<file path=ppt/slides/slide2.xml><?xml version="1.0" encoding="utf-8"?>
+<p:sld xmlns:a="http://schemas.openxmlformats.org/drawingml/2006/main" xmlns:r="http://schemas.openxmlformats.org/officeDocument/2006/relationships" xmlns:p="http://schemas.openxmlformats.org/presentationml/2006/main">
+  <p:cSld>
+    <p:spTree>
+      <p:nvGrpSpPr>
+        <p:cNvPr id="1" name=""/>
+        <p:cNvGrpSpPr/>
+        <p:nvPr/>
+      </p:nvGrpSpPr>
+      <p:grpSpPr>
+        <a:xfrm>
+          <a:off x="0" y="0"/>
+          <a:ext cx="0" cy="0"/>
+          <a:chOff x="0" y="0"/>
+          <a:chExt cx="0" cy="0"/>
+        </a:xfrm>
+      </p:grpSpPr>
+      <p:sp>
+        <p:nvSpPr>
+          <p:cNvPr id="4" name="Rectangle 3"/>
+          <p:cNvSpPr/>
+          <p:nvPr/>
+        </p:nvSpPr>
+        <p:spPr>
+          <a:xfrm>
+            <a:off x="0" y="2265899"/>
+            <a:ext cx="12192000" cy="2326203"/>
+          </a:xfrm>
+          <a:prstGeom prst="rect">
+            <a:avLst/>
+          </a:prstGeom>
+          <a:solidFill>
+            <a:srgbClr val="00ACE6"/>
+          </a:solidFill>
+          <a:ln>
+            <a:noFill/>
+          </a:ln>
+        </p:spPr>
+        <p:style>
+          <a:lnRef idx="2">
+            <a:schemeClr val="accent1">
+              <a:shade val="50000"/>
+            </a:schemeClr>
+          </a:lnRef>
+          <a:fillRef idx="1">
+            <a:schemeClr val="accent1"/>
+          </a:fillRef>
+          <a:effectRef idx="0">
+            <a:schemeClr val="accent1"/>
+          </a:effectRef>
+          <a:fontRef idx="minor">
+            <a:schemeClr val="lt1"/>
+          </a:fontRef>
+        </p:style>
+        <p:txBody>
+          <a:bodyPr rtlCol="0" anchor="ctr"/>
+          <a:lstStyle/>
+          <a:p>
+            <a:pPr algn="ctr"/>
+            <a:r>
+              <a:rPr lang="tr-TR" sz="4800" b="1" dirty="0">
+                <a:solidFill>
+                  <a:prstClr val="white"/>
+                </a:solidFill>
+              </a:rPr>
+              <a:t> </a:t>
+            </a:r>
+          </a:p>
+          <a:p>
+            <a:pPr algn="ctr"/>
+            <a:r>
+              <a:rPr lang="tr-TR" sz="4800" b="1" dirty="0">
+                <a:solidFill>
+                  <a:schemeClr val="bg1"/>
+                </a:solidFill>
+              </a:rPr>
+              <a:t>ESM-Tools </a:t>
+            </a:r>
+            <a:r>
+              <a:rPr lang="tr-TR" sz="4800" b="1" dirty="0" err="1">
+                <a:solidFill>
+                  <a:schemeClr val="bg1"/>
+                </a:solidFill>
+              </a:rPr>
+              <a:t>extended</a:t>
+            </a:r>
+            <a:r>
+              <a:rPr lang="tr-TR" sz="4800" b="1" dirty="0">
+                <a:solidFill>
+                  <a:schemeClr val="bg1"/>
+                </a:solidFill>
+              </a:rPr>
+              <a:t> YAML </a:t>
+            </a:r>
+            <a:r>
+              <a:rPr lang="tr-TR" sz="4800" b="1" dirty="0" err="1">
+                <a:solidFill>
+                  <a:schemeClr val="bg1"/>
+                </a:solidFill>
+              </a:rPr>
+              <a:t>syntax</a:t>
+            </a:r>
+            <a:r>
+              <a:rPr lang="tr-TR" sz="4800" b="1" dirty="0">
+                <a:solidFill>
+                  <a:schemeClr val="bg1"/>
+                </a:solidFill>
+              </a:rPr>
+              <a:t> &amp; </a:t>
+            </a:r>
+            <a:r>
+              <a:rPr lang="tr-TR" sz="4800" b="1" dirty="0" err="1">
+                <a:solidFill>
+                  <a:schemeClr val="bg1"/>
+                </a:solidFill>
+              </a:rPr>
+              <a:t>operations</a:t>
+            </a:r>
+            <a:endParaRPr lang="tr-TR" sz="4800" b="1" dirty="0">
+              <a:solidFill>
+                <a:schemeClr val="bg1"/>
+              </a:solidFill>
+            </a:endParaRPr>
+          </a:p>
+        </p:txBody>
+      </p:sp>
+      <p:sp>
+        <p:nvSpPr>
+          <p:cNvPr id="6" name="Oval 5"/>
+          <p:cNvSpPr/>
+          <p:nvPr/>
+        </p:nvSpPr>
+        <p:spPr>
+          <a:xfrm>
+            <a:off x="5747497" y="2590943"/>
+            <a:ext cx="697006" cy="697006"/>
+          </a:xfrm>
+          <a:prstGeom prst="ellipse">
+            <a:avLst/>
+          </a:prstGeom>
+          <a:solidFill>
+            <a:schemeClr val="bg1"/>
+          </a:solidFill>
+          <a:ln>
+            <a:noFill/>
+          </a:ln>
+        </p:spPr>
+        <p:style>
+          <a:lnRef idx="2">
+            <a:schemeClr val="accent1">
+              <a:shade val="50000"/>
+            </a:schemeClr>
+          </a:lnRef>
+          <a:fillRef idx="1">
+            <a:schemeClr val="accent1"/>
+          </a:fillRef>
+          <a:effectRef idx="0">
+            <a:schemeClr val="accent1"/>
+          </a:effectRef>
+          <a:fontRef idx="minor">
+            <a:schemeClr val="lt1"/>
+          </a:fontRef>
+        </p:style>
+        <p:txBody>
+          <a:bodyPr rtlCol="0" anchor="ctr"/>
+          <a:lstStyle/>
+          <a:p>
+            <a:pPr algn="ctr"/>
+            <a:r>
+              <a:rPr lang="tr-TR" sz="4800" b="1" dirty="0">
+                <a:solidFill>
+                  <a:srgbClr val="00ACE6"/>
+                </a:solidFill>
+              </a:rPr>
+              <a:t>6</a:t>
+            </a:r>
+          </a:p>
+        </p:txBody>
+      </p:sp>
+      <p:sp>
+        <p:nvSpPr>
+          <p:cNvPr id="8" name="Slide Number Placeholder 4"/>
+          <p:cNvSpPr>
+            <a:spLocks noGrp="1"/>
+          </p:cNvSpPr>
+          <p:nvPr>
+            <p:ph type="sldNum" sz="quarter" idx="12"/>
+          </p:nvPr>
+        </p:nvSpPr>
+        <p:spPr>
+          <a:xfrm>
+            <a:off x="11623040" y="6485550"/>
+            <a:ext cx="568960" cy="372450"/>
+          </a:xfrm>
+          <a:solidFill>
+            <a:schemeClr val="bg2"/>
+          </a:solidFill>
+        </p:spPr>
+        <p:txBody>
+          <a:bodyPr/>
+          <a:lstStyle/>
+          <a:p>
+            <a:pPr algn="ctr"/>
+            <a:r>
+              <a:rPr lang="tr-TR" sz="1000"/>
+              <a:t>9 / 22</a:t>
+            </a:r>
+          </a:p>
+        </p:txBody>
+      </p:sp>
+    </p:spTree>
+    <p:extLst>
+      <p:ext uri="{BB962C8B-B14F-4D97-AF65-F5344CB8AC3E}">
+        <p14:creationId xmlns:p14="http://schemas.microsoft.com/office/powerpoint/2010/main" val="2094205036"/>
       </p:ext>
     </p:extLst>
   </p:cSld>

--- a/PalMod2022/docs/ppt/6.1_variable_calling.pptx
+++ b/PalMod2022/docs/ppt/6.1_variable_calling.pptx
@@ -204,7 +204,7 @@
           <a:p>
             <a:fld id="{E9171268-5A1B-9A47-80EE-9349D6C77AE0}" type="datetimeFigureOut">
               <a:rPr lang="en-GB" smtClean="0"/>
-              <a:t>19/04/2022</a:t>
+              <a:t>20/04/2022</a:t>
             </a:fld>
             <a:endParaRPr lang="en-GB"/>
           </a:p>
@@ -690,7 +690,7 @@
           <a:p>
             <a:fld id="{6A96EA6E-A9F3-40C8-A047-16E35C64F658}" type="datetimeFigureOut">
               <a:rPr lang="tr-TR" smtClean="0"/>
-              <a:t>19.04.2022</a:t>
+              <a:t>20.04.2022</a:t>
             </a:fld>
             <a:endParaRPr lang="tr-TR"/>
           </a:p>
@@ -860,7 +860,7 @@
           <a:p>
             <a:fld id="{6A96EA6E-A9F3-40C8-A047-16E35C64F658}" type="datetimeFigureOut">
               <a:rPr lang="tr-TR" smtClean="0"/>
-              <a:t>19.04.2022</a:t>
+              <a:t>20.04.2022</a:t>
             </a:fld>
             <a:endParaRPr lang="tr-TR"/>
           </a:p>
@@ -1040,7 +1040,7 @@
           <a:p>
             <a:fld id="{6A96EA6E-A9F3-40C8-A047-16E35C64F658}" type="datetimeFigureOut">
               <a:rPr lang="tr-TR" smtClean="0"/>
-              <a:t>19.04.2022</a:t>
+              <a:t>20.04.2022</a:t>
             </a:fld>
             <a:endParaRPr lang="tr-TR"/>
           </a:p>
@@ -1210,7 +1210,7 @@
           <a:p>
             <a:fld id="{6A96EA6E-A9F3-40C8-A047-16E35C64F658}" type="datetimeFigureOut">
               <a:rPr lang="tr-TR" smtClean="0"/>
-              <a:t>19.04.2022</a:t>
+              <a:t>20.04.2022</a:t>
             </a:fld>
             <a:endParaRPr lang="tr-TR"/>
           </a:p>
@@ -1456,7 +1456,7 @@
           <a:p>
             <a:fld id="{6A96EA6E-A9F3-40C8-A047-16E35C64F658}" type="datetimeFigureOut">
               <a:rPr lang="tr-TR" smtClean="0"/>
-              <a:t>19.04.2022</a:t>
+              <a:t>20.04.2022</a:t>
             </a:fld>
             <a:endParaRPr lang="tr-TR"/>
           </a:p>
@@ -1688,7 +1688,7 @@
           <a:p>
             <a:fld id="{6A96EA6E-A9F3-40C8-A047-16E35C64F658}" type="datetimeFigureOut">
               <a:rPr lang="tr-TR" smtClean="0"/>
-              <a:t>19.04.2022</a:t>
+              <a:t>20.04.2022</a:t>
             </a:fld>
             <a:endParaRPr lang="tr-TR"/>
           </a:p>
@@ -2055,7 +2055,7 @@
           <a:p>
             <a:fld id="{6A96EA6E-A9F3-40C8-A047-16E35C64F658}" type="datetimeFigureOut">
               <a:rPr lang="tr-TR" smtClean="0"/>
-              <a:t>19.04.2022</a:t>
+              <a:t>20.04.2022</a:t>
             </a:fld>
             <a:endParaRPr lang="tr-TR"/>
           </a:p>
@@ -2173,7 +2173,7 @@
           <a:p>
             <a:fld id="{6A96EA6E-A9F3-40C8-A047-16E35C64F658}" type="datetimeFigureOut">
               <a:rPr lang="tr-TR" smtClean="0"/>
-              <a:t>19.04.2022</a:t>
+              <a:t>20.04.2022</a:t>
             </a:fld>
             <a:endParaRPr lang="tr-TR"/>
           </a:p>
@@ -2268,7 +2268,7 @@
           <a:p>
             <a:fld id="{6A96EA6E-A9F3-40C8-A047-16E35C64F658}" type="datetimeFigureOut">
               <a:rPr lang="tr-TR" smtClean="0"/>
-              <a:t>19.04.2022</a:t>
+              <a:t>20.04.2022</a:t>
             </a:fld>
             <a:endParaRPr lang="tr-TR"/>
           </a:p>
@@ -2545,7 +2545,7 @@
           <a:p>
             <a:fld id="{6A96EA6E-A9F3-40C8-A047-16E35C64F658}" type="datetimeFigureOut">
               <a:rPr lang="tr-TR" smtClean="0"/>
-              <a:t>19.04.2022</a:t>
+              <a:t>20.04.2022</a:t>
             </a:fld>
             <a:endParaRPr lang="tr-TR"/>
           </a:p>
@@ -2798,7 +2798,7 @@
           <a:p>
             <a:fld id="{6A96EA6E-A9F3-40C8-A047-16E35C64F658}" type="datetimeFigureOut">
               <a:rPr lang="tr-TR" smtClean="0"/>
-              <a:t>19.04.2022</a:t>
+              <a:t>20.04.2022</a:t>
             </a:fld>
             <a:endParaRPr lang="tr-TR"/>
           </a:p>
@@ -3011,7 +3011,7 @@
           <a:p>
             <a:fld id="{6A96EA6E-A9F3-40C8-A047-16E35C64F658}" type="datetimeFigureOut">
               <a:rPr lang="tr-TR" smtClean="0"/>
-              <a:t>19.04.2022</a:t>
+              <a:t>20.04.2022</a:t>
             </a:fld>
             <a:endParaRPr lang="tr-TR"/>
           </a:p>
@@ -7208,7 +7208,7 @@
             </a:r>
             <a:r>
               <a:rPr lang="en-GB" sz="2400" dirty="0"/>
-              <a:t>can be retrieve in any file involve in the given operation (for AWI-ESM-2.1, those files are &lt;</a:t>
+              <a:t>can be retrieve in any file involved in the given operation (for AWI-ESM-2.1, those files are &lt;</a:t>
             </a:r>
             <a:r>
               <a:rPr lang="en-GB" sz="2400" dirty="0" err="1">
@@ -10852,7 +10852,25 @@
                 </a:solidFill>
                 <a:latin typeface="Courier" pitchFamily="2" charset="0"/>
               </a:rPr>
-              <a:t>: $(( ${unknown} - ${question} ))</a:t>
+              <a:t>: $(( ${unknown</a:t>
+            </a:r>
+            <a:r>
+              <a:rPr lang="en-US" sz="1600" b="1">
+                <a:solidFill>
+                  <a:srgbClr val="000000"/>
+                </a:solidFill>
+                <a:latin typeface="Courier" pitchFamily="2" charset="0"/>
+              </a:rPr>
+              <a:t>} + </a:t>
+            </a:r>
+            <a:r>
+              <a:rPr lang="en-US" sz="1600" b="1" dirty="0">
+                <a:solidFill>
+                  <a:srgbClr val="000000"/>
+                </a:solidFill>
+                <a:latin typeface="Courier" pitchFamily="2" charset="0"/>
+              </a:rPr>
+              <a:t>${question} ))</a:t>
             </a:r>
           </a:p>
         </p:txBody>

--- a/PalMod2022/docs/ppt/6.1_variable_calling.pptx
+++ b/PalMod2022/docs/ppt/6.1_variable_calling.pptx
@@ -5,7 +5,7 @@
     <p:sldMasterId id="2147483648" r:id="rId1"/>
   </p:sldMasterIdLst>
   <p:notesMasterIdLst>
-    <p:notesMasterId r:id="rId10"/>
+    <p:notesMasterId r:id="rId11"/>
   </p:notesMasterIdLst>
   <p:sldIdLst>
     <p:sldId id="318" r:id="rId2"/>
@@ -16,6 +16,7 @@
     <p:sldId id="269" r:id="rId7"/>
     <p:sldId id="270" r:id="rId8"/>
     <p:sldId id="271" r:id="rId9"/>
+    <p:sldId id="314" r:id="rId10"/>
   </p:sldIdLst>
   <p:sldSz cx="12192000" cy="6858000"/>
   <p:notesSz cx="6858000" cy="9144000"/>
@@ -204,7 +205,7 @@
           <a:p>
             <a:fld id="{E9171268-5A1B-9A47-80EE-9349D6C77AE0}" type="datetimeFigureOut">
               <a:rPr lang="en-GB" smtClean="0"/>
-              <a:t>20/04/2022</a:t>
+              <a:t>21/04/2022</a:t>
             </a:fld>
             <a:endParaRPr lang="en-GB"/>
           </a:p>
@@ -559,6 +560,93 @@
 </p:notes>
 </file>
 
+<file path=ppt/notesSlides/notesSlide2.xml><?xml version="1.0" encoding="utf-8"?>
+<p:notes xmlns:a="http://schemas.openxmlformats.org/drawingml/2006/main" xmlns:r="http://schemas.openxmlformats.org/officeDocument/2006/relationships" xmlns:p="http://schemas.openxmlformats.org/presentationml/2006/main">
+  <p:cSld>
+    <p:spTree>
+      <p:nvGrpSpPr>
+        <p:cNvPr id="1" name=""/>
+        <p:cNvGrpSpPr/>
+        <p:nvPr/>
+      </p:nvGrpSpPr>
+      <p:grpSpPr>
+        <a:xfrm>
+          <a:off x="0" y="0"/>
+          <a:ext cx="0" cy="0"/>
+          <a:chOff x="0" y="0"/>
+          <a:chExt cx="0" cy="0"/>
+        </a:xfrm>
+      </p:grpSpPr>
+      <p:sp>
+        <p:nvSpPr>
+          <p:cNvPr id="2" name="Slide Image Placeholder 1"/>
+          <p:cNvSpPr>
+            <a:spLocks noGrp="1" noRot="1" noChangeAspect="1"/>
+          </p:cNvSpPr>
+          <p:nvPr>
+            <p:ph type="sldImg"/>
+          </p:nvPr>
+        </p:nvSpPr>
+        <p:spPr/>
+      </p:sp>
+      <p:sp>
+        <p:nvSpPr>
+          <p:cNvPr id="3" name="Notes Placeholder 2"/>
+          <p:cNvSpPr>
+            <a:spLocks noGrp="1"/>
+          </p:cNvSpPr>
+          <p:nvPr>
+            <p:ph type="body" idx="1"/>
+          </p:nvPr>
+        </p:nvSpPr>
+        <p:spPr/>
+        <p:txBody>
+          <a:bodyPr/>
+          <a:lstStyle/>
+          <a:p>
+            <a:r>
+              <a:rPr lang="tr-TR"/>
+              <a:t>Deniz</a:t>
+            </a:r>
+          </a:p>
+        </p:txBody>
+      </p:sp>
+      <p:sp>
+        <p:nvSpPr>
+          <p:cNvPr id="4" name="Slide Number Placeholder 3"/>
+          <p:cNvSpPr>
+            <a:spLocks noGrp="1"/>
+          </p:cNvSpPr>
+          <p:nvPr>
+            <p:ph type="sldNum" sz="quarter" idx="10"/>
+          </p:nvPr>
+        </p:nvSpPr>
+        <p:spPr/>
+        <p:txBody>
+          <a:bodyPr/>
+          <a:lstStyle/>
+          <a:p>
+            <a:fld id="{2C44A82D-0EB8-4BFC-931E-F0AB6B26A44C}" type="slidenum">
+              <a:rPr lang="tr-TR" smtClean="0"/>
+              <a:t>9</a:t>
+            </a:fld>
+            <a:endParaRPr lang="tr-TR"/>
+          </a:p>
+        </p:txBody>
+      </p:sp>
+    </p:spTree>
+    <p:extLst>
+      <p:ext uri="{BB962C8B-B14F-4D97-AF65-F5344CB8AC3E}">
+        <p14:creationId xmlns:p14="http://schemas.microsoft.com/office/powerpoint/2010/main" val="446278397"/>
+      </p:ext>
+    </p:extLst>
+  </p:cSld>
+  <p:clrMapOvr>
+    <a:masterClrMapping/>
+  </p:clrMapOvr>
+</p:notes>
+</file>
+
 <file path=ppt/slideLayouts/slideLayout1.xml><?xml version="1.0" encoding="utf-8"?>
 <p:sldLayout xmlns:a="http://schemas.openxmlformats.org/drawingml/2006/main" xmlns:r="http://schemas.openxmlformats.org/officeDocument/2006/relationships" xmlns:p="http://schemas.openxmlformats.org/presentationml/2006/main" type="title" preserve="1">
   <p:cSld name="Title Slide">
@@ -690,7 +778,7 @@
           <a:p>
             <a:fld id="{6A96EA6E-A9F3-40C8-A047-16E35C64F658}" type="datetimeFigureOut">
               <a:rPr lang="tr-TR" smtClean="0"/>
-              <a:t>20.04.2022</a:t>
+              <a:t>21.04.2022</a:t>
             </a:fld>
             <a:endParaRPr lang="tr-TR"/>
           </a:p>
@@ -860,7 +948,7 @@
           <a:p>
             <a:fld id="{6A96EA6E-A9F3-40C8-A047-16E35C64F658}" type="datetimeFigureOut">
               <a:rPr lang="tr-TR" smtClean="0"/>
-              <a:t>20.04.2022</a:t>
+              <a:t>21.04.2022</a:t>
             </a:fld>
             <a:endParaRPr lang="tr-TR"/>
           </a:p>
@@ -1040,7 +1128,7 @@
           <a:p>
             <a:fld id="{6A96EA6E-A9F3-40C8-A047-16E35C64F658}" type="datetimeFigureOut">
               <a:rPr lang="tr-TR" smtClean="0"/>
-              <a:t>20.04.2022</a:t>
+              <a:t>21.04.2022</a:t>
             </a:fld>
             <a:endParaRPr lang="tr-TR"/>
           </a:p>
@@ -1210,7 +1298,7 @@
           <a:p>
             <a:fld id="{6A96EA6E-A9F3-40C8-A047-16E35C64F658}" type="datetimeFigureOut">
               <a:rPr lang="tr-TR" smtClean="0"/>
-              <a:t>20.04.2022</a:t>
+              <a:t>21.04.2022</a:t>
             </a:fld>
             <a:endParaRPr lang="tr-TR"/>
           </a:p>
@@ -1456,7 +1544,7 @@
           <a:p>
             <a:fld id="{6A96EA6E-A9F3-40C8-A047-16E35C64F658}" type="datetimeFigureOut">
               <a:rPr lang="tr-TR" smtClean="0"/>
-              <a:t>20.04.2022</a:t>
+              <a:t>21.04.2022</a:t>
             </a:fld>
             <a:endParaRPr lang="tr-TR"/>
           </a:p>
@@ -1688,7 +1776,7 @@
           <a:p>
             <a:fld id="{6A96EA6E-A9F3-40C8-A047-16E35C64F658}" type="datetimeFigureOut">
               <a:rPr lang="tr-TR" smtClean="0"/>
-              <a:t>20.04.2022</a:t>
+              <a:t>21.04.2022</a:t>
             </a:fld>
             <a:endParaRPr lang="tr-TR"/>
           </a:p>
@@ -2055,7 +2143,7 @@
           <a:p>
             <a:fld id="{6A96EA6E-A9F3-40C8-A047-16E35C64F658}" type="datetimeFigureOut">
               <a:rPr lang="tr-TR" smtClean="0"/>
-              <a:t>20.04.2022</a:t>
+              <a:t>21.04.2022</a:t>
             </a:fld>
             <a:endParaRPr lang="tr-TR"/>
           </a:p>
@@ -2173,7 +2261,7 @@
           <a:p>
             <a:fld id="{6A96EA6E-A9F3-40C8-A047-16E35C64F658}" type="datetimeFigureOut">
               <a:rPr lang="tr-TR" smtClean="0"/>
-              <a:t>20.04.2022</a:t>
+              <a:t>21.04.2022</a:t>
             </a:fld>
             <a:endParaRPr lang="tr-TR"/>
           </a:p>
@@ -2268,7 +2356,7 @@
           <a:p>
             <a:fld id="{6A96EA6E-A9F3-40C8-A047-16E35C64F658}" type="datetimeFigureOut">
               <a:rPr lang="tr-TR" smtClean="0"/>
-              <a:t>20.04.2022</a:t>
+              <a:t>21.04.2022</a:t>
             </a:fld>
             <a:endParaRPr lang="tr-TR"/>
           </a:p>
@@ -2545,7 +2633,7 @@
           <a:p>
             <a:fld id="{6A96EA6E-A9F3-40C8-A047-16E35C64F658}" type="datetimeFigureOut">
               <a:rPr lang="tr-TR" smtClean="0"/>
-              <a:t>20.04.2022</a:t>
+              <a:t>21.04.2022</a:t>
             </a:fld>
             <a:endParaRPr lang="tr-TR"/>
           </a:p>
@@ -2798,7 +2886,7 @@
           <a:p>
             <a:fld id="{6A96EA6E-A9F3-40C8-A047-16E35C64F658}" type="datetimeFigureOut">
               <a:rPr lang="tr-TR" smtClean="0"/>
-              <a:t>20.04.2022</a:t>
+              <a:t>21.04.2022</a:t>
             </a:fld>
             <a:endParaRPr lang="tr-TR"/>
           </a:p>
@@ -3011,7 +3099,7 @@
           <a:p>
             <a:fld id="{6A96EA6E-A9F3-40C8-A047-16E35C64F658}" type="datetimeFigureOut">
               <a:rPr lang="tr-TR" smtClean="0"/>
-              <a:t>20.04.2022</a:t>
+              <a:t>21.04.2022</a:t>
             </a:fld>
             <a:endParaRPr lang="tr-TR"/>
           </a:p>
@@ -3481,8 +3569,8 @@
         </p:nvSpPr>
         <p:spPr>
           <a:xfrm>
-            <a:off x="250900" y="1828294"/>
-            <a:ext cx="1786872" cy="615553"/>
+            <a:off x="216609" y="1460881"/>
+            <a:ext cx="2637659" cy="615553"/>
           </a:xfrm>
           <a:prstGeom prst="rect">
             <a:avLst/>
@@ -3509,7 +3597,23 @@
                   <a:prstClr val="black"/>
                 </a:solidFill>
               </a:rPr>
-              <a:t> 1</a:t>
+              <a:t> 1 (</a:t>
+            </a:r>
+            <a:r>
+              <a:rPr lang="tr-TR" b="1" dirty="0" err="1">
+                <a:solidFill>
+                  <a:prstClr val="black"/>
+                </a:solidFill>
+              </a:rPr>
+              <a:t>Introduction</a:t>
+            </a:r>
+            <a:r>
+              <a:rPr lang="tr-TR" b="1" dirty="0">
+                <a:solidFill>
+                  <a:prstClr val="black"/>
+                </a:solidFill>
+              </a:rPr>
+              <a:t>)</a:t>
             </a:r>
           </a:p>
           <a:p>
@@ -3759,11 +3863,17 @@
           <p:cNvGraphicFramePr>
             <a:graphicFrameLocks noGrp="1"/>
           </p:cNvGraphicFramePr>
-          <p:nvPr/>
+          <p:nvPr>
+            <p:extLst>
+              <p:ext uri="{D42A27DB-BD31-4B8C-83A1-F6EECF244321}">
+                <p14:modId xmlns:p14="http://schemas.microsoft.com/office/powerpoint/2010/main" val="2521428619"/>
+              </p:ext>
+            </p:extLst>
+          </p:nvPr>
         </p:nvGraphicFramePr>
         <p:xfrm>
           <a:off x="324052" y="2250529"/>
-          <a:ext cx="7530644" cy="3879045"/>
+          <a:ext cx="7530644" cy="3831077"/>
         </p:xfrm>
         <a:graphic>
           <a:graphicData uri="http://schemas.openxmlformats.org/drawingml/2006/table">
@@ -4262,7 +4372,7 @@
                         </a:spcAft>
                       </a:pPr>
                       <a:r>
-                        <a:rPr lang="aa-ET" sz="1400" b="1" i="0" u="none" strike="noStrike" dirty="0">
+                        <a:rPr lang="aa-ET" sz="1400" b="1" i="0" u="none" strike="noStrike">
                           <a:solidFill>
                             <a:srgbClr val="FF9900"/>
                           </a:solidFill>
@@ -4270,7 +4380,29 @@
                           <a:latin typeface="+mn-lt"/>
                           <a:cs typeface="Arial" panose="020B0604020202020204" pitchFamily="34" charset="0"/>
                         </a:rPr>
-                        <a:t>13:00-13:15</a:t>
+                        <a:t>13:00-1</a:t>
+                      </a:r>
+                      <a:r>
+                        <a:rPr lang="en-GB" sz="1400" b="1" i="0" u="none" strike="noStrike" dirty="0">
+                          <a:solidFill>
+                            <a:srgbClr val="FF9900"/>
+                          </a:solidFill>
+                          <a:effectLst/>
+                          <a:latin typeface="+mn-lt"/>
+                          <a:cs typeface="Arial" panose="020B0604020202020204" pitchFamily="34" charset="0"/>
+                        </a:rPr>
+                        <a:t>4</a:t>
+                      </a:r>
+                      <a:r>
+                        <a:rPr lang="aa-ET" sz="1400" b="1" i="0" u="none" strike="noStrike">
+                          <a:solidFill>
+                            <a:srgbClr val="FF9900"/>
+                          </a:solidFill>
+                          <a:effectLst/>
+                          <a:latin typeface="+mn-lt"/>
+                          <a:cs typeface="Arial" panose="020B0604020202020204" pitchFamily="34" charset="0"/>
+                        </a:rPr>
+                        <a:t>:15</a:t>
                       </a:r>
                       <a:endParaRPr lang="aa-ET" sz="2400" dirty="0">
                         <a:effectLst/>
@@ -4483,6 +4615,493 @@
                           <a:cs typeface="Arial" panose="020B0604020202020204" pitchFamily="34" charset="0"/>
                         </a:rPr>
                         <a:t>13:15-14:15</a:t>
+                      </a:r>
+                      <a:endParaRPr lang="aa-ET" sz="2400" dirty="0">
+                        <a:effectLst/>
+                        <a:latin typeface="+mn-lt"/>
+                        <a:cs typeface="Arial" panose="020B0604020202020204" pitchFamily="34" charset="0"/>
+                      </a:endParaRPr>
+                    </a:p>
+                  </a:txBody>
+                  <a:tcPr marL="63500" marR="63500" marT="63500" marB="63500">
+                    <a:lnL w="12700" cap="flat" cmpd="sng" algn="ctr">
+                      <a:solidFill>
+                        <a:srgbClr val="FFFFFF"/>
+                      </a:solidFill>
+                      <a:prstDash val="solid"/>
+                      <a:round/>
+                      <a:headEnd type="none" w="med" len="med"/>
+                      <a:tailEnd type="none" w="med" len="med"/>
+                    </a:lnL>
+                    <a:lnR w="12700" cap="flat" cmpd="sng" algn="ctr">
+                      <a:solidFill>
+                        <a:srgbClr val="FFFFFF"/>
+                      </a:solidFill>
+                      <a:prstDash val="solid"/>
+                      <a:round/>
+                      <a:headEnd type="none" w="med" len="med"/>
+                      <a:tailEnd type="none" w="med" len="med"/>
+                    </a:lnR>
+                    <a:lnT w="12700" cap="flat" cmpd="sng" algn="ctr">
+                      <a:solidFill>
+                        <a:srgbClr val="FFFFFF"/>
+                      </a:solidFill>
+                      <a:prstDash val="solid"/>
+                      <a:round/>
+                      <a:headEnd type="none" w="med" len="med"/>
+                      <a:tailEnd type="none" w="med" len="med"/>
+                    </a:lnT>
+                    <a:lnB w="12700" cap="flat" cmpd="sng" algn="ctr">
+                      <a:solidFill>
+                        <a:srgbClr val="FFFFFF"/>
+                      </a:solidFill>
+                      <a:prstDash val="solid"/>
+                      <a:round/>
+                      <a:headEnd type="none" w="med" len="med"/>
+                      <a:tailEnd type="none" w="med" len="med"/>
+                    </a:lnB>
+                  </a:tcPr>
+                </a:tc>
+                <a:tc>
+                  <a:txBody>
+                    <a:bodyPr/>
+                    <a:lstStyle/>
+                    <a:p>
+                      <a:pPr algn="just" rtl="0" fontAlgn="t">
+                        <a:spcBef>
+                          <a:spcPts val="0"/>
+                        </a:spcBef>
+                        <a:spcAft>
+                          <a:spcPts val="0"/>
+                        </a:spcAft>
+                      </a:pPr>
+                      <a:r>
+                        <a:rPr lang="aa-ET" sz="1400" b="0" i="0" u="none" strike="noStrike">
+                          <a:solidFill>
+                            <a:srgbClr val="000000"/>
+                          </a:solidFill>
+                          <a:effectLst/>
+                          <a:latin typeface="+mn-lt"/>
+                          <a:cs typeface="Arial" panose="020B0604020202020204" pitchFamily="34" charset="0"/>
+                        </a:rPr>
+                        <a:t>-</a:t>
+                      </a:r>
+                      <a:endParaRPr lang="aa-ET" sz="2400">
+                        <a:effectLst/>
+                        <a:latin typeface="+mn-lt"/>
+                        <a:cs typeface="Arial" panose="020B0604020202020204" pitchFamily="34" charset="0"/>
+                      </a:endParaRPr>
+                    </a:p>
+                  </a:txBody>
+                  <a:tcPr marL="63500" marR="63500" marT="63500" marB="63500">
+                    <a:lnL w="12700" cap="flat" cmpd="sng" algn="ctr">
+                      <a:solidFill>
+                        <a:srgbClr val="FFFFFF"/>
+                      </a:solidFill>
+                      <a:prstDash val="solid"/>
+                      <a:round/>
+                      <a:headEnd type="none" w="med" len="med"/>
+                      <a:tailEnd type="none" w="med" len="med"/>
+                    </a:lnL>
+                    <a:lnR w="12700" cap="flat" cmpd="sng" algn="ctr">
+                      <a:solidFill>
+                        <a:srgbClr val="FFFFFF"/>
+                      </a:solidFill>
+                      <a:prstDash val="solid"/>
+                      <a:round/>
+                      <a:headEnd type="none" w="med" len="med"/>
+                      <a:tailEnd type="none" w="med" len="med"/>
+                    </a:lnR>
+                    <a:lnT w="12700" cap="flat" cmpd="sng" algn="ctr">
+                      <a:solidFill>
+                        <a:srgbClr val="FFFFFF"/>
+                      </a:solidFill>
+                      <a:prstDash val="solid"/>
+                      <a:round/>
+                      <a:headEnd type="none" w="med" len="med"/>
+                      <a:tailEnd type="none" w="med" len="med"/>
+                    </a:lnT>
+                    <a:lnB w="12700" cap="flat" cmpd="sng" algn="ctr">
+                      <a:solidFill>
+                        <a:srgbClr val="FFFFFF"/>
+                      </a:solidFill>
+                      <a:prstDash val="solid"/>
+                      <a:round/>
+                      <a:headEnd type="none" w="med" len="med"/>
+                      <a:tailEnd type="none" w="med" len="med"/>
+                    </a:lnB>
+                  </a:tcPr>
+                </a:tc>
+                <a:tc>
+                  <a:txBody>
+                    <a:bodyPr/>
+                    <a:lstStyle/>
+                    <a:p>
+                      <a:pPr algn="just" rtl="0" fontAlgn="t">
+                        <a:spcBef>
+                          <a:spcPts val="0"/>
+                        </a:spcBef>
+                        <a:spcAft>
+                          <a:spcPts val="0"/>
+                        </a:spcAft>
+                      </a:pPr>
+                      <a:r>
+                        <a:rPr lang="en-US" sz="1400" b="0" i="0" u="none" strike="noStrike" dirty="0">
+                          <a:solidFill>
+                            <a:srgbClr val="000000"/>
+                          </a:solidFill>
+                          <a:effectLst/>
+                          <a:latin typeface="+mn-lt"/>
+                          <a:cs typeface="Arial" panose="020B0604020202020204" pitchFamily="34" charset="0"/>
+                        </a:rPr>
+                        <a:t>Terminology</a:t>
+                      </a:r>
+                    </a:p>
+                  </a:txBody>
+                  <a:tcPr marL="63500" marR="63500" marT="63500" marB="63500">
+                    <a:lnL w="12700" cap="flat" cmpd="sng" algn="ctr">
+                      <a:solidFill>
+                        <a:srgbClr val="FFFFFF"/>
+                      </a:solidFill>
+                      <a:prstDash val="solid"/>
+                      <a:round/>
+                      <a:headEnd type="none" w="med" len="med"/>
+                      <a:tailEnd type="none" w="med" len="med"/>
+                    </a:lnL>
+                    <a:lnR w="12700" cap="flat" cmpd="sng" algn="ctr">
+                      <a:solidFill>
+                        <a:srgbClr val="FFFFFF"/>
+                      </a:solidFill>
+                      <a:prstDash val="solid"/>
+                      <a:round/>
+                      <a:headEnd type="none" w="med" len="med"/>
+                      <a:tailEnd type="none" w="med" len="med"/>
+                    </a:lnR>
+                    <a:lnT w="12700" cap="flat" cmpd="sng" algn="ctr">
+                      <a:solidFill>
+                        <a:srgbClr val="FFFFFF"/>
+                      </a:solidFill>
+                      <a:prstDash val="solid"/>
+                      <a:round/>
+                      <a:headEnd type="none" w="med" len="med"/>
+                      <a:tailEnd type="none" w="med" len="med"/>
+                    </a:lnT>
+                    <a:lnB w="12700" cap="flat" cmpd="sng" algn="ctr">
+                      <a:solidFill>
+                        <a:srgbClr val="FFFFFF"/>
+                      </a:solidFill>
+                      <a:prstDash val="solid"/>
+                      <a:round/>
+                      <a:headEnd type="none" w="med" len="med"/>
+                      <a:tailEnd type="none" w="med" len="med"/>
+                    </a:lnB>
+                  </a:tcPr>
+                </a:tc>
+                <a:extLst>
+                  <a:ext uri="{0D108BD9-81ED-4DB2-BD59-A6C34878D82A}">
+                    <a16:rowId xmlns:a16="http://schemas.microsoft.com/office/drawing/2014/main" val="10003"/>
+                  </a:ext>
+                </a:extLst>
+              </a:tr>
+              <a:tr h="505752">
+                <a:tc>
+                  <a:txBody>
+                    <a:bodyPr/>
+                    <a:lstStyle/>
+                    <a:p>
+                      <a:pPr rtl="0" fontAlgn="t">
+                        <a:spcBef>
+                          <a:spcPts val="0"/>
+                        </a:spcBef>
+                        <a:spcAft>
+                          <a:spcPts val="0"/>
+                        </a:spcAft>
+                      </a:pPr>
+                      <a:r>
+                        <a:rPr lang="aa-ET" sz="1400" b="1" i="0" u="none" strike="noStrike">
+                          <a:solidFill>
+                            <a:srgbClr val="FF9900"/>
+                          </a:solidFill>
+                          <a:effectLst/>
+                          <a:latin typeface="+mn-lt"/>
+                          <a:cs typeface="Arial" panose="020B0604020202020204" pitchFamily="34" charset="0"/>
+                        </a:rPr>
+                        <a:t>14:15-1</a:t>
+                      </a:r>
+                      <a:r>
+                        <a:rPr lang="en-GB" sz="1400" b="1" i="0" u="none" strike="noStrike" dirty="0">
+                          <a:solidFill>
+                            <a:srgbClr val="FF9900"/>
+                          </a:solidFill>
+                          <a:effectLst/>
+                          <a:latin typeface="+mn-lt"/>
+                          <a:cs typeface="Arial" panose="020B0604020202020204" pitchFamily="34" charset="0"/>
+                        </a:rPr>
+                        <a:t>4:45</a:t>
+                      </a:r>
+                      <a:endParaRPr lang="aa-ET" sz="2400" dirty="0">
+                        <a:effectLst/>
+                        <a:latin typeface="+mn-lt"/>
+                        <a:cs typeface="Arial" panose="020B0604020202020204" pitchFamily="34" charset="0"/>
+                      </a:endParaRPr>
+                    </a:p>
+                  </a:txBody>
+                  <a:tcPr marL="63500" marR="63500" marT="63500" marB="63500">
+                    <a:lnL w="12700" cap="flat" cmpd="sng" algn="ctr">
+                      <a:solidFill>
+                        <a:srgbClr val="FFFFFF"/>
+                      </a:solidFill>
+                      <a:prstDash val="solid"/>
+                      <a:round/>
+                      <a:headEnd type="none" w="med" len="med"/>
+                      <a:tailEnd type="none" w="med" len="med"/>
+                    </a:lnL>
+                    <a:lnR w="12700" cap="flat" cmpd="sng" algn="ctr">
+                      <a:solidFill>
+                        <a:srgbClr val="FFFFFF"/>
+                      </a:solidFill>
+                      <a:prstDash val="solid"/>
+                      <a:round/>
+                      <a:headEnd type="none" w="med" len="med"/>
+                      <a:tailEnd type="none" w="med" len="med"/>
+                    </a:lnR>
+                    <a:lnT w="12700" cap="flat" cmpd="sng" algn="ctr">
+                      <a:solidFill>
+                        <a:srgbClr val="FFFFFF"/>
+                      </a:solidFill>
+                      <a:prstDash val="solid"/>
+                      <a:round/>
+                      <a:headEnd type="none" w="med" len="med"/>
+                      <a:tailEnd type="none" w="med" len="med"/>
+                    </a:lnT>
+                    <a:lnB w="12700" cap="flat" cmpd="sng" algn="ctr">
+                      <a:solidFill>
+                        <a:srgbClr val="FFFFFF"/>
+                      </a:solidFill>
+                      <a:prstDash val="solid"/>
+                      <a:round/>
+                      <a:headEnd type="none" w="med" len="med"/>
+                      <a:tailEnd type="none" w="med" len="med"/>
+                    </a:lnB>
+                  </a:tcPr>
+                </a:tc>
+                <a:tc>
+                  <a:txBody>
+                    <a:bodyPr/>
+                    <a:lstStyle/>
+                    <a:p>
+                      <a:pPr algn="just" rtl="0" fontAlgn="t">
+                        <a:spcBef>
+                          <a:spcPts val="0"/>
+                        </a:spcBef>
+                        <a:spcAft>
+                          <a:spcPts val="0"/>
+                        </a:spcAft>
+                      </a:pPr>
+                      <a:r>
+                        <a:rPr lang="aa-ET" sz="1400" b="0" i="0" u="none" strike="noStrike">
+                          <a:solidFill>
+                            <a:srgbClr val="000000"/>
+                          </a:solidFill>
+                          <a:effectLst/>
+                          <a:latin typeface="+mn-lt"/>
+                          <a:cs typeface="Arial" panose="020B0604020202020204" pitchFamily="34" charset="0"/>
+                        </a:rPr>
+                        <a:t>-</a:t>
+                      </a:r>
+                      <a:endParaRPr lang="aa-ET" sz="2400">
+                        <a:effectLst/>
+                        <a:latin typeface="+mn-lt"/>
+                        <a:cs typeface="Arial" panose="020B0604020202020204" pitchFamily="34" charset="0"/>
+                      </a:endParaRPr>
+                    </a:p>
+                  </a:txBody>
+                  <a:tcPr marL="63500" marR="63500" marT="63500" marB="63500">
+                    <a:lnL w="12700" cap="flat" cmpd="sng" algn="ctr">
+                      <a:solidFill>
+                        <a:srgbClr val="FFFFFF"/>
+                      </a:solidFill>
+                      <a:prstDash val="solid"/>
+                      <a:round/>
+                      <a:headEnd type="none" w="med" len="med"/>
+                      <a:tailEnd type="none" w="med" len="med"/>
+                    </a:lnL>
+                    <a:lnR w="12700" cap="flat" cmpd="sng" algn="ctr">
+                      <a:solidFill>
+                        <a:srgbClr val="FFFFFF"/>
+                      </a:solidFill>
+                      <a:prstDash val="solid"/>
+                      <a:round/>
+                      <a:headEnd type="none" w="med" len="med"/>
+                      <a:tailEnd type="none" w="med" len="med"/>
+                    </a:lnR>
+                    <a:lnT w="12700" cap="flat" cmpd="sng" algn="ctr">
+                      <a:solidFill>
+                        <a:srgbClr val="FFFFFF"/>
+                      </a:solidFill>
+                      <a:prstDash val="solid"/>
+                      <a:round/>
+                      <a:headEnd type="none" w="med" len="med"/>
+                      <a:tailEnd type="none" w="med" len="med"/>
+                    </a:lnT>
+                    <a:lnB w="12700" cap="flat" cmpd="sng" algn="ctr">
+                      <a:solidFill>
+                        <a:srgbClr val="FFFFFF"/>
+                      </a:solidFill>
+                      <a:prstDash val="solid"/>
+                      <a:round/>
+                      <a:headEnd type="none" w="med" len="med"/>
+                      <a:tailEnd type="none" w="med" len="med"/>
+                    </a:lnB>
+                  </a:tcPr>
+                </a:tc>
+                <a:tc>
+                  <a:txBody>
+                    <a:bodyPr/>
+                    <a:lstStyle/>
+                    <a:p>
+                      <a:pPr algn="just" rtl="0" fontAlgn="t">
+                        <a:spcBef>
+                          <a:spcPts val="0"/>
+                        </a:spcBef>
+                        <a:spcAft>
+                          <a:spcPts val="0"/>
+                        </a:spcAft>
+                      </a:pPr>
+                      <a:r>
+                        <a:rPr lang="en-GB" sz="1400" b="0" i="0" u="none" strike="noStrike" dirty="0">
+                          <a:solidFill>
+                            <a:srgbClr val="000000"/>
+                          </a:solidFill>
+                          <a:effectLst/>
+                          <a:latin typeface="+mn-lt"/>
+                          <a:cs typeface="Arial" panose="020B0604020202020204" pitchFamily="34" charset="0"/>
+                        </a:rPr>
+                        <a:t>Coffee break</a:t>
+                      </a:r>
+                      <a:endParaRPr lang="en-US" sz="1400" b="0" i="0" u="none" strike="noStrike" dirty="0">
+                        <a:solidFill>
+                          <a:srgbClr val="000000"/>
+                        </a:solidFill>
+                        <a:effectLst/>
+                        <a:latin typeface="+mn-lt"/>
+                        <a:cs typeface="Arial" panose="020B0604020202020204" pitchFamily="34" charset="0"/>
+                      </a:endParaRPr>
+                    </a:p>
+                  </a:txBody>
+                  <a:tcPr marL="63500" marR="63500" marT="63500" marB="63500">
+                    <a:lnL w="12700" cap="flat" cmpd="sng" algn="ctr">
+                      <a:solidFill>
+                        <a:srgbClr val="FFFFFF"/>
+                      </a:solidFill>
+                      <a:prstDash val="solid"/>
+                      <a:round/>
+                      <a:headEnd type="none" w="med" len="med"/>
+                      <a:tailEnd type="none" w="med" len="med"/>
+                    </a:lnL>
+                    <a:lnR w="12700" cap="flat" cmpd="sng" algn="ctr">
+                      <a:solidFill>
+                        <a:srgbClr val="FFFFFF"/>
+                      </a:solidFill>
+                      <a:prstDash val="solid"/>
+                      <a:round/>
+                      <a:headEnd type="none" w="med" len="med"/>
+                      <a:tailEnd type="none" w="med" len="med"/>
+                    </a:lnR>
+                    <a:lnT w="12700" cap="flat" cmpd="sng" algn="ctr">
+                      <a:solidFill>
+                        <a:srgbClr val="FFFFFF"/>
+                      </a:solidFill>
+                      <a:prstDash val="solid"/>
+                      <a:round/>
+                      <a:headEnd type="none" w="med" len="med"/>
+                      <a:tailEnd type="none" w="med" len="med"/>
+                    </a:lnT>
+                    <a:lnB w="12700" cap="flat" cmpd="sng" algn="ctr">
+                      <a:solidFill>
+                        <a:srgbClr val="FFFFFF"/>
+                      </a:solidFill>
+                      <a:prstDash val="solid"/>
+                      <a:round/>
+                      <a:headEnd type="none" w="med" len="med"/>
+                      <a:tailEnd type="none" w="med" len="med"/>
+                    </a:lnB>
+                  </a:tcPr>
+                </a:tc>
+                <a:extLst>
+                  <a:ext uri="{0D108BD9-81ED-4DB2-BD59-A6C34878D82A}">
+                    <a16:rowId xmlns:a16="http://schemas.microsoft.com/office/drawing/2014/main" val="10004"/>
+                  </a:ext>
+                </a:extLst>
+              </a:tr>
+              <a:tr h="505752">
+                <a:tc>
+                  <a:txBody>
+                    <a:bodyPr/>
+                    <a:lstStyle/>
+                    <a:p>
+                      <a:pPr rtl="0" fontAlgn="t">
+                        <a:spcBef>
+                          <a:spcPts val="0"/>
+                        </a:spcBef>
+                        <a:spcAft>
+                          <a:spcPts val="0"/>
+                        </a:spcAft>
+                      </a:pPr>
+                      <a:r>
+                        <a:rPr lang="aa-ET" sz="1400" b="1" i="0" u="none" strike="noStrike">
+                          <a:solidFill>
+                            <a:srgbClr val="FF9900"/>
+                          </a:solidFill>
+                          <a:effectLst/>
+                          <a:latin typeface="+mn-lt"/>
+                          <a:cs typeface="Arial" panose="020B0604020202020204" pitchFamily="34" charset="0"/>
+                        </a:rPr>
+                        <a:t>15:30-1</a:t>
+                      </a:r>
+                      <a:r>
+                        <a:rPr lang="en-GB" sz="1400" b="1" i="0" u="none" strike="noStrike" dirty="0">
+                          <a:solidFill>
+                            <a:srgbClr val="FF9900"/>
+                          </a:solidFill>
+                          <a:effectLst/>
+                          <a:latin typeface="+mn-lt"/>
+                          <a:cs typeface="Arial" panose="020B0604020202020204" pitchFamily="34" charset="0"/>
+                        </a:rPr>
+                        <a:t>7</a:t>
+                      </a:r>
+                      <a:r>
+                        <a:rPr lang="aa-ET" sz="1400" b="1" i="0" u="none" strike="noStrike">
+                          <a:solidFill>
+                            <a:srgbClr val="FF9900"/>
+                          </a:solidFill>
+                          <a:effectLst/>
+                          <a:latin typeface="+mn-lt"/>
+                          <a:cs typeface="Arial" panose="020B0604020202020204" pitchFamily="34" charset="0"/>
+                        </a:rPr>
+                        <a:t>:</a:t>
+                      </a:r>
+                      <a:r>
+                        <a:rPr lang="en-GB" sz="1400" b="1" i="0" u="none" strike="noStrike" dirty="0">
+                          <a:solidFill>
+                            <a:srgbClr val="FF9900"/>
+                          </a:solidFill>
+                          <a:effectLst/>
+                          <a:latin typeface="+mn-lt"/>
+                          <a:cs typeface="Arial" panose="020B0604020202020204" pitchFamily="34" charset="0"/>
+                        </a:rPr>
+                        <a:t>3</a:t>
+                      </a:r>
+                      <a:r>
+                        <a:rPr lang="aa-ET" sz="1400" b="1" i="0" u="none" strike="noStrike">
+                          <a:solidFill>
+                            <a:srgbClr val="FF9900"/>
+                          </a:solidFill>
+                          <a:effectLst/>
+                          <a:latin typeface="+mn-lt"/>
+                          <a:cs typeface="Arial" panose="020B0604020202020204" pitchFamily="34" charset="0"/>
+                        </a:rPr>
+                        <a:t>0</a:t>
                       </a:r>
                       <a:endParaRPr lang="aa-ET" sz="2400" dirty="0">
                         <a:effectLst/>
@@ -4690,500 +5309,6 @@
                 </a:tc>
                 <a:extLst>
                   <a:ext uri="{0D108BD9-81ED-4DB2-BD59-A6C34878D82A}">
-                    <a16:rowId xmlns:a16="http://schemas.microsoft.com/office/drawing/2014/main" val="10003"/>
-                  </a:ext>
-                </a:extLst>
-              </a:tr>
-              <a:tr h="505752">
-                <a:tc>
-                  <a:txBody>
-                    <a:bodyPr/>
-                    <a:lstStyle/>
-                    <a:p>
-                      <a:pPr rtl="0" fontAlgn="t">
-                        <a:spcBef>
-                          <a:spcPts val="0"/>
-                        </a:spcBef>
-                        <a:spcAft>
-                          <a:spcPts val="0"/>
-                        </a:spcAft>
-                      </a:pPr>
-                      <a:r>
-                        <a:rPr lang="aa-ET" sz="1400" b="1" i="0" u="none" strike="noStrike" dirty="0">
-                          <a:solidFill>
-                            <a:srgbClr val="FF9900"/>
-                          </a:solidFill>
-                          <a:effectLst/>
-                          <a:latin typeface="+mn-lt"/>
-                          <a:cs typeface="Arial" panose="020B0604020202020204" pitchFamily="34" charset="0"/>
-                        </a:rPr>
-                        <a:t>14:15-15:30</a:t>
-                      </a:r>
-                      <a:endParaRPr lang="aa-ET" sz="2400" dirty="0">
-                        <a:effectLst/>
-                        <a:latin typeface="+mn-lt"/>
-                        <a:cs typeface="Arial" panose="020B0604020202020204" pitchFamily="34" charset="0"/>
-                      </a:endParaRPr>
-                    </a:p>
-                  </a:txBody>
-                  <a:tcPr marL="63500" marR="63500" marT="63500" marB="63500">
-                    <a:lnL w="12700" cap="flat" cmpd="sng" algn="ctr">
-                      <a:solidFill>
-                        <a:srgbClr val="FFFFFF"/>
-                      </a:solidFill>
-                      <a:prstDash val="solid"/>
-                      <a:round/>
-                      <a:headEnd type="none" w="med" len="med"/>
-                      <a:tailEnd type="none" w="med" len="med"/>
-                    </a:lnL>
-                    <a:lnR w="12700" cap="flat" cmpd="sng" algn="ctr">
-                      <a:solidFill>
-                        <a:srgbClr val="FFFFFF"/>
-                      </a:solidFill>
-                      <a:prstDash val="solid"/>
-                      <a:round/>
-                      <a:headEnd type="none" w="med" len="med"/>
-                      <a:tailEnd type="none" w="med" len="med"/>
-                    </a:lnR>
-                    <a:lnT w="12700" cap="flat" cmpd="sng" algn="ctr">
-                      <a:solidFill>
-                        <a:srgbClr val="FFFFFF"/>
-                      </a:solidFill>
-                      <a:prstDash val="solid"/>
-                      <a:round/>
-                      <a:headEnd type="none" w="med" len="med"/>
-                      <a:tailEnd type="none" w="med" len="med"/>
-                    </a:lnT>
-                    <a:lnB w="12700" cap="flat" cmpd="sng" algn="ctr">
-                      <a:solidFill>
-                        <a:srgbClr val="FFFFFF"/>
-                      </a:solidFill>
-                      <a:prstDash val="solid"/>
-                      <a:round/>
-                      <a:headEnd type="none" w="med" len="med"/>
-                      <a:tailEnd type="none" w="med" len="med"/>
-                    </a:lnB>
-                  </a:tcPr>
-                </a:tc>
-                <a:tc>
-                  <a:txBody>
-                    <a:bodyPr/>
-                    <a:lstStyle/>
-                    <a:p>
-                      <a:pPr algn="just" rtl="0" fontAlgn="t">
-                        <a:spcBef>
-                          <a:spcPts val="0"/>
-                        </a:spcBef>
-                        <a:spcAft>
-                          <a:spcPts val="0"/>
-                        </a:spcAft>
-                      </a:pPr>
-                      <a:r>
-                        <a:rPr lang="aa-ET" sz="1400" b="0" i="0" u="none" strike="noStrike">
-                          <a:solidFill>
-                            <a:srgbClr val="000000"/>
-                          </a:solidFill>
-                          <a:effectLst/>
-                          <a:latin typeface="+mn-lt"/>
-                          <a:cs typeface="Arial" panose="020B0604020202020204" pitchFamily="34" charset="0"/>
-                        </a:rPr>
-                        <a:t>-</a:t>
-                      </a:r>
-                      <a:endParaRPr lang="aa-ET" sz="2400">
-                        <a:effectLst/>
-                        <a:latin typeface="+mn-lt"/>
-                        <a:cs typeface="Arial" panose="020B0604020202020204" pitchFamily="34" charset="0"/>
-                      </a:endParaRPr>
-                    </a:p>
-                  </a:txBody>
-                  <a:tcPr marL="63500" marR="63500" marT="63500" marB="63500">
-                    <a:lnL w="12700" cap="flat" cmpd="sng" algn="ctr">
-                      <a:solidFill>
-                        <a:srgbClr val="FFFFFF"/>
-                      </a:solidFill>
-                      <a:prstDash val="solid"/>
-                      <a:round/>
-                      <a:headEnd type="none" w="med" len="med"/>
-                      <a:tailEnd type="none" w="med" len="med"/>
-                    </a:lnL>
-                    <a:lnR w="12700" cap="flat" cmpd="sng" algn="ctr">
-                      <a:solidFill>
-                        <a:srgbClr val="FFFFFF"/>
-                      </a:solidFill>
-                      <a:prstDash val="solid"/>
-                      <a:round/>
-                      <a:headEnd type="none" w="med" len="med"/>
-                      <a:tailEnd type="none" w="med" len="med"/>
-                    </a:lnR>
-                    <a:lnT w="12700" cap="flat" cmpd="sng" algn="ctr">
-                      <a:solidFill>
-                        <a:srgbClr val="FFFFFF"/>
-                      </a:solidFill>
-                      <a:prstDash val="solid"/>
-                      <a:round/>
-                      <a:headEnd type="none" w="med" len="med"/>
-                      <a:tailEnd type="none" w="med" len="med"/>
-                    </a:lnT>
-                    <a:lnB w="12700" cap="flat" cmpd="sng" algn="ctr">
-                      <a:solidFill>
-                        <a:srgbClr val="FFFFFF"/>
-                      </a:solidFill>
-                      <a:prstDash val="solid"/>
-                      <a:round/>
-                      <a:headEnd type="none" w="med" len="med"/>
-                      <a:tailEnd type="none" w="med" len="med"/>
-                    </a:lnB>
-                  </a:tcPr>
-                </a:tc>
-                <a:tc>
-                  <a:txBody>
-                    <a:bodyPr/>
-                    <a:lstStyle/>
-                    <a:p>
-                      <a:pPr algn="just" rtl="0" fontAlgn="t">
-                        <a:spcBef>
-                          <a:spcPts val="0"/>
-                        </a:spcBef>
-                        <a:spcAft>
-                          <a:spcPts val="0"/>
-                        </a:spcAft>
-                      </a:pPr>
-                      <a:r>
-                        <a:rPr lang="en-US" sz="1400" b="0" i="0" u="none" strike="noStrike" dirty="0">
-                          <a:solidFill>
-                            <a:srgbClr val="000000"/>
-                          </a:solidFill>
-                          <a:effectLst/>
-                          <a:latin typeface="+mn-lt"/>
-                          <a:cs typeface="Arial" panose="020B0604020202020204" pitchFamily="34" charset="0"/>
-                        </a:rPr>
-                        <a:t>ESM-Tools extended YAML </a:t>
-                      </a:r>
-                      <a:r>
-                        <a:rPr lang="en-US" sz="1400" b="0" i="0" u="none" strike="noStrike">
-                          <a:solidFill>
-                            <a:srgbClr val="000000"/>
-                          </a:solidFill>
-                          <a:effectLst/>
-                          <a:latin typeface="+mn-lt"/>
-                          <a:cs typeface="Arial" panose="020B0604020202020204" pitchFamily="34" charset="0"/>
-                        </a:rPr>
-                        <a:t>syntax and</a:t>
-                      </a:r>
-                      <a:r>
-                        <a:rPr lang="tr-TR" sz="1400" b="0" i="0" u="none" strike="noStrike">
-                          <a:solidFill>
-                            <a:srgbClr val="000000"/>
-                          </a:solidFill>
-                          <a:effectLst/>
-                          <a:latin typeface="+mn-lt"/>
-                          <a:cs typeface="Arial" panose="020B0604020202020204" pitchFamily="34" charset="0"/>
-                        </a:rPr>
-                        <a:t> </a:t>
-                      </a:r>
-                      <a:r>
-                        <a:rPr lang="en-US" sz="1400" b="0" i="0" u="none" strike="noStrike">
-                          <a:solidFill>
-                            <a:srgbClr val="000000"/>
-                          </a:solidFill>
-                          <a:effectLst/>
-                          <a:latin typeface="+mn-lt"/>
-                          <a:cs typeface="Arial" panose="020B0604020202020204" pitchFamily="34" charset="0"/>
-                        </a:rPr>
-                        <a:t>hands-on</a:t>
-                      </a:r>
-                      <a:endParaRPr lang="tr-TR" sz="1400" b="0" i="0" u="none" strike="noStrike">
-                        <a:solidFill>
-                          <a:srgbClr val="000000"/>
-                        </a:solidFill>
-                        <a:effectLst/>
-                        <a:latin typeface="+mn-lt"/>
-                        <a:cs typeface="Arial" panose="020B0604020202020204" pitchFamily="34" charset="0"/>
-                      </a:endParaRPr>
-                    </a:p>
-                    <a:p>
-                      <a:pPr algn="just" rtl="0" fontAlgn="t">
-                        <a:spcBef>
-                          <a:spcPts val="0"/>
-                        </a:spcBef>
-                        <a:spcAft>
-                          <a:spcPts val="0"/>
-                        </a:spcAft>
-                      </a:pPr>
-                      <a:r>
-                        <a:rPr lang="en-US" sz="1400" b="0" i="0" u="none" strike="noStrike">
-                          <a:solidFill>
-                            <a:srgbClr val="000000"/>
-                          </a:solidFill>
-                          <a:effectLst/>
-                          <a:latin typeface="+mn-lt"/>
-                          <a:cs typeface="Arial" panose="020B0604020202020204" pitchFamily="34" charset="0"/>
-                        </a:rPr>
-                        <a:t>exercises</a:t>
-                      </a:r>
-                      <a:endParaRPr lang="en-US" sz="1400" b="0" i="0" u="none" strike="noStrike" dirty="0">
-                        <a:solidFill>
-                          <a:srgbClr val="000000"/>
-                        </a:solidFill>
-                        <a:effectLst/>
-                        <a:latin typeface="+mn-lt"/>
-                        <a:cs typeface="Arial" panose="020B0604020202020204" pitchFamily="34" charset="0"/>
-                      </a:endParaRPr>
-                    </a:p>
-                  </a:txBody>
-                  <a:tcPr marL="63500" marR="63500" marT="63500" marB="63500">
-                    <a:lnL w="12700" cap="flat" cmpd="sng" algn="ctr">
-                      <a:solidFill>
-                        <a:srgbClr val="FFFFFF"/>
-                      </a:solidFill>
-                      <a:prstDash val="solid"/>
-                      <a:round/>
-                      <a:headEnd type="none" w="med" len="med"/>
-                      <a:tailEnd type="none" w="med" len="med"/>
-                    </a:lnL>
-                    <a:lnR w="12700" cap="flat" cmpd="sng" algn="ctr">
-                      <a:solidFill>
-                        <a:srgbClr val="FFFFFF"/>
-                      </a:solidFill>
-                      <a:prstDash val="solid"/>
-                      <a:round/>
-                      <a:headEnd type="none" w="med" len="med"/>
-                      <a:tailEnd type="none" w="med" len="med"/>
-                    </a:lnR>
-                    <a:lnT w="12700" cap="flat" cmpd="sng" algn="ctr">
-                      <a:solidFill>
-                        <a:srgbClr val="FFFFFF"/>
-                      </a:solidFill>
-                      <a:prstDash val="solid"/>
-                      <a:round/>
-                      <a:headEnd type="none" w="med" len="med"/>
-                      <a:tailEnd type="none" w="med" len="med"/>
-                    </a:lnT>
-                    <a:lnB w="12700" cap="flat" cmpd="sng" algn="ctr">
-                      <a:solidFill>
-                        <a:srgbClr val="FFFFFF"/>
-                      </a:solidFill>
-                      <a:prstDash val="solid"/>
-                      <a:round/>
-                      <a:headEnd type="none" w="med" len="med"/>
-                      <a:tailEnd type="none" w="med" len="med"/>
-                    </a:lnB>
-                  </a:tcPr>
-                </a:tc>
-                <a:extLst>
-                  <a:ext uri="{0D108BD9-81ED-4DB2-BD59-A6C34878D82A}">
-                    <a16:rowId xmlns:a16="http://schemas.microsoft.com/office/drawing/2014/main" val="10004"/>
-                  </a:ext>
-                </a:extLst>
-              </a:tr>
-              <a:tr h="505752">
-                <a:tc>
-                  <a:txBody>
-                    <a:bodyPr/>
-                    <a:lstStyle/>
-                    <a:p>
-                      <a:pPr rtl="0" fontAlgn="t">
-                        <a:spcBef>
-                          <a:spcPts val="0"/>
-                        </a:spcBef>
-                        <a:spcAft>
-                          <a:spcPts val="0"/>
-                        </a:spcAft>
-                      </a:pPr>
-                      <a:r>
-                        <a:rPr lang="aa-ET" sz="1400" b="1" i="0" u="none" strike="noStrike" dirty="0">
-                          <a:solidFill>
-                            <a:srgbClr val="FF9900"/>
-                          </a:solidFill>
-                          <a:effectLst/>
-                          <a:latin typeface="+mn-lt"/>
-                          <a:cs typeface="Arial" panose="020B0604020202020204" pitchFamily="34" charset="0"/>
-                        </a:rPr>
-                        <a:t>15:30-16:00</a:t>
-                      </a:r>
-                      <a:endParaRPr lang="aa-ET" sz="2400" dirty="0">
-                        <a:effectLst/>
-                        <a:latin typeface="+mn-lt"/>
-                        <a:cs typeface="Arial" panose="020B0604020202020204" pitchFamily="34" charset="0"/>
-                      </a:endParaRPr>
-                    </a:p>
-                  </a:txBody>
-                  <a:tcPr marL="63500" marR="63500" marT="63500" marB="63500">
-                    <a:lnL w="12700" cap="flat" cmpd="sng" algn="ctr">
-                      <a:solidFill>
-                        <a:srgbClr val="FFFFFF"/>
-                      </a:solidFill>
-                      <a:prstDash val="solid"/>
-                      <a:round/>
-                      <a:headEnd type="none" w="med" len="med"/>
-                      <a:tailEnd type="none" w="med" len="med"/>
-                    </a:lnL>
-                    <a:lnR w="12700" cap="flat" cmpd="sng" algn="ctr">
-                      <a:solidFill>
-                        <a:srgbClr val="FFFFFF"/>
-                      </a:solidFill>
-                      <a:prstDash val="solid"/>
-                      <a:round/>
-                      <a:headEnd type="none" w="med" len="med"/>
-                      <a:tailEnd type="none" w="med" len="med"/>
-                    </a:lnR>
-                    <a:lnT w="12700" cap="flat" cmpd="sng" algn="ctr">
-                      <a:solidFill>
-                        <a:srgbClr val="FFFFFF"/>
-                      </a:solidFill>
-                      <a:prstDash val="solid"/>
-                      <a:round/>
-                      <a:headEnd type="none" w="med" len="med"/>
-                      <a:tailEnd type="none" w="med" len="med"/>
-                    </a:lnT>
-                    <a:lnB w="12700" cap="flat" cmpd="sng" algn="ctr">
-                      <a:solidFill>
-                        <a:srgbClr val="FFFFFF"/>
-                      </a:solidFill>
-                      <a:prstDash val="solid"/>
-                      <a:round/>
-                      <a:headEnd type="none" w="med" len="med"/>
-                      <a:tailEnd type="none" w="med" len="med"/>
-                    </a:lnB>
-                  </a:tcPr>
-                </a:tc>
-                <a:tc>
-                  <a:txBody>
-                    <a:bodyPr/>
-                    <a:lstStyle/>
-                    <a:p>
-                      <a:pPr algn="just" rtl="0" fontAlgn="t">
-                        <a:spcBef>
-                          <a:spcPts val="0"/>
-                        </a:spcBef>
-                        <a:spcAft>
-                          <a:spcPts val="0"/>
-                        </a:spcAft>
-                      </a:pPr>
-                      <a:r>
-                        <a:rPr lang="aa-ET" sz="1400" b="0" i="0" u="none" strike="noStrike">
-                          <a:solidFill>
-                            <a:srgbClr val="000000"/>
-                          </a:solidFill>
-                          <a:effectLst/>
-                          <a:latin typeface="+mn-lt"/>
-                          <a:cs typeface="Arial" panose="020B0604020202020204" pitchFamily="34" charset="0"/>
-                        </a:rPr>
-                        <a:t>-</a:t>
-                      </a:r>
-                      <a:endParaRPr lang="aa-ET" sz="2400">
-                        <a:effectLst/>
-                        <a:latin typeface="+mn-lt"/>
-                        <a:cs typeface="Arial" panose="020B0604020202020204" pitchFamily="34" charset="0"/>
-                      </a:endParaRPr>
-                    </a:p>
-                  </a:txBody>
-                  <a:tcPr marL="63500" marR="63500" marT="63500" marB="63500">
-                    <a:lnL w="12700" cap="flat" cmpd="sng" algn="ctr">
-                      <a:solidFill>
-                        <a:srgbClr val="FFFFFF"/>
-                      </a:solidFill>
-                      <a:prstDash val="solid"/>
-                      <a:round/>
-                      <a:headEnd type="none" w="med" len="med"/>
-                      <a:tailEnd type="none" w="med" len="med"/>
-                    </a:lnL>
-                    <a:lnR w="12700" cap="flat" cmpd="sng" algn="ctr">
-                      <a:solidFill>
-                        <a:srgbClr val="FFFFFF"/>
-                      </a:solidFill>
-                      <a:prstDash val="solid"/>
-                      <a:round/>
-                      <a:headEnd type="none" w="med" len="med"/>
-                      <a:tailEnd type="none" w="med" len="med"/>
-                    </a:lnR>
-                    <a:lnT w="12700" cap="flat" cmpd="sng" algn="ctr">
-                      <a:solidFill>
-                        <a:srgbClr val="FFFFFF"/>
-                      </a:solidFill>
-                      <a:prstDash val="solid"/>
-                      <a:round/>
-                      <a:headEnd type="none" w="med" len="med"/>
-                      <a:tailEnd type="none" w="med" len="med"/>
-                    </a:lnT>
-                    <a:lnB w="12700" cap="flat" cmpd="sng" algn="ctr">
-                      <a:solidFill>
-                        <a:srgbClr val="FFFFFF"/>
-                      </a:solidFill>
-                      <a:prstDash val="solid"/>
-                      <a:round/>
-                      <a:headEnd type="none" w="med" len="med"/>
-                      <a:tailEnd type="none" w="med" len="med"/>
-                    </a:lnB>
-                  </a:tcPr>
-                </a:tc>
-                <a:tc>
-                  <a:txBody>
-                    <a:bodyPr/>
-                    <a:lstStyle/>
-                    <a:p>
-                      <a:pPr algn="just" rtl="0" fontAlgn="t">
-                        <a:spcBef>
-                          <a:spcPts val="0"/>
-                        </a:spcBef>
-                        <a:spcAft>
-                          <a:spcPts val="0"/>
-                        </a:spcAft>
-                      </a:pPr>
-                      <a:r>
-                        <a:rPr lang="en-US" sz="1400" b="0" i="0" u="none" strike="noStrike" dirty="0">
-                          <a:solidFill>
-                            <a:srgbClr val="000000"/>
-                          </a:solidFill>
-                          <a:effectLst/>
-                          <a:latin typeface="+mn-lt"/>
-                          <a:cs typeface="Arial" panose="020B0604020202020204" pitchFamily="34" charset="0"/>
-                        </a:rPr>
-                        <a:t>Coffee break</a:t>
-                      </a:r>
-                    </a:p>
-                  </a:txBody>
-                  <a:tcPr marL="63500" marR="63500" marT="63500" marB="63500">
-                    <a:lnL w="12700" cap="flat" cmpd="sng" algn="ctr">
-                      <a:solidFill>
-                        <a:srgbClr val="FFFFFF"/>
-                      </a:solidFill>
-                      <a:prstDash val="solid"/>
-                      <a:round/>
-                      <a:headEnd type="none" w="med" len="med"/>
-                      <a:tailEnd type="none" w="med" len="med"/>
-                    </a:lnL>
-                    <a:lnR w="12700" cap="flat" cmpd="sng" algn="ctr">
-                      <a:solidFill>
-                        <a:srgbClr val="FFFFFF"/>
-                      </a:solidFill>
-                      <a:prstDash val="solid"/>
-                      <a:round/>
-                      <a:headEnd type="none" w="med" len="med"/>
-                      <a:tailEnd type="none" w="med" len="med"/>
-                    </a:lnR>
-                    <a:lnT w="12700" cap="flat" cmpd="sng" algn="ctr">
-                      <a:solidFill>
-                        <a:srgbClr val="FFFFFF"/>
-                      </a:solidFill>
-                      <a:prstDash val="solid"/>
-                      <a:round/>
-                      <a:headEnd type="none" w="med" len="med"/>
-                      <a:tailEnd type="none" w="med" len="med"/>
-                    </a:lnT>
-                    <a:lnB w="12700" cap="flat" cmpd="sng" algn="ctr">
-                      <a:solidFill>
-                        <a:srgbClr val="FFFFFF"/>
-                      </a:solidFill>
-                      <a:prstDash val="solid"/>
-                      <a:round/>
-                      <a:headEnd type="none" w="med" len="med"/>
-                      <a:tailEnd type="none" w="med" len="med"/>
-                    </a:lnB>
-                  </a:tcPr>
-                </a:tc>
-                <a:extLst>
-                  <a:ext uri="{0D108BD9-81ED-4DB2-BD59-A6C34878D82A}">
                     <a16:rowId xmlns:a16="http://schemas.microsoft.com/office/drawing/2014/main" val="10005"/>
                   </a:ext>
                 </a:extLst>
@@ -5202,17 +5327,6 @@
                           <a:spcPts val="0"/>
                         </a:spcAft>
                       </a:pPr>
-                      <a:r>
-                        <a:rPr lang="aa-ET" sz="1400" b="1" i="0" u="none" strike="noStrike" dirty="0">
-                          <a:solidFill>
-                            <a:srgbClr val="FF9900"/>
-                          </a:solidFill>
-                          <a:effectLst/>
-                          <a:latin typeface="+mn-lt"/>
-                          <a:cs typeface="Arial" panose="020B0604020202020204" pitchFamily="34" charset="0"/>
-                        </a:rPr>
-                        <a:t>16:00-17:30</a:t>
-                      </a:r>
                       <a:endParaRPr lang="aa-ET" sz="2400" dirty="0">
                         <a:effectLst/>
                         <a:latin typeface="+mn-lt"/>
@@ -5272,17 +5386,6 @@
                           <a:spcPts val="0"/>
                         </a:spcAft>
                       </a:pPr>
-                      <a:r>
-                        <a:rPr lang="aa-ET" sz="1400" b="0" i="0" u="none" strike="noStrike">
-                          <a:solidFill>
-                            <a:srgbClr val="000000"/>
-                          </a:solidFill>
-                          <a:effectLst/>
-                          <a:latin typeface="+mn-lt"/>
-                          <a:cs typeface="Arial" panose="020B0604020202020204" pitchFamily="34" charset="0"/>
-                        </a:rPr>
-                        <a:t>-</a:t>
-                      </a:r>
                       <a:endParaRPr lang="aa-ET" sz="2400">
                         <a:effectLst/>
                         <a:latin typeface="+mn-lt"/>
@@ -5342,46 +5445,6 @@
                           <a:spcPts val="0"/>
                         </a:spcAft>
                       </a:pPr>
-                      <a:r>
-                        <a:rPr lang="en-US" sz="1400" b="0" i="0" u="none" strike="noStrike" dirty="0">
-                          <a:solidFill>
-                            <a:srgbClr val="000000"/>
-                          </a:solidFill>
-                          <a:effectLst/>
-                          <a:latin typeface="+mn-lt"/>
-                          <a:cs typeface="Arial" panose="020B0604020202020204" pitchFamily="34" charset="0"/>
-                        </a:rPr>
-                        <a:t>Introduction to the workflow manager (offline coupling)</a:t>
-                      </a:r>
-                      <a:endParaRPr lang="tr-TR" sz="1400" b="0" i="0" u="none" strike="noStrike" dirty="0">
-                        <a:solidFill>
-                          <a:srgbClr val="000000"/>
-                        </a:solidFill>
-                        <a:effectLst/>
-                        <a:latin typeface="+mn-lt"/>
-                        <a:cs typeface="Arial" panose="020B0604020202020204" pitchFamily="34" charset="0"/>
-                      </a:endParaRPr>
-                    </a:p>
-                    <a:p>
-                      <a:pPr algn="just" rtl="0" fontAlgn="t">
-                        <a:spcBef>
-                          <a:spcPts val="0"/>
-                        </a:spcBef>
-                        <a:spcAft>
-                          <a:spcPts val="0"/>
-                        </a:spcAft>
-                      </a:pPr>
-                      <a:r>
-                        <a:rPr lang="en-US" sz="1400" b="0" i="0" u="none" strike="noStrike" dirty="0">
-                          <a:solidFill>
-                            <a:srgbClr val="000000"/>
-                          </a:solidFill>
-                          <a:effectLst/>
-                          <a:latin typeface="+mn-lt"/>
-                          <a:cs typeface="Arial" panose="020B0604020202020204" pitchFamily="34" charset="0"/>
-                        </a:rPr>
-                        <a:t>and machine environments</a:t>
-                      </a:r>
                       <a:endParaRPr lang="en-US" sz="2400" dirty="0">
                         <a:effectLst/>
                         <a:latin typeface="+mn-lt"/>
@@ -5431,1208 +5494,6 @@
                 <a:extLst>
                   <a:ext uri="{0D108BD9-81ED-4DB2-BD59-A6C34878D82A}">
                     <a16:rowId xmlns:a16="http://schemas.microsoft.com/office/drawing/2014/main" val="10006"/>
-                  </a:ext>
-                </a:extLst>
-              </a:tr>
-            </a:tbl>
-          </a:graphicData>
-        </a:graphic>
-      </p:graphicFrame>
-      <p:graphicFrame>
-        <p:nvGraphicFramePr>
-          <p:cNvPr id="6" name="Table 5">
-            <a:extLst>
-              <a:ext uri="{FF2B5EF4-FFF2-40B4-BE49-F238E27FC236}">
-                <a16:creationId xmlns:a16="http://schemas.microsoft.com/office/drawing/2014/main" id="{E57C5358-2F1C-B4A2-80BA-4EB8F6F093FD}"/>
-              </a:ext>
-            </a:extLst>
-          </p:cNvPr>
-          <p:cNvGraphicFramePr>
-            <a:graphicFrameLocks noGrp="1"/>
-          </p:cNvGraphicFramePr>
-          <p:nvPr/>
-        </p:nvGraphicFramePr>
-        <p:xfrm>
-          <a:off x="6987906" y="2250529"/>
-          <a:ext cx="4652405" cy="3961112"/>
-        </p:xfrm>
-        <a:graphic>
-          <a:graphicData uri="http://schemas.openxmlformats.org/drawingml/2006/table">
-            <a:tbl>
-              <a:tblPr/>
-              <a:tblGrid>
-                <a:gridCol w="1046485">
-                  <a:extLst>
-                    <a:ext uri="{9D8B030D-6E8A-4147-A177-3AD203B41FA5}">
-                      <a16:colId xmlns:a16="http://schemas.microsoft.com/office/drawing/2014/main" val="2085809158"/>
-                    </a:ext>
-                  </a:extLst>
-                </a:gridCol>
-                <a:gridCol w="236306">
-                  <a:extLst>
-                    <a:ext uri="{9D8B030D-6E8A-4147-A177-3AD203B41FA5}">
-                      <a16:colId xmlns:a16="http://schemas.microsoft.com/office/drawing/2014/main" val="1162518780"/>
-                    </a:ext>
-                  </a:extLst>
-                </a:gridCol>
-                <a:gridCol w="3369614">
-                  <a:extLst>
-                    <a:ext uri="{9D8B030D-6E8A-4147-A177-3AD203B41FA5}">
-                      <a16:colId xmlns:a16="http://schemas.microsoft.com/office/drawing/2014/main" val="1360676965"/>
-                    </a:ext>
-                  </a:extLst>
-                </a:gridCol>
-              </a:tblGrid>
-              <a:tr h="1072222">
-                <a:tc>
-                  <a:txBody>
-                    <a:bodyPr/>
-                    <a:lstStyle/>
-                    <a:p>
-                      <a:pPr rtl="0" fontAlgn="t">
-                        <a:spcBef>
-                          <a:spcPts val="0"/>
-                        </a:spcBef>
-                        <a:spcAft>
-                          <a:spcPts val="0"/>
-                        </a:spcAft>
-                      </a:pPr>
-                      <a:r>
-                        <a:rPr lang="aa-ET" sz="1400" b="1" i="0" u="none" strike="noStrike" dirty="0">
-                          <a:solidFill>
-                            <a:srgbClr val="FF9900"/>
-                          </a:solidFill>
-                          <a:effectLst/>
-                          <a:latin typeface="+mn-lt"/>
-                        </a:rPr>
-                        <a:t>09:00-10:45</a:t>
-                      </a:r>
-                      <a:endParaRPr lang="aa-ET" sz="1400" dirty="0">
-                        <a:effectLst/>
-                        <a:latin typeface="+mn-lt"/>
-                      </a:endParaRPr>
-                    </a:p>
-                  </a:txBody>
-                  <a:tcPr marL="63500" marR="63500" marT="63500" marB="63500">
-                    <a:lnL w="12700" cap="flat" cmpd="sng" algn="ctr">
-                      <a:solidFill>
-                        <a:srgbClr val="FFFFFF"/>
-                      </a:solidFill>
-                      <a:prstDash val="solid"/>
-                      <a:round/>
-                      <a:headEnd type="none" w="med" len="med"/>
-                      <a:tailEnd type="none" w="med" len="med"/>
-                    </a:lnL>
-                    <a:lnR w="12700" cap="flat" cmpd="sng" algn="ctr">
-                      <a:solidFill>
-                        <a:srgbClr val="FFFFFF"/>
-                      </a:solidFill>
-                      <a:prstDash val="solid"/>
-                      <a:round/>
-                      <a:headEnd type="none" w="med" len="med"/>
-                      <a:tailEnd type="none" w="med" len="med"/>
-                    </a:lnR>
-                    <a:lnT w="12700" cap="flat" cmpd="sng" algn="ctr">
-                      <a:solidFill>
-                        <a:srgbClr val="FFFFFF"/>
-                      </a:solidFill>
-                      <a:prstDash val="solid"/>
-                      <a:round/>
-                      <a:headEnd type="none" w="med" len="med"/>
-                      <a:tailEnd type="none" w="med" len="med"/>
-                    </a:lnT>
-                    <a:lnB w="12700" cap="flat" cmpd="sng" algn="ctr">
-                      <a:solidFill>
-                        <a:srgbClr val="FFFFFF"/>
-                      </a:solidFill>
-                      <a:prstDash val="solid"/>
-                      <a:round/>
-                      <a:headEnd type="none" w="med" len="med"/>
-                      <a:tailEnd type="none" w="med" len="med"/>
-                    </a:lnB>
-                  </a:tcPr>
-                </a:tc>
-                <a:tc>
-                  <a:txBody>
-                    <a:bodyPr/>
-                    <a:lstStyle/>
-                    <a:p>
-                      <a:pPr algn="just" rtl="0" fontAlgn="t">
-                        <a:spcBef>
-                          <a:spcPts val="0"/>
-                        </a:spcBef>
-                        <a:spcAft>
-                          <a:spcPts val="0"/>
-                        </a:spcAft>
-                      </a:pPr>
-                      <a:r>
-                        <a:rPr lang="aa-ET" sz="1400" b="0" i="0" u="none" strike="noStrike">
-                          <a:solidFill>
-                            <a:srgbClr val="000000"/>
-                          </a:solidFill>
-                          <a:effectLst/>
-                          <a:latin typeface="+mn-lt"/>
-                        </a:rPr>
-                        <a:t>-</a:t>
-                      </a:r>
-                      <a:endParaRPr lang="aa-ET" sz="1400">
-                        <a:effectLst/>
-                        <a:latin typeface="+mn-lt"/>
-                      </a:endParaRPr>
-                    </a:p>
-                  </a:txBody>
-                  <a:tcPr marL="63500" marR="63500" marT="63500" marB="63500">
-                    <a:lnL w="12700" cap="flat" cmpd="sng" algn="ctr">
-                      <a:solidFill>
-                        <a:srgbClr val="FFFFFF"/>
-                      </a:solidFill>
-                      <a:prstDash val="solid"/>
-                      <a:round/>
-                      <a:headEnd type="none" w="med" len="med"/>
-                      <a:tailEnd type="none" w="med" len="med"/>
-                    </a:lnL>
-                    <a:lnR w="12700" cap="flat" cmpd="sng" algn="ctr">
-                      <a:solidFill>
-                        <a:srgbClr val="FFFFFF"/>
-                      </a:solidFill>
-                      <a:prstDash val="solid"/>
-                      <a:round/>
-                      <a:headEnd type="none" w="med" len="med"/>
-                      <a:tailEnd type="none" w="med" len="med"/>
-                    </a:lnR>
-                    <a:lnT w="12700" cap="flat" cmpd="sng" algn="ctr">
-                      <a:solidFill>
-                        <a:srgbClr val="FFFFFF"/>
-                      </a:solidFill>
-                      <a:prstDash val="solid"/>
-                      <a:round/>
-                      <a:headEnd type="none" w="med" len="med"/>
-                      <a:tailEnd type="none" w="med" len="med"/>
-                    </a:lnT>
-                    <a:lnB w="12700" cap="flat" cmpd="sng" algn="ctr">
-                      <a:solidFill>
-                        <a:srgbClr val="FFFFFF"/>
-                      </a:solidFill>
-                      <a:prstDash val="solid"/>
-                      <a:round/>
-                      <a:headEnd type="none" w="med" len="med"/>
-                      <a:tailEnd type="none" w="med" len="med"/>
-                    </a:lnB>
-                  </a:tcPr>
-                </a:tc>
-                <a:tc>
-                  <a:txBody>
-                    <a:bodyPr/>
-                    <a:lstStyle/>
-                    <a:p>
-                      <a:pPr algn="just" rtl="0" fontAlgn="t">
-                        <a:spcBef>
-                          <a:spcPts val="0"/>
-                        </a:spcBef>
-                        <a:spcAft>
-                          <a:spcPts val="0"/>
-                        </a:spcAft>
-                      </a:pPr>
-                      <a:r>
-                        <a:rPr lang="en-US" sz="1400" b="0" i="0" u="none" strike="noStrike" dirty="0">
-                          <a:solidFill>
-                            <a:srgbClr val="000000"/>
-                          </a:solidFill>
-                          <a:effectLst/>
-                          <a:latin typeface="+mn-lt"/>
-                        </a:rPr>
-                        <a:t>Working groups</a:t>
-                      </a:r>
-                    </a:p>
-                    <a:p>
-                      <a:pPr marL="285750" indent="-285750" algn="just" rtl="0" fontAlgn="t">
-                        <a:spcBef>
-                          <a:spcPts val="0"/>
-                        </a:spcBef>
-                        <a:spcAft>
-                          <a:spcPts val="0"/>
-                        </a:spcAft>
-                        <a:buFont typeface="Arial" panose="020B0604020202020204" pitchFamily="34" charset="0"/>
-                        <a:buChar char="•"/>
-                      </a:pPr>
-                      <a:r>
-                        <a:rPr lang="en-US" sz="1400" dirty="0">
-                          <a:effectLst/>
-                          <a:latin typeface="+mn-lt"/>
-                        </a:rPr>
-                        <a:t>New models into ESM-Tools</a:t>
-                      </a:r>
-                    </a:p>
-                    <a:p>
-                      <a:pPr marL="285750" indent="-285750" algn="just" rtl="0" fontAlgn="t">
-                        <a:spcBef>
-                          <a:spcPts val="0"/>
-                        </a:spcBef>
-                        <a:spcAft>
-                          <a:spcPts val="0"/>
-                        </a:spcAft>
-                        <a:buFont typeface="Arial" panose="020B0604020202020204" pitchFamily="34" charset="0"/>
-                        <a:buChar char="•"/>
-                      </a:pPr>
-                      <a:r>
-                        <a:rPr lang="en-US" sz="1400" dirty="0">
-                          <a:effectLst/>
-                          <a:latin typeface="+mn-lt"/>
-                        </a:rPr>
-                        <a:t>Offline coupling</a:t>
-                      </a:r>
-                    </a:p>
-                    <a:p>
-                      <a:pPr marL="285750" indent="-285750" algn="just" rtl="0" fontAlgn="t">
-                        <a:spcBef>
-                          <a:spcPts val="0"/>
-                        </a:spcBef>
-                        <a:spcAft>
-                          <a:spcPts val="0"/>
-                        </a:spcAft>
-                        <a:buFont typeface="Arial" panose="020B0604020202020204" pitchFamily="34" charset="0"/>
-                        <a:buChar char="•"/>
-                      </a:pPr>
-                      <a:r>
-                        <a:rPr lang="en-US" sz="1400" dirty="0">
-                          <a:effectLst/>
-                          <a:latin typeface="+mn-lt"/>
-                        </a:rPr>
-                        <a:t>Levante</a:t>
-                      </a:r>
-                    </a:p>
-                  </a:txBody>
-                  <a:tcPr marL="63500" marR="63500" marT="63500" marB="63500">
-                    <a:lnL w="12700" cap="flat" cmpd="sng" algn="ctr">
-                      <a:solidFill>
-                        <a:srgbClr val="FFFFFF"/>
-                      </a:solidFill>
-                      <a:prstDash val="solid"/>
-                      <a:round/>
-                      <a:headEnd type="none" w="med" len="med"/>
-                      <a:tailEnd type="none" w="med" len="med"/>
-                    </a:lnL>
-                    <a:lnR w="12700" cap="flat" cmpd="sng" algn="ctr">
-                      <a:solidFill>
-                        <a:srgbClr val="FFFFFF"/>
-                      </a:solidFill>
-                      <a:prstDash val="solid"/>
-                      <a:round/>
-                      <a:headEnd type="none" w="med" len="med"/>
-                      <a:tailEnd type="none" w="med" len="med"/>
-                    </a:lnR>
-                    <a:lnT w="12700" cap="flat" cmpd="sng" algn="ctr">
-                      <a:solidFill>
-                        <a:srgbClr val="FFFFFF"/>
-                      </a:solidFill>
-                      <a:prstDash val="solid"/>
-                      <a:round/>
-                      <a:headEnd type="none" w="med" len="med"/>
-                      <a:tailEnd type="none" w="med" len="med"/>
-                    </a:lnT>
-                    <a:lnB w="12700" cap="flat" cmpd="sng" algn="ctr">
-                      <a:solidFill>
-                        <a:srgbClr val="FFFFFF"/>
-                      </a:solidFill>
-                      <a:prstDash val="solid"/>
-                      <a:round/>
-                      <a:headEnd type="none" w="med" len="med"/>
-                      <a:tailEnd type="none" w="med" len="med"/>
-                    </a:lnB>
-                  </a:tcPr>
-                </a:tc>
-                <a:extLst>
-                  <a:ext uri="{0D108BD9-81ED-4DB2-BD59-A6C34878D82A}">
-                    <a16:rowId xmlns:a16="http://schemas.microsoft.com/office/drawing/2014/main" val="1615172577"/>
-                  </a:ext>
-                </a:extLst>
-              </a:tr>
-              <a:tr h="605556">
-                <a:tc>
-                  <a:txBody>
-                    <a:bodyPr/>
-                    <a:lstStyle/>
-                    <a:p>
-                      <a:pPr rtl="0" fontAlgn="t">
-                        <a:spcBef>
-                          <a:spcPts val="0"/>
-                        </a:spcBef>
-                        <a:spcAft>
-                          <a:spcPts val="0"/>
-                        </a:spcAft>
-                      </a:pPr>
-                      <a:r>
-                        <a:rPr lang="aa-ET" sz="1400" b="1" i="0" u="none" strike="noStrike" dirty="0">
-                          <a:solidFill>
-                            <a:srgbClr val="FF9900"/>
-                          </a:solidFill>
-                          <a:effectLst/>
-                          <a:latin typeface="+mn-lt"/>
-                        </a:rPr>
-                        <a:t>10:45-11:15</a:t>
-                      </a:r>
-                      <a:endParaRPr lang="aa-ET" sz="1400" dirty="0">
-                        <a:effectLst/>
-                        <a:latin typeface="+mn-lt"/>
-                      </a:endParaRPr>
-                    </a:p>
-                  </a:txBody>
-                  <a:tcPr marL="63500" marR="63500" marT="63500" marB="63500">
-                    <a:lnL w="12700" cap="flat" cmpd="sng" algn="ctr">
-                      <a:solidFill>
-                        <a:srgbClr val="FFFFFF"/>
-                      </a:solidFill>
-                      <a:prstDash val="solid"/>
-                      <a:round/>
-                      <a:headEnd type="none" w="med" len="med"/>
-                      <a:tailEnd type="none" w="med" len="med"/>
-                    </a:lnL>
-                    <a:lnR w="12700" cap="flat" cmpd="sng" algn="ctr">
-                      <a:solidFill>
-                        <a:srgbClr val="FFFFFF"/>
-                      </a:solidFill>
-                      <a:prstDash val="solid"/>
-                      <a:round/>
-                      <a:headEnd type="none" w="med" len="med"/>
-                      <a:tailEnd type="none" w="med" len="med"/>
-                    </a:lnR>
-                    <a:lnT w="12700" cap="flat" cmpd="sng" algn="ctr">
-                      <a:solidFill>
-                        <a:srgbClr val="FFFFFF"/>
-                      </a:solidFill>
-                      <a:prstDash val="solid"/>
-                      <a:round/>
-                      <a:headEnd type="none" w="med" len="med"/>
-                      <a:tailEnd type="none" w="med" len="med"/>
-                    </a:lnT>
-                    <a:lnB w="12700" cap="flat" cmpd="sng" algn="ctr">
-                      <a:solidFill>
-                        <a:srgbClr val="FFFFFF"/>
-                      </a:solidFill>
-                      <a:prstDash val="solid"/>
-                      <a:round/>
-                      <a:headEnd type="none" w="med" len="med"/>
-                      <a:tailEnd type="none" w="med" len="med"/>
-                    </a:lnB>
-                  </a:tcPr>
-                </a:tc>
-                <a:tc>
-                  <a:txBody>
-                    <a:bodyPr/>
-                    <a:lstStyle/>
-                    <a:p>
-                      <a:pPr algn="just" rtl="0" fontAlgn="t">
-                        <a:spcBef>
-                          <a:spcPts val="0"/>
-                        </a:spcBef>
-                        <a:spcAft>
-                          <a:spcPts val="0"/>
-                        </a:spcAft>
-                      </a:pPr>
-                      <a:r>
-                        <a:rPr lang="aa-ET" sz="1400" b="0" i="0" u="none" strike="noStrike" dirty="0">
-                          <a:solidFill>
-                            <a:srgbClr val="000000"/>
-                          </a:solidFill>
-                          <a:effectLst/>
-                          <a:latin typeface="+mn-lt"/>
-                        </a:rPr>
-                        <a:t>-</a:t>
-                      </a:r>
-                      <a:endParaRPr lang="aa-ET" sz="1400" dirty="0">
-                        <a:effectLst/>
-                        <a:latin typeface="+mn-lt"/>
-                      </a:endParaRPr>
-                    </a:p>
-                  </a:txBody>
-                  <a:tcPr marL="63500" marR="63500" marT="63500" marB="63500">
-                    <a:lnL w="12700" cap="flat" cmpd="sng" algn="ctr">
-                      <a:solidFill>
-                        <a:srgbClr val="FFFFFF"/>
-                      </a:solidFill>
-                      <a:prstDash val="solid"/>
-                      <a:round/>
-                      <a:headEnd type="none" w="med" len="med"/>
-                      <a:tailEnd type="none" w="med" len="med"/>
-                    </a:lnL>
-                    <a:lnR w="12700" cap="flat" cmpd="sng" algn="ctr">
-                      <a:solidFill>
-                        <a:srgbClr val="FFFFFF"/>
-                      </a:solidFill>
-                      <a:prstDash val="solid"/>
-                      <a:round/>
-                      <a:headEnd type="none" w="med" len="med"/>
-                      <a:tailEnd type="none" w="med" len="med"/>
-                    </a:lnR>
-                    <a:lnT w="12700" cap="flat" cmpd="sng" algn="ctr">
-                      <a:solidFill>
-                        <a:srgbClr val="FFFFFF"/>
-                      </a:solidFill>
-                      <a:prstDash val="solid"/>
-                      <a:round/>
-                      <a:headEnd type="none" w="med" len="med"/>
-                      <a:tailEnd type="none" w="med" len="med"/>
-                    </a:lnT>
-                    <a:lnB w="12700" cap="flat" cmpd="sng" algn="ctr">
-                      <a:solidFill>
-                        <a:srgbClr val="FFFFFF"/>
-                      </a:solidFill>
-                      <a:prstDash val="solid"/>
-                      <a:round/>
-                      <a:headEnd type="none" w="med" len="med"/>
-                      <a:tailEnd type="none" w="med" len="med"/>
-                    </a:lnB>
-                  </a:tcPr>
-                </a:tc>
-                <a:tc>
-                  <a:txBody>
-                    <a:bodyPr/>
-                    <a:lstStyle/>
-                    <a:p>
-                      <a:pPr algn="just" rtl="0" fontAlgn="t">
-                        <a:spcBef>
-                          <a:spcPts val="0"/>
-                        </a:spcBef>
-                        <a:spcAft>
-                          <a:spcPts val="0"/>
-                        </a:spcAft>
-                      </a:pPr>
-                      <a:r>
-                        <a:rPr lang="en-US" sz="1400" b="0" i="0" u="none" strike="noStrike" dirty="0">
-                          <a:solidFill>
-                            <a:srgbClr val="000000"/>
-                          </a:solidFill>
-                          <a:effectLst/>
-                          <a:latin typeface="+mn-lt"/>
-                        </a:rPr>
-                        <a:t>Coffee break</a:t>
-                      </a:r>
-                      <a:endParaRPr lang="en-US" sz="1400" dirty="0">
-                        <a:effectLst/>
-                        <a:latin typeface="+mn-lt"/>
-                      </a:endParaRPr>
-                    </a:p>
-                  </a:txBody>
-                  <a:tcPr marL="63500" marR="63500" marT="63500" marB="63500">
-                    <a:lnL w="12700" cap="flat" cmpd="sng" algn="ctr">
-                      <a:solidFill>
-                        <a:srgbClr val="FFFFFF"/>
-                      </a:solidFill>
-                      <a:prstDash val="solid"/>
-                      <a:round/>
-                      <a:headEnd type="none" w="med" len="med"/>
-                      <a:tailEnd type="none" w="med" len="med"/>
-                    </a:lnL>
-                    <a:lnR w="12700" cap="flat" cmpd="sng" algn="ctr">
-                      <a:solidFill>
-                        <a:srgbClr val="FFFFFF"/>
-                      </a:solidFill>
-                      <a:prstDash val="solid"/>
-                      <a:round/>
-                      <a:headEnd type="none" w="med" len="med"/>
-                      <a:tailEnd type="none" w="med" len="med"/>
-                    </a:lnR>
-                    <a:lnT w="12700" cap="flat" cmpd="sng" algn="ctr">
-                      <a:solidFill>
-                        <a:srgbClr val="FFFFFF"/>
-                      </a:solidFill>
-                      <a:prstDash val="solid"/>
-                      <a:round/>
-                      <a:headEnd type="none" w="med" len="med"/>
-                      <a:tailEnd type="none" w="med" len="med"/>
-                    </a:lnT>
-                    <a:lnB w="12700" cap="flat" cmpd="sng" algn="ctr">
-                      <a:solidFill>
-                        <a:srgbClr val="FFFFFF"/>
-                      </a:solidFill>
-                      <a:prstDash val="solid"/>
-                      <a:round/>
-                      <a:headEnd type="none" w="med" len="med"/>
-                      <a:tailEnd type="none" w="med" len="med"/>
-                    </a:lnB>
-                  </a:tcPr>
-                </a:tc>
-                <a:extLst>
-                  <a:ext uri="{0D108BD9-81ED-4DB2-BD59-A6C34878D82A}">
-                    <a16:rowId xmlns:a16="http://schemas.microsoft.com/office/drawing/2014/main" val="3045844909"/>
-                  </a:ext>
-                </a:extLst>
-              </a:tr>
-              <a:tr h="1072222">
-                <a:tc>
-                  <a:txBody>
-                    <a:bodyPr/>
-                    <a:lstStyle/>
-                    <a:p>
-                      <a:pPr rtl="0" fontAlgn="t">
-                        <a:spcBef>
-                          <a:spcPts val="0"/>
-                        </a:spcBef>
-                        <a:spcAft>
-                          <a:spcPts val="0"/>
-                        </a:spcAft>
-                      </a:pPr>
-                      <a:r>
-                        <a:rPr lang="aa-ET" sz="1400" b="1" i="0" u="none" strike="noStrike" dirty="0">
-                          <a:solidFill>
-                            <a:srgbClr val="FF9900"/>
-                          </a:solidFill>
-                          <a:effectLst/>
-                          <a:latin typeface="+mn-lt"/>
-                        </a:rPr>
-                        <a:t>11:15-12:45</a:t>
-                      </a:r>
-                      <a:endParaRPr lang="aa-ET" sz="1400" dirty="0">
-                        <a:effectLst/>
-                        <a:latin typeface="+mn-lt"/>
-                      </a:endParaRPr>
-                    </a:p>
-                  </a:txBody>
-                  <a:tcPr marL="63500" marR="63500" marT="63500" marB="63500">
-                    <a:lnL w="12700" cap="flat" cmpd="sng" algn="ctr">
-                      <a:solidFill>
-                        <a:srgbClr val="FFFFFF"/>
-                      </a:solidFill>
-                      <a:prstDash val="solid"/>
-                      <a:round/>
-                      <a:headEnd type="none" w="med" len="med"/>
-                      <a:tailEnd type="none" w="med" len="med"/>
-                    </a:lnL>
-                    <a:lnR w="12700" cap="flat" cmpd="sng" algn="ctr">
-                      <a:solidFill>
-                        <a:srgbClr val="FFFFFF"/>
-                      </a:solidFill>
-                      <a:prstDash val="solid"/>
-                      <a:round/>
-                      <a:headEnd type="none" w="med" len="med"/>
-                      <a:tailEnd type="none" w="med" len="med"/>
-                    </a:lnR>
-                    <a:lnT w="12700" cap="flat" cmpd="sng" algn="ctr">
-                      <a:solidFill>
-                        <a:srgbClr val="FFFFFF"/>
-                      </a:solidFill>
-                      <a:prstDash val="solid"/>
-                      <a:round/>
-                      <a:headEnd type="none" w="med" len="med"/>
-                      <a:tailEnd type="none" w="med" len="med"/>
-                    </a:lnT>
-                    <a:lnB w="12700" cap="flat" cmpd="sng" algn="ctr">
-                      <a:solidFill>
-                        <a:srgbClr val="FFFFFF"/>
-                      </a:solidFill>
-                      <a:prstDash val="solid"/>
-                      <a:round/>
-                      <a:headEnd type="none" w="med" len="med"/>
-                      <a:tailEnd type="none" w="med" len="med"/>
-                    </a:lnB>
-                  </a:tcPr>
-                </a:tc>
-                <a:tc>
-                  <a:txBody>
-                    <a:bodyPr/>
-                    <a:lstStyle/>
-                    <a:p>
-                      <a:pPr algn="just" rtl="0" fontAlgn="t">
-                        <a:spcBef>
-                          <a:spcPts val="0"/>
-                        </a:spcBef>
-                        <a:spcAft>
-                          <a:spcPts val="0"/>
-                        </a:spcAft>
-                      </a:pPr>
-                      <a:r>
-                        <a:rPr lang="aa-ET" sz="1400" b="0" i="0" u="none" strike="noStrike">
-                          <a:solidFill>
-                            <a:srgbClr val="000000"/>
-                          </a:solidFill>
-                          <a:effectLst/>
-                          <a:latin typeface="+mn-lt"/>
-                        </a:rPr>
-                        <a:t>-</a:t>
-                      </a:r>
-                      <a:endParaRPr lang="aa-ET" sz="1400">
-                        <a:effectLst/>
-                        <a:latin typeface="+mn-lt"/>
-                      </a:endParaRPr>
-                    </a:p>
-                  </a:txBody>
-                  <a:tcPr marL="63500" marR="63500" marT="63500" marB="63500">
-                    <a:lnL w="12700" cap="flat" cmpd="sng" algn="ctr">
-                      <a:solidFill>
-                        <a:srgbClr val="FFFFFF"/>
-                      </a:solidFill>
-                      <a:prstDash val="solid"/>
-                      <a:round/>
-                      <a:headEnd type="none" w="med" len="med"/>
-                      <a:tailEnd type="none" w="med" len="med"/>
-                    </a:lnL>
-                    <a:lnR w="12700" cap="flat" cmpd="sng" algn="ctr">
-                      <a:solidFill>
-                        <a:srgbClr val="FFFFFF"/>
-                      </a:solidFill>
-                      <a:prstDash val="solid"/>
-                      <a:round/>
-                      <a:headEnd type="none" w="med" len="med"/>
-                      <a:tailEnd type="none" w="med" len="med"/>
-                    </a:lnR>
-                    <a:lnT w="12700" cap="flat" cmpd="sng" algn="ctr">
-                      <a:solidFill>
-                        <a:srgbClr val="FFFFFF"/>
-                      </a:solidFill>
-                      <a:prstDash val="solid"/>
-                      <a:round/>
-                      <a:headEnd type="none" w="med" len="med"/>
-                      <a:tailEnd type="none" w="med" len="med"/>
-                    </a:lnT>
-                    <a:lnB w="12700" cap="flat" cmpd="sng" algn="ctr">
-                      <a:solidFill>
-                        <a:srgbClr val="FFFFFF"/>
-                      </a:solidFill>
-                      <a:prstDash val="solid"/>
-                      <a:round/>
-                      <a:headEnd type="none" w="med" len="med"/>
-                      <a:tailEnd type="none" w="med" len="med"/>
-                    </a:lnB>
-                  </a:tcPr>
-                </a:tc>
-                <a:tc>
-                  <a:txBody>
-                    <a:bodyPr/>
-                    <a:lstStyle/>
-                    <a:p>
-                      <a:pPr algn="just" rtl="0" fontAlgn="t">
-                        <a:spcBef>
-                          <a:spcPts val="0"/>
-                        </a:spcBef>
-                        <a:spcAft>
-                          <a:spcPts val="0"/>
-                        </a:spcAft>
-                      </a:pPr>
-                      <a:r>
-                        <a:rPr lang="en-US" sz="1400" b="0" i="0" u="none" strike="noStrike" dirty="0">
-                          <a:solidFill>
-                            <a:srgbClr val="000000"/>
-                          </a:solidFill>
-                          <a:effectLst/>
-                          <a:latin typeface="+mn-lt"/>
-                        </a:rPr>
-                        <a:t>Working groups</a:t>
-                      </a:r>
-                    </a:p>
-                    <a:p>
-                      <a:pPr marL="285750" indent="-285750" algn="just" rtl="0" fontAlgn="t">
-                        <a:spcBef>
-                          <a:spcPts val="0"/>
-                        </a:spcBef>
-                        <a:spcAft>
-                          <a:spcPts val="0"/>
-                        </a:spcAft>
-                        <a:buFont typeface="Arial" panose="020B0604020202020204" pitchFamily="34" charset="0"/>
-                        <a:buChar char="•"/>
-                      </a:pPr>
-                      <a:r>
-                        <a:rPr lang="en-US" sz="1400" dirty="0">
-                          <a:effectLst/>
-                          <a:latin typeface="+mn-lt"/>
-                        </a:rPr>
-                        <a:t>New models into ESM-Tools</a:t>
-                      </a:r>
-                    </a:p>
-                    <a:p>
-                      <a:pPr marL="285750" indent="-285750" algn="just" rtl="0" fontAlgn="t">
-                        <a:spcBef>
-                          <a:spcPts val="0"/>
-                        </a:spcBef>
-                        <a:spcAft>
-                          <a:spcPts val="0"/>
-                        </a:spcAft>
-                        <a:buFont typeface="Arial" panose="020B0604020202020204" pitchFamily="34" charset="0"/>
-                        <a:buChar char="•"/>
-                      </a:pPr>
-                      <a:r>
-                        <a:rPr lang="en-US" sz="1400" dirty="0">
-                          <a:effectLst/>
-                          <a:latin typeface="+mn-lt"/>
-                        </a:rPr>
-                        <a:t>Offline coupling</a:t>
-                      </a:r>
-                    </a:p>
-                    <a:p>
-                      <a:pPr marL="285750" indent="-285750" algn="just" rtl="0" fontAlgn="t">
-                        <a:spcBef>
-                          <a:spcPts val="0"/>
-                        </a:spcBef>
-                        <a:spcAft>
-                          <a:spcPts val="0"/>
-                        </a:spcAft>
-                        <a:buFont typeface="Arial" panose="020B0604020202020204" pitchFamily="34" charset="0"/>
-                        <a:buChar char="•"/>
-                      </a:pPr>
-                      <a:r>
-                        <a:rPr lang="en-US" sz="1400" dirty="0">
-                          <a:effectLst/>
-                          <a:latin typeface="+mn-lt"/>
-                        </a:rPr>
-                        <a:t>Levante</a:t>
-                      </a:r>
-                    </a:p>
-                  </a:txBody>
-                  <a:tcPr marL="63500" marR="63500" marT="63500" marB="63500">
-                    <a:lnL w="12700" cap="flat" cmpd="sng" algn="ctr">
-                      <a:solidFill>
-                        <a:srgbClr val="FFFFFF"/>
-                      </a:solidFill>
-                      <a:prstDash val="solid"/>
-                      <a:round/>
-                      <a:headEnd type="none" w="med" len="med"/>
-                      <a:tailEnd type="none" w="med" len="med"/>
-                    </a:lnL>
-                    <a:lnR w="12700" cap="flat" cmpd="sng" algn="ctr">
-                      <a:solidFill>
-                        <a:srgbClr val="FFFFFF"/>
-                      </a:solidFill>
-                      <a:prstDash val="solid"/>
-                      <a:round/>
-                      <a:headEnd type="none" w="med" len="med"/>
-                      <a:tailEnd type="none" w="med" len="med"/>
-                    </a:lnR>
-                    <a:lnT w="12700" cap="flat" cmpd="sng" algn="ctr">
-                      <a:solidFill>
-                        <a:srgbClr val="FFFFFF"/>
-                      </a:solidFill>
-                      <a:prstDash val="solid"/>
-                      <a:round/>
-                      <a:headEnd type="none" w="med" len="med"/>
-                      <a:tailEnd type="none" w="med" len="med"/>
-                    </a:lnT>
-                    <a:lnB w="12700" cap="flat" cmpd="sng" algn="ctr">
-                      <a:solidFill>
-                        <a:srgbClr val="FFFFFF"/>
-                      </a:solidFill>
-                      <a:prstDash val="solid"/>
-                      <a:round/>
-                      <a:headEnd type="none" w="med" len="med"/>
-                      <a:tailEnd type="none" w="med" len="med"/>
-                    </a:lnB>
-                  </a:tcPr>
-                </a:tc>
-                <a:extLst>
-                  <a:ext uri="{0D108BD9-81ED-4DB2-BD59-A6C34878D82A}">
-                    <a16:rowId xmlns:a16="http://schemas.microsoft.com/office/drawing/2014/main" val="1200766124"/>
-                  </a:ext>
-                </a:extLst>
-              </a:tr>
-              <a:tr h="605556">
-                <a:tc>
-                  <a:txBody>
-                    <a:bodyPr/>
-                    <a:lstStyle/>
-                    <a:p>
-                      <a:pPr rtl="0" fontAlgn="t">
-                        <a:spcBef>
-                          <a:spcPts val="0"/>
-                        </a:spcBef>
-                        <a:spcAft>
-                          <a:spcPts val="0"/>
-                        </a:spcAft>
-                      </a:pPr>
-                      <a:r>
-                        <a:rPr lang="aa-ET" sz="1400" b="1" i="0" u="none" strike="noStrike" dirty="0">
-                          <a:solidFill>
-                            <a:srgbClr val="FF9900"/>
-                          </a:solidFill>
-                          <a:effectLst/>
-                          <a:latin typeface="+mn-lt"/>
-                        </a:rPr>
-                        <a:t>12:45-13:00</a:t>
-                      </a:r>
-                      <a:endParaRPr lang="aa-ET" sz="1400" dirty="0">
-                        <a:effectLst/>
-                        <a:latin typeface="+mn-lt"/>
-                      </a:endParaRPr>
-                    </a:p>
-                  </a:txBody>
-                  <a:tcPr marL="63500" marR="63500" marT="63500" marB="63500">
-                    <a:lnL w="12700" cap="flat" cmpd="sng" algn="ctr">
-                      <a:solidFill>
-                        <a:srgbClr val="FFFFFF"/>
-                      </a:solidFill>
-                      <a:prstDash val="solid"/>
-                      <a:round/>
-                      <a:headEnd type="none" w="med" len="med"/>
-                      <a:tailEnd type="none" w="med" len="med"/>
-                    </a:lnL>
-                    <a:lnR w="12700" cap="flat" cmpd="sng" algn="ctr">
-                      <a:solidFill>
-                        <a:srgbClr val="FFFFFF"/>
-                      </a:solidFill>
-                      <a:prstDash val="solid"/>
-                      <a:round/>
-                      <a:headEnd type="none" w="med" len="med"/>
-                      <a:tailEnd type="none" w="med" len="med"/>
-                    </a:lnR>
-                    <a:lnT w="12700" cap="flat" cmpd="sng" algn="ctr">
-                      <a:solidFill>
-                        <a:srgbClr val="FFFFFF"/>
-                      </a:solidFill>
-                      <a:prstDash val="solid"/>
-                      <a:round/>
-                      <a:headEnd type="none" w="med" len="med"/>
-                      <a:tailEnd type="none" w="med" len="med"/>
-                    </a:lnT>
-                    <a:lnB w="12700" cap="flat" cmpd="sng" algn="ctr">
-                      <a:solidFill>
-                        <a:srgbClr val="FFFFFF"/>
-                      </a:solidFill>
-                      <a:prstDash val="solid"/>
-                      <a:round/>
-                      <a:headEnd type="none" w="med" len="med"/>
-                      <a:tailEnd type="none" w="med" len="med"/>
-                    </a:lnB>
-                  </a:tcPr>
-                </a:tc>
-                <a:tc>
-                  <a:txBody>
-                    <a:bodyPr/>
-                    <a:lstStyle/>
-                    <a:p>
-                      <a:pPr algn="just" rtl="0" fontAlgn="t">
-                        <a:spcBef>
-                          <a:spcPts val="0"/>
-                        </a:spcBef>
-                        <a:spcAft>
-                          <a:spcPts val="0"/>
-                        </a:spcAft>
-                      </a:pPr>
-                      <a:r>
-                        <a:rPr lang="aa-ET" sz="1400" b="0" i="0" u="none" strike="noStrike">
-                          <a:solidFill>
-                            <a:srgbClr val="000000"/>
-                          </a:solidFill>
-                          <a:effectLst/>
-                          <a:latin typeface="+mn-lt"/>
-                        </a:rPr>
-                        <a:t>-</a:t>
-                      </a:r>
-                      <a:endParaRPr lang="aa-ET" sz="1400">
-                        <a:effectLst/>
-                        <a:latin typeface="+mn-lt"/>
-                      </a:endParaRPr>
-                    </a:p>
-                  </a:txBody>
-                  <a:tcPr marL="63500" marR="63500" marT="63500" marB="63500">
-                    <a:lnL w="12700" cap="flat" cmpd="sng" algn="ctr">
-                      <a:solidFill>
-                        <a:srgbClr val="FFFFFF"/>
-                      </a:solidFill>
-                      <a:prstDash val="solid"/>
-                      <a:round/>
-                      <a:headEnd type="none" w="med" len="med"/>
-                      <a:tailEnd type="none" w="med" len="med"/>
-                    </a:lnL>
-                    <a:lnR w="12700" cap="flat" cmpd="sng" algn="ctr">
-                      <a:solidFill>
-                        <a:srgbClr val="FFFFFF"/>
-                      </a:solidFill>
-                      <a:prstDash val="solid"/>
-                      <a:round/>
-                      <a:headEnd type="none" w="med" len="med"/>
-                      <a:tailEnd type="none" w="med" len="med"/>
-                    </a:lnR>
-                    <a:lnT w="12700" cap="flat" cmpd="sng" algn="ctr">
-                      <a:solidFill>
-                        <a:srgbClr val="FFFFFF"/>
-                      </a:solidFill>
-                      <a:prstDash val="solid"/>
-                      <a:round/>
-                      <a:headEnd type="none" w="med" len="med"/>
-                      <a:tailEnd type="none" w="med" len="med"/>
-                    </a:lnT>
-                    <a:lnB w="12700" cap="flat" cmpd="sng" algn="ctr">
-                      <a:solidFill>
-                        <a:srgbClr val="FFFFFF"/>
-                      </a:solidFill>
-                      <a:prstDash val="solid"/>
-                      <a:round/>
-                      <a:headEnd type="none" w="med" len="med"/>
-                      <a:tailEnd type="none" w="med" len="med"/>
-                    </a:lnB>
-                  </a:tcPr>
-                </a:tc>
-                <a:tc>
-                  <a:txBody>
-                    <a:bodyPr/>
-                    <a:lstStyle/>
-                    <a:p>
-                      <a:pPr algn="just" rtl="0" fontAlgn="t">
-                        <a:spcBef>
-                          <a:spcPts val="0"/>
-                        </a:spcBef>
-                        <a:spcAft>
-                          <a:spcPts val="0"/>
-                        </a:spcAft>
-                      </a:pPr>
-                      <a:r>
-                        <a:rPr lang="en-US" sz="1400" b="0" i="0" u="none" strike="noStrike" dirty="0">
-                          <a:solidFill>
-                            <a:srgbClr val="000000"/>
-                          </a:solidFill>
-                          <a:effectLst/>
-                          <a:latin typeface="+mn-lt"/>
-                        </a:rPr>
-                        <a:t>Resume</a:t>
-                      </a:r>
-                    </a:p>
-                  </a:txBody>
-                  <a:tcPr marL="63500" marR="63500" marT="63500" marB="63500">
-                    <a:lnL w="12700" cap="flat" cmpd="sng" algn="ctr">
-                      <a:solidFill>
-                        <a:srgbClr val="FFFFFF"/>
-                      </a:solidFill>
-                      <a:prstDash val="solid"/>
-                      <a:round/>
-                      <a:headEnd type="none" w="med" len="med"/>
-                      <a:tailEnd type="none" w="med" len="med"/>
-                    </a:lnL>
-                    <a:lnR w="12700" cap="flat" cmpd="sng" algn="ctr">
-                      <a:solidFill>
-                        <a:srgbClr val="FFFFFF"/>
-                      </a:solidFill>
-                      <a:prstDash val="solid"/>
-                      <a:round/>
-                      <a:headEnd type="none" w="med" len="med"/>
-                      <a:tailEnd type="none" w="med" len="med"/>
-                    </a:lnR>
-                    <a:lnT w="12700" cap="flat" cmpd="sng" algn="ctr">
-                      <a:solidFill>
-                        <a:srgbClr val="FFFFFF"/>
-                      </a:solidFill>
-                      <a:prstDash val="solid"/>
-                      <a:round/>
-                      <a:headEnd type="none" w="med" len="med"/>
-                      <a:tailEnd type="none" w="med" len="med"/>
-                    </a:lnT>
-                    <a:lnB w="12700" cap="flat" cmpd="sng" algn="ctr">
-                      <a:solidFill>
-                        <a:srgbClr val="FFFFFF"/>
-                      </a:solidFill>
-                      <a:prstDash val="solid"/>
-                      <a:round/>
-                      <a:headEnd type="none" w="med" len="med"/>
-                      <a:tailEnd type="none" w="med" len="med"/>
-                    </a:lnB>
-                  </a:tcPr>
-                </a:tc>
-                <a:extLst>
-                  <a:ext uri="{0D108BD9-81ED-4DB2-BD59-A6C34878D82A}">
-                    <a16:rowId xmlns:a16="http://schemas.microsoft.com/office/drawing/2014/main" val="2751798815"/>
-                  </a:ext>
-                </a:extLst>
-              </a:tr>
-              <a:tr h="605556">
-                <a:tc>
-                  <a:txBody>
-                    <a:bodyPr/>
-                    <a:lstStyle/>
-                    <a:p>
-                      <a:pPr rtl="0" fontAlgn="t">
-                        <a:spcBef>
-                          <a:spcPts val="0"/>
-                        </a:spcBef>
-                        <a:spcAft>
-                          <a:spcPts val="0"/>
-                        </a:spcAft>
-                      </a:pPr>
-                      <a:r>
-                        <a:rPr lang="aa-ET" sz="1400" b="1" i="0" u="none" strike="noStrike" dirty="0">
-                          <a:solidFill>
-                            <a:srgbClr val="FF9900"/>
-                          </a:solidFill>
-                          <a:effectLst/>
-                          <a:latin typeface="+mn-lt"/>
-                        </a:rPr>
-                        <a:t>13:00-14:00</a:t>
-                      </a:r>
-                      <a:endParaRPr lang="aa-ET" sz="1400" dirty="0">
-                        <a:effectLst/>
-                        <a:latin typeface="+mn-lt"/>
-                      </a:endParaRPr>
-                    </a:p>
-                  </a:txBody>
-                  <a:tcPr marL="63500" marR="63500" marT="63500" marB="63500">
-                    <a:lnL w="12700" cap="flat" cmpd="sng" algn="ctr">
-                      <a:solidFill>
-                        <a:srgbClr val="FFFFFF"/>
-                      </a:solidFill>
-                      <a:prstDash val="solid"/>
-                      <a:round/>
-                      <a:headEnd type="none" w="med" len="med"/>
-                      <a:tailEnd type="none" w="med" len="med"/>
-                    </a:lnL>
-                    <a:lnR w="12700" cap="flat" cmpd="sng" algn="ctr">
-                      <a:solidFill>
-                        <a:srgbClr val="FFFFFF"/>
-                      </a:solidFill>
-                      <a:prstDash val="solid"/>
-                      <a:round/>
-                      <a:headEnd type="none" w="med" len="med"/>
-                      <a:tailEnd type="none" w="med" len="med"/>
-                    </a:lnR>
-                    <a:lnT w="12700" cap="flat" cmpd="sng" algn="ctr">
-                      <a:solidFill>
-                        <a:srgbClr val="FFFFFF"/>
-                      </a:solidFill>
-                      <a:prstDash val="solid"/>
-                      <a:round/>
-                      <a:headEnd type="none" w="med" len="med"/>
-                      <a:tailEnd type="none" w="med" len="med"/>
-                    </a:lnT>
-                    <a:lnB w="12700" cap="flat" cmpd="sng" algn="ctr">
-                      <a:solidFill>
-                        <a:srgbClr val="FFFFFF"/>
-                      </a:solidFill>
-                      <a:prstDash val="solid"/>
-                      <a:round/>
-                      <a:headEnd type="none" w="med" len="med"/>
-                      <a:tailEnd type="none" w="med" len="med"/>
-                    </a:lnB>
-                  </a:tcPr>
-                </a:tc>
-                <a:tc>
-                  <a:txBody>
-                    <a:bodyPr/>
-                    <a:lstStyle/>
-                    <a:p>
-                      <a:pPr algn="just" rtl="0" fontAlgn="t">
-                        <a:spcBef>
-                          <a:spcPts val="0"/>
-                        </a:spcBef>
-                        <a:spcAft>
-                          <a:spcPts val="0"/>
-                        </a:spcAft>
-                      </a:pPr>
-                      <a:r>
-                        <a:rPr lang="aa-ET" sz="1400" b="0" i="0" u="none" strike="noStrike">
-                          <a:solidFill>
-                            <a:srgbClr val="000000"/>
-                          </a:solidFill>
-                          <a:effectLst/>
-                          <a:latin typeface="+mn-lt"/>
-                        </a:rPr>
-                        <a:t>-</a:t>
-                      </a:r>
-                      <a:endParaRPr lang="aa-ET" sz="1400">
-                        <a:effectLst/>
-                        <a:latin typeface="+mn-lt"/>
-                      </a:endParaRPr>
-                    </a:p>
-                  </a:txBody>
-                  <a:tcPr marL="63500" marR="63500" marT="63500" marB="63500">
-                    <a:lnL w="12700" cap="flat" cmpd="sng" algn="ctr">
-                      <a:solidFill>
-                        <a:srgbClr val="FFFFFF"/>
-                      </a:solidFill>
-                      <a:prstDash val="solid"/>
-                      <a:round/>
-                      <a:headEnd type="none" w="med" len="med"/>
-                      <a:tailEnd type="none" w="med" len="med"/>
-                    </a:lnL>
-                    <a:lnR w="12700" cap="flat" cmpd="sng" algn="ctr">
-                      <a:solidFill>
-                        <a:srgbClr val="FFFFFF"/>
-                      </a:solidFill>
-                      <a:prstDash val="solid"/>
-                      <a:round/>
-                      <a:headEnd type="none" w="med" len="med"/>
-                      <a:tailEnd type="none" w="med" len="med"/>
-                    </a:lnR>
-                    <a:lnT w="12700" cap="flat" cmpd="sng" algn="ctr">
-                      <a:solidFill>
-                        <a:srgbClr val="FFFFFF"/>
-                      </a:solidFill>
-                      <a:prstDash val="solid"/>
-                      <a:round/>
-                      <a:headEnd type="none" w="med" len="med"/>
-                      <a:tailEnd type="none" w="med" len="med"/>
-                    </a:lnT>
-                    <a:lnB w="12700" cap="flat" cmpd="sng" algn="ctr">
-                      <a:solidFill>
-                        <a:srgbClr val="FFFFFF"/>
-                      </a:solidFill>
-                      <a:prstDash val="solid"/>
-                      <a:round/>
-                      <a:headEnd type="none" w="med" len="med"/>
-                      <a:tailEnd type="none" w="med" len="med"/>
-                    </a:lnB>
-                  </a:tcPr>
-                </a:tc>
-                <a:tc>
-                  <a:txBody>
-                    <a:bodyPr/>
-                    <a:lstStyle/>
-                    <a:p>
-                      <a:pPr algn="just" rtl="0" fontAlgn="t">
-                        <a:spcBef>
-                          <a:spcPts val="0"/>
-                        </a:spcBef>
-                        <a:spcAft>
-                          <a:spcPts val="0"/>
-                        </a:spcAft>
-                      </a:pPr>
-                      <a:r>
-                        <a:rPr lang="en-US" sz="1400" b="0" i="0" u="none" strike="noStrike" dirty="0">
-                          <a:solidFill>
-                            <a:srgbClr val="000000"/>
-                          </a:solidFill>
-                          <a:effectLst/>
-                          <a:latin typeface="+mn-lt"/>
-                        </a:rPr>
-                        <a:t>Lunch and adjourn</a:t>
-                      </a:r>
-                    </a:p>
-                  </a:txBody>
-                  <a:tcPr marL="63500" marR="63500" marT="63500" marB="63500">
-                    <a:lnL w="12700" cap="flat" cmpd="sng" algn="ctr">
-                      <a:solidFill>
-                        <a:srgbClr val="FFFFFF"/>
-                      </a:solidFill>
-                      <a:prstDash val="solid"/>
-                      <a:round/>
-                      <a:headEnd type="none" w="med" len="med"/>
-                      <a:tailEnd type="none" w="med" len="med"/>
-                    </a:lnL>
-                    <a:lnR w="12700" cap="flat" cmpd="sng" algn="ctr">
-                      <a:solidFill>
-                        <a:srgbClr val="FFFFFF"/>
-                      </a:solidFill>
-                      <a:prstDash val="solid"/>
-                      <a:round/>
-                      <a:headEnd type="none" w="med" len="med"/>
-                      <a:tailEnd type="none" w="med" len="med"/>
-                    </a:lnR>
-                    <a:lnT w="12700" cap="flat" cmpd="sng" algn="ctr">
-                      <a:solidFill>
-                        <a:srgbClr val="FFFFFF"/>
-                      </a:solidFill>
-                      <a:prstDash val="solid"/>
-                      <a:round/>
-                      <a:headEnd type="none" w="med" len="med"/>
-                      <a:tailEnd type="none" w="med" len="med"/>
-                    </a:lnT>
-                    <a:lnB w="12700" cap="flat" cmpd="sng" algn="ctr">
-                      <a:solidFill>
-                        <a:srgbClr val="FFFFFF"/>
-                      </a:solidFill>
-                      <a:prstDash val="solid"/>
-                      <a:round/>
-                      <a:headEnd type="none" w="med" len="med"/>
-                      <a:tailEnd type="none" w="med" len="med"/>
-                    </a:lnB>
-                  </a:tcPr>
-                </a:tc>
-                <a:extLst>
-                  <a:ext uri="{0D108BD9-81ED-4DB2-BD59-A6C34878D82A}">
-                    <a16:rowId xmlns:a16="http://schemas.microsoft.com/office/drawing/2014/main" val="1774161713"/>
                   </a:ext>
                 </a:extLst>
               </a:tr>
@@ -6648,7 +5509,7 @@
         </p:nvSpPr>
         <p:spPr>
           <a:xfrm>
-            <a:off x="6904269" y="1828294"/>
+            <a:off x="6628132" y="1488468"/>
             <a:ext cx="2294595" cy="677108"/>
           </a:xfrm>
           <a:prstGeom prst="rect">
@@ -6663,7 +5524,7 @@
           <a:lstStyle/>
           <a:p>
             <a:r>
-              <a:rPr lang="tr-TR" b="1" err="1">
+              <a:rPr lang="tr-TR" b="1" dirty="0" err="1">
                 <a:solidFill>
                   <a:prstClr val="black"/>
                 </a:solidFill>
@@ -6671,18 +5532,13 @@
               <a:t>Day</a:t>
             </a:r>
             <a:r>
-              <a:rPr lang="tr-TR" b="1">
+              <a:rPr lang="tr-TR" b="1" dirty="0">
                 <a:solidFill>
                   <a:prstClr val="black"/>
                 </a:solidFill>
               </a:rPr>
               <a:t> 2 (Hands-on)</a:t>
             </a:r>
-            <a:endParaRPr lang="tr-TR" b="1" dirty="0">
-              <a:solidFill>
-                <a:prstClr val="black"/>
-              </a:solidFill>
-            </a:endParaRPr>
           </a:p>
           <a:p>
             <a:pPr lvl="1"/>
@@ -6758,58 +5614,2338 @@
           </a:p>
         </p:txBody>
       </p:sp>
-      <p:sp>
-        <p:nvSpPr>
-          <p:cNvPr id="5" name="Rectangle 4">
+      <p:graphicFrame>
+        <p:nvGraphicFramePr>
+          <p:cNvPr id="11" name="Table 10">
             <a:extLst>
               <a:ext uri="{FF2B5EF4-FFF2-40B4-BE49-F238E27FC236}">
-                <a16:creationId xmlns:a16="http://schemas.microsoft.com/office/drawing/2014/main" id="{39A45B80-C6AE-AC2B-252A-E52FDC885C78}"/>
+                <a16:creationId xmlns:a16="http://schemas.microsoft.com/office/drawing/2014/main" id="{4121CD39-9111-CB0C-E0C1-31FBAF98AFAD}"/>
               </a:ext>
             </a:extLst>
           </p:cNvPr>
-          <p:cNvSpPr/>
-          <p:nvPr/>
-        </p:nvSpPr>
-        <p:spPr>
-          <a:xfrm>
-            <a:off x="250900" y="4484451"/>
-            <a:ext cx="5459236" cy="593387"/>
-          </a:xfrm>
-          <a:prstGeom prst="rect">
-            <a:avLst/>
-          </a:prstGeom>
-          <a:noFill/>
-          <a:ln w="28575">
-            <a:solidFill>
-              <a:srgbClr val="ED7D31"/>
-            </a:solidFill>
-          </a:ln>
-        </p:spPr>
-        <p:style>
-          <a:lnRef idx="2">
-            <a:schemeClr val="accent1">
-              <a:shade val="50000"/>
-            </a:schemeClr>
-          </a:lnRef>
-          <a:fillRef idx="1">
-            <a:schemeClr val="accent1"/>
-          </a:fillRef>
-          <a:effectRef idx="0">
-            <a:schemeClr val="accent1"/>
-          </a:effectRef>
-          <a:fontRef idx="minor">
-            <a:schemeClr val="lt1"/>
-          </a:fontRef>
-        </p:style>
-        <p:txBody>
-          <a:bodyPr rtlCol="0" anchor="ctr"/>
-          <a:lstStyle/>
-          <a:p>
-            <a:pPr algn="ctr"/>
-            <a:endParaRPr lang="en-GB"/>
-          </a:p>
-        </p:txBody>
-      </p:sp>
+          <p:cNvGraphicFramePr>
+            <a:graphicFrameLocks noGrp="1"/>
+          </p:cNvGraphicFramePr>
+          <p:nvPr>
+            <p:extLst>
+              <p:ext uri="{D42A27DB-BD31-4B8C-83A1-F6EECF244321}">
+                <p14:modId xmlns:p14="http://schemas.microsoft.com/office/powerpoint/2010/main" val="4129214206"/>
+              </p:ext>
+            </p:extLst>
+          </p:nvPr>
+        </p:nvGraphicFramePr>
+        <p:xfrm>
+          <a:off x="6765095" y="2031558"/>
+          <a:ext cx="5000417" cy="4939977"/>
+        </p:xfrm>
+        <a:graphic>
+          <a:graphicData uri="http://schemas.openxmlformats.org/drawingml/2006/table">
+            <a:tbl>
+              <a:tblPr/>
+              <a:tblGrid>
+                <a:gridCol w="1132660">
+                  <a:extLst>
+                    <a:ext uri="{9D8B030D-6E8A-4147-A177-3AD203B41FA5}">
+                      <a16:colId xmlns:a16="http://schemas.microsoft.com/office/drawing/2014/main" val="2085809158"/>
+                    </a:ext>
+                  </a:extLst>
+                </a:gridCol>
+                <a:gridCol w="220663">
+                  <a:extLst>
+                    <a:ext uri="{9D8B030D-6E8A-4147-A177-3AD203B41FA5}">
+                      <a16:colId xmlns:a16="http://schemas.microsoft.com/office/drawing/2014/main" val="1162518780"/>
+                    </a:ext>
+                  </a:extLst>
+                </a:gridCol>
+                <a:gridCol w="3647094">
+                  <a:extLst>
+                    <a:ext uri="{9D8B030D-6E8A-4147-A177-3AD203B41FA5}">
+                      <a16:colId xmlns:a16="http://schemas.microsoft.com/office/drawing/2014/main" val="1360676965"/>
+                    </a:ext>
+                  </a:extLst>
+                </a:gridCol>
+              </a:tblGrid>
+              <a:tr h="446951">
+                <a:tc>
+                  <a:txBody>
+                    <a:bodyPr/>
+                    <a:lstStyle/>
+                    <a:p>
+                      <a:pPr rtl="0" fontAlgn="t">
+                        <a:spcBef>
+                          <a:spcPts val="0"/>
+                        </a:spcBef>
+                        <a:spcAft>
+                          <a:spcPts val="0"/>
+                        </a:spcAft>
+                      </a:pPr>
+                      <a:r>
+                        <a:rPr lang="en-GB" sz="1400" b="1" i="0" u="none" strike="noStrike" dirty="0">
+                          <a:solidFill>
+                            <a:srgbClr val="FF9900"/>
+                          </a:solidFill>
+                          <a:effectLst/>
+                          <a:latin typeface="+mn-lt"/>
+                        </a:rPr>
+                        <a:t>In parallel</a:t>
+                      </a:r>
+                      <a:endParaRPr lang="aa-ET" sz="1400" dirty="0">
+                        <a:effectLst/>
+                        <a:latin typeface="+mn-lt"/>
+                      </a:endParaRPr>
+                    </a:p>
+                  </a:txBody>
+                  <a:tcPr marL="63500" marR="63500" marT="63500" marB="63500">
+                    <a:lnL w="12700" cap="flat" cmpd="sng" algn="ctr">
+                      <a:solidFill>
+                        <a:srgbClr val="FFFFFF"/>
+                      </a:solidFill>
+                      <a:prstDash val="solid"/>
+                      <a:round/>
+                      <a:headEnd type="none" w="med" len="med"/>
+                      <a:tailEnd type="none" w="med" len="med"/>
+                    </a:lnL>
+                    <a:lnR w="12700" cap="flat" cmpd="sng" algn="ctr">
+                      <a:solidFill>
+                        <a:srgbClr val="FFFFFF"/>
+                      </a:solidFill>
+                      <a:prstDash val="solid"/>
+                      <a:round/>
+                      <a:headEnd type="none" w="med" len="med"/>
+                      <a:tailEnd type="none" w="med" len="med"/>
+                    </a:lnR>
+                    <a:lnT w="12700" cap="flat" cmpd="sng" algn="ctr">
+                      <a:solidFill>
+                        <a:srgbClr val="FFFFFF"/>
+                      </a:solidFill>
+                      <a:prstDash val="solid"/>
+                      <a:round/>
+                      <a:headEnd type="none" w="med" len="med"/>
+                      <a:tailEnd type="none" w="med" len="med"/>
+                    </a:lnT>
+                    <a:lnB w="12700" cap="flat" cmpd="sng" algn="ctr">
+                      <a:solidFill>
+                        <a:srgbClr val="FFFFFF"/>
+                      </a:solidFill>
+                      <a:prstDash val="solid"/>
+                      <a:round/>
+                      <a:headEnd type="none" w="med" len="med"/>
+                      <a:tailEnd type="none" w="med" len="med"/>
+                    </a:lnB>
+                  </a:tcPr>
+                </a:tc>
+                <a:tc>
+                  <a:txBody>
+                    <a:bodyPr/>
+                    <a:lstStyle/>
+                    <a:p>
+                      <a:pPr algn="just" rtl="0" fontAlgn="t">
+                        <a:spcBef>
+                          <a:spcPts val="0"/>
+                        </a:spcBef>
+                        <a:spcAft>
+                          <a:spcPts val="0"/>
+                        </a:spcAft>
+                      </a:pPr>
+                      <a:endParaRPr lang="aa-ET" sz="1400">
+                        <a:effectLst/>
+                        <a:latin typeface="+mn-lt"/>
+                      </a:endParaRPr>
+                    </a:p>
+                  </a:txBody>
+                  <a:tcPr marL="63500" marR="63500" marT="63500" marB="63500">
+                    <a:lnL w="12700" cap="flat" cmpd="sng" algn="ctr">
+                      <a:solidFill>
+                        <a:srgbClr val="FFFFFF"/>
+                      </a:solidFill>
+                      <a:prstDash val="solid"/>
+                      <a:round/>
+                      <a:headEnd type="none" w="med" len="med"/>
+                      <a:tailEnd type="none" w="med" len="med"/>
+                    </a:lnL>
+                    <a:lnR w="12700" cap="flat" cmpd="sng" algn="ctr">
+                      <a:solidFill>
+                        <a:srgbClr val="FFFFFF"/>
+                      </a:solidFill>
+                      <a:prstDash val="solid"/>
+                      <a:round/>
+                      <a:headEnd type="none" w="med" len="med"/>
+                      <a:tailEnd type="none" w="med" len="med"/>
+                    </a:lnR>
+                    <a:lnT w="12700" cap="flat" cmpd="sng" algn="ctr">
+                      <a:solidFill>
+                        <a:srgbClr val="FFFFFF"/>
+                      </a:solidFill>
+                      <a:prstDash val="solid"/>
+                      <a:round/>
+                      <a:headEnd type="none" w="med" len="med"/>
+                      <a:tailEnd type="none" w="med" len="med"/>
+                    </a:lnT>
+                    <a:lnB w="12700" cap="flat" cmpd="sng" algn="ctr">
+                      <a:solidFill>
+                        <a:srgbClr val="FFFFFF"/>
+                      </a:solidFill>
+                      <a:prstDash val="solid"/>
+                      <a:round/>
+                      <a:headEnd type="none" w="med" len="med"/>
+                      <a:tailEnd type="none" w="med" len="med"/>
+                    </a:lnB>
+                  </a:tcPr>
+                </a:tc>
+                <a:tc>
+                  <a:txBody>
+                    <a:bodyPr/>
+                    <a:lstStyle/>
+                    <a:p>
+                      <a:pPr algn="just" rtl="0" fontAlgn="t">
+                        <a:spcBef>
+                          <a:spcPts val="0"/>
+                        </a:spcBef>
+                        <a:spcAft>
+                          <a:spcPts val="0"/>
+                        </a:spcAft>
+                      </a:pPr>
+                      <a:r>
+                        <a:rPr lang="en-US" sz="1400" b="0" i="0" u="none" strike="noStrike" dirty="0">
+                          <a:solidFill>
+                            <a:srgbClr val="000000"/>
+                          </a:solidFill>
+                          <a:effectLst/>
+                          <a:latin typeface="+mn-lt"/>
+                        </a:rPr>
+                        <a:t>Working groups</a:t>
+                      </a:r>
+                    </a:p>
+                    <a:p>
+                      <a:pPr marL="285750" indent="-285750" algn="just" rtl="0" fontAlgn="t">
+                        <a:spcBef>
+                          <a:spcPts val="0"/>
+                        </a:spcBef>
+                        <a:spcAft>
+                          <a:spcPts val="0"/>
+                        </a:spcAft>
+                        <a:buFont typeface="Arial" panose="020B0604020202020204" pitchFamily="34" charset="0"/>
+                        <a:buChar char="•"/>
+                      </a:pPr>
+                      <a:r>
+                        <a:rPr lang="en-US" sz="1400" dirty="0">
+                          <a:effectLst/>
+                          <a:latin typeface="+mn-lt"/>
+                        </a:rPr>
+                        <a:t>VILMA</a:t>
+                      </a:r>
+                    </a:p>
+                    <a:p>
+                      <a:pPr marL="285750" indent="-285750" algn="just" rtl="0" fontAlgn="t">
+                        <a:spcBef>
+                          <a:spcPts val="0"/>
+                        </a:spcBef>
+                        <a:spcAft>
+                          <a:spcPts val="0"/>
+                        </a:spcAft>
+                        <a:buFont typeface="Arial" panose="020B0604020202020204" pitchFamily="34" charset="0"/>
+                        <a:buChar char="•"/>
+                      </a:pPr>
+                      <a:r>
+                        <a:rPr lang="en-US" sz="1400" dirty="0">
+                          <a:effectLst/>
+                          <a:latin typeface="+mn-lt"/>
+                        </a:rPr>
+                        <a:t>Levante</a:t>
+                      </a:r>
+                    </a:p>
+                  </a:txBody>
+                  <a:tcPr marL="63500" marR="63500" marT="63500" marB="63500">
+                    <a:lnL w="12700" cap="flat" cmpd="sng" algn="ctr">
+                      <a:solidFill>
+                        <a:srgbClr val="FFFFFF"/>
+                      </a:solidFill>
+                      <a:prstDash val="solid"/>
+                      <a:round/>
+                      <a:headEnd type="none" w="med" len="med"/>
+                      <a:tailEnd type="none" w="med" len="med"/>
+                    </a:lnL>
+                    <a:lnR w="12700" cap="flat" cmpd="sng" algn="ctr">
+                      <a:solidFill>
+                        <a:srgbClr val="FFFFFF"/>
+                      </a:solidFill>
+                      <a:prstDash val="solid"/>
+                      <a:round/>
+                      <a:headEnd type="none" w="med" len="med"/>
+                      <a:tailEnd type="none" w="med" len="med"/>
+                    </a:lnR>
+                    <a:lnT w="12700" cap="flat" cmpd="sng" algn="ctr">
+                      <a:solidFill>
+                        <a:srgbClr val="FFFFFF"/>
+                      </a:solidFill>
+                      <a:prstDash val="solid"/>
+                      <a:round/>
+                      <a:headEnd type="none" w="med" len="med"/>
+                      <a:tailEnd type="none" w="med" len="med"/>
+                    </a:lnT>
+                    <a:lnB w="12700" cap="flat" cmpd="sng" algn="ctr">
+                      <a:solidFill>
+                        <a:srgbClr val="FFFFFF"/>
+                      </a:solidFill>
+                      <a:prstDash val="solid"/>
+                      <a:round/>
+                      <a:headEnd type="none" w="med" len="med"/>
+                      <a:tailEnd type="none" w="med" len="med"/>
+                    </a:lnB>
+                  </a:tcPr>
+                </a:tc>
+                <a:extLst>
+                  <a:ext uri="{0D108BD9-81ED-4DB2-BD59-A6C34878D82A}">
+                    <a16:rowId xmlns:a16="http://schemas.microsoft.com/office/drawing/2014/main" val="1971747830"/>
+                  </a:ext>
+                </a:extLst>
+              </a:tr>
+              <a:tr h="446951">
+                <a:tc>
+                  <a:txBody>
+                    <a:bodyPr/>
+                    <a:lstStyle/>
+                    <a:p>
+                      <a:pPr rtl="0" fontAlgn="t">
+                        <a:spcBef>
+                          <a:spcPts val="0"/>
+                        </a:spcBef>
+                        <a:spcAft>
+                          <a:spcPts val="0"/>
+                        </a:spcAft>
+                      </a:pPr>
+                      <a:r>
+                        <a:rPr lang="aa-ET" sz="1400" b="1" i="0" u="none" strike="noStrike">
+                          <a:solidFill>
+                            <a:srgbClr val="FF9900"/>
+                          </a:solidFill>
+                          <a:effectLst/>
+                          <a:latin typeface="+mn-lt"/>
+                        </a:rPr>
+                        <a:t>09:00-</a:t>
+                      </a:r>
+                      <a:r>
+                        <a:rPr lang="en-GB" sz="1400" b="1" i="0" u="none" strike="noStrike" dirty="0">
+                          <a:solidFill>
+                            <a:srgbClr val="FF9900"/>
+                          </a:solidFill>
+                          <a:effectLst/>
+                          <a:latin typeface="+mn-lt"/>
+                        </a:rPr>
+                        <a:t>09:20</a:t>
+                      </a:r>
+                      <a:endParaRPr lang="aa-ET" sz="1400" dirty="0">
+                        <a:effectLst/>
+                        <a:latin typeface="+mn-lt"/>
+                      </a:endParaRPr>
+                    </a:p>
+                  </a:txBody>
+                  <a:tcPr marL="63500" marR="63500" marT="63500" marB="63500">
+                    <a:lnL w="12700" cap="flat" cmpd="sng" algn="ctr">
+                      <a:solidFill>
+                        <a:srgbClr val="FFFFFF"/>
+                      </a:solidFill>
+                      <a:prstDash val="solid"/>
+                      <a:round/>
+                      <a:headEnd type="none" w="med" len="med"/>
+                      <a:tailEnd type="none" w="med" len="med"/>
+                    </a:lnL>
+                    <a:lnR w="12700" cap="flat" cmpd="sng" algn="ctr">
+                      <a:solidFill>
+                        <a:srgbClr val="FFFFFF"/>
+                      </a:solidFill>
+                      <a:prstDash val="solid"/>
+                      <a:round/>
+                      <a:headEnd type="none" w="med" len="med"/>
+                      <a:tailEnd type="none" w="med" len="med"/>
+                    </a:lnR>
+                    <a:lnT w="12700" cap="flat" cmpd="sng" algn="ctr">
+                      <a:solidFill>
+                        <a:srgbClr val="FFFFFF"/>
+                      </a:solidFill>
+                      <a:prstDash val="solid"/>
+                      <a:round/>
+                      <a:headEnd type="none" w="med" len="med"/>
+                      <a:tailEnd type="none" w="med" len="med"/>
+                    </a:lnT>
+                    <a:lnB w="12700" cap="flat" cmpd="sng" algn="ctr">
+                      <a:solidFill>
+                        <a:srgbClr val="FFFFFF"/>
+                      </a:solidFill>
+                      <a:prstDash val="solid"/>
+                      <a:round/>
+                      <a:headEnd type="none" w="med" len="med"/>
+                      <a:tailEnd type="none" w="med" len="med"/>
+                    </a:lnB>
+                  </a:tcPr>
+                </a:tc>
+                <a:tc>
+                  <a:txBody>
+                    <a:bodyPr/>
+                    <a:lstStyle/>
+                    <a:p>
+                      <a:pPr algn="just" rtl="0" fontAlgn="t">
+                        <a:spcBef>
+                          <a:spcPts val="0"/>
+                        </a:spcBef>
+                        <a:spcAft>
+                          <a:spcPts val="0"/>
+                        </a:spcAft>
+                      </a:pPr>
+                      <a:r>
+                        <a:rPr lang="aa-ET" sz="1400" b="0" i="0" u="none" strike="noStrike">
+                          <a:solidFill>
+                            <a:srgbClr val="000000"/>
+                          </a:solidFill>
+                          <a:effectLst/>
+                          <a:latin typeface="+mn-lt"/>
+                        </a:rPr>
+                        <a:t>-</a:t>
+                      </a:r>
+                      <a:endParaRPr lang="aa-ET" sz="1400">
+                        <a:effectLst/>
+                        <a:latin typeface="+mn-lt"/>
+                      </a:endParaRPr>
+                    </a:p>
+                  </a:txBody>
+                  <a:tcPr marL="63500" marR="63500" marT="63500" marB="63500">
+                    <a:lnL w="12700" cap="flat" cmpd="sng" algn="ctr">
+                      <a:solidFill>
+                        <a:srgbClr val="FFFFFF"/>
+                      </a:solidFill>
+                      <a:prstDash val="solid"/>
+                      <a:round/>
+                      <a:headEnd type="none" w="med" len="med"/>
+                      <a:tailEnd type="none" w="med" len="med"/>
+                    </a:lnL>
+                    <a:lnR w="12700" cap="flat" cmpd="sng" algn="ctr">
+                      <a:solidFill>
+                        <a:srgbClr val="FFFFFF"/>
+                      </a:solidFill>
+                      <a:prstDash val="solid"/>
+                      <a:round/>
+                      <a:headEnd type="none" w="med" len="med"/>
+                      <a:tailEnd type="none" w="med" len="med"/>
+                    </a:lnR>
+                    <a:lnT w="12700" cap="flat" cmpd="sng" algn="ctr">
+                      <a:solidFill>
+                        <a:srgbClr val="FFFFFF"/>
+                      </a:solidFill>
+                      <a:prstDash val="solid"/>
+                      <a:round/>
+                      <a:headEnd type="none" w="med" len="med"/>
+                      <a:tailEnd type="none" w="med" len="med"/>
+                    </a:lnT>
+                    <a:lnB w="12700" cap="flat" cmpd="sng" algn="ctr">
+                      <a:solidFill>
+                        <a:srgbClr val="FFFFFF"/>
+                      </a:solidFill>
+                      <a:prstDash val="solid"/>
+                      <a:round/>
+                      <a:headEnd type="none" w="med" len="med"/>
+                      <a:tailEnd type="none" w="med" len="med"/>
+                    </a:lnB>
+                  </a:tcPr>
+                </a:tc>
+                <a:tc>
+                  <a:txBody>
+                    <a:bodyPr/>
+                    <a:lstStyle/>
+                    <a:p>
+                      <a:pPr algn="just" rtl="0" fontAlgn="t">
+                        <a:spcBef>
+                          <a:spcPts val="0"/>
+                        </a:spcBef>
+                        <a:spcAft>
+                          <a:spcPts val="0"/>
+                        </a:spcAft>
+                      </a:pPr>
+                      <a:r>
+                        <a:rPr lang="en-US" sz="1400" b="0" i="0" u="none" strike="noStrike" dirty="0">
+                          <a:solidFill>
+                            <a:srgbClr val="000000"/>
+                          </a:solidFill>
+                          <a:effectLst/>
+                          <a:latin typeface="+mn-lt"/>
+                          <a:cs typeface="Arial" panose="020B0604020202020204" pitchFamily="34" charset="0"/>
+                        </a:rPr>
+                        <a:t>Extended YAML syntax and hands-on exercises</a:t>
+                      </a:r>
+                      <a:endParaRPr lang="en-US" sz="2400" dirty="0">
+                        <a:effectLst/>
+                        <a:latin typeface="+mn-lt"/>
+                        <a:cs typeface="Arial" panose="020B0604020202020204" pitchFamily="34" charset="0"/>
+                      </a:endParaRPr>
+                    </a:p>
+                  </a:txBody>
+                  <a:tcPr marL="63500" marR="63500" marT="63500" marB="63500">
+                    <a:lnL w="12700" cap="flat" cmpd="sng" algn="ctr">
+                      <a:solidFill>
+                        <a:srgbClr val="FFFFFF"/>
+                      </a:solidFill>
+                      <a:prstDash val="solid"/>
+                      <a:round/>
+                      <a:headEnd type="none" w="med" len="med"/>
+                      <a:tailEnd type="none" w="med" len="med"/>
+                    </a:lnL>
+                    <a:lnR w="12700" cap="flat" cmpd="sng" algn="ctr">
+                      <a:solidFill>
+                        <a:srgbClr val="FFFFFF"/>
+                      </a:solidFill>
+                      <a:prstDash val="solid"/>
+                      <a:round/>
+                      <a:headEnd type="none" w="med" len="med"/>
+                      <a:tailEnd type="none" w="med" len="med"/>
+                    </a:lnR>
+                    <a:lnT w="12700" cap="flat" cmpd="sng" algn="ctr">
+                      <a:solidFill>
+                        <a:srgbClr val="FFFFFF"/>
+                      </a:solidFill>
+                      <a:prstDash val="solid"/>
+                      <a:round/>
+                      <a:headEnd type="none" w="med" len="med"/>
+                      <a:tailEnd type="none" w="med" len="med"/>
+                    </a:lnT>
+                    <a:lnB w="12700" cap="flat" cmpd="sng" algn="ctr">
+                      <a:solidFill>
+                        <a:srgbClr val="FFFFFF"/>
+                      </a:solidFill>
+                      <a:prstDash val="solid"/>
+                      <a:round/>
+                      <a:headEnd type="none" w="med" len="med"/>
+                      <a:tailEnd type="none" w="med" len="med"/>
+                    </a:lnB>
+                  </a:tcPr>
+                </a:tc>
+                <a:extLst>
+                  <a:ext uri="{0D108BD9-81ED-4DB2-BD59-A6C34878D82A}">
+                    <a16:rowId xmlns:a16="http://schemas.microsoft.com/office/drawing/2014/main" val="1615172577"/>
+                  </a:ext>
+                </a:extLst>
+              </a:tr>
+              <a:tr h="605556">
+                <a:tc>
+                  <a:txBody>
+                    <a:bodyPr/>
+                    <a:lstStyle/>
+                    <a:p>
+                      <a:pPr rtl="0" fontAlgn="t">
+                        <a:spcBef>
+                          <a:spcPts val="0"/>
+                        </a:spcBef>
+                        <a:spcAft>
+                          <a:spcPts val="0"/>
+                        </a:spcAft>
+                      </a:pPr>
+                      <a:r>
+                        <a:rPr lang="en-GB" sz="1400" b="1" i="0" u="none" strike="noStrike" dirty="0">
+                          <a:solidFill>
+                            <a:srgbClr val="FF9900"/>
+                          </a:solidFill>
+                          <a:effectLst/>
+                          <a:latin typeface="+mn-lt"/>
+                        </a:rPr>
+                        <a:t>09</a:t>
+                      </a:r>
+                      <a:r>
+                        <a:rPr lang="aa-ET" sz="1400" b="1" i="0" u="none" strike="noStrike">
+                          <a:solidFill>
+                            <a:srgbClr val="FF9900"/>
+                          </a:solidFill>
+                          <a:effectLst/>
+                          <a:latin typeface="+mn-lt"/>
+                        </a:rPr>
+                        <a:t>:</a:t>
+                      </a:r>
+                      <a:r>
+                        <a:rPr lang="en-GB" sz="1400" b="1" i="0" u="none" strike="noStrike" dirty="0">
+                          <a:solidFill>
+                            <a:srgbClr val="FF9900"/>
+                          </a:solidFill>
+                          <a:effectLst/>
+                          <a:latin typeface="+mn-lt"/>
+                        </a:rPr>
+                        <a:t>20</a:t>
+                      </a:r>
+                      <a:r>
+                        <a:rPr lang="aa-ET" sz="1400" b="1" i="0" u="none" strike="noStrike">
+                          <a:solidFill>
+                            <a:srgbClr val="FF9900"/>
+                          </a:solidFill>
+                          <a:effectLst/>
+                          <a:latin typeface="+mn-lt"/>
+                        </a:rPr>
+                        <a:t>-</a:t>
+                      </a:r>
+                      <a:r>
+                        <a:rPr lang="en-GB" sz="1400" b="1" i="0" u="none" strike="noStrike" dirty="0">
+                          <a:solidFill>
+                            <a:srgbClr val="FF9900"/>
+                          </a:solidFill>
+                          <a:effectLst/>
+                          <a:latin typeface="+mn-lt"/>
+                        </a:rPr>
+                        <a:t>10:00</a:t>
+                      </a:r>
+                      <a:endParaRPr lang="aa-ET" sz="1400" dirty="0">
+                        <a:effectLst/>
+                        <a:latin typeface="+mn-lt"/>
+                      </a:endParaRPr>
+                    </a:p>
+                  </a:txBody>
+                  <a:tcPr marL="63500" marR="63500" marT="63500" marB="63500">
+                    <a:lnL w="12700" cap="flat" cmpd="sng" algn="ctr">
+                      <a:solidFill>
+                        <a:srgbClr val="FFFFFF"/>
+                      </a:solidFill>
+                      <a:prstDash val="solid"/>
+                      <a:round/>
+                      <a:headEnd type="none" w="med" len="med"/>
+                      <a:tailEnd type="none" w="med" len="med"/>
+                    </a:lnL>
+                    <a:lnR w="12700" cap="flat" cmpd="sng" algn="ctr">
+                      <a:solidFill>
+                        <a:srgbClr val="FFFFFF"/>
+                      </a:solidFill>
+                      <a:prstDash val="solid"/>
+                      <a:round/>
+                      <a:headEnd type="none" w="med" len="med"/>
+                      <a:tailEnd type="none" w="med" len="med"/>
+                    </a:lnR>
+                    <a:lnT w="12700" cap="flat" cmpd="sng" algn="ctr">
+                      <a:solidFill>
+                        <a:srgbClr val="FFFFFF"/>
+                      </a:solidFill>
+                      <a:prstDash val="solid"/>
+                      <a:round/>
+                      <a:headEnd type="none" w="med" len="med"/>
+                      <a:tailEnd type="none" w="med" len="med"/>
+                    </a:lnT>
+                    <a:lnB w="12700" cap="flat" cmpd="sng" algn="ctr">
+                      <a:solidFill>
+                        <a:srgbClr val="FFFFFF"/>
+                      </a:solidFill>
+                      <a:prstDash val="solid"/>
+                      <a:round/>
+                      <a:headEnd type="none" w="med" len="med"/>
+                      <a:tailEnd type="none" w="med" len="med"/>
+                    </a:lnB>
+                  </a:tcPr>
+                </a:tc>
+                <a:tc>
+                  <a:txBody>
+                    <a:bodyPr/>
+                    <a:lstStyle/>
+                    <a:p>
+                      <a:pPr algn="just" rtl="0" fontAlgn="t">
+                        <a:spcBef>
+                          <a:spcPts val="0"/>
+                        </a:spcBef>
+                        <a:spcAft>
+                          <a:spcPts val="0"/>
+                        </a:spcAft>
+                      </a:pPr>
+                      <a:r>
+                        <a:rPr lang="aa-ET" sz="1400" b="0" i="0" u="none" strike="noStrike" dirty="0">
+                          <a:solidFill>
+                            <a:srgbClr val="000000"/>
+                          </a:solidFill>
+                          <a:effectLst/>
+                          <a:latin typeface="+mn-lt"/>
+                        </a:rPr>
+                        <a:t>-</a:t>
+                      </a:r>
+                      <a:endParaRPr lang="aa-ET" sz="1400" dirty="0">
+                        <a:effectLst/>
+                        <a:latin typeface="+mn-lt"/>
+                      </a:endParaRPr>
+                    </a:p>
+                  </a:txBody>
+                  <a:tcPr marL="63500" marR="63500" marT="63500" marB="63500">
+                    <a:lnL w="12700" cap="flat" cmpd="sng" algn="ctr">
+                      <a:solidFill>
+                        <a:srgbClr val="FFFFFF"/>
+                      </a:solidFill>
+                      <a:prstDash val="solid"/>
+                      <a:round/>
+                      <a:headEnd type="none" w="med" len="med"/>
+                      <a:tailEnd type="none" w="med" len="med"/>
+                    </a:lnL>
+                    <a:lnR w="12700" cap="flat" cmpd="sng" algn="ctr">
+                      <a:solidFill>
+                        <a:srgbClr val="FFFFFF"/>
+                      </a:solidFill>
+                      <a:prstDash val="solid"/>
+                      <a:round/>
+                      <a:headEnd type="none" w="med" len="med"/>
+                      <a:tailEnd type="none" w="med" len="med"/>
+                    </a:lnR>
+                    <a:lnT w="12700" cap="flat" cmpd="sng" algn="ctr">
+                      <a:solidFill>
+                        <a:srgbClr val="FFFFFF"/>
+                      </a:solidFill>
+                      <a:prstDash val="solid"/>
+                      <a:round/>
+                      <a:headEnd type="none" w="med" len="med"/>
+                      <a:tailEnd type="none" w="med" len="med"/>
+                    </a:lnT>
+                    <a:lnB w="12700" cap="flat" cmpd="sng" algn="ctr">
+                      <a:solidFill>
+                        <a:srgbClr val="FFFFFF"/>
+                      </a:solidFill>
+                      <a:prstDash val="solid"/>
+                      <a:round/>
+                      <a:headEnd type="none" w="med" len="med"/>
+                      <a:tailEnd type="none" w="med" len="med"/>
+                    </a:lnB>
+                  </a:tcPr>
+                </a:tc>
+                <a:tc>
+                  <a:txBody>
+                    <a:bodyPr/>
+                    <a:lstStyle/>
+                    <a:p>
+                      <a:pPr algn="just" rtl="0" fontAlgn="t">
+                        <a:spcBef>
+                          <a:spcPts val="0"/>
+                        </a:spcBef>
+                        <a:spcAft>
+                          <a:spcPts val="0"/>
+                        </a:spcAft>
+                      </a:pPr>
+                      <a:r>
+                        <a:rPr lang="en-US" sz="1400" b="0" i="0" u="none" strike="noStrike" dirty="0">
+                          <a:solidFill>
+                            <a:srgbClr val="000000"/>
+                          </a:solidFill>
+                          <a:effectLst/>
+                          <a:latin typeface="+mn-lt"/>
+                          <a:cs typeface="Arial" panose="020B0604020202020204" pitchFamily="34" charset="0"/>
+                        </a:rPr>
+                        <a:t>Introduction to the machine environments and hands-on exercises</a:t>
+                      </a:r>
+                      <a:endParaRPr lang="en-US" sz="2400" dirty="0">
+                        <a:effectLst/>
+                        <a:latin typeface="+mn-lt"/>
+                        <a:cs typeface="Arial" panose="020B0604020202020204" pitchFamily="34" charset="0"/>
+                      </a:endParaRPr>
+                    </a:p>
+                  </a:txBody>
+                  <a:tcPr marL="63500" marR="63500" marT="63500" marB="63500">
+                    <a:lnL w="12700" cap="flat" cmpd="sng" algn="ctr">
+                      <a:solidFill>
+                        <a:srgbClr val="FFFFFF"/>
+                      </a:solidFill>
+                      <a:prstDash val="solid"/>
+                      <a:round/>
+                      <a:headEnd type="none" w="med" len="med"/>
+                      <a:tailEnd type="none" w="med" len="med"/>
+                    </a:lnL>
+                    <a:lnR w="12700" cap="flat" cmpd="sng" algn="ctr">
+                      <a:solidFill>
+                        <a:srgbClr val="FFFFFF"/>
+                      </a:solidFill>
+                      <a:prstDash val="solid"/>
+                      <a:round/>
+                      <a:headEnd type="none" w="med" len="med"/>
+                      <a:tailEnd type="none" w="med" len="med"/>
+                    </a:lnR>
+                    <a:lnT w="12700" cap="flat" cmpd="sng" algn="ctr">
+                      <a:solidFill>
+                        <a:srgbClr val="FFFFFF"/>
+                      </a:solidFill>
+                      <a:prstDash val="solid"/>
+                      <a:round/>
+                      <a:headEnd type="none" w="med" len="med"/>
+                      <a:tailEnd type="none" w="med" len="med"/>
+                    </a:lnT>
+                    <a:lnB w="12700" cap="flat" cmpd="sng" algn="ctr">
+                      <a:solidFill>
+                        <a:srgbClr val="FFFFFF"/>
+                      </a:solidFill>
+                      <a:prstDash val="solid"/>
+                      <a:round/>
+                      <a:headEnd type="none" w="med" len="med"/>
+                      <a:tailEnd type="none" w="med" len="med"/>
+                    </a:lnB>
+                  </a:tcPr>
+                </a:tc>
+                <a:extLst>
+                  <a:ext uri="{0D108BD9-81ED-4DB2-BD59-A6C34878D82A}">
+                    <a16:rowId xmlns:a16="http://schemas.microsoft.com/office/drawing/2014/main" val="3045844909"/>
+                  </a:ext>
+                </a:extLst>
+              </a:tr>
+              <a:tr h="468864">
+                <a:tc>
+                  <a:txBody>
+                    <a:bodyPr/>
+                    <a:lstStyle/>
+                    <a:p>
+                      <a:pPr rtl="0" fontAlgn="t">
+                        <a:spcBef>
+                          <a:spcPts val="0"/>
+                        </a:spcBef>
+                        <a:spcAft>
+                          <a:spcPts val="0"/>
+                        </a:spcAft>
+                      </a:pPr>
+                      <a:r>
+                        <a:rPr lang="aa-ET" sz="1400" b="1" i="0" u="none" strike="noStrike">
+                          <a:solidFill>
+                            <a:srgbClr val="FF9900"/>
+                          </a:solidFill>
+                          <a:effectLst/>
+                          <a:latin typeface="+mn-lt"/>
+                        </a:rPr>
+                        <a:t>1</a:t>
+                      </a:r>
+                      <a:r>
+                        <a:rPr lang="en-GB" sz="1400" b="1" i="0" u="none" strike="noStrike" dirty="0">
+                          <a:solidFill>
+                            <a:srgbClr val="FF9900"/>
+                          </a:solidFill>
+                          <a:effectLst/>
+                          <a:latin typeface="+mn-lt"/>
+                        </a:rPr>
+                        <a:t>0:00</a:t>
+                      </a:r>
+                      <a:r>
+                        <a:rPr lang="aa-ET" sz="1400" b="1" i="0" u="none" strike="noStrike">
+                          <a:solidFill>
+                            <a:srgbClr val="FF9900"/>
+                          </a:solidFill>
+                          <a:effectLst/>
+                          <a:latin typeface="+mn-lt"/>
+                        </a:rPr>
+                        <a:t>-1</a:t>
+                      </a:r>
+                      <a:r>
+                        <a:rPr lang="en-GB" sz="1400" b="1" i="0" u="none" strike="noStrike" dirty="0">
+                          <a:solidFill>
+                            <a:srgbClr val="FF9900"/>
+                          </a:solidFill>
+                          <a:effectLst/>
+                          <a:latin typeface="+mn-lt"/>
+                        </a:rPr>
+                        <a:t>0</a:t>
+                      </a:r>
+                      <a:r>
+                        <a:rPr lang="aa-ET" sz="1400" b="1" i="0" u="none" strike="noStrike">
+                          <a:solidFill>
+                            <a:srgbClr val="FF9900"/>
+                          </a:solidFill>
+                          <a:effectLst/>
+                          <a:latin typeface="+mn-lt"/>
+                        </a:rPr>
+                        <a:t>:45</a:t>
+                      </a:r>
+                      <a:endParaRPr lang="aa-ET" sz="1400" dirty="0">
+                        <a:effectLst/>
+                        <a:latin typeface="+mn-lt"/>
+                      </a:endParaRPr>
+                    </a:p>
+                  </a:txBody>
+                  <a:tcPr marL="63500" marR="63500" marT="63500" marB="63500">
+                    <a:lnL w="12700" cap="flat" cmpd="sng" algn="ctr">
+                      <a:solidFill>
+                        <a:srgbClr val="FFFFFF"/>
+                      </a:solidFill>
+                      <a:prstDash val="solid"/>
+                      <a:round/>
+                      <a:headEnd type="none" w="med" len="med"/>
+                      <a:tailEnd type="none" w="med" len="med"/>
+                    </a:lnL>
+                    <a:lnR w="12700" cap="flat" cmpd="sng" algn="ctr">
+                      <a:solidFill>
+                        <a:srgbClr val="FFFFFF"/>
+                      </a:solidFill>
+                      <a:prstDash val="solid"/>
+                      <a:round/>
+                      <a:headEnd type="none" w="med" len="med"/>
+                      <a:tailEnd type="none" w="med" len="med"/>
+                    </a:lnR>
+                    <a:lnT w="12700" cap="flat" cmpd="sng" algn="ctr">
+                      <a:solidFill>
+                        <a:srgbClr val="FFFFFF"/>
+                      </a:solidFill>
+                      <a:prstDash val="solid"/>
+                      <a:round/>
+                      <a:headEnd type="none" w="med" len="med"/>
+                      <a:tailEnd type="none" w="med" len="med"/>
+                    </a:lnT>
+                    <a:lnB w="12700" cap="flat" cmpd="sng" algn="ctr">
+                      <a:solidFill>
+                        <a:srgbClr val="FFFFFF"/>
+                      </a:solidFill>
+                      <a:prstDash val="solid"/>
+                      <a:round/>
+                      <a:headEnd type="none" w="med" len="med"/>
+                      <a:tailEnd type="none" w="med" len="med"/>
+                    </a:lnB>
+                  </a:tcPr>
+                </a:tc>
+                <a:tc>
+                  <a:txBody>
+                    <a:bodyPr/>
+                    <a:lstStyle/>
+                    <a:p>
+                      <a:pPr algn="just" rtl="0" fontAlgn="t">
+                        <a:spcBef>
+                          <a:spcPts val="0"/>
+                        </a:spcBef>
+                        <a:spcAft>
+                          <a:spcPts val="0"/>
+                        </a:spcAft>
+                      </a:pPr>
+                      <a:r>
+                        <a:rPr lang="aa-ET" sz="1400" b="0" i="0" u="none" strike="noStrike">
+                          <a:solidFill>
+                            <a:srgbClr val="000000"/>
+                          </a:solidFill>
+                          <a:effectLst/>
+                          <a:latin typeface="+mn-lt"/>
+                        </a:rPr>
+                        <a:t>-</a:t>
+                      </a:r>
+                      <a:endParaRPr lang="aa-ET" sz="1400">
+                        <a:effectLst/>
+                        <a:latin typeface="+mn-lt"/>
+                      </a:endParaRPr>
+                    </a:p>
+                  </a:txBody>
+                  <a:tcPr marL="63500" marR="63500" marT="63500" marB="63500">
+                    <a:lnL w="12700" cap="flat" cmpd="sng" algn="ctr">
+                      <a:solidFill>
+                        <a:srgbClr val="FFFFFF"/>
+                      </a:solidFill>
+                      <a:prstDash val="solid"/>
+                      <a:round/>
+                      <a:headEnd type="none" w="med" len="med"/>
+                      <a:tailEnd type="none" w="med" len="med"/>
+                    </a:lnL>
+                    <a:lnR w="12700" cap="flat" cmpd="sng" algn="ctr">
+                      <a:solidFill>
+                        <a:srgbClr val="FFFFFF"/>
+                      </a:solidFill>
+                      <a:prstDash val="solid"/>
+                      <a:round/>
+                      <a:headEnd type="none" w="med" len="med"/>
+                      <a:tailEnd type="none" w="med" len="med"/>
+                    </a:lnR>
+                    <a:lnT w="12700" cap="flat" cmpd="sng" algn="ctr">
+                      <a:solidFill>
+                        <a:srgbClr val="FFFFFF"/>
+                      </a:solidFill>
+                      <a:prstDash val="solid"/>
+                      <a:round/>
+                      <a:headEnd type="none" w="med" len="med"/>
+                      <a:tailEnd type="none" w="med" len="med"/>
+                    </a:lnT>
+                    <a:lnB w="12700" cap="flat" cmpd="sng" algn="ctr">
+                      <a:solidFill>
+                        <a:srgbClr val="FFFFFF"/>
+                      </a:solidFill>
+                      <a:prstDash val="solid"/>
+                      <a:round/>
+                      <a:headEnd type="none" w="med" len="med"/>
+                      <a:tailEnd type="none" w="med" len="med"/>
+                    </a:lnB>
+                  </a:tcPr>
+                </a:tc>
+                <a:tc>
+                  <a:txBody>
+                    <a:bodyPr/>
+                    <a:lstStyle/>
+                    <a:p>
+                      <a:pPr algn="just" rtl="0" fontAlgn="t">
+                        <a:spcBef>
+                          <a:spcPts val="0"/>
+                        </a:spcBef>
+                        <a:spcAft>
+                          <a:spcPts val="0"/>
+                        </a:spcAft>
+                      </a:pPr>
+                      <a:r>
+                        <a:rPr lang="en-US" sz="1400" b="0" i="0" u="none" strike="noStrike" dirty="0">
+                          <a:solidFill>
+                            <a:srgbClr val="000000"/>
+                          </a:solidFill>
+                          <a:effectLst/>
+                          <a:latin typeface="+mn-lt"/>
+                          <a:cs typeface="Arial" panose="020B0604020202020204" pitchFamily="34" charset="0"/>
+                        </a:rPr>
+                        <a:t>Extended YAML syntax and hands-on exercises</a:t>
+                      </a:r>
+                      <a:endParaRPr lang="en-US" sz="2400" dirty="0">
+                        <a:effectLst/>
+                        <a:latin typeface="+mn-lt"/>
+                        <a:cs typeface="Arial" panose="020B0604020202020204" pitchFamily="34" charset="0"/>
+                      </a:endParaRPr>
+                    </a:p>
+                  </a:txBody>
+                  <a:tcPr marL="63500" marR="63500" marT="63500" marB="63500">
+                    <a:lnL w="12700" cap="flat" cmpd="sng" algn="ctr">
+                      <a:solidFill>
+                        <a:srgbClr val="FFFFFF"/>
+                      </a:solidFill>
+                      <a:prstDash val="solid"/>
+                      <a:round/>
+                      <a:headEnd type="none" w="med" len="med"/>
+                      <a:tailEnd type="none" w="med" len="med"/>
+                    </a:lnL>
+                    <a:lnR w="12700" cap="flat" cmpd="sng" algn="ctr">
+                      <a:solidFill>
+                        <a:srgbClr val="FFFFFF"/>
+                      </a:solidFill>
+                      <a:prstDash val="solid"/>
+                      <a:round/>
+                      <a:headEnd type="none" w="med" len="med"/>
+                      <a:tailEnd type="none" w="med" len="med"/>
+                    </a:lnR>
+                    <a:lnT w="12700" cap="flat" cmpd="sng" algn="ctr">
+                      <a:solidFill>
+                        <a:srgbClr val="FFFFFF"/>
+                      </a:solidFill>
+                      <a:prstDash val="solid"/>
+                      <a:round/>
+                      <a:headEnd type="none" w="med" len="med"/>
+                      <a:tailEnd type="none" w="med" len="med"/>
+                    </a:lnT>
+                    <a:lnB w="12700" cap="flat" cmpd="sng" algn="ctr">
+                      <a:solidFill>
+                        <a:srgbClr val="FFFFFF"/>
+                      </a:solidFill>
+                      <a:prstDash val="solid"/>
+                      <a:round/>
+                      <a:headEnd type="none" w="med" len="med"/>
+                      <a:tailEnd type="none" w="med" len="med"/>
+                    </a:lnB>
+                  </a:tcPr>
+                </a:tc>
+                <a:extLst>
+                  <a:ext uri="{0D108BD9-81ED-4DB2-BD59-A6C34878D82A}">
+                    <a16:rowId xmlns:a16="http://schemas.microsoft.com/office/drawing/2014/main" val="1200766124"/>
+                  </a:ext>
+                </a:extLst>
+              </a:tr>
+              <a:tr h="548640">
+                <a:tc>
+                  <a:txBody>
+                    <a:bodyPr/>
+                    <a:lstStyle/>
+                    <a:p>
+                      <a:pPr rtl="0" fontAlgn="t">
+                        <a:spcBef>
+                          <a:spcPts val="0"/>
+                        </a:spcBef>
+                        <a:spcAft>
+                          <a:spcPts val="0"/>
+                        </a:spcAft>
+                      </a:pPr>
+                      <a:r>
+                        <a:rPr lang="aa-ET" sz="1400" b="1" i="0" u="none" strike="noStrike">
+                          <a:solidFill>
+                            <a:srgbClr val="FF9900"/>
+                          </a:solidFill>
+                          <a:effectLst/>
+                          <a:latin typeface="+mn-lt"/>
+                        </a:rPr>
+                        <a:t>1</a:t>
+                      </a:r>
+                      <a:r>
+                        <a:rPr lang="en-GB" sz="1400" b="1" i="0" u="none" strike="noStrike" dirty="0">
+                          <a:solidFill>
+                            <a:srgbClr val="FF9900"/>
+                          </a:solidFill>
+                          <a:effectLst/>
+                          <a:latin typeface="+mn-lt"/>
+                        </a:rPr>
+                        <a:t>0</a:t>
+                      </a:r>
+                      <a:r>
+                        <a:rPr lang="aa-ET" sz="1400" b="1" i="0" u="none" strike="noStrike">
+                          <a:solidFill>
+                            <a:srgbClr val="FF9900"/>
+                          </a:solidFill>
+                          <a:effectLst/>
+                          <a:latin typeface="+mn-lt"/>
+                        </a:rPr>
+                        <a:t>:45-1</a:t>
+                      </a:r>
+                      <a:r>
+                        <a:rPr lang="en-GB" sz="1400" b="1" i="0" u="none" strike="noStrike" dirty="0">
+                          <a:solidFill>
+                            <a:srgbClr val="FF9900"/>
+                          </a:solidFill>
+                          <a:effectLst/>
+                          <a:latin typeface="+mn-lt"/>
+                        </a:rPr>
+                        <a:t>1</a:t>
+                      </a:r>
+                      <a:r>
+                        <a:rPr lang="aa-ET" sz="1400" b="1" i="0" u="none" strike="noStrike">
+                          <a:solidFill>
+                            <a:srgbClr val="FF9900"/>
+                          </a:solidFill>
+                          <a:effectLst/>
+                          <a:latin typeface="+mn-lt"/>
+                        </a:rPr>
+                        <a:t>:</a:t>
+                      </a:r>
+                      <a:r>
+                        <a:rPr lang="en-GB" sz="1400" b="1" i="0" u="none" strike="noStrike" dirty="0">
+                          <a:solidFill>
+                            <a:srgbClr val="FF9900"/>
+                          </a:solidFill>
+                          <a:effectLst/>
+                          <a:latin typeface="+mn-lt"/>
+                        </a:rPr>
+                        <a:t>15</a:t>
+                      </a:r>
+                      <a:endParaRPr lang="aa-ET" sz="1400" dirty="0">
+                        <a:effectLst/>
+                        <a:latin typeface="+mn-lt"/>
+                      </a:endParaRPr>
+                    </a:p>
+                  </a:txBody>
+                  <a:tcPr marL="63500" marR="63500" marT="63500" marB="63500">
+                    <a:lnL w="12700" cap="flat" cmpd="sng" algn="ctr">
+                      <a:solidFill>
+                        <a:srgbClr val="FFFFFF"/>
+                      </a:solidFill>
+                      <a:prstDash val="solid"/>
+                      <a:round/>
+                      <a:headEnd type="none" w="med" len="med"/>
+                      <a:tailEnd type="none" w="med" len="med"/>
+                    </a:lnL>
+                    <a:lnR w="12700" cap="flat" cmpd="sng" algn="ctr">
+                      <a:solidFill>
+                        <a:srgbClr val="FFFFFF"/>
+                      </a:solidFill>
+                      <a:prstDash val="solid"/>
+                      <a:round/>
+                      <a:headEnd type="none" w="med" len="med"/>
+                      <a:tailEnd type="none" w="med" len="med"/>
+                    </a:lnR>
+                    <a:lnT w="12700" cap="flat" cmpd="sng" algn="ctr">
+                      <a:solidFill>
+                        <a:srgbClr val="FFFFFF"/>
+                      </a:solidFill>
+                      <a:prstDash val="solid"/>
+                      <a:round/>
+                      <a:headEnd type="none" w="med" len="med"/>
+                      <a:tailEnd type="none" w="med" len="med"/>
+                    </a:lnT>
+                    <a:lnB w="12700" cap="flat" cmpd="sng" algn="ctr">
+                      <a:solidFill>
+                        <a:srgbClr val="FFFFFF"/>
+                      </a:solidFill>
+                      <a:prstDash val="solid"/>
+                      <a:round/>
+                      <a:headEnd type="none" w="med" len="med"/>
+                      <a:tailEnd type="none" w="med" len="med"/>
+                    </a:lnB>
+                  </a:tcPr>
+                </a:tc>
+                <a:tc>
+                  <a:txBody>
+                    <a:bodyPr/>
+                    <a:lstStyle/>
+                    <a:p>
+                      <a:pPr algn="just" rtl="0" fontAlgn="t">
+                        <a:spcBef>
+                          <a:spcPts val="0"/>
+                        </a:spcBef>
+                        <a:spcAft>
+                          <a:spcPts val="0"/>
+                        </a:spcAft>
+                      </a:pPr>
+                      <a:r>
+                        <a:rPr lang="aa-ET" sz="1400" b="0" i="0" u="none" strike="noStrike">
+                          <a:solidFill>
+                            <a:srgbClr val="000000"/>
+                          </a:solidFill>
+                          <a:effectLst/>
+                          <a:latin typeface="+mn-lt"/>
+                        </a:rPr>
+                        <a:t>-</a:t>
+                      </a:r>
+                      <a:endParaRPr lang="aa-ET" sz="1400">
+                        <a:effectLst/>
+                        <a:latin typeface="+mn-lt"/>
+                      </a:endParaRPr>
+                    </a:p>
+                  </a:txBody>
+                  <a:tcPr marL="63500" marR="63500" marT="63500" marB="63500">
+                    <a:lnL w="12700" cap="flat" cmpd="sng" algn="ctr">
+                      <a:solidFill>
+                        <a:srgbClr val="FFFFFF"/>
+                      </a:solidFill>
+                      <a:prstDash val="solid"/>
+                      <a:round/>
+                      <a:headEnd type="none" w="med" len="med"/>
+                      <a:tailEnd type="none" w="med" len="med"/>
+                    </a:lnL>
+                    <a:lnR w="12700" cap="flat" cmpd="sng" algn="ctr">
+                      <a:solidFill>
+                        <a:srgbClr val="FFFFFF"/>
+                      </a:solidFill>
+                      <a:prstDash val="solid"/>
+                      <a:round/>
+                      <a:headEnd type="none" w="med" len="med"/>
+                      <a:tailEnd type="none" w="med" len="med"/>
+                    </a:lnR>
+                    <a:lnT w="12700" cap="flat" cmpd="sng" algn="ctr">
+                      <a:solidFill>
+                        <a:srgbClr val="FFFFFF"/>
+                      </a:solidFill>
+                      <a:prstDash val="solid"/>
+                      <a:round/>
+                      <a:headEnd type="none" w="med" len="med"/>
+                      <a:tailEnd type="none" w="med" len="med"/>
+                    </a:lnT>
+                    <a:lnB w="12700" cap="flat" cmpd="sng" algn="ctr">
+                      <a:solidFill>
+                        <a:srgbClr val="FFFFFF"/>
+                      </a:solidFill>
+                      <a:prstDash val="solid"/>
+                      <a:round/>
+                      <a:headEnd type="none" w="med" len="med"/>
+                      <a:tailEnd type="none" w="med" len="med"/>
+                    </a:lnB>
+                  </a:tcPr>
+                </a:tc>
+                <a:tc>
+                  <a:txBody>
+                    <a:bodyPr/>
+                    <a:lstStyle/>
+                    <a:p>
+                      <a:pPr algn="just" rtl="0" fontAlgn="t">
+                        <a:spcBef>
+                          <a:spcPts val="0"/>
+                        </a:spcBef>
+                        <a:spcAft>
+                          <a:spcPts val="0"/>
+                        </a:spcAft>
+                      </a:pPr>
+                      <a:r>
+                        <a:rPr lang="en-US" sz="1400" b="0" i="0" u="none" strike="noStrike" dirty="0">
+                          <a:solidFill>
+                            <a:srgbClr val="000000"/>
+                          </a:solidFill>
+                          <a:effectLst/>
+                          <a:latin typeface="+mn-lt"/>
+                        </a:rPr>
+                        <a:t>Coffee break</a:t>
+                      </a:r>
+                    </a:p>
+                  </a:txBody>
+                  <a:tcPr marL="63500" marR="63500" marT="63500" marB="63500">
+                    <a:lnL w="12700" cap="flat" cmpd="sng" algn="ctr">
+                      <a:solidFill>
+                        <a:srgbClr val="FFFFFF"/>
+                      </a:solidFill>
+                      <a:prstDash val="solid"/>
+                      <a:round/>
+                      <a:headEnd type="none" w="med" len="med"/>
+                      <a:tailEnd type="none" w="med" len="med"/>
+                    </a:lnL>
+                    <a:lnR w="12700" cap="flat" cmpd="sng" algn="ctr">
+                      <a:solidFill>
+                        <a:srgbClr val="FFFFFF"/>
+                      </a:solidFill>
+                      <a:prstDash val="solid"/>
+                      <a:round/>
+                      <a:headEnd type="none" w="med" len="med"/>
+                      <a:tailEnd type="none" w="med" len="med"/>
+                    </a:lnR>
+                    <a:lnT w="12700" cap="flat" cmpd="sng" algn="ctr">
+                      <a:solidFill>
+                        <a:srgbClr val="FFFFFF"/>
+                      </a:solidFill>
+                      <a:prstDash val="solid"/>
+                      <a:round/>
+                      <a:headEnd type="none" w="med" len="med"/>
+                      <a:tailEnd type="none" w="med" len="med"/>
+                    </a:lnT>
+                    <a:lnB w="12700" cap="flat" cmpd="sng" algn="ctr">
+                      <a:solidFill>
+                        <a:srgbClr val="FFFFFF"/>
+                      </a:solidFill>
+                      <a:prstDash val="solid"/>
+                      <a:round/>
+                      <a:headEnd type="none" w="med" len="med"/>
+                      <a:tailEnd type="none" w="med" len="med"/>
+                    </a:lnB>
+                  </a:tcPr>
+                </a:tc>
+                <a:extLst>
+                  <a:ext uri="{0D108BD9-81ED-4DB2-BD59-A6C34878D82A}">
+                    <a16:rowId xmlns:a16="http://schemas.microsoft.com/office/drawing/2014/main" val="2751798815"/>
+                  </a:ext>
+                </a:extLst>
+              </a:tr>
+              <a:tr h="468630">
+                <a:tc>
+                  <a:txBody>
+                    <a:bodyPr/>
+                    <a:lstStyle/>
+                    <a:p>
+                      <a:pPr rtl="0" fontAlgn="t">
+                        <a:spcBef>
+                          <a:spcPts val="0"/>
+                        </a:spcBef>
+                        <a:spcAft>
+                          <a:spcPts val="0"/>
+                        </a:spcAft>
+                      </a:pPr>
+                      <a:r>
+                        <a:rPr lang="aa-ET" sz="1400" b="1" i="0" u="none" strike="noStrike">
+                          <a:solidFill>
+                            <a:srgbClr val="FF9900"/>
+                          </a:solidFill>
+                          <a:effectLst/>
+                          <a:latin typeface="+mn-lt"/>
+                        </a:rPr>
+                        <a:t>1</a:t>
+                      </a:r>
+                      <a:r>
+                        <a:rPr lang="en-GB" sz="1400" b="1" i="0" u="none" strike="noStrike" dirty="0">
+                          <a:solidFill>
+                            <a:srgbClr val="FF9900"/>
+                          </a:solidFill>
+                          <a:effectLst/>
+                          <a:latin typeface="+mn-lt"/>
+                        </a:rPr>
+                        <a:t>1</a:t>
+                      </a:r>
+                      <a:r>
+                        <a:rPr lang="aa-ET" sz="1400" b="1" i="0" u="none" strike="noStrike">
+                          <a:solidFill>
+                            <a:srgbClr val="FF9900"/>
+                          </a:solidFill>
+                          <a:effectLst/>
+                          <a:latin typeface="+mn-lt"/>
+                        </a:rPr>
+                        <a:t>:</a:t>
+                      </a:r>
+                      <a:r>
+                        <a:rPr lang="en-GB" sz="1400" b="1" i="0" u="none" strike="noStrike" dirty="0">
+                          <a:solidFill>
+                            <a:srgbClr val="FF9900"/>
+                          </a:solidFill>
+                          <a:effectLst/>
+                          <a:latin typeface="+mn-lt"/>
+                        </a:rPr>
+                        <a:t>1</a:t>
+                      </a:r>
+                      <a:r>
+                        <a:rPr lang="aa-ET" sz="1400" b="1" i="0" u="none" strike="noStrike">
+                          <a:solidFill>
+                            <a:srgbClr val="FF9900"/>
+                          </a:solidFill>
+                          <a:effectLst/>
+                          <a:latin typeface="+mn-lt"/>
+                        </a:rPr>
+                        <a:t>5-1</a:t>
+                      </a:r>
+                      <a:r>
+                        <a:rPr lang="en-GB" sz="1400" b="1" i="0" u="none" strike="noStrike" dirty="0">
+                          <a:solidFill>
+                            <a:srgbClr val="FF9900"/>
+                          </a:solidFill>
+                          <a:effectLst/>
+                          <a:latin typeface="+mn-lt"/>
+                        </a:rPr>
+                        <a:t>2</a:t>
+                      </a:r>
+                      <a:r>
+                        <a:rPr lang="aa-ET" sz="1400" b="1" i="0" u="none" strike="noStrike">
+                          <a:solidFill>
+                            <a:srgbClr val="FF9900"/>
+                          </a:solidFill>
+                          <a:effectLst/>
+                          <a:latin typeface="+mn-lt"/>
+                        </a:rPr>
+                        <a:t>:</a:t>
+                      </a:r>
+                      <a:r>
+                        <a:rPr lang="en-GB" sz="1400" b="1" i="0" u="none" strike="noStrike" dirty="0">
+                          <a:solidFill>
+                            <a:srgbClr val="FF9900"/>
+                          </a:solidFill>
+                          <a:effectLst/>
+                          <a:latin typeface="+mn-lt"/>
+                        </a:rPr>
+                        <a:t>15</a:t>
+                      </a:r>
+                      <a:endParaRPr lang="aa-ET" sz="1400" dirty="0">
+                        <a:effectLst/>
+                        <a:latin typeface="+mn-lt"/>
+                      </a:endParaRPr>
+                    </a:p>
+                  </a:txBody>
+                  <a:tcPr marL="63500" marR="63500" marT="63500" marB="63500">
+                    <a:lnL w="12700" cap="flat" cmpd="sng" algn="ctr">
+                      <a:solidFill>
+                        <a:srgbClr val="FFFFFF"/>
+                      </a:solidFill>
+                      <a:prstDash val="solid"/>
+                      <a:round/>
+                      <a:headEnd type="none" w="med" len="med"/>
+                      <a:tailEnd type="none" w="med" len="med"/>
+                    </a:lnL>
+                    <a:lnR w="12700" cap="flat" cmpd="sng" algn="ctr">
+                      <a:solidFill>
+                        <a:srgbClr val="FFFFFF"/>
+                      </a:solidFill>
+                      <a:prstDash val="solid"/>
+                      <a:round/>
+                      <a:headEnd type="none" w="med" len="med"/>
+                      <a:tailEnd type="none" w="med" len="med"/>
+                    </a:lnR>
+                    <a:lnT w="12700" cap="flat" cmpd="sng" algn="ctr">
+                      <a:solidFill>
+                        <a:srgbClr val="FFFFFF"/>
+                      </a:solidFill>
+                      <a:prstDash val="solid"/>
+                      <a:round/>
+                      <a:headEnd type="none" w="med" len="med"/>
+                      <a:tailEnd type="none" w="med" len="med"/>
+                    </a:lnT>
+                    <a:lnB w="12700" cap="flat" cmpd="sng" algn="ctr">
+                      <a:solidFill>
+                        <a:srgbClr val="FFFFFF"/>
+                      </a:solidFill>
+                      <a:prstDash val="solid"/>
+                      <a:round/>
+                      <a:headEnd type="none" w="med" len="med"/>
+                      <a:tailEnd type="none" w="med" len="med"/>
+                    </a:lnB>
+                  </a:tcPr>
+                </a:tc>
+                <a:tc>
+                  <a:txBody>
+                    <a:bodyPr/>
+                    <a:lstStyle/>
+                    <a:p>
+                      <a:pPr algn="just" rtl="0" fontAlgn="t">
+                        <a:spcBef>
+                          <a:spcPts val="0"/>
+                        </a:spcBef>
+                        <a:spcAft>
+                          <a:spcPts val="0"/>
+                        </a:spcAft>
+                      </a:pPr>
+                      <a:r>
+                        <a:rPr lang="aa-ET" sz="1400" b="0" i="0" u="none" strike="noStrike">
+                          <a:solidFill>
+                            <a:srgbClr val="000000"/>
+                          </a:solidFill>
+                          <a:effectLst/>
+                          <a:latin typeface="+mn-lt"/>
+                        </a:rPr>
+                        <a:t>-</a:t>
+                      </a:r>
+                      <a:endParaRPr lang="aa-ET" sz="1400">
+                        <a:effectLst/>
+                        <a:latin typeface="+mn-lt"/>
+                      </a:endParaRPr>
+                    </a:p>
+                  </a:txBody>
+                  <a:tcPr marL="63500" marR="63500" marT="63500" marB="63500">
+                    <a:lnL w="12700" cap="flat" cmpd="sng" algn="ctr">
+                      <a:solidFill>
+                        <a:srgbClr val="FFFFFF"/>
+                      </a:solidFill>
+                      <a:prstDash val="solid"/>
+                      <a:round/>
+                      <a:headEnd type="none" w="med" len="med"/>
+                      <a:tailEnd type="none" w="med" len="med"/>
+                    </a:lnL>
+                    <a:lnR w="12700" cap="flat" cmpd="sng" algn="ctr">
+                      <a:solidFill>
+                        <a:srgbClr val="FFFFFF"/>
+                      </a:solidFill>
+                      <a:prstDash val="solid"/>
+                      <a:round/>
+                      <a:headEnd type="none" w="med" len="med"/>
+                      <a:tailEnd type="none" w="med" len="med"/>
+                    </a:lnR>
+                    <a:lnT w="12700" cap="flat" cmpd="sng" algn="ctr">
+                      <a:solidFill>
+                        <a:srgbClr val="FFFFFF"/>
+                      </a:solidFill>
+                      <a:prstDash val="solid"/>
+                      <a:round/>
+                      <a:headEnd type="none" w="med" len="med"/>
+                      <a:tailEnd type="none" w="med" len="med"/>
+                    </a:lnT>
+                    <a:lnB w="12700" cap="flat" cmpd="sng" algn="ctr">
+                      <a:solidFill>
+                        <a:srgbClr val="FFFFFF"/>
+                      </a:solidFill>
+                      <a:prstDash val="solid"/>
+                      <a:round/>
+                      <a:headEnd type="none" w="med" len="med"/>
+                      <a:tailEnd type="none" w="med" len="med"/>
+                    </a:lnB>
+                  </a:tcPr>
+                </a:tc>
+                <a:tc>
+                  <a:txBody>
+                    <a:bodyPr/>
+                    <a:lstStyle/>
+                    <a:p>
+                      <a:pPr algn="just" rtl="0" fontAlgn="t">
+                        <a:spcBef>
+                          <a:spcPts val="0"/>
+                        </a:spcBef>
+                        <a:spcAft>
+                          <a:spcPts val="0"/>
+                        </a:spcAft>
+                      </a:pPr>
+                      <a:r>
+                        <a:rPr lang="en-US" sz="1400" b="0" i="0" u="none" strike="noStrike" dirty="0">
+                          <a:solidFill>
+                            <a:srgbClr val="000000"/>
+                          </a:solidFill>
+                          <a:effectLst/>
+                          <a:latin typeface="+mn-lt"/>
+                          <a:cs typeface="Arial" panose="020B0604020202020204" pitchFamily="34" charset="0"/>
+                        </a:rPr>
+                        <a:t>Introduction to the workflow manager</a:t>
+                      </a:r>
+                      <a:endParaRPr lang="en-US" sz="2400" dirty="0">
+                        <a:effectLst/>
+                        <a:latin typeface="+mn-lt"/>
+                        <a:cs typeface="Arial" panose="020B0604020202020204" pitchFamily="34" charset="0"/>
+                      </a:endParaRPr>
+                    </a:p>
+                  </a:txBody>
+                  <a:tcPr marL="63500" marR="63500" marT="63500" marB="63500">
+                    <a:lnL w="12700" cap="flat" cmpd="sng" algn="ctr">
+                      <a:solidFill>
+                        <a:srgbClr val="FFFFFF"/>
+                      </a:solidFill>
+                      <a:prstDash val="solid"/>
+                      <a:round/>
+                      <a:headEnd type="none" w="med" len="med"/>
+                      <a:tailEnd type="none" w="med" len="med"/>
+                    </a:lnL>
+                    <a:lnR w="12700" cap="flat" cmpd="sng" algn="ctr">
+                      <a:solidFill>
+                        <a:srgbClr val="FFFFFF"/>
+                      </a:solidFill>
+                      <a:prstDash val="solid"/>
+                      <a:round/>
+                      <a:headEnd type="none" w="med" len="med"/>
+                      <a:tailEnd type="none" w="med" len="med"/>
+                    </a:lnR>
+                    <a:lnT w="12700" cap="flat" cmpd="sng" algn="ctr">
+                      <a:solidFill>
+                        <a:srgbClr val="FFFFFF"/>
+                      </a:solidFill>
+                      <a:prstDash val="solid"/>
+                      <a:round/>
+                      <a:headEnd type="none" w="med" len="med"/>
+                      <a:tailEnd type="none" w="med" len="med"/>
+                    </a:lnT>
+                    <a:lnB w="12700" cap="flat" cmpd="sng" algn="ctr">
+                      <a:solidFill>
+                        <a:srgbClr val="FFFFFF"/>
+                      </a:solidFill>
+                      <a:prstDash val="solid"/>
+                      <a:round/>
+                      <a:headEnd type="none" w="med" len="med"/>
+                      <a:tailEnd type="none" w="med" len="med"/>
+                    </a:lnB>
+                  </a:tcPr>
+                </a:tc>
+                <a:extLst>
+                  <a:ext uri="{0D108BD9-81ED-4DB2-BD59-A6C34878D82A}">
+                    <a16:rowId xmlns:a16="http://schemas.microsoft.com/office/drawing/2014/main" val="3812304599"/>
+                  </a:ext>
+                </a:extLst>
+              </a:tr>
+              <a:tr h="525780">
+                <a:tc>
+                  <a:txBody>
+                    <a:bodyPr/>
+                    <a:lstStyle/>
+                    <a:p>
+                      <a:pPr rtl="0" fontAlgn="t">
+                        <a:spcBef>
+                          <a:spcPts val="0"/>
+                        </a:spcBef>
+                        <a:spcAft>
+                          <a:spcPts val="0"/>
+                        </a:spcAft>
+                      </a:pPr>
+                      <a:r>
+                        <a:rPr lang="aa-ET" sz="1400" b="1" i="0" u="none" strike="noStrike">
+                          <a:solidFill>
+                            <a:srgbClr val="FF9900"/>
+                          </a:solidFill>
+                          <a:effectLst/>
+                          <a:latin typeface="+mn-lt"/>
+                        </a:rPr>
+                        <a:t>1</a:t>
+                      </a:r>
+                      <a:r>
+                        <a:rPr lang="en-GB" sz="1400" b="1" i="0" u="none" strike="noStrike" dirty="0">
+                          <a:solidFill>
+                            <a:srgbClr val="FF9900"/>
+                          </a:solidFill>
+                          <a:effectLst/>
+                          <a:latin typeface="+mn-lt"/>
+                        </a:rPr>
+                        <a:t>2</a:t>
+                      </a:r>
+                      <a:r>
+                        <a:rPr lang="aa-ET" sz="1400" b="1" i="0" u="none" strike="noStrike">
+                          <a:solidFill>
+                            <a:srgbClr val="FF9900"/>
+                          </a:solidFill>
+                          <a:effectLst/>
+                          <a:latin typeface="+mn-lt"/>
+                        </a:rPr>
+                        <a:t>:</a:t>
+                      </a:r>
+                      <a:r>
+                        <a:rPr lang="en-GB" sz="1400" b="1" i="0" u="none" strike="noStrike" dirty="0">
+                          <a:solidFill>
+                            <a:srgbClr val="FF9900"/>
+                          </a:solidFill>
+                          <a:effectLst/>
+                          <a:latin typeface="+mn-lt"/>
+                        </a:rPr>
+                        <a:t>1</a:t>
+                      </a:r>
+                      <a:r>
+                        <a:rPr lang="aa-ET" sz="1400" b="1" i="0" u="none" strike="noStrike">
+                          <a:solidFill>
+                            <a:srgbClr val="FF9900"/>
+                          </a:solidFill>
+                          <a:effectLst/>
+                          <a:latin typeface="+mn-lt"/>
+                        </a:rPr>
+                        <a:t>5-1</a:t>
+                      </a:r>
+                      <a:r>
+                        <a:rPr lang="en-GB" sz="1400" b="1" i="0" u="none" strike="noStrike" dirty="0">
+                          <a:solidFill>
+                            <a:srgbClr val="FF9900"/>
+                          </a:solidFill>
+                          <a:effectLst/>
+                          <a:latin typeface="+mn-lt"/>
+                        </a:rPr>
+                        <a:t>2</a:t>
+                      </a:r>
+                      <a:r>
+                        <a:rPr lang="aa-ET" sz="1400" b="1" i="0" u="none" strike="noStrike">
+                          <a:solidFill>
+                            <a:srgbClr val="FF9900"/>
+                          </a:solidFill>
+                          <a:effectLst/>
+                          <a:latin typeface="+mn-lt"/>
+                        </a:rPr>
+                        <a:t>:</a:t>
+                      </a:r>
+                      <a:r>
+                        <a:rPr lang="en-GB" sz="1400" b="1" i="0" u="none" strike="noStrike" dirty="0">
+                          <a:solidFill>
+                            <a:srgbClr val="FF9900"/>
+                          </a:solidFill>
+                          <a:effectLst/>
+                          <a:latin typeface="+mn-lt"/>
+                        </a:rPr>
+                        <a:t>45</a:t>
+                      </a:r>
+                      <a:endParaRPr lang="aa-ET" sz="1400" dirty="0">
+                        <a:effectLst/>
+                        <a:latin typeface="+mn-lt"/>
+                      </a:endParaRPr>
+                    </a:p>
+                  </a:txBody>
+                  <a:tcPr marL="63500" marR="63500" marT="63500" marB="63500">
+                    <a:lnL w="12700" cap="flat" cmpd="sng" algn="ctr">
+                      <a:solidFill>
+                        <a:srgbClr val="FFFFFF"/>
+                      </a:solidFill>
+                      <a:prstDash val="solid"/>
+                      <a:round/>
+                      <a:headEnd type="none" w="med" len="med"/>
+                      <a:tailEnd type="none" w="med" len="med"/>
+                    </a:lnL>
+                    <a:lnR w="12700" cap="flat" cmpd="sng" algn="ctr">
+                      <a:solidFill>
+                        <a:srgbClr val="FFFFFF"/>
+                      </a:solidFill>
+                      <a:prstDash val="solid"/>
+                      <a:round/>
+                      <a:headEnd type="none" w="med" len="med"/>
+                      <a:tailEnd type="none" w="med" len="med"/>
+                    </a:lnR>
+                    <a:lnT w="12700" cap="flat" cmpd="sng" algn="ctr">
+                      <a:solidFill>
+                        <a:srgbClr val="FFFFFF"/>
+                      </a:solidFill>
+                      <a:prstDash val="solid"/>
+                      <a:round/>
+                      <a:headEnd type="none" w="med" len="med"/>
+                      <a:tailEnd type="none" w="med" len="med"/>
+                    </a:lnT>
+                    <a:lnB w="12700" cap="flat" cmpd="sng" algn="ctr">
+                      <a:solidFill>
+                        <a:srgbClr val="FFFFFF"/>
+                      </a:solidFill>
+                      <a:prstDash val="solid"/>
+                      <a:round/>
+                      <a:headEnd type="none" w="med" len="med"/>
+                      <a:tailEnd type="none" w="med" len="med"/>
+                    </a:lnB>
+                  </a:tcPr>
+                </a:tc>
+                <a:tc>
+                  <a:txBody>
+                    <a:bodyPr/>
+                    <a:lstStyle/>
+                    <a:p>
+                      <a:pPr algn="just" rtl="0" fontAlgn="t">
+                        <a:spcBef>
+                          <a:spcPts val="0"/>
+                        </a:spcBef>
+                        <a:spcAft>
+                          <a:spcPts val="0"/>
+                        </a:spcAft>
+                      </a:pPr>
+                      <a:r>
+                        <a:rPr lang="aa-ET" sz="1400" b="0" i="0" u="none" strike="noStrike">
+                          <a:solidFill>
+                            <a:srgbClr val="000000"/>
+                          </a:solidFill>
+                          <a:effectLst/>
+                          <a:latin typeface="+mn-lt"/>
+                        </a:rPr>
+                        <a:t>-</a:t>
+                      </a:r>
+                      <a:endParaRPr lang="aa-ET" sz="1400">
+                        <a:effectLst/>
+                        <a:latin typeface="+mn-lt"/>
+                      </a:endParaRPr>
+                    </a:p>
+                  </a:txBody>
+                  <a:tcPr marL="63500" marR="63500" marT="63500" marB="63500">
+                    <a:lnL w="12700" cap="flat" cmpd="sng" algn="ctr">
+                      <a:solidFill>
+                        <a:srgbClr val="FFFFFF"/>
+                      </a:solidFill>
+                      <a:prstDash val="solid"/>
+                      <a:round/>
+                      <a:headEnd type="none" w="med" len="med"/>
+                      <a:tailEnd type="none" w="med" len="med"/>
+                    </a:lnL>
+                    <a:lnR w="12700" cap="flat" cmpd="sng" algn="ctr">
+                      <a:solidFill>
+                        <a:srgbClr val="FFFFFF"/>
+                      </a:solidFill>
+                      <a:prstDash val="solid"/>
+                      <a:round/>
+                      <a:headEnd type="none" w="med" len="med"/>
+                      <a:tailEnd type="none" w="med" len="med"/>
+                    </a:lnR>
+                    <a:lnT w="12700" cap="flat" cmpd="sng" algn="ctr">
+                      <a:solidFill>
+                        <a:srgbClr val="FFFFFF"/>
+                      </a:solidFill>
+                      <a:prstDash val="solid"/>
+                      <a:round/>
+                      <a:headEnd type="none" w="med" len="med"/>
+                      <a:tailEnd type="none" w="med" len="med"/>
+                    </a:lnT>
+                    <a:lnB w="12700" cap="flat" cmpd="sng" algn="ctr">
+                      <a:solidFill>
+                        <a:srgbClr val="FFFFFF"/>
+                      </a:solidFill>
+                      <a:prstDash val="solid"/>
+                      <a:round/>
+                      <a:headEnd type="none" w="med" len="med"/>
+                      <a:tailEnd type="none" w="med" len="med"/>
+                    </a:lnB>
+                  </a:tcPr>
+                </a:tc>
+                <a:tc>
+                  <a:txBody>
+                    <a:bodyPr/>
+                    <a:lstStyle/>
+                    <a:p>
+                      <a:pPr algn="just" rtl="0" fontAlgn="t">
+                        <a:spcBef>
+                          <a:spcPts val="0"/>
+                        </a:spcBef>
+                        <a:spcAft>
+                          <a:spcPts val="0"/>
+                        </a:spcAft>
+                      </a:pPr>
+                      <a:r>
+                        <a:rPr lang="en-US" sz="1400" b="0" i="0" u="none" strike="noStrike" dirty="0">
+                          <a:solidFill>
+                            <a:srgbClr val="000000"/>
+                          </a:solidFill>
+                          <a:effectLst/>
+                          <a:latin typeface="+mn-lt"/>
+                          <a:cs typeface="Arial" panose="020B0604020202020204" pitchFamily="34" charset="0"/>
+                        </a:rPr>
+                        <a:t>Extended YAML syntax and hands-on exercises</a:t>
+                      </a:r>
+                      <a:endParaRPr lang="en-US" sz="2400" dirty="0">
+                        <a:effectLst/>
+                        <a:latin typeface="+mn-lt"/>
+                        <a:cs typeface="Arial" panose="020B0604020202020204" pitchFamily="34" charset="0"/>
+                      </a:endParaRPr>
+                    </a:p>
+                  </a:txBody>
+                  <a:tcPr marL="63500" marR="63500" marT="63500" marB="63500">
+                    <a:lnL w="12700" cap="flat" cmpd="sng" algn="ctr">
+                      <a:solidFill>
+                        <a:srgbClr val="FFFFFF"/>
+                      </a:solidFill>
+                      <a:prstDash val="solid"/>
+                      <a:round/>
+                      <a:headEnd type="none" w="med" len="med"/>
+                      <a:tailEnd type="none" w="med" len="med"/>
+                    </a:lnL>
+                    <a:lnR w="12700" cap="flat" cmpd="sng" algn="ctr">
+                      <a:solidFill>
+                        <a:srgbClr val="FFFFFF"/>
+                      </a:solidFill>
+                      <a:prstDash val="solid"/>
+                      <a:round/>
+                      <a:headEnd type="none" w="med" len="med"/>
+                      <a:tailEnd type="none" w="med" len="med"/>
+                    </a:lnR>
+                    <a:lnT w="12700" cap="flat" cmpd="sng" algn="ctr">
+                      <a:solidFill>
+                        <a:srgbClr val="FFFFFF"/>
+                      </a:solidFill>
+                      <a:prstDash val="solid"/>
+                      <a:round/>
+                      <a:headEnd type="none" w="med" len="med"/>
+                      <a:tailEnd type="none" w="med" len="med"/>
+                    </a:lnT>
+                    <a:lnB w="12700" cap="flat" cmpd="sng" algn="ctr">
+                      <a:solidFill>
+                        <a:srgbClr val="FFFFFF"/>
+                      </a:solidFill>
+                      <a:prstDash val="solid"/>
+                      <a:round/>
+                      <a:headEnd type="none" w="med" len="med"/>
+                      <a:tailEnd type="none" w="med" len="med"/>
+                    </a:lnB>
+                  </a:tcPr>
+                </a:tc>
+                <a:extLst>
+                  <a:ext uri="{0D108BD9-81ED-4DB2-BD59-A6C34878D82A}">
+                    <a16:rowId xmlns:a16="http://schemas.microsoft.com/office/drawing/2014/main" val="3146478164"/>
+                  </a:ext>
+                </a:extLst>
+              </a:tr>
+              <a:tr h="502920">
+                <a:tc>
+                  <a:txBody>
+                    <a:bodyPr/>
+                    <a:lstStyle/>
+                    <a:p>
+                      <a:pPr rtl="0" fontAlgn="t">
+                        <a:spcBef>
+                          <a:spcPts val="0"/>
+                        </a:spcBef>
+                        <a:spcAft>
+                          <a:spcPts val="0"/>
+                        </a:spcAft>
+                      </a:pPr>
+                      <a:r>
+                        <a:rPr lang="aa-ET" sz="1400" b="1" i="0" u="none" strike="noStrike">
+                          <a:solidFill>
+                            <a:srgbClr val="FF9900"/>
+                          </a:solidFill>
+                          <a:effectLst/>
+                          <a:latin typeface="+mn-lt"/>
+                        </a:rPr>
+                        <a:t>1</a:t>
+                      </a:r>
+                      <a:r>
+                        <a:rPr lang="en-GB" sz="1400" b="1" i="0" u="none" strike="noStrike" dirty="0">
+                          <a:solidFill>
+                            <a:srgbClr val="FF9900"/>
+                          </a:solidFill>
+                          <a:effectLst/>
+                          <a:latin typeface="+mn-lt"/>
+                        </a:rPr>
+                        <a:t>2</a:t>
+                      </a:r>
+                      <a:r>
+                        <a:rPr lang="aa-ET" sz="1400" b="1" i="0" u="none" strike="noStrike">
+                          <a:solidFill>
+                            <a:srgbClr val="FF9900"/>
+                          </a:solidFill>
+                          <a:effectLst/>
+                          <a:latin typeface="+mn-lt"/>
+                        </a:rPr>
+                        <a:t>:</a:t>
+                      </a:r>
+                      <a:r>
+                        <a:rPr lang="en-GB" sz="1400" b="1" i="0" u="none" strike="noStrike" dirty="0">
+                          <a:solidFill>
+                            <a:srgbClr val="FF9900"/>
+                          </a:solidFill>
+                          <a:effectLst/>
+                          <a:latin typeface="+mn-lt"/>
+                        </a:rPr>
+                        <a:t>45</a:t>
+                      </a:r>
+                      <a:r>
+                        <a:rPr lang="aa-ET" sz="1400" b="1" i="0" u="none" strike="noStrike">
+                          <a:solidFill>
+                            <a:srgbClr val="FF9900"/>
+                          </a:solidFill>
+                          <a:effectLst/>
+                          <a:latin typeface="+mn-lt"/>
+                        </a:rPr>
+                        <a:t>-1</a:t>
+                      </a:r>
+                      <a:r>
+                        <a:rPr lang="en-GB" sz="1400" b="1" i="0" u="none" strike="noStrike" dirty="0">
+                          <a:solidFill>
+                            <a:srgbClr val="FF9900"/>
+                          </a:solidFill>
+                          <a:effectLst/>
+                          <a:latin typeface="+mn-lt"/>
+                        </a:rPr>
+                        <a:t>3</a:t>
+                      </a:r>
+                      <a:r>
+                        <a:rPr lang="aa-ET" sz="1400" b="1" i="0" u="none" strike="noStrike">
+                          <a:solidFill>
+                            <a:srgbClr val="FF9900"/>
+                          </a:solidFill>
+                          <a:effectLst/>
+                          <a:latin typeface="+mn-lt"/>
+                        </a:rPr>
+                        <a:t>:</a:t>
+                      </a:r>
+                      <a:r>
+                        <a:rPr lang="en-GB" sz="1400" b="1" i="0" u="none" strike="noStrike" dirty="0">
+                          <a:solidFill>
+                            <a:srgbClr val="FF9900"/>
+                          </a:solidFill>
+                          <a:effectLst/>
+                          <a:latin typeface="+mn-lt"/>
+                        </a:rPr>
+                        <a:t>00</a:t>
+                      </a:r>
+                      <a:endParaRPr lang="aa-ET" sz="1400" dirty="0">
+                        <a:effectLst/>
+                        <a:latin typeface="+mn-lt"/>
+                      </a:endParaRPr>
+                    </a:p>
+                  </a:txBody>
+                  <a:tcPr marL="63500" marR="63500" marT="63500" marB="63500">
+                    <a:lnL w="12700" cap="flat" cmpd="sng" algn="ctr">
+                      <a:solidFill>
+                        <a:srgbClr val="FFFFFF"/>
+                      </a:solidFill>
+                      <a:prstDash val="solid"/>
+                      <a:round/>
+                      <a:headEnd type="none" w="med" len="med"/>
+                      <a:tailEnd type="none" w="med" len="med"/>
+                    </a:lnL>
+                    <a:lnR w="12700" cap="flat" cmpd="sng" algn="ctr">
+                      <a:solidFill>
+                        <a:srgbClr val="FFFFFF"/>
+                      </a:solidFill>
+                      <a:prstDash val="solid"/>
+                      <a:round/>
+                      <a:headEnd type="none" w="med" len="med"/>
+                      <a:tailEnd type="none" w="med" len="med"/>
+                    </a:lnR>
+                    <a:lnT w="12700" cap="flat" cmpd="sng" algn="ctr">
+                      <a:solidFill>
+                        <a:srgbClr val="FFFFFF"/>
+                      </a:solidFill>
+                      <a:prstDash val="solid"/>
+                      <a:round/>
+                      <a:headEnd type="none" w="med" len="med"/>
+                      <a:tailEnd type="none" w="med" len="med"/>
+                    </a:lnT>
+                    <a:lnB w="12700" cap="flat" cmpd="sng" algn="ctr">
+                      <a:solidFill>
+                        <a:srgbClr val="FFFFFF"/>
+                      </a:solidFill>
+                      <a:prstDash val="solid"/>
+                      <a:round/>
+                      <a:headEnd type="none" w="med" len="med"/>
+                      <a:tailEnd type="none" w="med" len="med"/>
+                    </a:lnB>
+                  </a:tcPr>
+                </a:tc>
+                <a:tc>
+                  <a:txBody>
+                    <a:bodyPr/>
+                    <a:lstStyle/>
+                    <a:p>
+                      <a:pPr algn="just" rtl="0" fontAlgn="t">
+                        <a:spcBef>
+                          <a:spcPts val="0"/>
+                        </a:spcBef>
+                        <a:spcAft>
+                          <a:spcPts val="0"/>
+                        </a:spcAft>
+                      </a:pPr>
+                      <a:r>
+                        <a:rPr lang="aa-ET" sz="1400" b="0" i="0" u="none" strike="noStrike">
+                          <a:solidFill>
+                            <a:srgbClr val="000000"/>
+                          </a:solidFill>
+                          <a:effectLst/>
+                          <a:latin typeface="+mn-lt"/>
+                        </a:rPr>
+                        <a:t>-</a:t>
+                      </a:r>
+                      <a:endParaRPr lang="aa-ET" sz="1400">
+                        <a:effectLst/>
+                        <a:latin typeface="+mn-lt"/>
+                      </a:endParaRPr>
+                    </a:p>
+                  </a:txBody>
+                  <a:tcPr marL="63500" marR="63500" marT="63500" marB="63500">
+                    <a:lnL w="12700" cap="flat" cmpd="sng" algn="ctr">
+                      <a:solidFill>
+                        <a:srgbClr val="FFFFFF"/>
+                      </a:solidFill>
+                      <a:prstDash val="solid"/>
+                      <a:round/>
+                      <a:headEnd type="none" w="med" len="med"/>
+                      <a:tailEnd type="none" w="med" len="med"/>
+                    </a:lnL>
+                    <a:lnR w="12700" cap="flat" cmpd="sng" algn="ctr">
+                      <a:solidFill>
+                        <a:srgbClr val="FFFFFF"/>
+                      </a:solidFill>
+                      <a:prstDash val="solid"/>
+                      <a:round/>
+                      <a:headEnd type="none" w="med" len="med"/>
+                      <a:tailEnd type="none" w="med" len="med"/>
+                    </a:lnR>
+                    <a:lnT w="12700" cap="flat" cmpd="sng" algn="ctr">
+                      <a:solidFill>
+                        <a:srgbClr val="FFFFFF"/>
+                      </a:solidFill>
+                      <a:prstDash val="solid"/>
+                      <a:round/>
+                      <a:headEnd type="none" w="med" len="med"/>
+                      <a:tailEnd type="none" w="med" len="med"/>
+                    </a:lnT>
+                    <a:lnB w="12700" cap="flat" cmpd="sng" algn="ctr">
+                      <a:solidFill>
+                        <a:srgbClr val="FFFFFF"/>
+                      </a:solidFill>
+                      <a:prstDash val="solid"/>
+                      <a:round/>
+                      <a:headEnd type="none" w="med" len="med"/>
+                      <a:tailEnd type="none" w="med" len="med"/>
+                    </a:lnB>
+                  </a:tcPr>
+                </a:tc>
+                <a:tc>
+                  <a:txBody>
+                    <a:bodyPr/>
+                    <a:lstStyle/>
+                    <a:p>
+                      <a:pPr algn="just" rtl="0" fontAlgn="t">
+                        <a:spcBef>
+                          <a:spcPts val="0"/>
+                        </a:spcBef>
+                        <a:spcAft>
+                          <a:spcPts val="0"/>
+                        </a:spcAft>
+                      </a:pPr>
+                      <a:r>
+                        <a:rPr lang="en-US" sz="1400" b="0" i="0" u="none" strike="noStrike" dirty="0">
+                          <a:solidFill>
+                            <a:srgbClr val="000000"/>
+                          </a:solidFill>
+                          <a:effectLst/>
+                          <a:latin typeface="+mn-lt"/>
+                          <a:cs typeface="Arial" panose="020B0604020202020204" pitchFamily="34" charset="0"/>
+                        </a:rPr>
+                        <a:t>Resume</a:t>
+                      </a:r>
+                      <a:endParaRPr lang="en-US" sz="2400" dirty="0">
+                        <a:effectLst/>
+                        <a:latin typeface="+mn-lt"/>
+                        <a:cs typeface="Arial" panose="020B0604020202020204" pitchFamily="34" charset="0"/>
+                      </a:endParaRPr>
+                    </a:p>
+                  </a:txBody>
+                  <a:tcPr marL="63500" marR="63500" marT="63500" marB="63500">
+                    <a:lnL w="12700" cap="flat" cmpd="sng" algn="ctr">
+                      <a:solidFill>
+                        <a:srgbClr val="FFFFFF"/>
+                      </a:solidFill>
+                      <a:prstDash val="solid"/>
+                      <a:round/>
+                      <a:headEnd type="none" w="med" len="med"/>
+                      <a:tailEnd type="none" w="med" len="med"/>
+                    </a:lnL>
+                    <a:lnR w="12700" cap="flat" cmpd="sng" algn="ctr">
+                      <a:solidFill>
+                        <a:srgbClr val="FFFFFF"/>
+                      </a:solidFill>
+                      <a:prstDash val="solid"/>
+                      <a:round/>
+                      <a:headEnd type="none" w="med" len="med"/>
+                      <a:tailEnd type="none" w="med" len="med"/>
+                    </a:lnR>
+                    <a:lnT w="12700" cap="flat" cmpd="sng" algn="ctr">
+                      <a:solidFill>
+                        <a:srgbClr val="FFFFFF"/>
+                      </a:solidFill>
+                      <a:prstDash val="solid"/>
+                      <a:round/>
+                      <a:headEnd type="none" w="med" len="med"/>
+                      <a:tailEnd type="none" w="med" len="med"/>
+                    </a:lnT>
+                    <a:lnB w="12700" cap="flat" cmpd="sng" algn="ctr">
+                      <a:solidFill>
+                        <a:srgbClr val="FFFFFF"/>
+                      </a:solidFill>
+                      <a:prstDash val="solid"/>
+                      <a:round/>
+                      <a:headEnd type="none" w="med" len="med"/>
+                      <a:tailEnd type="none" w="med" len="med"/>
+                    </a:lnB>
+                  </a:tcPr>
+                </a:tc>
+                <a:extLst>
+                  <a:ext uri="{0D108BD9-81ED-4DB2-BD59-A6C34878D82A}">
+                    <a16:rowId xmlns:a16="http://schemas.microsoft.com/office/drawing/2014/main" val="1987880136"/>
+                  </a:ext>
+                </a:extLst>
+              </a:tr>
+              <a:tr h="605556">
+                <a:tc>
+                  <a:txBody>
+                    <a:bodyPr/>
+                    <a:lstStyle/>
+                    <a:p>
+                      <a:pPr rtl="0" fontAlgn="t">
+                        <a:spcBef>
+                          <a:spcPts val="0"/>
+                        </a:spcBef>
+                        <a:spcAft>
+                          <a:spcPts val="0"/>
+                        </a:spcAft>
+                      </a:pPr>
+                      <a:r>
+                        <a:rPr lang="aa-ET" sz="1400" b="1" i="0" u="none" strike="noStrike" dirty="0">
+                          <a:solidFill>
+                            <a:srgbClr val="FF9900"/>
+                          </a:solidFill>
+                          <a:effectLst/>
+                          <a:latin typeface="+mn-lt"/>
+                        </a:rPr>
+                        <a:t>13:00-14:00</a:t>
+                      </a:r>
+                      <a:endParaRPr lang="aa-ET" sz="1400" dirty="0">
+                        <a:effectLst/>
+                        <a:latin typeface="+mn-lt"/>
+                      </a:endParaRPr>
+                    </a:p>
+                  </a:txBody>
+                  <a:tcPr marL="63500" marR="63500" marT="63500" marB="63500">
+                    <a:lnL w="12700" cap="flat" cmpd="sng" algn="ctr">
+                      <a:solidFill>
+                        <a:srgbClr val="FFFFFF"/>
+                      </a:solidFill>
+                      <a:prstDash val="solid"/>
+                      <a:round/>
+                      <a:headEnd type="none" w="med" len="med"/>
+                      <a:tailEnd type="none" w="med" len="med"/>
+                    </a:lnL>
+                    <a:lnR w="12700" cap="flat" cmpd="sng" algn="ctr">
+                      <a:solidFill>
+                        <a:srgbClr val="FFFFFF"/>
+                      </a:solidFill>
+                      <a:prstDash val="solid"/>
+                      <a:round/>
+                      <a:headEnd type="none" w="med" len="med"/>
+                      <a:tailEnd type="none" w="med" len="med"/>
+                    </a:lnR>
+                    <a:lnT w="12700" cap="flat" cmpd="sng" algn="ctr">
+                      <a:solidFill>
+                        <a:srgbClr val="FFFFFF"/>
+                      </a:solidFill>
+                      <a:prstDash val="solid"/>
+                      <a:round/>
+                      <a:headEnd type="none" w="med" len="med"/>
+                      <a:tailEnd type="none" w="med" len="med"/>
+                    </a:lnT>
+                    <a:lnB w="12700" cap="flat" cmpd="sng" algn="ctr">
+                      <a:solidFill>
+                        <a:srgbClr val="FFFFFF"/>
+                      </a:solidFill>
+                      <a:prstDash val="solid"/>
+                      <a:round/>
+                      <a:headEnd type="none" w="med" len="med"/>
+                      <a:tailEnd type="none" w="med" len="med"/>
+                    </a:lnB>
+                  </a:tcPr>
+                </a:tc>
+                <a:tc>
+                  <a:txBody>
+                    <a:bodyPr/>
+                    <a:lstStyle/>
+                    <a:p>
+                      <a:pPr algn="just" rtl="0" fontAlgn="t">
+                        <a:spcBef>
+                          <a:spcPts val="0"/>
+                        </a:spcBef>
+                        <a:spcAft>
+                          <a:spcPts val="0"/>
+                        </a:spcAft>
+                      </a:pPr>
+                      <a:r>
+                        <a:rPr lang="aa-ET" sz="1400" b="0" i="0" u="none" strike="noStrike">
+                          <a:solidFill>
+                            <a:srgbClr val="000000"/>
+                          </a:solidFill>
+                          <a:effectLst/>
+                          <a:latin typeface="+mn-lt"/>
+                        </a:rPr>
+                        <a:t>-</a:t>
+                      </a:r>
+                      <a:endParaRPr lang="aa-ET" sz="1400">
+                        <a:effectLst/>
+                        <a:latin typeface="+mn-lt"/>
+                      </a:endParaRPr>
+                    </a:p>
+                  </a:txBody>
+                  <a:tcPr marL="63500" marR="63500" marT="63500" marB="63500">
+                    <a:lnL w="12700" cap="flat" cmpd="sng" algn="ctr">
+                      <a:solidFill>
+                        <a:srgbClr val="FFFFFF"/>
+                      </a:solidFill>
+                      <a:prstDash val="solid"/>
+                      <a:round/>
+                      <a:headEnd type="none" w="med" len="med"/>
+                      <a:tailEnd type="none" w="med" len="med"/>
+                    </a:lnL>
+                    <a:lnR w="12700" cap="flat" cmpd="sng" algn="ctr">
+                      <a:solidFill>
+                        <a:srgbClr val="FFFFFF"/>
+                      </a:solidFill>
+                      <a:prstDash val="solid"/>
+                      <a:round/>
+                      <a:headEnd type="none" w="med" len="med"/>
+                      <a:tailEnd type="none" w="med" len="med"/>
+                    </a:lnR>
+                    <a:lnT w="12700" cap="flat" cmpd="sng" algn="ctr">
+                      <a:solidFill>
+                        <a:srgbClr val="FFFFFF"/>
+                      </a:solidFill>
+                      <a:prstDash val="solid"/>
+                      <a:round/>
+                      <a:headEnd type="none" w="med" len="med"/>
+                      <a:tailEnd type="none" w="med" len="med"/>
+                    </a:lnT>
+                    <a:lnB w="12700" cap="flat" cmpd="sng" algn="ctr">
+                      <a:solidFill>
+                        <a:srgbClr val="FFFFFF"/>
+                      </a:solidFill>
+                      <a:prstDash val="solid"/>
+                      <a:round/>
+                      <a:headEnd type="none" w="med" len="med"/>
+                      <a:tailEnd type="none" w="med" len="med"/>
+                    </a:lnB>
+                  </a:tcPr>
+                </a:tc>
+                <a:tc>
+                  <a:txBody>
+                    <a:bodyPr/>
+                    <a:lstStyle/>
+                    <a:p>
+                      <a:pPr algn="just" rtl="0" fontAlgn="t">
+                        <a:spcBef>
+                          <a:spcPts val="0"/>
+                        </a:spcBef>
+                        <a:spcAft>
+                          <a:spcPts val="0"/>
+                        </a:spcAft>
+                      </a:pPr>
+                      <a:r>
+                        <a:rPr lang="en-US" sz="1400" b="0" i="0" u="none" strike="noStrike" dirty="0">
+                          <a:solidFill>
+                            <a:srgbClr val="000000"/>
+                          </a:solidFill>
+                          <a:effectLst/>
+                          <a:latin typeface="+mn-lt"/>
+                        </a:rPr>
+                        <a:t>Lunch and adjourn</a:t>
+                      </a:r>
+                    </a:p>
+                  </a:txBody>
+                  <a:tcPr marL="63500" marR="63500" marT="63500" marB="63500">
+                    <a:lnL w="12700" cap="flat" cmpd="sng" algn="ctr">
+                      <a:solidFill>
+                        <a:srgbClr val="FFFFFF"/>
+                      </a:solidFill>
+                      <a:prstDash val="solid"/>
+                      <a:round/>
+                      <a:headEnd type="none" w="med" len="med"/>
+                      <a:tailEnd type="none" w="med" len="med"/>
+                    </a:lnL>
+                    <a:lnR w="12700" cap="flat" cmpd="sng" algn="ctr">
+                      <a:solidFill>
+                        <a:srgbClr val="FFFFFF"/>
+                      </a:solidFill>
+                      <a:prstDash val="solid"/>
+                      <a:round/>
+                      <a:headEnd type="none" w="med" len="med"/>
+                      <a:tailEnd type="none" w="med" len="med"/>
+                    </a:lnR>
+                    <a:lnT w="12700" cap="flat" cmpd="sng" algn="ctr">
+                      <a:solidFill>
+                        <a:srgbClr val="FFFFFF"/>
+                      </a:solidFill>
+                      <a:prstDash val="solid"/>
+                      <a:round/>
+                      <a:headEnd type="none" w="med" len="med"/>
+                      <a:tailEnd type="none" w="med" len="med"/>
+                    </a:lnT>
+                    <a:lnB w="12700" cap="flat" cmpd="sng" algn="ctr">
+                      <a:solidFill>
+                        <a:srgbClr val="FFFFFF"/>
+                      </a:solidFill>
+                      <a:prstDash val="solid"/>
+                      <a:round/>
+                      <a:headEnd type="none" w="med" len="med"/>
+                      <a:tailEnd type="none" w="med" len="med"/>
+                    </a:lnB>
+                  </a:tcPr>
+                </a:tc>
+                <a:extLst>
+                  <a:ext uri="{0D108BD9-81ED-4DB2-BD59-A6C34878D82A}">
+                    <a16:rowId xmlns:a16="http://schemas.microsoft.com/office/drawing/2014/main" val="1774161713"/>
+                  </a:ext>
+                </a:extLst>
+              </a:tr>
+            </a:tbl>
+          </a:graphicData>
+        </a:graphic>
+      </p:graphicFrame>
     </p:spTree>
     <p:extLst>
       <p:ext uri="{BB962C8B-B14F-4D97-AF65-F5344CB8AC3E}">
@@ -11493,6 +12629,449 @@
       <p:bldP spid="6" grpId="1" animBg="1"/>
     </p:bldLst>
   </p:timing>
+</p:sld>
+</file>
+
+<file path=ppt/slides/slide9.xml><?xml version="1.0" encoding="utf-8"?>
+<p:sld xmlns:a="http://schemas.openxmlformats.org/drawingml/2006/main" xmlns:r="http://schemas.openxmlformats.org/officeDocument/2006/relationships" xmlns:p="http://schemas.openxmlformats.org/presentationml/2006/main">
+  <p:cSld>
+    <p:spTree>
+      <p:nvGrpSpPr>
+        <p:cNvPr id="1" name=""/>
+        <p:cNvGrpSpPr/>
+        <p:nvPr/>
+      </p:nvGrpSpPr>
+      <p:grpSpPr>
+        <a:xfrm>
+          <a:off x="0" y="0"/>
+          <a:ext cx="0" cy="0"/>
+          <a:chOff x="0" y="0"/>
+          <a:chExt cx="0" cy="0"/>
+        </a:xfrm>
+      </p:grpSpPr>
+      <p:sp>
+        <p:nvSpPr>
+          <p:cNvPr id="5" name="Rectangle 4"/>
+          <p:cNvSpPr/>
+          <p:nvPr/>
+        </p:nvSpPr>
+        <p:spPr>
+          <a:xfrm>
+            <a:off x="0" y="2"/>
+            <a:ext cx="12192000" cy="1296364"/>
+          </a:xfrm>
+          <a:prstGeom prst="rect">
+            <a:avLst/>
+          </a:prstGeom>
+          <a:solidFill>
+            <a:srgbClr val="00ACE6"/>
+          </a:solidFill>
+          <a:ln>
+            <a:noFill/>
+          </a:ln>
+        </p:spPr>
+        <p:style>
+          <a:lnRef idx="2">
+            <a:schemeClr val="accent1">
+              <a:shade val="50000"/>
+            </a:schemeClr>
+          </a:lnRef>
+          <a:fillRef idx="1">
+            <a:schemeClr val="accent1"/>
+          </a:fillRef>
+          <a:effectRef idx="0">
+            <a:schemeClr val="accent1"/>
+          </a:effectRef>
+          <a:fontRef idx="minor">
+            <a:schemeClr val="lt1"/>
+          </a:fontRef>
+        </p:style>
+        <p:txBody>
+          <a:bodyPr rtlCol="0" anchor="ctr"/>
+          <a:lstStyle/>
+          <a:p>
+            <a:r>
+              <a:rPr lang="tr-TR" sz="4800" b="1">
+                <a:solidFill>
+                  <a:prstClr val="white"/>
+                </a:solidFill>
+              </a:rPr>
+              <a:t> Before we start:</a:t>
+            </a:r>
+          </a:p>
+        </p:txBody>
+      </p:sp>
+      <p:pic>
+        <p:nvPicPr>
+          <p:cNvPr id="10" name="Picture 9"/>
+          <p:cNvPicPr>
+            <a:picLocks noChangeAspect="1"/>
+          </p:cNvPicPr>
+          <p:nvPr/>
+        </p:nvPicPr>
+        <p:blipFill>
+          <a:blip r:embed="rId3" cstate="print">
+            <a:extLst>
+              <a:ext uri="{28A0092B-C50C-407E-A947-70E740481C1C}">
+                <a14:useLocalDpi xmlns:a14="http://schemas.microsoft.com/office/drawing/2010/main" val="0"/>
+              </a:ext>
+            </a:extLst>
+          </a:blip>
+          <a:stretch>
+            <a:fillRect/>
+          </a:stretch>
+        </p:blipFill>
+        <p:spPr>
+          <a:xfrm>
+            <a:off x="11280133" y="211397"/>
+            <a:ext cx="616796" cy="873573"/>
+          </a:xfrm>
+          <a:prstGeom prst="rect">
+            <a:avLst/>
+          </a:prstGeom>
+        </p:spPr>
+      </p:pic>
+      <p:sp>
+        <p:nvSpPr>
+          <p:cNvPr id="14" name="Rectangle 13"/>
+          <p:cNvSpPr/>
+          <p:nvPr/>
+        </p:nvSpPr>
+        <p:spPr>
+          <a:xfrm>
+            <a:off x="1111038" y="2054655"/>
+            <a:ext cx="5429371" cy="461665"/>
+          </a:xfrm>
+          <a:prstGeom prst="rect">
+            <a:avLst/>
+          </a:prstGeom>
+        </p:spPr>
+        <p:txBody>
+          <a:bodyPr wrap="none">
+            <a:spAutoFit/>
+          </a:bodyPr>
+          <a:lstStyle/>
+          <a:p>
+            <a:r>
+              <a:rPr lang="tr-TR" sz="2400">
+                <a:hlinkClick r:id="rId4"/>
+              </a:rPr>
+              <a:t>https://github.com/esm-tools/workshops</a:t>
+            </a:r>
+            <a:r>
+              <a:rPr lang="tr-TR" sz="2400"/>
+              <a:t> </a:t>
+            </a:r>
+          </a:p>
+        </p:txBody>
+      </p:sp>
+      <p:sp>
+        <p:nvSpPr>
+          <p:cNvPr id="17" name="Isosceles Triangle 16"/>
+          <p:cNvSpPr/>
+          <p:nvPr/>
+        </p:nvSpPr>
+        <p:spPr>
+          <a:xfrm rot="5400000">
+            <a:off x="562701" y="2090081"/>
+            <a:ext cx="457812" cy="394666"/>
+          </a:xfrm>
+          <a:prstGeom prst="triangle">
+            <a:avLst/>
+          </a:prstGeom>
+          <a:solidFill>
+            <a:srgbClr val="00ACE6"/>
+          </a:solidFill>
+          <a:ln>
+            <a:noFill/>
+          </a:ln>
+        </p:spPr>
+        <p:style>
+          <a:lnRef idx="2">
+            <a:schemeClr val="accent1">
+              <a:shade val="50000"/>
+            </a:schemeClr>
+          </a:lnRef>
+          <a:fillRef idx="1">
+            <a:schemeClr val="accent1"/>
+          </a:fillRef>
+          <a:effectRef idx="0">
+            <a:schemeClr val="accent1"/>
+          </a:effectRef>
+          <a:fontRef idx="minor">
+            <a:schemeClr val="lt1"/>
+          </a:fontRef>
+        </p:style>
+        <p:txBody>
+          <a:bodyPr rtlCol="0" anchor="ctr"/>
+          <a:lstStyle/>
+          <a:p>
+            <a:pPr algn="ctr"/>
+            <a:endParaRPr lang="tr-TR">
+              <a:solidFill>
+                <a:prstClr val="white"/>
+              </a:solidFill>
+            </a:endParaRPr>
+          </a:p>
+        </p:txBody>
+      </p:sp>
+      <p:sp>
+        <p:nvSpPr>
+          <p:cNvPr id="18" name="Isosceles Triangle 17"/>
+          <p:cNvSpPr/>
+          <p:nvPr/>
+        </p:nvSpPr>
+        <p:spPr>
+          <a:xfrm rot="5400000">
+            <a:off x="1165219" y="2965011"/>
+            <a:ext cx="339524" cy="292694"/>
+          </a:xfrm>
+          <a:prstGeom prst="triangle">
+            <a:avLst/>
+          </a:prstGeom>
+          <a:solidFill>
+            <a:srgbClr val="00ACE6"/>
+          </a:solidFill>
+          <a:ln>
+            <a:noFill/>
+          </a:ln>
+        </p:spPr>
+        <p:style>
+          <a:lnRef idx="2">
+            <a:schemeClr val="accent1">
+              <a:shade val="50000"/>
+            </a:schemeClr>
+          </a:lnRef>
+          <a:fillRef idx="1">
+            <a:schemeClr val="accent1"/>
+          </a:fillRef>
+          <a:effectRef idx="0">
+            <a:schemeClr val="accent1"/>
+          </a:effectRef>
+          <a:fontRef idx="minor">
+            <a:schemeClr val="lt1"/>
+          </a:fontRef>
+        </p:style>
+        <p:txBody>
+          <a:bodyPr rtlCol="0" anchor="ctr"/>
+          <a:lstStyle/>
+          <a:p>
+            <a:pPr algn="ctr"/>
+            <a:endParaRPr lang="tr-TR">
+              <a:solidFill>
+                <a:prstClr val="white"/>
+              </a:solidFill>
+            </a:endParaRPr>
+          </a:p>
+        </p:txBody>
+      </p:sp>
+      <p:sp>
+        <p:nvSpPr>
+          <p:cNvPr id="19" name="Rectangle 18"/>
+          <p:cNvSpPr/>
+          <p:nvPr/>
+        </p:nvSpPr>
+        <p:spPr>
+          <a:xfrm>
+            <a:off x="1111038" y="2911303"/>
+            <a:ext cx="4614148" cy="400110"/>
+          </a:xfrm>
+          <a:prstGeom prst="rect">
+            <a:avLst/>
+          </a:prstGeom>
+        </p:spPr>
+        <p:txBody>
+          <a:bodyPr wrap="none">
+            <a:spAutoFit/>
+          </a:bodyPr>
+          <a:lstStyle/>
+          <a:p>
+            <a:pPr lvl="1"/>
+            <a:r>
+              <a:rPr lang="tr-TR" sz="2000"/>
+              <a:t>Presentations, runscripts, exercises, ...</a:t>
+            </a:r>
+          </a:p>
+        </p:txBody>
+      </p:sp>
+      <p:sp>
+        <p:nvSpPr>
+          <p:cNvPr id="20" name="Rectangle 19"/>
+          <p:cNvSpPr/>
+          <p:nvPr/>
+        </p:nvSpPr>
+        <p:spPr>
+          <a:xfrm>
+            <a:off x="1111038" y="3764098"/>
+            <a:ext cx="4013150" cy="461665"/>
+          </a:xfrm>
+          <a:prstGeom prst="rect">
+            <a:avLst/>
+          </a:prstGeom>
+        </p:spPr>
+        <p:txBody>
+          <a:bodyPr wrap="none">
+            <a:spAutoFit/>
+          </a:bodyPr>
+          <a:lstStyle/>
+          <a:p>
+            <a:r>
+              <a:rPr lang="tr-TR" sz="2400">
+                <a:hlinkClick r:id="rId5"/>
+              </a:rPr>
+              <a:t>https://github.com/esm-tools</a:t>
+            </a:r>
+            <a:r>
+              <a:rPr lang="tr-TR" sz="2400"/>
+              <a:t> </a:t>
+            </a:r>
+          </a:p>
+        </p:txBody>
+      </p:sp>
+      <p:sp>
+        <p:nvSpPr>
+          <p:cNvPr id="21" name="Isosceles Triangle 20"/>
+          <p:cNvSpPr/>
+          <p:nvPr/>
+        </p:nvSpPr>
+        <p:spPr>
+          <a:xfrm rot="5400000">
+            <a:off x="562701" y="3799524"/>
+            <a:ext cx="457812" cy="394666"/>
+          </a:xfrm>
+          <a:prstGeom prst="triangle">
+            <a:avLst/>
+          </a:prstGeom>
+          <a:solidFill>
+            <a:srgbClr val="00ACE6"/>
+          </a:solidFill>
+          <a:ln>
+            <a:noFill/>
+          </a:ln>
+        </p:spPr>
+        <p:style>
+          <a:lnRef idx="2">
+            <a:schemeClr val="accent1">
+              <a:shade val="50000"/>
+            </a:schemeClr>
+          </a:lnRef>
+          <a:fillRef idx="1">
+            <a:schemeClr val="accent1"/>
+          </a:fillRef>
+          <a:effectRef idx="0">
+            <a:schemeClr val="accent1"/>
+          </a:effectRef>
+          <a:fontRef idx="minor">
+            <a:schemeClr val="lt1"/>
+          </a:fontRef>
+        </p:style>
+        <p:txBody>
+          <a:bodyPr rtlCol="0" anchor="ctr"/>
+          <a:lstStyle/>
+          <a:p>
+            <a:pPr algn="ctr"/>
+            <a:endParaRPr lang="tr-TR">
+              <a:solidFill>
+                <a:prstClr val="white"/>
+              </a:solidFill>
+            </a:endParaRPr>
+          </a:p>
+        </p:txBody>
+      </p:sp>
+      <p:sp>
+        <p:nvSpPr>
+          <p:cNvPr id="22" name="Rectangle 21"/>
+          <p:cNvSpPr/>
+          <p:nvPr/>
+        </p:nvSpPr>
+        <p:spPr>
+          <a:xfrm>
+            <a:off x="1111038" y="4624599"/>
+            <a:ext cx="6881949" cy="461665"/>
+          </a:xfrm>
+          <a:prstGeom prst="rect">
+            <a:avLst/>
+          </a:prstGeom>
+        </p:spPr>
+        <p:txBody>
+          <a:bodyPr wrap="none">
+            <a:spAutoFit/>
+          </a:bodyPr>
+          <a:lstStyle/>
+          <a:p>
+            <a:r>
+              <a:rPr lang="tr-TR" sz="2400">
+                <a:hlinkClick r:id="rId6"/>
+              </a:rPr>
+              <a:t>https://github.com/esm-tools/esm_tools/discussions</a:t>
+            </a:r>
+            <a:r>
+              <a:rPr lang="tr-TR" sz="2400"/>
+              <a:t> </a:t>
+            </a:r>
+          </a:p>
+        </p:txBody>
+      </p:sp>
+      <p:sp>
+        <p:nvSpPr>
+          <p:cNvPr id="23" name="Isosceles Triangle 22"/>
+          <p:cNvSpPr/>
+          <p:nvPr/>
+        </p:nvSpPr>
+        <p:spPr>
+          <a:xfrm rot="5400000">
+            <a:off x="562701" y="4660025"/>
+            <a:ext cx="457812" cy="394666"/>
+          </a:xfrm>
+          <a:prstGeom prst="triangle">
+            <a:avLst/>
+          </a:prstGeom>
+          <a:solidFill>
+            <a:srgbClr val="00ACE6"/>
+          </a:solidFill>
+          <a:ln>
+            <a:noFill/>
+          </a:ln>
+        </p:spPr>
+        <p:style>
+          <a:lnRef idx="2">
+            <a:schemeClr val="accent1">
+              <a:shade val="50000"/>
+            </a:schemeClr>
+          </a:lnRef>
+          <a:fillRef idx="1">
+            <a:schemeClr val="accent1"/>
+          </a:fillRef>
+          <a:effectRef idx="0">
+            <a:schemeClr val="accent1"/>
+          </a:effectRef>
+          <a:fontRef idx="minor">
+            <a:schemeClr val="lt1"/>
+          </a:fontRef>
+        </p:style>
+        <p:txBody>
+          <a:bodyPr rtlCol="0" anchor="ctr"/>
+          <a:lstStyle/>
+          <a:p>
+            <a:pPr algn="ctr"/>
+            <a:endParaRPr lang="tr-TR">
+              <a:solidFill>
+                <a:prstClr val="white"/>
+              </a:solidFill>
+            </a:endParaRPr>
+          </a:p>
+        </p:txBody>
+      </p:sp>
+    </p:spTree>
+    <p:extLst>
+      <p:ext uri="{BB962C8B-B14F-4D97-AF65-F5344CB8AC3E}">
+        <p14:creationId xmlns:p14="http://schemas.microsoft.com/office/powerpoint/2010/main" val="3122764851"/>
+      </p:ext>
+    </p:extLst>
+  </p:cSld>
+  <p:clrMapOvr>
+    <a:masterClrMapping/>
+  </p:clrMapOvr>
 </p:sld>
 </file>
 
